--- a/test.pptx
+++ b/test.pptx
@@ -6,9 +6,11 @@
   </p:sldMasterIdLst>
   <p:sldIdLst>
     <p:sldId id="256" r:id="rId2"/>
+    <p:sldId id="257" r:id="rId3"/>
+    <p:sldId id="258" r:id="rId4"/>
   </p:sldIdLst>
   <p:notesMasterIdLst>
-    <p:notesMasterId r:id="rId3"/>
+    <p:notesMasterId r:id="rId5"/>
   </p:notesMasterIdLst>
   <p:sldSz cx="9144000" cy="5143500"/>
   <p:notesSz cx="5143500" cy="9144000"/>
@@ -526,6 +528,182 @@
             <a:fld id="{F7021451-1387-4CA6-816F-3879F97B5CBC}" type="slidenum">
               <a:rPr lang="en-US"/>
               <a:t>1</a:t>
+            </a:fld>
+            <a:endParaRPr lang="en-US"/>
+          </a:p>
+        </p:txBody>
+      </p:sp>
+    </p:spTree>
+    <p:extLst>
+      <p:ext uri="{BB962C8B-B14F-4D97-AF65-F5344CB8AC3E}">
+        <p14:creationId xmlns:p14="http://schemas.microsoft.com/office/powerpoint/2010/main" val="1024086991"/>
+      </p:ext>
+    </p:extLst>
+  </p:cSld>
+  <p:clrMapOvr>
+    <a:masterClrMapping/>
+  </p:clrMapOvr>
+</p:notes>
+</file>
+
+<file path=ppt/notesSlides/notesSlide2.xml><?xml version="1.0" encoding="utf-8"?>
+<p:notes xmlns:a="http://schemas.openxmlformats.org/drawingml/2006/main" xmlns:r="http://schemas.openxmlformats.org/officeDocument/2006/relationships" xmlns:p="http://schemas.openxmlformats.org/presentationml/2006/main">
+  <p:cSld>
+    <p:spTree>
+      <p:nvGrpSpPr>
+        <p:cNvPr id="1" name=""/>
+        <p:cNvGrpSpPr/>
+        <p:nvPr/>
+      </p:nvGrpSpPr>
+      <p:grpSpPr>
+        <a:xfrm>
+          <a:off x="0" y="0"/>
+          <a:ext cx="0" cy="0"/>
+          <a:chOff x="0" y="0"/>
+          <a:chExt cx="0" cy="0"/>
+        </a:xfrm>
+      </p:grpSpPr>
+      <p:sp>
+        <p:nvSpPr>
+          <p:cNvPr id="2" name="Slide Image Placeholder 1"/>
+          <p:cNvSpPr>
+            <a:spLocks noGrp="1" noRot="1" noChangeAspect="1"/>
+          </p:cNvSpPr>
+          <p:nvPr>
+            <p:ph type="sldImg"/>
+          </p:nvPr>
+        </p:nvSpPr>
+        <p:spPr/>
+      </p:sp>
+      <p:sp>
+        <p:nvSpPr>
+          <p:cNvPr id="3" name="Notes Placeholder 2"/>
+          <p:cNvSpPr>
+            <a:spLocks noGrp="1"/>
+          </p:cNvSpPr>
+          <p:nvPr>
+            <p:ph type="body" idx="1"/>
+          </p:nvPr>
+        </p:nvSpPr>
+        <p:spPr/>
+        <p:txBody>
+          <a:bodyPr/>
+          <a:lstStyle/>
+          <a:p>
+            <a:r>
+              <a:rPr lang="en-US" dirty="0"/>
+              <a:t/>
+            </a:r>
+            <a:endParaRPr lang="en-US" dirty="0"/>
+          </a:p>
+        </p:txBody>
+      </p:sp>
+      <p:sp>
+        <p:nvSpPr>
+          <p:cNvPr id="4" name="Slide Number Placeholder 3"/>
+          <p:cNvSpPr>
+            <a:spLocks noGrp="1"/>
+          </p:cNvSpPr>
+          <p:nvPr>
+            <p:ph type="sldNum" sz="quarter" idx="10"/>
+          </p:nvPr>
+        </p:nvSpPr>
+        <p:spPr/>
+        <p:txBody>
+          <a:bodyPr/>
+          <a:lstStyle/>
+          <a:p>
+            <a:fld id="{F7021451-1387-4CA6-816F-3879F97B5CBC}" type="slidenum">
+              <a:rPr lang="en-US"/>
+              <a:t>2</a:t>
+            </a:fld>
+            <a:endParaRPr lang="en-US"/>
+          </a:p>
+        </p:txBody>
+      </p:sp>
+    </p:spTree>
+    <p:extLst>
+      <p:ext uri="{BB962C8B-B14F-4D97-AF65-F5344CB8AC3E}">
+        <p14:creationId xmlns:p14="http://schemas.microsoft.com/office/powerpoint/2010/main" val="1024086991"/>
+      </p:ext>
+    </p:extLst>
+  </p:cSld>
+  <p:clrMapOvr>
+    <a:masterClrMapping/>
+  </p:clrMapOvr>
+</p:notes>
+</file>
+
+<file path=ppt/notesSlides/notesSlide3.xml><?xml version="1.0" encoding="utf-8"?>
+<p:notes xmlns:a="http://schemas.openxmlformats.org/drawingml/2006/main" xmlns:r="http://schemas.openxmlformats.org/officeDocument/2006/relationships" xmlns:p="http://schemas.openxmlformats.org/presentationml/2006/main">
+  <p:cSld>
+    <p:spTree>
+      <p:nvGrpSpPr>
+        <p:cNvPr id="1" name=""/>
+        <p:cNvGrpSpPr/>
+        <p:nvPr/>
+      </p:nvGrpSpPr>
+      <p:grpSpPr>
+        <a:xfrm>
+          <a:off x="0" y="0"/>
+          <a:ext cx="0" cy="0"/>
+          <a:chOff x="0" y="0"/>
+          <a:chExt cx="0" cy="0"/>
+        </a:xfrm>
+      </p:grpSpPr>
+      <p:sp>
+        <p:nvSpPr>
+          <p:cNvPr id="2" name="Slide Image Placeholder 1"/>
+          <p:cNvSpPr>
+            <a:spLocks noGrp="1" noRot="1" noChangeAspect="1"/>
+          </p:cNvSpPr>
+          <p:nvPr>
+            <p:ph type="sldImg"/>
+          </p:nvPr>
+        </p:nvSpPr>
+        <p:spPr/>
+      </p:sp>
+      <p:sp>
+        <p:nvSpPr>
+          <p:cNvPr id="3" name="Notes Placeholder 2"/>
+          <p:cNvSpPr>
+            <a:spLocks noGrp="1"/>
+          </p:cNvSpPr>
+          <p:nvPr>
+            <p:ph type="body" idx="1"/>
+          </p:nvPr>
+        </p:nvSpPr>
+        <p:spPr/>
+        <p:txBody>
+          <a:bodyPr/>
+          <a:lstStyle/>
+          <a:p>
+            <a:r>
+              <a:rPr lang="en-US" dirty="0"/>
+              <a:t/>
+            </a:r>
+            <a:endParaRPr lang="en-US" dirty="0"/>
+          </a:p>
+        </p:txBody>
+      </p:sp>
+      <p:sp>
+        <p:nvSpPr>
+          <p:cNvPr id="4" name="Slide Number Placeholder 3"/>
+          <p:cNvSpPr>
+            <a:spLocks noGrp="1"/>
+          </p:cNvSpPr>
+          <p:nvPr>
+            <p:ph type="sldNum" sz="quarter" idx="10"/>
+          </p:nvPr>
+        </p:nvSpPr>
+        <p:spPr/>
+        <p:txBody>
+          <a:bodyPr/>
+          <a:lstStyle/>
+          <a:p>
+            <a:fld id="{F7021451-1387-4CA6-816F-3879F97B5CBC}" type="slidenum">
+              <a:rPr lang="en-US"/>
+              <a:t>3</a:t>
             </a:fld>
             <a:endParaRPr lang="en-US"/>
           </a:p>
@@ -899,6 +1077,128 @@
                 </a:solidFill>
               </a:rPr>
               <a:t>אהבת נעורי</a:t>
+            </a:r>
+            <a:endParaRPr lang="en-US" dirty="0"/>
+          </a:p>
+        </p:txBody>
+      </p:sp>
+    </p:spTree>
+  </p:cSld>
+  <p:clrMapOvr>
+    <a:masterClrMapping/>
+  </p:clrMapOvr>
+</p:sld>
+</file>
+
+<file path=ppt/slides/slide2.xml><?xml version="1.0" encoding="utf-8"?>
+<p:sld xmlns:a="http://schemas.openxmlformats.org/drawingml/2006/main" xmlns:r="http://schemas.openxmlformats.org/officeDocument/2006/relationships" xmlns:p="http://schemas.openxmlformats.org/presentationml/2006/main">
+  <p:cSld name="Slide 2">
+    <p:spTree>
+      <p:nvGrpSpPr>
+        <p:cNvPr id="1" name=""/>
+        <p:cNvGrpSpPr/>
+        <p:nvPr/>
+      </p:nvGrpSpPr>
+      <p:grpSpPr>
+        <a:xfrm>
+          <a:off x="0" y="0"/>
+          <a:ext cx="0" cy="0"/>
+          <a:chOff x="0" y="0"/>
+          <a:chExt cx="0" cy="0"/>
+        </a:xfrm>
+      </p:grpSpPr>
+      <p:sp>
+        <p:nvSpPr>
+          <p:cNvPr id="2" name="Text 0"/>
+          <p:cNvSpPr/>
+          <p:nvPr/>
+        </p:nvSpPr>
+        <p:spPr>
+          <a:xfrm>
+            <a:off x="914400" y="914400"/>
+            <a:ext cx="6858000" cy="0"/>
+          </a:xfrm>
+          <a:prstGeom prst="rect">
+            <a:avLst/>
+          </a:prstGeom>
+          <a:noFill/>
+          <a:ln/>
+        </p:spPr>
+        <p:txBody>
+          <a:bodyPr wrap="square" rtlCol="0" anchor="ctr"/>
+          <a:lstStyle/>
+          <a:p>
+            <a:pPr indent="0" marL="0">
+              <a:buNone/>
+            </a:pPr>
+            <a:r>
+              <a:rPr lang="en-US" dirty="0">
+                <a:solidFill>
+                  <a:srgbClr val="363636"/>
+                </a:solidFill>
+              </a:rPr>
+              <a:t>גיטרה וכינור</a:t>
+            </a:r>
+            <a:endParaRPr lang="en-US" dirty="0"/>
+          </a:p>
+        </p:txBody>
+      </p:sp>
+    </p:spTree>
+  </p:cSld>
+  <p:clrMapOvr>
+    <a:masterClrMapping/>
+  </p:clrMapOvr>
+</p:sld>
+</file>
+
+<file path=ppt/slides/slide3.xml><?xml version="1.0" encoding="utf-8"?>
+<p:sld xmlns:a="http://schemas.openxmlformats.org/drawingml/2006/main" xmlns:r="http://schemas.openxmlformats.org/officeDocument/2006/relationships" xmlns:p="http://schemas.openxmlformats.org/presentationml/2006/main">
+  <p:cSld name="Slide 3">
+    <p:spTree>
+      <p:nvGrpSpPr>
+        <p:cNvPr id="1" name=""/>
+        <p:cNvGrpSpPr/>
+        <p:nvPr/>
+      </p:nvGrpSpPr>
+      <p:grpSpPr>
+        <a:xfrm>
+          <a:off x="0" y="0"/>
+          <a:ext cx="0" cy="0"/>
+          <a:chOff x="0" y="0"/>
+          <a:chExt cx="0" cy="0"/>
+        </a:xfrm>
+      </p:grpSpPr>
+      <p:sp>
+        <p:nvSpPr>
+          <p:cNvPr id="2" name="Text 0"/>
+          <p:cNvSpPr/>
+          <p:nvPr/>
+        </p:nvSpPr>
+        <p:spPr>
+          <a:xfrm>
+            <a:off x="914400" y="914400"/>
+            <a:ext cx="6858000" cy="0"/>
+          </a:xfrm>
+          <a:prstGeom prst="rect">
+            <a:avLst/>
+          </a:prstGeom>
+          <a:noFill/>
+          <a:ln/>
+        </p:spPr>
+        <p:txBody>
+          <a:bodyPr wrap="square" rtlCol="0" anchor="ctr"/>
+          <a:lstStyle/>
+          <a:p>
+            <a:pPr indent="0" marL="0">
+              <a:buNone/>
+            </a:pPr>
+            <a:r>
+              <a:rPr lang="en-US" dirty="0">
+                <a:solidFill>
+                  <a:srgbClr val="363636"/>
+                </a:solidFill>
+              </a:rPr>
+              <a:t>עוד חוזר הניגון</a:t>
             </a:r>
             <a:endParaRPr lang="en-US" dirty="0"/>
           </a:p>

--- a/test.pptx
+++ b/test.pptx
@@ -1082,6 +1082,592 @@
           </a:p>
         </p:txBody>
       </p:sp>
+      <p:sp>
+        <p:nvSpPr>
+          <p:cNvPr id="3" name="Text 1"/>
+          <p:cNvSpPr/>
+          <p:nvPr/>
+        </p:nvSpPr>
+        <p:spPr>
+          <a:xfrm>
+            <a:off x="914400" y="2743200"/>
+            <a:ext cx="6858000" cy="0"/>
+          </a:xfrm>
+          <a:prstGeom prst="rect">
+            <a:avLst/>
+          </a:prstGeom>
+          <a:noFill/>
+          <a:ln/>
+        </p:spPr>
+        <p:txBody>
+          <a:bodyPr wrap="square" rtlCol="0" anchor="ctr"/>
+          <a:lstStyle/>
+          <a:p>
+            <a:pPr indent="0" marL="0">
+              <a:buNone/>
+            </a:pPr>
+            <a:r>
+              <a:rPr lang="en-US" dirty="0">
+                <a:solidFill>
+                  <a:srgbClr val="363636"/>
+                </a:solidFill>
+              </a:rPr>
+              <a:t>C    G7            Am</a:t>
+            </a:r>
+            <a:endParaRPr lang="en-US" dirty="0"/>
+          </a:p>
+          <a:p>
+            <a:pPr indent="0" marL="0">
+              <a:buNone/>
+            </a:pPr>
+            <a:r>
+              <a:rPr lang="en-US" dirty="0">
+                <a:solidFill>
+                  <a:srgbClr val="363636"/>
+                </a:solidFill>
+              </a:rPr>
+              <a:t>הייתי ילד בלילות עצוב</a:t>
+            </a:r>
+            <a:endParaRPr lang="en-US" dirty="0"/>
+          </a:p>
+          <a:p>
+            <a:pPr indent="0" marL="0">
+              <a:buNone/>
+            </a:pPr>
+            <a:r>
+              <a:rPr lang="en-US" dirty="0">
+                <a:solidFill>
+                  <a:srgbClr val="363636"/>
+                </a:solidFill>
+              </a:rPr>
+              <a:t>      Dm    F</a:t>
+            </a:r>
+            <a:endParaRPr lang="en-US" dirty="0"/>
+          </a:p>
+          <a:p>
+            <a:pPr indent="0" marL="0">
+              <a:buNone/>
+            </a:pPr>
+            <a:r>
+              <a:rPr lang="en-US" dirty="0">
+                <a:solidFill>
+                  <a:srgbClr val="363636"/>
+                </a:solidFill>
+              </a:rPr>
+              <a:t>משוטט לבד</a:t>
+            </a:r>
+            <a:endParaRPr lang="en-US" dirty="0"/>
+          </a:p>
+          <a:p>
+            <a:pPr indent="0" marL="0">
+              <a:buNone/>
+            </a:pPr>
+            <a:r>
+              <a:rPr lang="en-US" dirty="0">
+                <a:solidFill>
+                  <a:srgbClr val="363636"/>
+                </a:solidFill>
+              </a:rPr>
+              <a:t>        F    C      G</a:t>
+            </a:r>
+            <a:endParaRPr lang="en-US" dirty="0"/>
+          </a:p>
+          <a:p>
+            <a:pPr indent="0" marL="0">
+              <a:buNone/>
+            </a:pPr>
+            <a:r>
+              <a:rPr lang="en-US" dirty="0">
+                <a:solidFill>
+                  <a:srgbClr val="363636"/>
+                </a:solidFill>
+              </a:rPr>
+              <a:t>לא נתתי לאיש לדעת</a:t>
+            </a:r>
+            <a:endParaRPr lang="en-US" dirty="0"/>
+          </a:p>
+          <a:p>
+            <a:pPr indent="0" marL="0">
+              <a:buNone/>
+            </a:pPr>
+            <a:r>
+              <a:rPr lang="en-US" dirty="0">
+                <a:solidFill>
+                  <a:srgbClr val="363636"/>
+                </a:solidFill>
+              </a:rPr>
+              <a:t>      Am      Bm7b5            Am    E      Dm</a:t>
+            </a:r>
+            <a:endParaRPr lang="en-US" dirty="0"/>
+          </a:p>
+          <a:p>
+            <a:pPr indent="0" marL="0">
+              <a:buNone/>
+            </a:pPr>
+            <a:r>
+              <a:rPr lang="en-US" dirty="0">
+                <a:solidFill>
+                  <a:srgbClr val="363636"/>
+                </a:solidFill>
+              </a:rPr>
+              <a:t>את היית אהבת נעורי</a:t>
+            </a:r>
+            <a:endParaRPr lang="en-US" dirty="0"/>
+          </a:p>
+          <a:p>
+            <a:pPr indent="0" marL="0">
+              <a:buNone/>
+            </a:pPr>
+            <a:r>
+              <a:rPr lang="en-US" dirty="0">
+                <a:solidFill>
+                  <a:srgbClr val="363636"/>
+                </a:solidFill>
+              </a:rPr>
+              <a:t>  C        G7        Am</a:t>
+            </a:r>
+            <a:endParaRPr lang="en-US" dirty="0"/>
+          </a:p>
+          <a:p>
+            <a:pPr indent="0" marL="0">
+              <a:buNone/>
+            </a:pPr>
+            <a:r>
+              <a:rPr lang="en-US" dirty="0">
+                <a:solidFill>
+                  <a:srgbClr val="363636"/>
+                </a:solidFill>
+              </a:rPr>
+              <a:t>הייתי ילד בימים חולם</a:t>
+            </a:r>
+            <a:endParaRPr lang="en-US" dirty="0"/>
+          </a:p>
+          <a:p>
+            <a:pPr indent="0" marL="0">
+              <a:buNone/>
+            </a:pPr>
+            <a:r>
+              <a:rPr lang="en-US" dirty="0">
+                <a:solidFill>
+                  <a:srgbClr val="363636"/>
+                </a:solidFill>
+              </a:rPr>
+              <a:t>Dm  F</a:t>
+            </a:r>
+            <a:endParaRPr lang="en-US" dirty="0"/>
+          </a:p>
+          <a:p>
+            <a:pPr indent="0" marL="0">
+              <a:buNone/>
+            </a:pPr>
+            <a:r>
+              <a:rPr lang="en-US" dirty="0">
+                <a:solidFill>
+                  <a:srgbClr val="363636"/>
+                </a:solidFill>
+              </a:rPr>
+              <a:t>מנגן ושר</a:t>
+            </a:r>
+            <a:endParaRPr lang="en-US" dirty="0"/>
+          </a:p>
+          <a:p>
+            <a:pPr indent="0" marL="0">
+              <a:buNone/>
+            </a:pPr>
+            <a:r>
+              <a:rPr lang="en-US" dirty="0">
+                <a:solidFill>
+                  <a:srgbClr val="363636"/>
+                </a:solidFill>
+              </a:rPr>
+              <a:t>F    C          G</a:t>
+            </a:r>
+            <a:endParaRPr lang="en-US" dirty="0"/>
+          </a:p>
+          <a:p>
+            <a:pPr indent="0" marL="0">
+              <a:buNone/>
+            </a:pPr>
+            <a:r>
+              <a:rPr lang="en-US" dirty="0">
+                <a:solidFill>
+                  <a:srgbClr val="363636"/>
+                </a:solidFill>
+              </a:rPr>
+              <a:t>מדמה לי שאת שומעת</a:t>
+            </a:r>
+            <a:endParaRPr lang="en-US" dirty="0"/>
+          </a:p>
+          <a:p>
+            <a:pPr indent="0" marL="0">
+              <a:buNone/>
+            </a:pPr>
+            <a:r>
+              <a:rPr lang="en-US" dirty="0">
+                <a:solidFill>
+                  <a:srgbClr val="363636"/>
+                </a:solidFill>
+              </a:rPr>
+              <a:t>      G7    Am  Bm7b5  Am    E          Dm</a:t>
+            </a:r>
+            <a:endParaRPr lang="en-US" dirty="0"/>
+          </a:p>
+          <a:p>
+            <a:pPr indent="0" marL="0">
+              <a:buNone/>
+            </a:pPr>
+            <a:r>
+              <a:rPr lang="en-US" dirty="0">
+                <a:solidFill>
+                  <a:srgbClr val="363636"/>
+                </a:solidFill>
+              </a:rPr>
+              <a:t>את השיר הראשון בחיי</a:t>
+            </a:r>
+            <a:endParaRPr lang="en-US" dirty="0"/>
+          </a:p>
+          <a:p>
+            <a:pPr indent="0" marL="0">
+              <a:buNone/>
+            </a:pPr>
+            <a:endParaRPr lang="en-US" dirty="0"/>
+          </a:p>
+          <a:p>
+            <a:pPr indent="0" marL="0">
+              <a:buNone/>
+            </a:pPr>
+            <a:r>
+              <a:rPr lang="en-US" dirty="0">
+                <a:solidFill>
+                  <a:srgbClr val="363636"/>
+                </a:solidFill>
+              </a:rPr>
+              <a:t>  D                C</a:t>
+            </a:r>
+            <a:endParaRPr lang="en-US" dirty="0"/>
+          </a:p>
+          <a:p>
+            <a:pPr indent="0" marL="0">
+              <a:buNone/>
+            </a:pPr>
+            <a:r>
+              <a:rPr lang="en-US" dirty="0">
+                <a:solidFill>
+                  <a:srgbClr val="363636"/>
+                </a:solidFill>
+              </a:rPr>
+              <a:t>מסתכל איך את רוקדת</a:t>
+            </a:r>
+            <a:endParaRPr lang="en-US" dirty="0"/>
+          </a:p>
+          <a:p>
+            <a:pPr indent="0" marL="0">
+              <a:buNone/>
+            </a:pPr>
+            <a:r>
+              <a:rPr lang="en-US" dirty="0">
+                <a:solidFill>
+                  <a:srgbClr val="363636"/>
+                </a:solidFill>
+              </a:rPr>
+              <a:t>  G              Am</a:t>
+            </a:r>
+            <a:endParaRPr lang="en-US" dirty="0"/>
+          </a:p>
+          <a:p>
+            <a:pPr indent="0" marL="0">
+              <a:buNone/>
+            </a:pPr>
+            <a:r>
+              <a:rPr lang="en-US" dirty="0">
+                <a:solidFill>
+                  <a:srgbClr val="363636"/>
+                </a:solidFill>
+              </a:rPr>
+              <a:t>מסתובבת ונצמדת</a:t>
+            </a:r>
+            <a:endParaRPr lang="en-US" dirty="0"/>
+          </a:p>
+          <a:p>
+            <a:pPr indent="0" marL="0">
+              <a:buNone/>
+            </a:pPr>
+            <a:r>
+              <a:rPr lang="en-US" dirty="0">
+                <a:solidFill>
+                  <a:srgbClr val="363636"/>
+                </a:solidFill>
+              </a:rPr>
+              <a:t>  G7        Am  D          C</a:t>
+            </a:r>
+            <a:endParaRPr lang="en-US" dirty="0"/>
+          </a:p>
+          <a:p>
+            <a:pPr indent="0" marL="0">
+              <a:buNone/>
+            </a:pPr>
+            <a:r>
+              <a:rPr lang="en-US" dirty="0">
+                <a:solidFill>
+                  <a:srgbClr val="363636"/>
+                </a:solidFill>
+              </a:rPr>
+              <a:t>רק אני צופה מהצד</a:t>
+            </a:r>
+            <a:endParaRPr lang="en-US" dirty="0"/>
+          </a:p>
+          <a:p>
+            <a:pPr indent="0" marL="0">
+              <a:buNone/>
+            </a:pPr>
+            <a:r>
+              <a:rPr lang="en-US" dirty="0">
+                <a:solidFill>
+                  <a:srgbClr val="363636"/>
+                </a:solidFill>
+              </a:rPr>
+              <a:t>  D                C</a:t>
+            </a:r>
+            <a:endParaRPr lang="en-US" dirty="0"/>
+          </a:p>
+          <a:p>
+            <a:pPr indent="0" marL="0">
+              <a:buNone/>
+            </a:pPr>
+            <a:r>
+              <a:rPr lang="en-US" dirty="0">
+                <a:solidFill>
+                  <a:srgbClr val="363636"/>
+                </a:solidFill>
+              </a:rPr>
+              <a:t>אני נשאר ואת עוזבת</a:t>
+            </a:r>
+            <a:endParaRPr lang="en-US" dirty="0"/>
+          </a:p>
+          <a:p>
+            <a:pPr indent="0" marL="0">
+              <a:buNone/>
+            </a:pPr>
+            <a:r>
+              <a:rPr lang="en-US" dirty="0">
+                <a:solidFill>
+                  <a:srgbClr val="363636"/>
+                </a:solidFill>
+              </a:rPr>
+              <a:t>  G            Am</a:t>
+            </a:r>
+            <a:endParaRPr lang="en-US" dirty="0"/>
+          </a:p>
+          <a:p>
+            <a:pPr indent="0" marL="0">
+              <a:buNone/>
+            </a:pPr>
+            <a:r>
+              <a:rPr lang="en-US" dirty="0">
+                <a:solidFill>
+                  <a:srgbClr val="363636"/>
+                </a:solidFill>
+              </a:rPr>
+              <a:t>רחוקה לא מתקרבת</a:t>
+            </a:r>
+            <a:endParaRPr lang="en-US" dirty="0"/>
+          </a:p>
+          <a:p>
+            <a:pPr indent="0" marL="0">
+              <a:buNone/>
+            </a:pPr>
+            <a:r>
+              <a:rPr lang="en-US" dirty="0">
+                <a:solidFill>
+                  <a:srgbClr val="363636"/>
+                </a:solidFill>
+              </a:rPr>
+              <a:t>  C      G7        Am</a:t>
+            </a:r>
+            <a:endParaRPr lang="en-US" dirty="0"/>
+          </a:p>
+          <a:p>
+            <a:pPr indent="0" marL="0">
+              <a:buNone/>
+            </a:pPr>
+            <a:r>
+              <a:rPr lang="en-US" dirty="0">
+                <a:solidFill>
+                  <a:srgbClr val="363636"/>
+                </a:solidFill>
+              </a:rPr>
+              <a:t>זיכרון שעולה בי שוב</a:t>
+            </a:r>
+            <a:endParaRPr lang="en-US" dirty="0"/>
+          </a:p>
+          <a:p>
+            <a:pPr indent="0" marL="0">
+              <a:buNone/>
+            </a:pPr>
+            <a:r>
+              <a:rPr lang="en-US" dirty="0">
+                <a:solidFill>
+                  <a:srgbClr val="363636"/>
+                </a:solidFill>
+              </a:rPr>
+              <a:t>      F      C    G7    Dm  F</a:t>
+            </a:r>
+            <a:endParaRPr lang="en-US" dirty="0"/>
+          </a:p>
+          <a:p>
+            <a:pPr indent="0" marL="0">
+              <a:buNone/>
+            </a:pPr>
+            <a:r>
+              <a:rPr lang="en-US" dirty="0">
+                <a:solidFill>
+                  <a:srgbClr val="363636"/>
+                </a:solidFill>
+              </a:rPr>
+              <a:t>פרדס רטוב יללת התנים ואת</a:t>
+            </a:r>
+            <a:endParaRPr lang="en-US" dirty="0"/>
+          </a:p>
+          <a:p>
+            <a:pPr indent="0" marL="0">
+              <a:buNone/>
+            </a:pPr>
+            <a:r>
+              <a:rPr lang="en-US" dirty="0">
+                <a:solidFill>
+                  <a:srgbClr val="363636"/>
+                </a:solidFill>
+              </a:rPr>
+              <a:t>  Am    E        Dm</a:t>
+            </a:r>
+            <a:endParaRPr lang="en-US" dirty="0"/>
+          </a:p>
+          <a:p>
+            <a:pPr indent="0" marL="0">
+              <a:buNone/>
+            </a:pPr>
+            <a:r>
+              <a:rPr lang="en-US" dirty="0">
+                <a:solidFill>
+                  <a:srgbClr val="363636"/>
+                </a:solidFill>
+              </a:rPr>
+              <a:t>שהיית אהבת נעורי</a:t>
+            </a:r>
+            <a:endParaRPr lang="en-US" dirty="0"/>
+          </a:p>
+          <a:p>
+            <a:pPr indent="0" marL="0">
+              <a:buNone/>
+            </a:pPr>
+            <a:endParaRPr lang="en-US" dirty="0"/>
+          </a:p>
+          <a:p>
+            <a:pPr indent="0" marL="0">
+              <a:buNone/>
+            </a:pPr>
+            <a:r>
+              <a:rPr lang="en-US" dirty="0">
+                <a:solidFill>
+                  <a:srgbClr val="363636"/>
+                </a:solidFill>
+              </a:rPr>
+              <a:t>ולא הייתי איתך כמעט</a:t>
+            </a:r>
+            <a:endParaRPr lang="en-US" dirty="0"/>
+          </a:p>
+          <a:p>
+            <a:pPr indent="0" marL="0">
+              <a:buNone/>
+            </a:pPr>
+            <a:r>
+              <a:rPr lang="en-US" dirty="0">
+                <a:solidFill>
+                  <a:srgbClr val="363636"/>
+                </a:solidFill>
+              </a:rPr>
+              <a:t>כל כך מעט ואמרת לי שאת נוסעת</a:t>
+            </a:r>
+            <a:endParaRPr lang="en-US" dirty="0"/>
+          </a:p>
+          <a:p>
+            <a:pPr indent="0" marL="0">
+              <a:buNone/>
+            </a:pPr>
+            <a:r>
+              <a:rPr lang="en-US" dirty="0">
+                <a:solidFill>
+                  <a:srgbClr val="363636"/>
+                </a:solidFill>
+              </a:rPr>
+              <a:t>ואולי לא אראה אותך שוב</a:t>
+            </a:r>
+            <a:endParaRPr lang="en-US" dirty="0"/>
+          </a:p>
+          <a:p>
+            <a:pPr indent="0" marL="0">
+              <a:buNone/>
+            </a:pPr>
+            <a:endParaRPr lang="en-US" dirty="0"/>
+          </a:p>
+          <a:p>
+            <a:pPr indent="0" marL="0">
+              <a:buNone/>
+            </a:pPr>
+            <a:r>
+              <a:rPr lang="en-US" dirty="0">
+                <a:solidFill>
+                  <a:srgbClr val="363636"/>
+                </a:solidFill>
+              </a:rPr>
+              <a:t>הייתי ילד בלילות עצוב</a:t>
+            </a:r>
+            <a:endParaRPr lang="en-US" dirty="0"/>
+          </a:p>
+          <a:p>
+            <a:pPr indent="0" marL="0">
+              <a:buNone/>
+            </a:pPr>
+            <a:r>
+              <a:rPr lang="en-US" dirty="0">
+                <a:solidFill>
+                  <a:srgbClr val="363636"/>
+                </a:solidFill>
+              </a:rPr>
+              <a:t>משוטט לבד</a:t>
+            </a:r>
+            <a:endParaRPr lang="en-US" dirty="0"/>
+          </a:p>
+          <a:p>
+            <a:pPr indent="0" marL="0">
+              <a:buNone/>
+            </a:pPr>
+            <a:r>
+              <a:rPr lang="en-US" dirty="0">
+                <a:solidFill>
+                  <a:srgbClr val="363636"/>
+                </a:solidFill>
+              </a:rPr>
+              <a:t>לא נתתי לאיש לדעת</a:t>
+            </a:r>
+            <a:endParaRPr lang="en-US" dirty="0"/>
+          </a:p>
+          <a:p>
+            <a:pPr indent="0" marL="0">
+              <a:buNone/>
+            </a:pPr>
+            <a:r>
+              <a:rPr lang="en-US" dirty="0">
+                <a:solidFill>
+                  <a:srgbClr val="363636"/>
+                </a:solidFill>
+              </a:rPr>
+              <a:t>את היית אהבת נעורי</a:t>
+            </a:r>
+            <a:endParaRPr lang="en-US" dirty="0"/>
+          </a:p>
+        </p:txBody>
+      </p:sp>
     </p:spTree>
   </p:cSld>
   <p:clrMapOvr>
@@ -1138,6 +1724,458 @@
                 </a:solidFill>
               </a:rPr>
               <a:t>גיטרה וכינור</a:t>
+            </a:r>
+            <a:endParaRPr lang="en-US" dirty="0"/>
+          </a:p>
+        </p:txBody>
+      </p:sp>
+      <p:sp>
+        <p:nvSpPr>
+          <p:cNvPr id="3" name="Text 1"/>
+          <p:cNvSpPr/>
+          <p:nvPr/>
+        </p:nvSpPr>
+        <p:spPr>
+          <a:xfrm>
+            <a:off x="914400" y="2743200"/>
+            <a:ext cx="6858000" cy="0"/>
+          </a:xfrm>
+          <a:prstGeom prst="rect">
+            <a:avLst/>
+          </a:prstGeom>
+          <a:noFill/>
+          <a:ln/>
+        </p:spPr>
+        <p:txBody>
+          <a:bodyPr wrap="square" rtlCol="0" anchor="ctr"/>
+          <a:lstStyle/>
+          <a:p>
+            <a:pPr indent="0" marL="0">
+              <a:buNone/>
+            </a:pPr>
+            <a:r>
+              <a:rPr lang="en-US" dirty="0">
+                <a:solidFill>
+                  <a:srgbClr val="363636"/>
+                </a:solidFill>
+              </a:rPr>
+              <a:t>בדירה קטנה, חשוכה מעט</a:t>
+            </a:r>
+            <a:endParaRPr lang="en-US" dirty="0"/>
+          </a:p>
+          <a:p>
+            <a:pPr indent="0" marL="0">
+              <a:buNone/>
+            </a:pPr>
+            <a:r>
+              <a:rPr lang="en-US" dirty="0">
+                <a:solidFill>
+                  <a:srgbClr val="363636"/>
+                </a:solidFill>
+              </a:rPr>
+              <a:t>לא רחוק מכאן, בסימטה בצד</a:t>
+            </a:r>
+            <a:endParaRPr lang="en-US" dirty="0"/>
+          </a:p>
+          <a:p>
+            <a:pPr indent="0" marL="0">
+              <a:buNone/>
+            </a:pPr>
+            <a:r>
+              <a:rPr lang="en-US" dirty="0">
+                <a:solidFill>
+                  <a:srgbClr val="363636"/>
+                </a:solidFill>
+              </a:rPr>
+              <a:t>גר בחור אחד עם אישה אחת</a:t>
+            </a:r>
+            <a:endParaRPr lang="en-US" dirty="0"/>
+          </a:p>
+          <a:p>
+            <a:pPr indent="0" marL="0">
+              <a:buNone/>
+            </a:pPr>
+            <a:r>
+              <a:rPr lang="en-US" dirty="0">
+                <a:solidFill>
+                  <a:srgbClr val="363636"/>
+                </a:solidFill>
+              </a:rPr>
+              <a:t>חיים מכל הבא ליד</a:t>
+            </a:r>
+            <a:endParaRPr lang="en-US" dirty="0"/>
+          </a:p>
+          <a:p>
+            <a:pPr indent="0" marL="0">
+              <a:buNone/>
+            </a:pPr>
+            <a:r>
+              <a:rPr lang="en-US" dirty="0">
+                <a:solidFill>
+                  <a:srgbClr val="363636"/>
+                </a:solidFill>
+              </a:rPr>
+              <a:t>נישאים הם סחור וסחור</a:t>
+            </a:r>
+            <a:endParaRPr lang="en-US" dirty="0"/>
+          </a:p>
+          <a:p>
+            <a:pPr indent="0" marL="0">
+              <a:buNone/>
+            </a:pPr>
+            <a:r>
+              <a:rPr lang="en-US" dirty="0">
+                <a:solidFill>
+                  <a:srgbClr val="363636"/>
+                </a:solidFill>
+              </a:rPr>
+              <a:t>הוא גיטרה, היא כינור.</a:t>
+            </a:r>
+            <a:endParaRPr lang="en-US" dirty="0"/>
+          </a:p>
+          <a:p>
+            <a:pPr indent="0" marL="0">
+              <a:buNone/>
+            </a:pPr>
+            <a:endParaRPr lang="en-US" dirty="0"/>
+          </a:p>
+          <a:p>
+            <a:pPr indent="0" marL="0">
+              <a:buNone/>
+            </a:pPr>
+            <a:r>
+              <a:rPr lang="en-US" dirty="0">
+                <a:solidFill>
+                  <a:srgbClr val="363636"/>
+                </a:solidFill>
+              </a:rPr>
+              <a:t>מחליפים מיתר כשהחורף בא</a:t>
+            </a:r>
+            <a:endParaRPr lang="en-US" dirty="0"/>
+          </a:p>
+          <a:p>
+            <a:pPr indent="0" marL="0">
+              <a:buNone/>
+            </a:pPr>
+            <a:r>
+              <a:rPr lang="en-US" dirty="0">
+                <a:solidFill>
+                  <a:srgbClr val="363636"/>
+                </a:solidFill>
+              </a:rPr>
+              <a:t>היא תולה מבט, הוא שוקע בה</a:t>
+            </a:r>
+            <a:endParaRPr lang="en-US" dirty="0"/>
+          </a:p>
+          <a:p>
+            <a:pPr indent="0" marL="0">
+              <a:buNone/>
+            </a:pPr>
+            <a:r>
+              <a:rPr lang="en-US" dirty="0">
+                <a:solidFill>
+                  <a:srgbClr val="363636"/>
+                </a:solidFill>
+              </a:rPr>
+              <a:t>ואחר כך יד, נגיעה קלה</a:t>
+            </a:r>
+            <a:endParaRPr lang="en-US" dirty="0"/>
+          </a:p>
+          <a:p>
+            <a:pPr indent="0" marL="0">
+              <a:buNone/>
+            </a:pPr>
+            <a:r>
+              <a:rPr lang="en-US" dirty="0">
+                <a:solidFill>
+                  <a:srgbClr val="363636"/>
+                </a:solidFill>
+              </a:rPr>
+              <a:t>נשיקה באויר הוא שולח לה</a:t>
+            </a:r>
+            <a:endParaRPr lang="en-US" dirty="0"/>
+          </a:p>
+          <a:p>
+            <a:pPr indent="0" marL="0">
+              <a:buNone/>
+            </a:pPr>
+            <a:r>
+              <a:rPr lang="en-US" dirty="0">
+                <a:solidFill>
+                  <a:srgbClr val="363636"/>
+                </a:solidFill>
+              </a:rPr>
+              <a:t>מסתלסלת סחור וסחור</a:t>
+            </a:r>
+            <a:endParaRPr lang="en-US" dirty="0"/>
+          </a:p>
+          <a:p>
+            <a:pPr indent="0" marL="0">
+              <a:buNone/>
+            </a:pPr>
+            <a:r>
+              <a:rPr lang="en-US" dirty="0">
+                <a:solidFill>
+                  <a:srgbClr val="363636"/>
+                </a:solidFill>
+              </a:rPr>
+              <a:t>כמו גיטרה וכינור</a:t>
+            </a:r>
+            <a:endParaRPr lang="en-US" dirty="0"/>
+          </a:p>
+          <a:p>
+            <a:pPr indent="0" marL="0">
+              <a:buNone/>
+            </a:pPr>
+            <a:r>
+              <a:rPr lang="en-US" dirty="0">
+                <a:solidFill>
+                  <a:srgbClr val="363636"/>
+                </a:solidFill>
+              </a:rPr>
+              <a:t>הוא על זמן והיא על אור.</a:t>
+            </a:r>
+            <a:endParaRPr lang="en-US" dirty="0"/>
+          </a:p>
+          <a:p>
+            <a:pPr indent="0" marL="0">
+              <a:buNone/>
+            </a:pPr>
+            <a:endParaRPr lang="en-US" dirty="0"/>
+          </a:p>
+          <a:p>
+            <a:pPr indent="0" marL="0">
+              <a:buNone/>
+            </a:pPr>
+            <a:r>
+              <a:rPr lang="en-US" dirty="0">
+                <a:solidFill>
+                  <a:srgbClr val="363636"/>
+                </a:solidFill>
+              </a:rPr>
+              <a:t>בלילות שישי, במוצאי שבת</a:t>
+            </a:r>
+            <a:endParaRPr lang="en-US" dirty="0"/>
+          </a:p>
+          <a:p>
+            <a:pPr indent="0" marL="0">
+              <a:buNone/>
+            </a:pPr>
+            <a:r>
+              <a:rPr lang="en-US" dirty="0">
+                <a:solidFill>
+                  <a:srgbClr val="363636"/>
+                </a:solidFill>
+              </a:rPr>
+              <a:t>אוהבים הרבה, מדברים מעט</a:t>
+            </a:r>
+            <a:endParaRPr lang="en-US" dirty="0"/>
+          </a:p>
+          <a:p>
+            <a:pPr indent="0" marL="0">
+              <a:buNone/>
+            </a:pPr>
+            <a:r>
+              <a:rPr lang="en-US" dirty="0">
+                <a:solidFill>
+                  <a:srgbClr val="363636"/>
+                </a:solidFill>
+              </a:rPr>
+              <a:t>מנגנים דואט ובבת אחת,</a:t>
+            </a:r>
+            <a:endParaRPr lang="en-US" dirty="0"/>
+          </a:p>
+          <a:p>
+            <a:pPr indent="0" marL="0">
+              <a:buNone/>
+            </a:pPr>
+            <a:r>
+              <a:rPr lang="en-US" dirty="0">
+                <a:solidFill>
+                  <a:srgbClr val="363636"/>
+                </a:solidFill>
+              </a:rPr>
+              <a:t>הצלילים עולים והלב נרעד</a:t>
+            </a:r>
+            <a:endParaRPr lang="en-US" dirty="0"/>
+          </a:p>
+          <a:p>
+            <a:pPr indent="0" marL="0">
+              <a:buNone/>
+            </a:pPr>
+            <a:r>
+              <a:rPr lang="en-US" dirty="0">
+                <a:solidFill>
+                  <a:srgbClr val="363636"/>
+                </a:solidFill>
+              </a:rPr>
+              <a:t>נישאים הם סחור וסחור</a:t>
+            </a:r>
+            <a:endParaRPr lang="en-US" dirty="0"/>
+          </a:p>
+          <a:p>
+            <a:pPr indent="0" marL="0">
+              <a:buNone/>
+            </a:pPr>
+            <a:r>
+              <a:rPr lang="en-US" dirty="0">
+                <a:solidFill>
+                  <a:srgbClr val="363636"/>
+                </a:solidFill>
+              </a:rPr>
+              <a:t>הוא גיטרה היא כינור.</a:t>
+            </a:r>
+            <a:endParaRPr lang="en-US" dirty="0"/>
+          </a:p>
+          <a:p>
+            <a:pPr indent="0" marL="0">
+              <a:buNone/>
+            </a:pPr>
+            <a:endParaRPr lang="en-US" dirty="0"/>
+          </a:p>
+          <a:p>
+            <a:pPr indent="0" marL="0">
+              <a:buNone/>
+            </a:pPr>
+            <a:r>
+              <a:rPr lang="en-US" dirty="0">
+                <a:solidFill>
+                  <a:srgbClr val="363636"/>
+                </a:solidFill>
+              </a:rPr>
+              <a:t>כשהקיץ בא הם פורשים כנף</a:t>
+            </a:r>
+            <a:endParaRPr lang="en-US" dirty="0"/>
+          </a:p>
+          <a:p>
+            <a:pPr indent="0" marL="0">
+              <a:buNone/>
+            </a:pPr>
+            <a:r>
+              <a:rPr lang="en-US" dirty="0">
+                <a:solidFill>
+                  <a:srgbClr val="363636"/>
+                </a:solidFill>
+              </a:rPr>
+              <a:t>בעקבות חלום שחלמו בסתיו</a:t>
+            </a:r>
+            <a:endParaRPr lang="en-US" dirty="0"/>
+          </a:p>
+          <a:p>
+            <a:pPr indent="0" marL="0">
+              <a:buNone/>
+            </a:pPr>
+            <a:r>
+              <a:rPr lang="en-US" dirty="0">
+                <a:solidFill>
+                  <a:srgbClr val="363636"/>
+                </a:solidFill>
+              </a:rPr>
+              <a:t>והם לא אמרו אם הם יחזרו</a:t>
+            </a:r>
+            <a:endParaRPr lang="en-US" dirty="0"/>
+          </a:p>
+          <a:p>
+            <a:pPr indent="0" marL="0">
+              <a:buNone/>
+            </a:pPr>
+            <a:r>
+              <a:rPr lang="en-US" dirty="0">
+                <a:solidFill>
+                  <a:srgbClr val="363636"/>
+                </a:solidFill>
+              </a:rPr>
+              <a:t>מהרי נפאל, מערבות פרו</a:t>
+            </a:r>
+            <a:endParaRPr lang="en-US" dirty="0"/>
+          </a:p>
+          <a:p>
+            <a:pPr indent="0" marL="0">
+              <a:buNone/>
+            </a:pPr>
+            <a:r>
+              <a:rPr lang="en-US" dirty="0">
+                <a:solidFill>
+                  <a:srgbClr val="363636"/>
+                </a:solidFill>
+              </a:rPr>
+              <a:t>נודדים שם סחור וסחור</a:t>
+            </a:r>
+            <a:endParaRPr lang="en-US" dirty="0"/>
+          </a:p>
+          <a:p>
+            <a:pPr indent="0" marL="0">
+              <a:buNone/>
+            </a:pPr>
+            <a:r>
+              <a:rPr lang="en-US" dirty="0">
+                <a:solidFill>
+                  <a:srgbClr val="363636"/>
+                </a:solidFill>
+              </a:rPr>
+              <a:t>הוא על זמן והיא על אור</a:t>
+            </a:r>
+            <a:endParaRPr lang="en-US" dirty="0"/>
+          </a:p>
+          <a:p>
+            <a:pPr indent="0" marL="0">
+              <a:buNone/>
+            </a:pPr>
+            <a:r>
+              <a:rPr lang="en-US" dirty="0">
+                <a:solidFill>
+                  <a:srgbClr val="363636"/>
+                </a:solidFill>
+              </a:rPr>
+              <a:t>עם גיטרה וכינור.</a:t>
+            </a:r>
+            <a:endParaRPr lang="en-US" dirty="0"/>
+          </a:p>
+          <a:p>
+            <a:pPr indent="0" marL="0">
+              <a:buNone/>
+            </a:pPr>
+            <a:endParaRPr lang="en-US" dirty="0"/>
+          </a:p>
+          <a:p>
+            <a:pPr indent="0" marL="0">
+              <a:buNone/>
+            </a:pPr>
+            <a:r>
+              <a:rPr lang="en-US" dirty="0">
+                <a:solidFill>
+                  <a:srgbClr val="363636"/>
+                </a:solidFill>
+              </a:rPr>
+              <a:t>בדירה קטנה, חשוכה מעט</a:t>
+            </a:r>
+            <a:endParaRPr lang="en-US" dirty="0"/>
+          </a:p>
+          <a:p>
+            <a:pPr indent="0" marL="0">
+              <a:buNone/>
+            </a:pPr>
+            <a:r>
+              <a:rPr lang="en-US" dirty="0">
+                <a:solidFill>
+                  <a:srgbClr val="363636"/>
+                </a:solidFill>
+              </a:rPr>
+              <a:t>לא רחוק מכאן בסימטה בצד</a:t>
+            </a:r>
+            <a:endParaRPr lang="en-US" dirty="0"/>
+          </a:p>
+          <a:p>
+            <a:pPr indent="0" marL="0">
+              <a:buNone/>
+            </a:pPr>
+            <a:r>
+              <a:rPr lang="en-US" dirty="0">
+                <a:solidFill>
+                  <a:srgbClr val="363636"/>
+                </a:solidFill>
+              </a:rPr>
+              <a:t>גר בחור אחד עם אישה אחת...</a:t>
             </a:r>
             <a:endParaRPr lang="en-US" dirty="0"/>
           </a:p>
@@ -1199,6 +2237,208 @@
                 </a:solidFill>
               </a:rPr>
               <a:t>עוד חוזר הניגון</a:t>
+            </a:r>
+            <a:endParaRPr lang="en-US" dirty="0"/>
+          </a:p>
+        </p:txBody>
+      </p:sp>
+      <p:sp>
+        <p:nvSpPr>
+          <p:cNvPr id="3" name="Text 1"/>
+          <p:cNvSpPr/>
+          <p:nvPr/>
+        </p:nvSpPr>
+        <p:spPr>
+          <a:xfrm>
+            <a:off x="914400" y="2743200"/>
+            <a:ext cx="6858000" cy="0"/>
+          </a:xfrm>
+          <a:prstGeom prst="rect">
+            <a:avLst/>
+          </a:prstGeom>
+          <a:noFill/>
+          <a:ln/>
+        </p:spPr>
+        <p:txBody>
+          <a:bodyPr wrap="square" rtlCol="0" anchor="ctr"/>
+          <a:lstStyle/>
+          <a:p>
+            <a:pPr indent="0" marL="0">
+              <a:buNone/>
+            </a:pPr>
+            <a:r>
+              <a:rPr lang="en-US" dirty="0">
+                <a:solidFill>
+                  <a:srgbClr val="363636"/>
+                </a:solidFill>
+              </a:rPr>
+              <a:t>עוד חוזר הניגון שזנחת לשווא</a:t>
+            </a:r>
+            <a:endParaRPr lang="en-US" dirty="0"/>
+          </a:p>
+          <a:p>
+            <a:pPr indent="0" marL="0">
+              <a:buNone/>
+            </a:pPr>
+            <a:r>
+              <a:rPr lang="en-US" dirty="0">
+                <a:solidFill>
+                  <a:srgbClr val="363636"/>
+                </a:solidFill>
+              </a:rPr>
+              <a:t>והדרך עודנה נפקחת לאורך</a:t>
+            </a:r>
+            <a:endParaRPr lang="en-US" dirty="0"/>
+          </a:p>
+          <a:p>
+            <a:pPr indent="0" marL="0">
+              <a:buNone/>
+            </a:pPr>
+            <a:r>
+              <a:rPr lang="en-US" dirty="0">
+                <a:solidFill>
+                  <a:srgbClr val="363636"/>
+                </a:solidFill>
+              </a:rPr>
+              <a:t>וענן בשמיו ואילן בגשמיו</a:t>
+            </a:r>
+            <a:endParaRPr lang="en-US" dirty="0"/>
+          </a:p>
+          <a:p>
+            <a:pPr indent="0" marL="0">
+              <a:buNone/>
+            </a:pPr>
+            <a:r>
+              <a:rPr lang="en-US" dirty="0">
+                <a:solidFill>
+                  <a:srgbClr val="363636"/>
+                </a:solidFill>
+              </a:rPr>
+              <a:t>מצפים עוד לך, עובר אורח</a:t>
+            </a:r>
+            <a:endParaRPr lang="en-US" dirty="0"/>
+          </a:p>
+          <a:p>
+            <a:pPr indent="0" marL="0">
+              <a:buNone/>
+            </a:pPr>
+            <a:endParaRPr lang="en-US" dirty="0"/>
+          </a:p>
+          <a:p>
+            <a:pPr indent="0" marL="0">
+              <a:buNone/>
+            </a:pPr>
+            <a:r>
+              <a:rPr lang="en-US" dirty="0">
+                <a:solidFill>
+                  <a:srgbClr val="363636"/>
+                </a:solidFill>
+              </a:rPr>
+              <a:t>והרוח תקום ובטיסת נדנדות</a:t>
+            </a:r>
+            <a:endParaRPr lang="en-US" dirty="0"/>
+          </a:p>
+          <a:p>
+            <a:pPr indent="0" marL="0">
+              <a:buNone/>
+            </a:pPr>
+            <a:r>
+              <a:rPr lang="en-US" dirty="0">
+                <a:solidFill>
+                  <a:srgbClr val="363636"/>
+                </a:solidFill>
+              </a:rPr>
+              <a:t>יעברו הברקים מעליך</a:t>
+            </a:r>
+            <a:endParaRPr lang="en-US" dirty="0"/>
+          </a:p>
+          <a:p>
+            <a:pPr indent="0" marL="0">
+              <a:buNone/>
+            </a:pPr>
+            <a:r>
+              <a:rPr lang="en-US" dirty="0">
+                <a:solidFill>
+                  <a:srgbClr val="363636"/>
+                </a:solidFill>
+              </a:rPr>
+              <a:t>וכבשה ואיילת תהיינה עדות</a:t>
+            </a:r>
+            <a:endParaRPr lang="en-US" dirty="0"/>
+          </a:p>
+          <a:p>
+            <a:pPr indent="0" marL="0">
+              <a:buNone/>
+            </a:pPr>
+            <a:r>
+              <a:rPr lang="en-US" dirty="0">
+                <a:solidFill>
+                  <a:srgbClr val="363636"/>
+                </a:solidFill>
+              </a:rPr>
+              <a:t>שליטפת אותן והוספת ללכת</a:t>
+            </a:r>
+            <a:endParaRPr lang="en-US" dirty="0"/>
+          </a:p>
+          <a:p>
+            <a:pPr indent="0" marL="0">
+              <a:buNone/>
+            </a:pPr>
+            <a:endParaRPr lang="en-US" dirty="0"/>
+          </a:p>
+          <a:p>
+            <a:pPr indent="0" marL="0">
+              <a:buNone/>
+            </a:pPr>
+            <a:r>
+              <a:rPr lang="en-US" dirty="0">
+                <a:solidFill>
+                  <a:srgbClr val="363636"/>
+                </a:solidFill>
+              </a:rPr>
+              <a:t>שידיך ריקות ועירך רחוקה</a:t>
+            </a:r>
+            <a:endParaRPr lang="en-US" dirty="0"/>
+          </a:p>
+          <a:p>
+            <a:pPr indent="0" marL="0">
+              <a:buNone/>
+            </a:pPr>
+            <a:r>
+              <a:rPr lang="en-US" dirty="0">
+                <a:solidFill>
+                  <a:srgbClr val="363636"/>
+                </a:solidFill>
+              </a:rPr>
+              <a:t>ולא פעם סגדת אפיים</a:t>
+            </a:r>
+            <a:endParaRPr lang="en-US" dirty="0"/>
+          </a:p>
+          <a:p>
+            <a:pPr indent="0" marL="0">
+              <a:buNone/>
+            </a:pPr>
+            <a:r>
+              <a:rPr lang="en-US" dirty="0">
+                <a:solidFill>
+                  <a:srgbClr val="363636"/>
+                </a:solidFill>
+              </a:rPr>
+              <a:t>לחורשה ירוקה ואישה בצחוקה</a:t>
+            </a:r>
+            <a:endParaRPr lang="en-US" dirty="0"/>
+          </a:p>
+          <a:p>
+            <a:pPr indent="0" marL="0">
+              <a:buNone/>
+            </a:pPr>
+            <a:r>
+              <a:rPr lang="en-US" dirty="0">
+                <a:solidFill>
+                  <a:srgbClr val="363636"/>
+                </a:solidFill>
+              </a:rPr>
+              <a:t>וצמרת גשומת עפעפיים.</a:t>
             </a:r>
             <a:endParaRPr lang="en-US" dirty="0"/>
           </a:p>

--- a/test.pptx
+++ b/test.pptx
@@ -1054,8 +1054,8 @@
         </p:nvSpPr>
         <p:spPr>
           <a:xfrm>
-            <a:off x="914400" y="914400"/>
-            <a:ext cx="6858000" cy="0"/>
+            <a:off x="457200" y="457200"/>
+            <a:ext cx="8229600" cy="0"/>
           </a:xfrm>
           <a:prstGeom prst="rect">
             <a:avLst/>
@@ -1064,21 +1064,21 @@
           <a:ln/>
         </p:spPr>
         <p:txBody>
-          <a:bodyPr wrap="square" rtlCol="0" anchor="ctr"/>
+          <a:bodyPr wrap="square" lIns="6350" tIns="6350" rIns="6350" bIns="6350" rtlCol="0" anchor="ctr"/>
           <a:lstStyle/>
           <a:p>
-            <a:pPr indent="0" marL="0">
-              <a:buNone/>
-            </a:pPr>
-            <a:r>
-              <a:rPr lang="en-US" dirty="0">
+            <a:pPr algn="r" indent="0" marL="0">
+              <a:buNone/>
+            </a:pPr>
+            <a:r>
+              <a:rPr lang="en-US" sz="1600" dirty="0">
                 <a:solidFill>
                   <a:srgbClr val="363636"/>
                 </a:solidFill>
               </a:rPr>
               <a:t>אהבת נעורי</a:t>
             </a:r>
-            <a:endParaRPr lang="en-US" dirty="0"/>
+            <a:endParaRPr lang="en-US" sz="1600" dirty="0"/>
           </a:p>
         </p:txBody>
       </p:sp>
@@ -1090,8 +1090,8 @@
         </p:nvSpPr>
         <p:spPr>
           <a:xfrm>
-            <a:off x="914400" y="2743200"/>
-            <a:ext cx="6858000" cy="0"/>
+            <a:off x="457200" y="914400"/>
+            <a:ext cx="8229600" cy="0"/>
           </a:xfrm>
           <a:prstGeom prst="rect">
             <a:avLst/>
@@ -1100,571 +1100,458 @@
           <a:ln/>
         </p:spPr>
         <p:txBody>
-          <a:bodyPr wrap="square" rtlCol="0" anchor="ctr"/>
+          <a:bodyPr wrap="square" lIns="6350" tIns="6350" rIns="6350" bIns="6350" rtlCol="0" anchor="ctr"/>
           <a:lstStyle/>
           <a:p>
-            <a:pPr indent="0" marL="0">
-              <a:buNone/>
-            </a:pPr>
-            <a:r>
-              <a:rPr lang="en-US" dirty="0">
+            <a:pPr algn="r" indent="0" marL="0">
+              <a:buNone/>
+            </a:pPr>
+            <a:r>
+              <a:rPr lang="en-US" sz="1300" dirty="0">
                 <a:solidFill>
                   <a:srgbClr val="363636"/>
                 </a:solidFill>
               </a:rPr>
-              <a:t>C    G7            Am</a:t>
-            </a:r>
-            <a:endParaRPr lang="en-US" dirty="0"/>
-          </a:p>
-          <a:p>
-            <a:pPr indent="0" marL="0">
-              <a:buNone/>
-            </a:pPr>
-            <a:r>
-              <a:rPr lang="en-US" dirty="0">
-                <a:solidFill>
-                  <a:srgbClr val="363636"/>
-                </a:solidFill>
-              </a:rPr>
-              <a:t>הייתי ילד בלילות עצוב</a:t>
-            </a:r>
-            <a:endParaRPr lang="en-US" dirty="0"/>
-          </a:p>
-          <a:p>
-            <a:pPr indent="0" marL="0">
-              <a:buNone/>
-            </a:pPr>
-            <a:r>
-              <a:rPr lang="en-US" dirty="0">
-                <a:solidFill>
-                  <a:srgbClr val="363636"/>
-                </a:solidFill>
-              </a:rPr>
-              <a:t>      Dm    F</a:t>
-            </a:r>
-            <a:endParaRPr lang="en-US" dirty="0"/>
-          </a:p>
-          <a:p>
-            <a:pPr indent="0" marL="0">
-              <a:buNone/>
-            </a:pPr>
-            <a:r>
-              <a:rPr lang="en-US" dirty="0">
-                <a:solidFill>
-                  <a:srgbClr val="363636"/>
-                </a:solidFill>
-              </a:rPr>
-              <a:t>משוטט לבד</a:t>
-            </a:r>
-            <a:endParaRPr lang="en-US" dirty="0"/>
-          </a:p>
-          <a:p>
-            <a:pPr indent="0" marL="0">
-              <a:buNone/>
-            </a:pPr>
-            <a:r>
-              <a:rPr lang="en-US" dirty="0">
-                <a:solidFill>
-                  <a:srgbClr val="363636"/>
-                </a:solidFill>
-              </a:rPr>
-              <a:t>        F    C      G</a:t>
-            </a:r>
-            <a:endParaRPr lang="en-US" dirty="0"/>
-          </a:p>
-          <a:p>
-            <a:pPr indent="0" marL="0">
-              <a:buNone/>
-            </a:pPr>
-            <a:r>
-              <a:rPr lang="en-US" dirty="0">
-                <a:solidFill>
-                  <a:srgbClr val="363636"/>
-                </a:solidFill>
-              </a:rPr>
-              <a:t>לא נתתי לאיש לדעת</a:t>
-            </a:r>
-            <a:endParaRPr lang="en-US" dirty="0"/>
-          </a:p>
-          <a:p>
-            <a:pPr indent="0" marL="0">
-              <a:buNone/>
-            </a:pPr>
-            <a:r>
-              <a:rPr lang="en-US" dirty="0">
-                <a:solidFill>
-                  <a:srgbClr val="363636"/>
-                </a:solidFill>
-              </a:rPr>
-              <a:t>      Am      Bm7b5            Am    E      Dm</a:t>
-            </a:r>
-            <a:endParaRPr lang="en-US" dirty="0"/>
-          </a:p>
-          <a:p>
-            <a:pPr indent="0" marL="0">
-              <a:buNone/>
-            </a:pPr>
-            <a:r>
-              <a:rPr lang="en-US" dirty="0">
-                <a:solidFill>
-                  <a:srgbClr val="363636"/>
-                </a:solidFill>
-              </a:rPr>
-              <a:t>את היית אהבת נעורי</a:t>
-            </a:r>
-            <a:endParaRPr lang="en-US" dirty="0"/>
-          </a:p>
-          <a:p>
-            <a:pPr indent="0" marL="0">
-              <a:buNone/>
-            </a:pPr>
-            <a:r>
-              <a:rPr lang="en-US" dirty="0">
-                <a:solidFill>
-                  <a:srgbClr val="363636"/>
-                </a:solidFill>
-              </a:rPr>
-              <a:t>  C        G7        Am</a:t>
-            </a:r>
-            <a:endParaRPr lang="en-US" dirty="0"/>
-          </a:p>
-          <a:p>
-            <a:pPr indent="0" marL="0">
-              <a:buNone/>
-            </a:pPr>
-            <a:r>
-              <a:rPr lang="en-US" dirty="0">
-                <a:solidFill>
-                  <a:srgbClr val="363636"/>
-                </a:solidFill>
-              </a:rPr>
-              <a:t>הייתי ילד בימים חולם</a:t>
-            </a:r>
-            <a:endParaRPr lang="en-US" dirty="0"/>
-          </a:p>
-          <a:p>
-            <a:pPr indent="0" marL="0">
-              <a:buNone/>
-            </a:pPr>
-            <a:r>
-              <a:rPr lang="en-US" dirty="0">
-                <a:solidFill>
-                  <a:srgbClr val="363636"/>
-                </a:solidFill>
-              </a:rPr>
-              <a:t>Dm  F</a:t>
-            </a:r>
-            <a:endParaRPr lang="en-US" dirty="0"/>
-          </a:p>
-          <a:p>
-            <a:pPr indent="0" marL="0">
-              <a:buNone/>
-            </a:pPr>
-            <a:r>
-              <a:rPr lang="en-US" dirty="0">
-                <a:solidFill>
-                  <a:srgbClr val="363636"/>
-                </a:solidFill>
-              </a:rPr>
-              <a:t>מנגן ושר</a:t>
-            </a:r>
-            <a:endParaRPr lang="en-US" dirty="0"/>
-          </a:p>
-          <a:p>
-            <a:pPr indent="0" marL="0">
-              <a:buNone/>
-            </a:pPr>
-            <a:r>
-              <a:rPr lang="en-US" dirty="0">
-                <a:solidFill>
-                  <a:srgbClr val="363636"/>
-                </a:solidFill>
-              </a:rPr>
-              <a:t>F    C          G</a:t>
-            </a:r>
-            <a:endParaRPr lang="en-US" dirty="0"/>
-          </a:p>
-          <a:p>
-            <a:pPr indent="0" marL="0">
-              <a:buNone/>
-            </a:pPr>
-            <a:r>
-              <a:rPr lang="en-US" dirty="0">
-                <a:solidFill>
-                  <a:srgbClr val="363636"/>
-                </a:solidFill>
-              </a:rPr>
-              <a:t>מדמה לי שאת שומעת</a:t>
-            </a:r>
-            <a:endParaRPr lang="en-US" dirty="0"/>
-          </a:p>
-          <a:p>
-            <a:pPr indent="0" marL="0">
-              <a:buNone/>
-            </a:pPr>
-            <a:r>
-              <a:rPr lang="en-US" dirty="0">
-                <a:solidFill>
-                  <a:srgbClr val="363636"/>
-                </a:solidFill>
-              </a:rPr>
-              <a:t>      G7    Am  Bm7b5  Am    E          Dm</a:t>
-            </a:r>
-            <a:endParaRPr lang="en-US" dirty="0"/>
-          </a:p>
-          <a:p>
-            <a:pPr indent="0" marL="0">
-              <a:buNone/>
-            </a:pPr>
-            <a:r>
-              <a:rPr lang="en-US" dirty="0">
-                <a:solidFill>
-                  <a:srgbClr val="363636"/>
-                </a:solidFill>
-              </a:rPr>
-              <a:t>את השיר הראשון בחיי</a:t>
-            </a:r>
-            <a:endParaRPr lang="en-US" dirty="0"/>
-          </a:p>
-          <a:p>
-            <a:pPr indent="0" marL="0">
-              <a:buNone/>
-            </a:pPr>
-            <a:endParaRPr lang="en-US" dirty="0"/>
-          </a:p>
-          <a:p>
-            <a:pPr indent="0" marL="0">
-              <a:buNone/>
-            </a:pPr>
-            <a:r>
-              <a:rPr lang="en-US" dirty="0">
-                <a:solidFill>
-                  <a:srgbClr val="363636"/>
-                </a:solidFill>
-              </a:rPr>
-              <a:t>  D                C</a:t>
-            </a:r>
-            <a:endParaRPr lang="en-US" dirty="0"/>
-          </a:p>
-          <a:p>
-            <a:pPr indent="0" marL="0">
-              <a:buNone/>
-            </a:pPr>
-            <a:r>
-              <a:rPr lang="en-US" dirty="0">
-                <a:solidFill>
-                  <a:srgbClr val="363636"/>
-                </a:solidFill>
-              </a:rPr>
-              <a:t>מסתכל איך את רוקדת</a:t>
-            </a:r>
-            <a:endParaRPr lang="en-US" dirty="0"/>
-          </a:p>
-          <a:p>
-            <a:pPr indent="0" marL="0">
-              <a:buNone/>
-            </a:pPr>
-            <a:r>
-              <a:rPr lang="en-US" dirty="0">
-                <a:solidFill>
-                  <a:srgbClr val="363636"/>
-                </a:solidFill>
-              </a:rPr>
-              <a:t>  G              Am</a:t>
-            </a:r>
-            <a:endParaRPr lang="en-US" dirty="0"/>
-          </a:p>
-          <a:p>
-            <a:pPr indent="0" marL="0">
-              <a:buNone/>
-            </a:pPr>
-            <a:r>
-              <a:rPr lang="en-US" dirty="0">
-                <a:solidFill>
-                  <a:srgbClr val="363636"/>
-                </a:solidFill>
-              </a:rPr>
-              <a:t>מסתובבת ונצמדת</a:t>
-            </a:r>
-            <a:endParaRPr lang="en-US" dirty="0"/>
-          </a:p>
-          <a:p>
-            <a:pPr indent="0" marL="0">
-              <a:buNone/>
-            </a:pPr>
-            <a:r>
-              <a:rPr lang="en-US" dirty="0">
-                <a:solidFill>
-                  <a:srgbClr val="363636"/>
-                </a:solidFill>
-              </a:rPr>
-              <a:t>  G7        Am  D          C</a:t>
-            </a:r>
-            <a:endParaRPr lang="en-US" dirty="0"/>
-          </a:p>
-          <a:p>
-            <a:pPr indent="0" marL="0">
-              <a:buNone/>
-            </a:pPr>
-            <a:r>
-              <a:rPr lang="en-US" dirty="0">
-                <a:solidFill>
-                  <a:srgbClr val="363636"/>
-                </a:solidFill>
-              </a:rPr>
-              <a:t>רק אני צופה מהצד</a:t>
-            </a:r>
-            <a:endParaRPr lang="en-US" dirty="0"/>
-          </a:p>
-          <a:p>
-            <a:pPr indent="0" marL="0">
-              <a:buNone/>
-            </a:pPr>
-            <a:r>
-              <a:rPr lang="en-US" dirty="0">
-                <a:solidFill>
-                  <a:srgbClr val="363636"/>
-                </a:solidFill>
-              </a:rPr>
-              <a:t>  D                C</a:t>
-            </a:r>
-            <a:endParaRPr lang="en-US" dirty="0"/>
-          </a:p>
-          <a:p>
-            <a:pPr indent="0" marL="0">
-              <a:buNone/>
-            </a:pPr>
-            <a:r>
-              <a:rPr lang="en-US" dirty="0">
-                <a:solidFill>
-                  <a:srgbClr val="363636"/>
-                </a:solidFill>
-              </a:rPr>
-              <a:t>אני נשאר ואת עוזבת</a:t>
-            </a:r>
-            <a:endParaRPr lang="en-US" dirty="0"/>
-          </a:p>
-          <a:p>
-            <a:pPr indent="0" marL="0">
-              <a:buNone/>
-            </a:pPr>
-            <a:r>
-              <a:rPr lang="en-US" dirty="0">
-                <a:solidFill>
-                  <a:srgbClr val="363636"/>
-                </a:solidFill>
-              </a:rPr>
-              <a:t>  G            Am</a:t>
-            </a:r>
-            <a:endParaRPr lang="en-US" dirty="0"/>
-          </a:p>
-          <a:p>
-            <a:pPr indent="0" marL="0">
-              <a:buNone/>
-            </a:pPr>
-            <a:r>
-              <a:rPr lang="en-US" dirty="0">
-                <a:solidFill>
-                  <a:srgbClr val="363636"/>
-                </a:solidFill>
-              </a:rPr>
-              <a:t>רחוקה לא מתקרבת</a:t>
-            </a:r>
-            <a:endParaRPr lang="en-US" dirty="0"/>
-          </a:p>
-          <a:p>
-            <a:pPr indent="0" marL="0">
-              <a:buNone/>
-            </a:pPr>
-            <a:r>
-              <a:rPr lang="en-US" dirty="0">
-                <a:solidFill>
-                  <a:srgbClr val="363636"/>
-                </a:solidFill>
-              </a:rPr>
-              <a:t>  C      G7        Am</a:t>
-            </a:r>
-            <a:endParaRPr lang="en-US" dirty="0"/>
-          </a:p>
-          <a:p>
-            <a:pPr indent="0" marL="0">
-              <a:buNone/>
-            </a:pPr>
-            <a:r>
-              <a:rPr lang="en-US" dirty="0">
-                <a:solidFill>
-                  <a:srgbClr val="363636"/>
-                </a:solidFill>
-              </a:rPr>
-              <a:t>זיכרון שעולה בי שוב</a:t>
-            </a:r>
-            <a:endParaRPr lang="en-US" dirty="0"/>
-          </a:p>
-          <a:p>
-            <a:pPr indent="0" marL="0">
-              <a:buNone/>
-            </a:pPr>
-            <a:r>
-              <a:rPr lang="en-US" dirty="0">
-                <a:solidFill>
-                  <a:srgbClr val="363636"/>
-                </a:solidFill>
-              </a:rPr>
-              <a:t>      F      C    G7    Dm  F</a:t>
-            </a:r>
-            <a:endParaRPr lang="en-US" dirty="0"/>
-          </a:p>
-          <a:p>
-            <a:pPr indent="0" marL="0">
-              <a:buNone/>
-            </a:pPr>
-            <a:r>
-              <a:rPr lang="en-US" dirty="0">
-                <a:solidFill>
-                  <a:srgbClr val="363636"/>
-                </a:solidFill>
-              </a:rPr>
-              <a:t>פרדס רטוב יללת התנים ואת</a:t>
-            </a:r>
-            <a:endParaRPr lang="en-US" dirty="0"/>
-          </a:p>
-          <a:p>
-            <a:pPr indent="0" marL="0">
-              <a:buNone/>
-            </a:pPr>
-            <a:r>
-              <a:rPr lang="en-US" dirty="0">
-                <a:solidFill>
-                  <a:srgbClr val="363636"/>
-                </a:solidFill>
-              </a:rPr>
-              <a:t>  Am    E        Dm</a:t>
-            </a:r>
-            <a:endParaRPr lang="en-US" dirty="0"/>
-          </a:p>
-          <a:p>
-            <a:pPr indent="0" marL="0">
-              <a:buNone/>
-            </a:pPr>
-            <a:r>
-              <a:rPr lang="en-US" dirty="0">
-                <a:solidFill>
-                  <a:srgbClr val="363636"/>
-                </a:solidFill>
-              </a:rPr>
-              <a:t>שהיית אהבת נעורי</a:t>
-            </a:r>
-            <a:endParaRPr lang="en-US" dirty="0"/>
-          </a:p>
-          <a:p>
-            <a:pPr indent="0" marL="0">
-              <a:buNone/>
-            </a:pPr>
-            <a:endParaRPr lang="en-US" dirty="0"/>
-          </a:p>
-          <a:p>
-            <a:pPr indent="0" marL="0">
-              <a:buNone/>
-            </a:pPr>
-            <a:r>
-              <a:rPr lang="en-US" dirty="0">
-                <a:solidFill>
-                  <a:srgbClr val="363636"/>
-                </a:solidFill>
-              </a:rPr>
-              <a:t>ולא הייתי איתך כמעט</a:t>
-            </a:r>
-            <a:endParaRPr lang="en-US" dirty="0"/>
-          </a:p>
-          <a:p>
-            <a:pPr indent="0" marL="0">
-              <a:buNone/>
-            </a:pPr>
-            <a:r>
-              <a:rPr lang="en-US" dirty="0">
-                <a:solidFill>
-                  <a:srgbClr val="363636"/>
-                </a:solidFill>
-              </a:rPr>
-              <a:t>כל כך מעט ואמרת לי שאת נוסעת</a:t>
-            </a:r>
-            <a:endParaRPr lang="en-US" dirty="0"/>
-          </a:p>
-          <a:p>
-            <a:pPr indent="0" marL="0">
-              <a:buNone/>
-            </a:pPr>
-            <a:r>
-              <a:rPr lang="en-US" dirty="0">
-                <a:solidFill>
-                  <a:srgbClr val="363636"/>
-                </a:solidFill>
-              </a:rPr>
-              <a:t>ואולי לא אראה אותך שוב</a:t>
-            </a:r>
-            <a:endParaRPr lang="en-US" dirty="0"/>
-          </a:p>
-          <a:p>
-            <a:pPr indent="0" marL="0">
-              <a:buNone/>
-            </a:pPr>
-            <a:endParaRPr lang="en-US" dirty="0"/>
-          </a:p>
-          <a:p>
-            <a:pPr indent="0" marL="0">
-              <a:buNone/>
-            </a:pPr>
-            <a:r>
-              <a:rPr lang="en-US" dirty="0">
-                <a:solidFill>
-                  <a:srgbClr val="363636"/>
-                </a:solidFill>
-              </a:rPr>
-              <a:t>הייתי ילד בלילות עצוב</a:t>
-            </a:r>
-            <a:endParaRPr lang="en-US" dirty="0"/>
-          </a:p>
-          <a:p>
-            <a:pPr indent="0" marL="0">
-              <a:buNone/>
-            </a:pPr>
-            <a:r>
-              <a:rPr lang="en-US" dirty="0">
-                <a:solidFill>
-                  <a:srgbClr val="363636"/>
-                </a:solidFill>
-              </a:rPr>
-              <a:t>משוטט לבד</a:t>
-            </a:r>
-            <a:endParaRPr lang="en-US" dirty="0"/>
-          </a:p>
-          <a:p>
-            <a:pPr indent="0" marL="0">
-              <a:buNone/>
-            </a:pPr>
-            <a:r>
-              <a:rPr lang="en-US" dirty="0">
-                <a:solidFill>
-                  <a:srgbClr val="363636"/>
-                </a:solidFill>
-              </a:rPr>
-              <a:t>לא נתתי לאיש לדעת</a:t>
-            </a:r>
-            <a:endParaRPr lang="en-US" dirty="0"/>
-          </a:p>
-          <a:p>
-            <a:pPr indent="0" marL="0">
-              <a:buNone/>
-            </a:pPr>
-            <a:r>
-              <a:rPr lang="en-US" dirty="0">
-                <a:solidFill>
-                  <a:srgbClr val="363636"/>
-                </a:solidFill>
-              </a:rPr>
-              <a:t>את היית אהבת נעורי</a:t>
-            </a:r>
-            <a:endParaRPr lang="en-US" dirty="0"/>
+              <a:t>שלום חנוך</a:t>
+            </a:r>
+            <a:endParaRPr lang="en-US" sz="1300" dirty="0"/>
+          </a:p>
+        </p:txBody>
+      </p:sp>
+      <p:sp>
+        <p:nvSpPr>
+          <p:cNvPr id="4" name="Text 2"/>
+          <p:cNvSpPr txBox="1"/>
+          <p:nvPr/>
+        </p:nvSpPr>
+        <p:spPr>
+          <a:xfrm>
+            <a:off x="457200" y="1371600"/>
+            <a:ext cx="8229600" cy="4114800"/>
+          </a:xfrm>
+          <a:prstGeom prst="rect">
+            <a:avLst/>
+          </a:prstGeom>
+          <a:noFill/>
+          <a:ln/>
+        </p:spPr>
+        <p:txBody>
+          <a:bodyPr wrap="square" lIns="6350" tIns="6350" rIns="6350" bIns="6350" rtlCol="0" anchor="t"/>
+          <a:lstStyle/>
+          <a:p>
+            <a:pPr algn="r" indent="0" marL="0">
+              <a:buNone/>
+            </a:pPr>
+            <a:r>
+              <a:rPr lang="en-US" sz="1200" dirty="0">
+                <a:solidFill>
+                  <a:srgbClr val="000000"/>
+                </a:solidFill>
+                <a:latin typeface="Arial" pitchFamily="34" charset="0"/>
+                <a:ea typeface="Arial" pitchFamily="34" charset="-122"/>
+                <a:cs typeface="Arial" pitchFamily="34" charset="-120"/>
+              </a:rPr>
+              <a:t>הייתי ילד בלילות עצוב</a:t>
+            </a:r>
+            <a:endParaRPr lang="en-US" sz="1200" dirty="0"/>
+          </a:p>
+          <a:p>
+            <a:pPr algn="r" indent="0" marL="0">
+              <a:buNone/>
+            </a:pPr>
+            <a:r>
+              <a:rPr lang="en-US" sz="1200" dirty="0">
+                <a:solidFill>
+                  <a:srgbClr val="000000"/>
+                </a:solidFill>
+                <a:latin typeface="Arial" pitchFamily="34" charset="0"/>
+                <a:ea typeface="Arial" pitchFamily="34" charset="-122"/>
+                <a:cs typeface="Arial" pitchFamily="34" charset="-120"/>
+              </a:rPr>
+              <a:t>משוטט לבד</a:t>
+            </a:r>
+            <a:endParaRPr lang="en-US" sz="1200" dirty="0"/>
+          </a:p>
+          <a:p>
+            <a:pPr algn="r" indent="0" marL="0">
+              <a:buNone/>
+            </a:pPr>
+            <a:r>
+              <a:rPr lang="en-US" sz="1200" dirty="0">
+                <a:solidFill>
+                  <a:srgbClr val="000000"/>
+                </a:solidFill>
+                <a:latin typeface="Arial" pitchFamily="34" charset="0"/>
+                <a:ea typeface="Arial" pitchFamily="34" charset="-122"/>
+                <a:cs typeface="Arial" pitchFamily="34" charset="-120"/>
+              </a:rPr>
+              <a:t>לא נתתי לאיש לדעת</a:t>
+            </a:r>
+            <a:endParaRPr lang="en-US" sz="1200" dirty="0"/>
+          </a:p>
+          <a:p>
+            <a:pPr algn="r" indent="0" marL="0">
+              <a:buNone/>
+            </a:pPr>
+            <a:r>
+              <a:rPr lang="en-US" sz="1200" dirty="0">
+                <a:solidFill>
+                  <a:srgbClr val="000000"/>
+                </a:solidFill>
+                <a:latin typeface="Arial" pitchFamily="34" charset="0"/>
+                <a:ea typeface="Arial" pitchFamily="34" charset="-122"/>
+                <a:cs typeface="Arial" pitchFamily="34" charset="-120"/>
+              </a:rPr>
+              <a:t>את היית אהבת נעורי</a:t>
+            </a:r>
+            <a:endParaRPr lang="en-US" sz="1200" dirty="0"/>
+          </a:p>
+          <a:p>
+            <a:pPr algn="r" indent="0" marL="0">
+              <a:buNone/>
+            </a:pPr>
+            <a:endParaRPr lang="en-US" sz="1200" dirty="0"/>
+          </a:p>
+          <a:p>
+            <a:pPr algn="r" indent="0" marL="0">
+              <a:buNone/>
+            </a:pPr>
+            <a:r>
+              <a:rPr lang="en-US" sz="1200" dirty="0">
+                <a:solidFill>
+                  <a:srgbClr val="000000"/>
+                </a:solidFill>
+                <a:latin typeface="Arial" pitchFamily="34" charset="0"/>
+                <a:ea typeface="Arial" pitchFamily="34" charset="-122"/>
+                <a:cs typeface="Arial" pitchFamily="34" charset="-120"/>
+              </a:rPr>
+              <a:t>הייתי ילד בימים חולם</a:t>
+            </a:r>
+            <a:endParaRPr lang="en-US" sz="1200" dirty="0"/>
+          </a:p>
+          <a:p>
+            <a:pPr algn="r" indent="0" marL="0">
+              <a:buNone/>
+            </a:pPr>
+            <a:r>
+              <a:rPr lang="en-US" sz="1200" dirty="0">
+                <a:solidFill>
+                  <a:srgbClr val="000000"/>
+                </a:solidFill>
+                <a:latin typeface="Arial" pitchFamily="34" charset="0"/>
+                <a:ea typeface="Arial" pitchFamily="34" charset="-122"/>
+                <a:cs typeface="Arial" pitchFamily="34" charset="-120"/>
+              </a:rPr>
+              <a:t>מנגן ושר</a:t>
+            </a:r>
+            <a:endParaRPr lang="en-US" sz="1200" dirty="0"/>
+          </a:p>
+          <a:p>
+            <a:pPr algn="r" indent="0" marL="0">
+              <a:buNone/>
+            </a:pPr>
+            <a:r>
+              <a:rPr lang="en-US" sz="1200" dirty="0">
+                <a:solidFill>
+                  <a:srgbClr val="000000"/>
+                </a:solidFill>
+                <a:latin typeface="Arial" pitchFamily="34" charset="0"/>
+                <a:ea typeface="Arial" pitchFamily="34" charset="-122"/>
+                <a:cs typeface="Arial" pitchFamily="34" charset="-120"/>
+              </a:rPr>
+              <a:t>מדמה לי שאת שומעת</a:t>
+            </a:r>
+            <a:endParaRPr lang="en-US" sz="1200" dirty="0"/>
+          </a:p>
+          <a:p>
+            <a:pPr algn="r" indent="0" marL="0">
+              <a:buNone/>
+            </a:pPr>
+            <a:r>
+              <a:rPr lang="en-US" sz="1200" dirty="0">
+                <a:solidFill>
+                  <a:srgbClr val="000000"/>
+                </a:solidFill>
+                <a:latin typeface="Arial" pitchFamily="34" charset="0"/>
+                <a:ea typeface="Arial" pitchFamily="34" charset="-122"/>
+                <a:cs typeface="Arial" pitchFamily="34" charset="-120"/>
+              </a:rPr>
+              <a:t>את השיר הראשון בחיי</a:t>
+            </a:r>
+            <a:endParaRPr lang="en-US" sz="1200" dirty="0"/>
+          </a:p>
+          <a:p>
+            <a:pPr algn="r" indent="0" marL="0">
+              <a:buNone/>
+            </a:pPr>
+            <a:endParaRPr lang="en-US" sz="1200" dirty="0"/>
+          </a:p>
+          <a:p>
+            <a:pPr algn="r" indent="0" marL="0">
+              <a:buNone/>
+            </a:pPr>
+            <a:r>
+              <a:rPr lang="en-US" sz="1200" dirty="0">
+                <a:solidFill>
+                  <a:srgbClr val="000000"/>
+                </a:solidFill>
+                <a:latin typeface="Arial" pitchFamily="34" charset="0"/>
+                <a:ea typeface="Arial" pitchFamily="34" charset="-122"/>
+                <a:cs typeface="Arial" pitchFamily="34" charset="-120"/>
+              </a:rPr>
+              <a:t>מסתכל איך את רוקדת</a:t>
+            </a:r>
+            <a:endParaRPr lang="en-US" sz="1200" dirty="0"/>
+          </a:p>
+          <a:p>
+            <a:pPr algn="r" indent="0" marL="0">
+              <a:buNone/>
+            </a:pPr>
+            <a:r>
+              <a:rPr lang="en-US" sz="1200" dirty="0">
+                <a:solidFill>
+                  <a:srgbClr val="000000"/>
+                </a:solidFill>
+                <a:latin typeface="Arial" pitchFamily="34" charset="0"/>
+                <a:ea typeface="Arial" pitchFamily="34" charset="-122"/>
+                <a:cs typeface="Arial" pitchFamily="34" charset="-120"/>
+              </a:rPr>
+              <a:t>מסתובבת ונצמדת</a:t>
+            </a:r>
+            <a:endParaRPr lang="en-US" sz="1200" dirty="0"/>
+          </a:p>
+          <a:p>
+            <a:pPr algn="r" indent="0" marL="0">
+              <a:buNone/>
+            </a:pPr>
+            <a:r>
+              <a:rPr lang="en-US" sz="1200" dirty="0">
+                <a:solidFill>
+                  <a:srgbClr val="000000"/>
+                </a:solidFill>
+                <a:latin typeface="Arial" pitchFamily="34" charset="0"/>
+                <a:ea typeface="Arial" pitchFamily="34" charset="-122"/>
+                <a:cs typeface="Arial" pitchFamily="34" charset="-120"/>
+              </a:rPr>
+              <a:t>רק אני צופה מהצד</a:t>
+            </a:r>
+            <a:endParaRPr lang="en-US" sz="1200" dirty="0"/>
+          </a:p>
+          <a:p>
+            <a:pPr algn="r" indent="0" marL="0">
+              <a:buNone/>
+            </a:pPr>
+            <a:r>
+              <a:rPr lang="en-US" sz="1200" dirty="0">
+                <a:solidFill>
+                  <a:srgbClr val="000000"/>
+                </a:solidFill>
+                <a:latin typeface="Arial" pitchFamily="34" charset="0"/>
+                <a:ea typeface="Arial" pitchFamily="34" charset="-122"/>
+                <a:cs typeface="Arial" pitchFamily="34" charset="-120"/>
+              </a:rPr>
+              <a:t>אני נשאר ואת עוזבת</a:t>
+            </a:r>
+            <a:endParaRPr lang="en-US" sz="1200" dirty="0"/>
+          </a:p>
+          <a:p>
+            <a:pPr algn="r" indent="0" marL="0">
+              <a:buNone/>
+            </a:pPr>
+            <a:r>
+              <a:rPr lang="en-US" sz="1200" dirty="0">
+                <a:solidFill>
+                  <a:srgbClr val="000000"/>
+                </a:solidFill>
+                <a:latin typeface="Arial" pitchFamily="34" charset="0"/>
+                <a:ea typeface="Arial" pitchFamily="34" charset="-122"/>
+                <a:cs typeface="Arial" pitchFamily="34" charset="-120"/>
+              </a:rPr>
+              <a:t>רחוקה לא מתקרבת</a:t>
+            </a:r>
+            <a:endParaRPr lang="en-US" sz="1200" dirty="0"/>
+          </a:p>
+          <a:p>
+            <a:pPr algn="r" indent="0" marL="0">
+              <a:buNone/>
+            </a:pPr>
+            <a:r>
+              <a:rPr lang="en-US" sz="1200" dirty="0">
+                <a:solidFill>
+                  <a:srgbClr val="000000"/>
+                </a:solidFill>
+                <a:latin typeface="Arial" pitchFamily="34" charset="0"/>
+                <a:ea typeface="Arial" pitchFamily="34" charset="-122"/>
+                <a:cs typeface="Arial" pitchFamily="34" charset="-120"/>
+              </a:rPr>
+              <a:t>זיכרון שעולה בי שוב</a:t>
+            </a:r>
+            <a:endParaRPr lang="en-US" sz="1200" dirty="0"/>
+          </a:p>
+          <a:p>
+            <a:pPr algn="r" indent="0" marL="0">
+              <a:buNone/>
+            </a:pPr>
+            <a:r>
+              <a:rPr lang="en-US" sz="1200" dirty="0">
+                <a:solidFill>
+                  <a:srgbClr val="000000"/>
+                </a:solidFill>
+                <a:latin typeface="Arial" pitchFamily="34" charset="0"/>
+                <a:ea typeface="Arial" pitchFamily="34" charset="-122"/>
+                <a:cs typeface="Arial" pitchFamily="34" charset="-120"/>
+              </a:rPr>
+              <a:t>פרדס רטוב יללת התנים ואת</a:t>
+            </a:r>
+            <a:endParaRPr lang="en-US" sz="1200" dirty="0"/>
+          </a:p>
+          <a:p>
+            <a:pPr algn="r" indent="0" marL="0">
+              <a:buNone/>
+            </a:pPr>
+            <a:r>
+              <a:rPr lang="en-US" sz="1200" dirty="0">
+                <a:solidFill>
+                  <a:srgbClr val="000000"/>
+                </a:solidFill>
+                <a:latin typeface="Arial" pitchFamily="34" charset="0"/>
+                <a:ea typeface="Arial" pitchFamily="34" charset="-122"/>
+                <a:cs typeface="Arial" pitchFamily="34" charset="-120"/>
+              </a:rPr>
+              <a:t>שהיית אהבת נעורי</a:t>
+            </a:r>
+            <a:endParaRPr lang="en-US" sz="1200" dirty="0"/>
+          </a:p>
+          <a:p>
+            <a:pPr algn="r" indent="0" marL="0">
+              <a:buNone/>
+            </a:pPr>
+            <a:endParaRPr lang="en-US" sz="1200" dirty="0"/>
+          </a:p>
+          <a:p>
+            <a:pPr algn="r" indent="0" marL="0">
+              <a:buNone/>
+            </a:pPr>
+            <a:r>
+              <a:rPr lang="en-US" sz="1200" dirty="0">
+                <a:solidFill>
+                  <a:srgbClr val="000000"/>
+                </a:solidFill>
+                <a:latin typeface="Arial" pitchFamily="34" charset="0"/>
+                <a:ea typeface="Arial" pitchFamily="34" charset="-122"/>
+                <a:cs typeface="Arial" pitchFamily="34" charset="-120"/>
+              </a:rPr>
+              <a:t>ולא הייתי איתך כמעט</a:t>
+            </a:r>
+            <a:endParaRPr lang="en-US" sz="1200" dirty="0"/>
+          </a:p>
+          <a:p>
+            <a:pPr algn="r" indent="0" marL="0">
+              <a:buNone/>
+            </a:pPr>
+            <a:r>
+              <a:rPr lang="en-US" sz="1200" dirty="0">
+                <a:solidFill>
+                  <a:srgbClr val="000000"/>
+                </a:solidFill>
+                <a:latin typeface="Arial" pitchFamily="34" charset="0"/>
+                <a:ea typeface="Arial" pitchFamily="34" charset="-122"/>
+                <a:cs typeface="Arial" pitchFamily="34" charset="-120"/>
+              </a:rPr>
+              <a:t>כל כך מעט ואמרת לי שאת נוסעת</a:t>
+            </a:r>
+            <a:endParaRPr lang="en-US" sz="1200" dirty="0"/>
+          </a:p>
+          <a:p>
+            <a:pPr algn="r" indent="0" marL="0">
+              <a:buNone/>
+            </a:pPr>
+            <a:r>
+              <a:rPr lang="en-US" sz="1200" dirty="0">
+                <a:solidFill>
+                  <a:srgbClr val="000000"/>
+                </a:solidFill>
+                <a:latin typeface="Arial" pitchFamily="34" charset="0"/>
+                <a:ea typeface="Arial" pitchFamily="34" charset="-122"/>
+                <a:cs typeface="Arial" pitchFamily="34" charset="-120"/>
+              </a:rPr>
+              <a:t>ואולי לא אראה אותך שוב</a:t>
+            </a:r>
+            <a:endParaRPr lang="en-US" sz="1200" dirty="0"/>
+          </a:p>
+          <a:p>
+            <a:pPr algn="r" indent="0" marL="0">
+              <a:buNone/>
+            </a:pPr>
+            <a:endParaRPr lang="en-US" sz="1200" dirty="0"/>
+          </a:p>
+          <a:p>
+            <a:pPr algn="r" indent="0" marL="0">
+              <a:buNone/>
+            </a:pPr>
+            <a:r>
+              <a:rPr lang="en-US" sz="1200" dirty="0">
+                <a:solidFill>
+                  <a:srgbClr val="000000"/>
+                </a:solidFill>
+                <a:latin typeface="Arial" pitchFamily="34" charset="0"/>
+                <a:ea typeface="Arial" pitchFamily="34" charset="-122"/>
+                <a:cs typeface="Arial" pitchFamily="34" charset="-120"/>
+              </a:rPr>
+              <a:t>הייתי ילד בלילות עצוב</a:t>
+            </a:r>
+            <a:endParaRPr lang="en-US" sz="1200" dirty="0"/>
+          </a:p>
+          <a:p>
+            <a:pPr algn="r" indent="0" marL="0">
+              <a:buNone/>
+            </a:pPr>
+            <a:r>
+              <a:rPr lang="en-US" sz="1200" dirty="0">
+                <a:solidFill>
+                  <a:srgbClr val="000000"/>
+                </a:solidFill>
+                <a:latin typeface="Arial" pitchFamily="34" charset="0"/>
+                <a:ea typeface="Arial" pitchFamily="34" charset="-122"/>
+                <a:cs typeface="Arial" pitchFamily="34" charset="-120"/>
+              </a:rPr>
+              <a:t>משוטט לבד</a:t>
+            </a:r>
+            <a:endParaRPr lang="en-US" sz="1200" dirty="0"/>
+          </a:p>
+          <a:p>
+            <a:pPr algn="r" indent="0" marL="0">
+              <a:buNone/>
+            </a:pPr>
+            <a:r>
+              <a:rPr lang="en-US" sz="1200" dirty="0">
+                <a:solidFill>
+                  <a:srgbClr val="000000"/>
+                </a:solidFill>
+                <a:latin typeface="Arial" pitchFamily="34" charset="0"/>
+                <a:ea typeface="Arial" pitchFamily="34" charset="-122"/>
+                <a:cs typeface="Arial" pitchFamily="34" charset="-120"/>
+              </a:rPr>
+              <a:t>לא נתתי לאיש לדעת</a:t>
+            </a:r>
+            <a:endParaRPr lang="en-US" sz="1200" dirty="0"/>
+          </a:p>
+          <a:p>
+            <a:pPr algn="r" indent="0" marL="0">
+              <a:buNone/>
+            </a:pPr>
+            <a:r>
+              <a:rPr lang="en-US" sz="1200" dirty="0">
+                <a:solidFill>
+                  <a:srgbClr val="000000"/>
+                </a:solidFill>
+                <a:latin typeface="Arial" pitchFamily="34" charset="0"/>
+                <a:ea typeface="Arial" pitchFamily="34" charset="-122"/>
+                <a:cs typeface="Arial" pitchFamily="34" charset="-120"/>
+              </a:rPr>
+              <a:t>את היית אהבת נעורי</a:t>
+            </a:r>
+            <a:endParaRPr lang="en-US" sz="1200" dirty="0"/>
           </a:p>
         </p:txBody>
       </p:sp>
@@ -1701,8 +1588,8 @@
         </p:nvSpPr>
         <p:spPr>
           <a:xfrm>
-            <a:off x="914400" y="914400"/>
-            <a:ext cx="6858000" cy="0"/>
+            <a:off x="457200" y="457200"/>
+            <a:ext cx="8229600" cy="0"/>
           </a:xfrm>
           <a:prstGeom prst="rect">
             <a:avLst/>
@@ -1711,21 +1598,21 @@
           <a:ln/>
         </p:spPr>
         <p:txBody>
-          <a:bodyPr wrap="square" rtlCol="0" anchor="ctr"/>
+          <a:bodyPr wrap="square" lIns="6350" tIns="6350" rIns="6350" bIns="6350" rtlCol="0" anchor="ctr"/>
           <a:lstStyle/>
           <a:p>
-            <a:pPr indent="0" marL="0">
-              <a:buNone/>
-            </a:pPr>
-            <a:r>
-              <a:rPr lang="en-US" dirty="0">
+            <a:pPr algn="r" indent="0" marL="0">
+              <a:buNone/>
+            </a:pPr>
+            <a:r>
+              <a:rPr lang="en-US" sz="1600" dirty="0">
                 <a:solidFill>
                   <a:srgbClr val="363636"/>
                 </a:solidFill>
               </a:rPr>
               <a:t>גיטרה וכינור</a:t>
             </a:r>
-            <a:endParaRPr lang="en-US" dirty="0"/>
+            <a:endParaRPr lang="en-US" sz="1600" dirty="0"/>
           </a:p>
         </p:txBody>
       </p:sp>
@@ -1737,8 +1624,8 @@
         </p:nvSpPr>
         <p:spPr>
           <a:xfrm>
-            <a:off x="914400" y="2743200"/>
-            <a:ext cx="6858000" cy="0"/>
+            <a:off x="457200" y="914400"/>
+            <a:ext cx="8229600" cy="0"/>
           </a:xfrm>
           <a:prstGeom prst="rect">
             <a:avLst/>
@@ -1747,437 +1634,560 @@
           <a:ln/>
         </p:spPr>
         <p:txBody>
-          <a:bodyPr wrap="square" rtlCol="0" anchor="ctr"/>
+          <a:bodyPr wrap="square" lIns="6350" tIns="6350" rIns="6350" bIns="6350" rtlCol="0" anchor="ctr"/>
           <a:lstStyle/>
           <a:p>
-            <a:pPr indent="0" marL="0">
-              <a:buNone/>
-            </a:pPr>
-            <a:r>
-              <a:rPr lang="en-US" dirty="0">
+            <a:pPr algn="r" indent="0" marL="0">
+              <a:buNone/>
+            </a:pPr>
+            <a:r>
+              <a:rPr lang="en-US" sz="1300" dirty="0">
                 <a:solidFill>
                   <a:srgbClr val="363636"/>
                 </a:solidFill>
               </a:rPr>
+              <a:t>שלום חנוך</a:t>
+            </a:r>
+            <a:endParaRPr lang="en-US" sz="1300" dirty="0"/>
+          </a:p>
+        </p:txBody>
+      </p:sp>
+      <p:sp>
+        <p:nvSpPr>
+          <p:cNvPr id="4" name="Text 2"/>
+          <p:cNvSpPr txBox="1"/>
+          <p:nvPr/>
+        </p:nvSpPr>
+        <p:spPr>
+          <a:xfrm>
+            <a:off x="457200" y="1371600"/>
+            <a:ext cx="8229600" cy="4114800"/>
+          </a:xfrm>
+          <a:prstGeom prst="rect">
+            <a:avLst/>
+          </a:prstGeom>
+          <a:noFill/>
+          <a:ln/>
+        </p:spPr>
+        <p:txBody>
+          <a:bodyPr wrap="square" lIns="6350" tIns="6350" rIns="6350" bIns="6350" rtlCol="0" anchor="t"/>
+          <a:lstStyle/>
+          <a:p>
+            <a:pPr algn="r" indent="0" marL="0">
+              <a:buNone/>
+            </a:pPr>
+            <a:r>
+              <a:rPr lang="en-US" sz="1200" dirty="0">
+                <a:solidFill>
+                  <a:srgbClr val="000000"/>
+                </a:solidFill>
+                <a:latin typeface="Arial" pitchFamily="34" charset="0"/>
+                <a:ea typeface="Arial" pitchFamily="34" charset="-122"/>
+                <a:cs typeface="Arial" pitchFamily="34" charset="-120"/>
+              </a:rPr>
               <a:t>בדירה קטנה, חשוכה מעט</a:t>
             </a:r>
-            <a:endParaRPr lang="en-US" dirty="0"/>
-          </a:p>
-          <a:p>
-            <a:pPr indent="0" marL="0">
-              <a:buNone/>
-            </a:pPr>
-            <a:r>
-              <a:rPr lang="en-US" dirty="0">
-                <a:solidFill>
-                  <a:srgbClr val="363636"/>
-                </a:solidFill>
+            <a:endParaRPr lang="en-US" sz="1200" dirty="0"/>
+          </a:p>
+          <a:p>
+            <a:pPr algn="r" indent="0" marL="0">
+              <a:buNone/>
+            </a:pPr>
+            <a:r>
+              <a:rPr lang="en-US" sz="1200" dirty="0">
+                <a:solidFill>
+                  <a:srgbClr val="000000"/>
+                </a:solidFill>
+                <a:latin typeface="Arial" pitchFamily="34" charset="0"/>
+                <a:ea typeface="Arial" pitchFamily="34" charset="-122"/>
+                <a:cs typeface="Arial" pitchFamily="34" charset="-120"/>
               </a:rPr>
               <a:t>לא רחוק מכאן, בסימטה בצד</a:t>
             </a:r>
-            <a:endParaRPr lang="en-US" dirty="0"/>
-          </a:p>
-          <a:p>
-            <a:pPr indent="0" marL="0">
-              <a:buNone/>
-            </a:pPr>
-            <a:r>
-              <a:rPr lang="en-US" dirty="0">
-                <a:solidFill>
-                  <a:srgbClr val="363636"/>
-                </a:solidFill>
+            <a:endParaRPr lang="en-US" sz="1200" dirty="0"/>
+          </a:p>
+          <a:p>
+            <a:pPr algn="r" indent="0" marL="0">
+              <a:buNone/>
+            </a:pPr>
+            <a:r>
+              <a:rPr lang="en-US" sz="1200" dirty="0">
+                <a:solidFill>
+                  <a:srgbClr val="000000"/>
+                </a:solidFill>
+                <a:latin typeface="Arial" pitchFamily="34" charset="0"/>
+                <a:ea typeface="Arial" pitchFamily="34" charset="-122"/>
+                <a:cs typeface="Arial" pitchFamily="34" charset="-120"/>
               </a:rPr>
               <a:t>גר בחור אחד עם אישה אחת</a:t>
             </a:r>
-            <a:endParaRPr lang="en-US" dirty="0"/>
-          </a:p>
-          <a:p>
-            <a:pPr indent="0" marL="0">
-              <a:buNone/>
-            </a:pPr>
-            <a:r>
-              <a:rPr lang="en-US" dirty="0">
-                <a:solidFill>
-                  <a:srgbClr val="363636"/>
-                </a:solidFill>
+            <a:endParaRPr lang="en-US" sz="1200" dirty="0"/>
+          </a:p>
+          <a:p>
+            <a:pPr algn="r" indent="0" marL="0">
+              <a:buNone/>
+            </a:pPr>
+            <a:r>
+              <a:rPr lang="en-US" sz="1200" dirty="0">
+                <a:solidFill>
+                  <a:srgbClr val="000000"/>
+                </a:solidFill>
+                <a:latin typeface="Arial" pitchFamily="34" charset="0"/>
+                <a:ea typeface="Arial" pitchFamily="34" charset="-122"/>
+                <a:cs typeface="Arial" pitchFamily="34" charset="-120"/>
               </a:rPr>
               <a:t>חיים מכל הבא ליד</a:t>
             </a:r>
-            <a:endParaRPr lang="en-US" dirty="0"/>
-          </a:p>
-          <a:p>
-            <a:pPr indent="0" marL="0">
-              <a:buNone/>
-            </a:pPr>
-            <a:r>
-              <a:rPr lang="en-US" dirty="0">
-                <a:solidFill>
-                  <a:srgbClr val="363636"/>
-                </a:solidFill>
+            <a:endParaRPr lang="en-US" sz="1200" dirty="0"/>
+          </a:p>
+          <a:p>
+            <a:pPr algn="r" indent="0" marL="0">
+              <a:buNone/>
+            </a:pPr>
+            <a:r>
+              <a:rPr lang="en-US" sz="1200" dirty="0">
+                <a:solidFill>
+                  <a:srgbClr val="000000"/>
+                </a:solidFill>
+                <a:latin typeface="Arial" pitchFamily="34" charset="0"/>
+                <a:ea typeface="Arial" pitchFamily="34" charset="-122"/>
+                <a:cs typeface="Arial" pitchFamily="34" charset="-120"/>
               </a:rPr>
               <a:t>נישאים הם סחור וסחור</a:t>
             </a:r>
-            <a:endParaRPr lang="en-US" dirty="0"/>
-          </a:p>
-          <a:p>
-            <a:pPr indent="0" marL="0">
-              <a:buNone/>
-            </a:pPr>
-            <a:r>
-              <a:rPr lang="en-US" dirty="0">
-                <a:solidFill>
-                  <a:srgbClr val="363636"/>
-                </a:solidFill>
+            <a:endParaRPr lang="en-US" sz="1200" dirty="0"/>
+          </a:p>
+          <a:p>
+            <a:pPr algn="r" indent="0" marL="0">
+              <a:buNone/>
+            </a:pPr>
+            <a:r>
+              <a:rPr lang="en-US" sz="1200" dirty="0">
+                <a:solidFill>
+                  <a:srgbClr val="000000"/>
+                </a:solidFill>
+                <a:latin typeface="Arial" pitchFamily="34" charset="0"/>
+                <a:ea typeface="Arial" pitchFamily="34" charset="-122"/>
+                <a:cs typeface="Arial" pitchFamily="34" charset="-120"/>
               </a:rPr>
               <a:t>הוא גיטרה, היא כינור.</a:t>
             </a:r>
-            <a:endParaRPr lang="en-US" dirty="0"/>
-          </a:p>
-          <a:p>
-            <a:pPr indent="0" marL="0">
-              <a:buNone/>
-            </a:pPr>
-            <a:endParaRPr lang="en-US" dirty="0"/>
-          </a:p>
-          <a:p>
-            <a:pPr indent="0" marL="0">
-              <a:buNone/>
-            </a:pPr>
-            <a:r>
-              <a:rPr lang="en-US" dirty="0">
-                <a:solidFill>
-                  <a:srgbClr val="363636"/>
-                </a:solidFill>
+            <a:endParaRPr lang="en-US" sz="1200" dirty="0"/>
+          </a:p>
+          <a:p>
+            <a:pPr algn="r" indent="0" marL="0">
+              <a:buNone/>
+            </a:pPr>
+            <a:endParaRPr lang="en-US" sz="1200" dirty="0"/>
+          </a:p>
+          <a:p>
+            <a:pPr algn="r" indent="0" marL="0">
+              <a:buNone/>
+            </a:pPr>
+            <a:r>
+              <a:rPr lang="en-US" sz="1200" dirty="0">
+                <a:solidFill>
+                  <a:srgbClr val="000000"/>
+                </a:solidFill>
+                <a:latin typeface="Arial" pitchFamily="34" charset="0"/>
+                <a:ea typeface="Arial" pitchFamily="34" charset="-122"/>
+                <a:cs typeface="Arial" pitchFamily="34" charset="-120"/>
               </a:rPr>
               <a:t>מחליפים מיתר כשהחורף בא</a:t>
             </a:r>
-            <a:endParaRPr lang="en-US" dirty="0"/>
-          </a:p>
-          <a:p>
-            <a:pPr indent="0" marL="0">
-              <a:buNone/>
-            </a:pPr>
-            <a:r>
-              <a:rPr lang="en-US" dirty="0">
-                <a:solidFill>
-                  <a:srgbClr val="363636"/>
-                </a:solidFill>
+            <a:endParaRPr lang="en-US" sz="1200" dirty="0"/>
+          </a:p>
+          <a:p>
+            <a:pPr algn="r" indent="0" marL="0">
+              <a:buNone/>
+            </a:pPr>
+            <a:r>
+              <a:rPr lang="en-US" sz="1200" dirty="0">
+                <a:solidFill>
+                  <a:srgbClr val="000000"/>
+                </a:solidFill>
+                <a:latin typeface="Arial" pitchFamily="34" charset="0"/>
+                <a:ea typeface="Arial" pitchFamily="34" charset="-122"/>
+                <a:cs typeface="Arial" pitchFamily="34" charset="-120"/>
               </a:rPr>
               <a:t>היא תולה מבט, הוא שוקע בה</a:t>
             </a:r>
-            <a:endParaRPr lang="en-US" dirty="0"/>
-          </a:p>
-          <a:p>
-            <a:pPr indent="0" marL="0">
-              <a:buNone/>
-            </a:pPr>
-            <a:r>
-              <a:rPr lang="en-US" dirty="0">
-                <a:solidFill>
-                  <a:srgbClr val="363636"/>
-                </a:solidFill>
+            <a:endParaRPr lang="en-US" sz="1200" dirty="0"/>
+          </a:p>
+          <a:p>
+            <a:pPr algn="r" indent="0" marL="0">
+              <a:buNone/>
+            </a:pPr>
+            <a:r>
+              <a:rPr lang="en-US" sz="1200" dirty="0">
+                <a:solidFill>
+                  <a:srgbClr val="000000"/>
+                </a:solidFill>
+                <a:latin typeface="Arial" pitchFamily="34" charset="0"/>
+                <a:ea typeface="Arial" pitchFamily="34" charset="-122"/>
+                <a:cs typeface="Arial" pitchFamily="34" charset="-120"/>
               </a:rPr>
               <a:t>ואחר כך יד, נגיעה קלה</a:t>
             </a:r>
-            <a:endParaRPr lang="en-US" dirty="0"/>
-          </a:p>
-          <a:p>
-            <a:pPr indent="0" marL="0">
-              <a:buNone/>
-            </a:pPr>
-            <a:r>
-              <a:rPr lang="en-US" dirty="0">
-                <a:solidFill>
-                  <a:srgbClr val="363636"/>
-                </a:solidFill>
+            <a:endParaRPr lang="en-US" sz="1200" dirty="0"/>
+          </a:p>
+          <a:p>
+            <a:pPr algn="r" indent="0" marL="0">
+              <a:buNone/>
+            </a:pPr>
+            <a:r>
+              <a:rPr lang="en-US" sz="1200" dirty="0">
+                <a:solidFill>
+                  <a:srgbClr val="000000"/>
+                </a:solidFill>
+                <a:latin typeface="Arial" pitchFamily="34" charset="0"/>
+                <a:ea typeface="Arial" pitchFamily="34" charset="-122"/>
+                <a:cs typeface="Arial" pitchFamily="34" charset="-120"/>
               </a:rPr>
               <a:t>נשיקה באויר הוא שולח לה</a:t>
             </a:r>
-            <a:endParaRPr lang="en-US" dirty="0"/>
-          </a:p>
-          <a:p>
-            <a:pPr indent="0" marL="0">
-              <a:buNone/>
-            </a:pPr>
-            <a:r>
-              <a:rPr lang="en-US" dirty="0">
-                <a:solidFill>
-                  <a:srgbClr val="363636"/>
-                </a:solidFill>
+            <a:endParaRPr lang="en-US" sz="1200" dirty="0"/>
+          </a:p>
+          <a:p>
+            <a:pPr algn="r" indent="0" marL="0">
+              <a:buNone/>
+            </a:pPr>
+            <a:r>
+              <a:rPr lang="en-US" sz="1200" dirty="0">
+                <a:solidFill>
+                  <a:srgbClr val="000000"/>
+                </a:solidFill>
+                <a:latin typeface="Arial" pitchFamily="34" charset="0"/>
+                <a:ea typeface="Arial" pitchFamily="34" charset="-122"/>
+                <a:cs typeface="Arial" pitchFamily="34" charset="-120"/>
               </a:rPr>
               <a:t>מסתלסלת סחור וסחור</a:t>
             </a:r>
-            <a:endParaRPr lang="en-US" dirty="0"/>
-          </a:p>
-          <a:p>
-            <a:pPr indent="0" marL="0">
-              <a:buNone/>
-            </a:pPr>
-            <a:r>
-              <a:rPr lang="en-US" dirty="0">
-                <a:solidFill>
-                  <a:srgbClr val="363636"/>
-                </a:solidFill>
+            <a:endParaRPr lang="en-US" sz="1200" dirty="0"/>
+          </a:p>
+          <a:p>
+            <a:pPr algn="r" indent="0" marL="0">
+              <a:buNone/>
+            </a:pPr>
+            <a:r>
+              <a:rPr lang="en-US" sz="1200" dirty="0">
+                <a:solidFill>
+                  <a:srgbClr val="000000"/>
+                </a:solidFill>
+                <a:latin typeface="Arial" pitchFamily="34" charset="0"/>
+                <a:ea typeface="Arial" pitchFamily="34" charset="-122"/>
+                <a:cs typeface="Arial" pitchFamily="34" charset="-120"/>
               </a:rPr>
               <a:t>כמו גיטרה וכינור</a:t>
             </a:r>
-            <a:endParaRPr lang="en-US" dirty="0"/>
-          </a:p>
-          <a:p>
-            <a:pPr indent="0" marL="0">
-              <a:buNone/>
-            </a:pPr>
-            <a:r>
-              <a:rPr lang="en-US" dirty="0">
-                <a:solidFill>
-                  <a:srgbClr val="363636"/>
-                </a:solidFill>
+            <a:endParaRPr lang="en-US" sz="1200" dirty="0"/>
+          </a:p>
+          <a:p>
+            <a:pPr algn="r" indent="0" marL="0">
+              <a:buNone/>
+            </a:pPr>
+            <a:r>
+              <a:rPr lang="en-US" sz="1200" dirty="0">
+                <a:solidFill>
+                  <a:srgbClr val="000000"/>
+                </a:solidFill>
+                <a:latin typeface="Arial" pitchFamily="34" charset="0"/>
+                <a:ea typeface="Arial" pitchFamily="34" charset="-122"/>
+                <a:cs typeface="Arial" pitchFamily="34" charset="-120"/>
               </a:rPr>
               <a:t>הוא על זמן והיא על אור.</a:t>
             </a:r>
-            <a:endParaRPr lang="en-US" dirty="0"/>
-          </a:p>
-          <a:p>
-            <a:pPr indent="0" marL="0">
-              <a:buNone/>
-            </a:pPr>
-            <a:endParaRPr lang="en-US" dirty="0"/>
-          </a:p>
-          <a:p>
-            <a:pPr indent="0" marL="0">
-              <a:buNone/>
-            </a:pPr>
-            <a:r>
-              <a:rPr lang="en-US" dirty="0">
-                <a:solidFill>
-                  <a:srgbClr val="363636"/>
-                </a:solidFill>
+            <a:endParaRPr lang="en-US" sz="1200" dirty="0"/>
+          </a:p>
+          <a:p>
+            <a:pPr algn="r" indent="0" marL="0">
+              <a:buNone/>
+            </a:pPr>
+            <a:endParaRPr lang="en-US" sz="1200" dirty="0"/>
+          </a:p>
+          <a:p>
+            <a:pPr algn="r" indent="0" marL="0">
+              <a:buNone/>
+            </a:pPr>
+            <a:r>
+              <a:rPr lang="en-US" sz="1200" dirty="0">
+                <a:solidFill>
+                  <a:srgbClr val="000000"/>
+                </a:solidFill>
+                <a:latin typeface="Arial" pitchFamily="34" charset="0"/>
+                <a:ea typeface="Arial" pitchFamily="34" charset="-122"/>
+                <a:cs typeface="Arial" pitchFamily="34" charset="-120"/>
               </a:rPr>
               <a:t>בלילות שישי, במוצאי שבת</a:t>
             </a:r>
-            <a:endParaRPr lang="en-US" dirty="0"/>
-          </a:p>
-          <a:p>
-            <a:pPr indent="0" marL="0">
-              <a:buNone/>
-            </a:pPr>
-            <a:r>
-              <a:rPr lang="en-US" dirty="0">
-                <a:solidFill>
-                  <a:srgbClr val="363636"/>
-                </a:solidFill>
+            <a:endParaRPr lang="en-US" sz="1200" dirty="0"/>
+          </a:p>
+          <a:p>
+            <a:pPr algn="r" indent="0" marL="0">
+              <a:buNone/>
+            </a:pPr>
+            <a:r>
+              <a:rPr lang="en-US" sz="1200" dirty="0">
+                <a:solidFill>
+                  <a:srgbClr val="000000"/>
+                </a:solidFill>
+                <a:latin typeface="Arial" pitchFamily="34" charset="0"/>
+                <a:ea typeface="Arial" pitchFamily="34" charset="-122"/>
+                <a:cs typeface="Arial" pitchFamily="34" charset="-120"/>
               </a:rPr>
               <a:t>אוהבים הרבה, מדברים מעט</a:t>
             </a:r>
-            <a:endParaRPr lang="en-US" dirty="0"/>
-          </a:p>
-          <a:p>
-            <a:pPr indent="0" marL="0">
-              <a:buNone/>
-            </a:pPr>
-            <a:r>
-              <a:rPr lang="en-US" dirty="0">
-                <a:solidFill>
-                  <a:srgbClr val="363636"/>
-                </a:solidFill>
+            <a:endParaRPr lang="en-US" sz="1200" dirty="0"/>
+          </a:p>
+          <a:p>
+            <a:pPr algn="r" indent="0" marL="0">
+              <a:buNone/>
+            </a:pPr>
+            <a:r>
+              <a:rPr lang="en-US" sz="1200" dirty="0">
+                <a:solidFill>
+                  <a:srgbClr val="000000"/>
+                </a:solidFill>
+                <a:latin typeface="Arial" pitchFamily="34" charset="0"/>
+                <a:ea typeface="Arial" pitchFamily="34" charset="-122"/>
+                <a:cs typeface="Arial" pitchFamily="34" charset="-120"/>
               </a:rPr>
               <a:t>מנגנים דואט ובבת אחת,</a:t>
             </a:r>
-            <a:endParaRPr lang="en-US" dirty="0"/>
-          </a:p>
-          <a:p>
-            <a:pPr indent="0" marL="0">
-              <a:buNone/>
-            </a:pPr>
-            <a:r>
-              <a:rPr lang="en-US" dirty="0">
-                <a:solidFill>
-                  <a:srgbClr val="363636"/>
-                </a:solidFill>
+            <a:endParaRPr lang="en-US" sz="1200" dirty="0"/>
+          </a:p>
+          <a:p>
+            <a:pPr algn="r" indent="0" marL="0">
+              <a:buNone/>
+            </a:pPr>
+            <a:r>
+              <a:rPr lang="en-US" sz="1200" dirty="0">
+                <a:solidFill>
+                  <a:srgbClr val="000000"/>
+                </a:solidFill>
+                <a:latin typeface="Arial" pitchFamily="34" charset="0"/>
+                <a:ea typeface="Arial" pitchFamily="34" charset="-122"/>
+                <a:cs typeface="Arial" pitchFamily="34" charset="-120"/>
               </a:rPr>
               <a:t>הצלילים עולים והלב נרעד</a:t>
             </a:r>
-            <a:endParaRPr lang="en-US" dirty="0"/>
-          </a:p>
-          <a:p>
-            <a:pPr indent="0" marL="0">
-              <a:buNone/>
-            </a:pPr>
-            <a:r>
-              <a:rPr lang="en-US" dirty="0">
-                <a:solidFill>
-                  <a:srgbClr val="363636"/>
-                </a:solidFill>
+            <a:endParaRPr lang="en-US" sz="1200" dirty="0"/>
+          </a:p>
+          <a:p>
+            <a:pPr algn="r" indent="0" marL="0">
+              <a:buNone/>
+            </a:pPr>
+            <a:r>
+              <a:rPr lang="en-US" sz="1200" dirty="0">
+                <a:solidFill>
+                  <a:srgbClr val="000000"/>
+                </a:solidFill>
+                <a:latin typeface="Arial" pitchFamily="34" charset="0"/>
+                <a:ea typeface="Arial" pitchFamily="34" charset="-122"/>
+                <a:cs typeface="Arial" pitchFamily="34" charset="-120"/>
               </a:rPr>
               <a:t>נישאים הם סחור וסחור</a:t>
             </a:r>
-            <a:endParaRPr lang="en-US" dirty="0"/>
-          </a:p>
-          <a:p>
-            <a:pPr indent="0" marL="0">
-              <a:buNone/>
-            </a:pPr>
-            <a:r>
-              <a:rPr lang="en-US" dirty="0">
-                <a:solidFill>
-                  <a:srgbClr val="363636"/>
-                </a:solidFill>
+            <a:endParaRPr lang="en-US" sz="1200" dirty="0"/>
+          </a:p>
+          <a:p>
+            <a:pPr algn="r" indent="0" marL="0">
+              <a:buNone/>
+            </a:pPr>
+            <a:r>
+              <a:rPr lang="en-US" sz="1200" dirty="0">
+                <a:solidFill>
+                  <a:srgbClr val="000000"/>
+                </a:solidFill>
+                <a:latin typeface="Arial" pitchFamily="34" charset="0"/>
+                <a:ea typeface="Arial" pitchFamily="34" charset="-122"/>
+                <a:cs typeface="Arial" pitchFamily="34" charset="-120"/>
               </a:rPr>
               <a:t>הוא גיטרה היא כינור.</a:t>
             </a:r>
-            <a:endParaRPr lang="en-US" dirty="0"/>
-          </a:p>
-          <a:p>
-            <a:pPr indent="0" marL="0">
-              <a:buNone/>
-            </a:pPr>
-            <a:endParaRPr lang="en-US" dirty="0"/>
-          </a:p>
-          <a:p>
-            <a:pPr indent="0" marL="0">
-              <a:buNone/>
-            </a:pPr>
-            <a:r>
-              <a:rPr lang="en-US" dirty="0">
-                <a:solidFill>
-                  <a:srgbClr val="363636"/>
-                </a:solidFill>
+            <a:endParaRPr lang="en-US" sz="1200" dirty="0"/>
+          </a:p>
+          <a:p>
+            <a:pPr algn="r" indent="0" marL="0">
+              <a:buNone/>
+            </a:pPr>
+            <a:endParaRPr lang="en-US" sz="1200" dirty="0"/>
+          </a:p>
+          <a:p>
+            <a:pPr algn="r" indent="0" marL="0">
+              <a:buNone/>
+            </a:pPr>
+            <a:r>
+              <a:rPr lang="en-US" sz="1200" dirty="0">
+                <a:solidFill>
+                  <a:srgbClr val="000000"/>
+                </a:solidFill>
+                <a:latin typeface="Arial" pitchFamily="34" charset="0"/>
+                <a:ea typeface="Arial" pitchFamily="34" charset="-122"/>
+                <a:cs typeface="Arial" pitchFamily="34" charset="-120"/>
               </a:rPr>
               <a:t>כשהקיץ בא הם פורשים כנף</a:t>
             </a:r>
-            <a:endParaRPr lang="en-US" dirty="0"/>
-          </a:p>
-          <a:p>
-            <a:pPr indent="0" marL="0">
-              <a:buNone/>
-            </a:pPr>
-            <a:r>
-              <a:rPr lang="en-US" dirty="0">
-                <a:solidFill>
-                  <a:srgbClr val="363636"/>
-                </a:solidFill>
+            <a:endParaRPr lang="en-US" sz="1200" dirty="0"/>
+          </a:p>
+          <a:p>
+            <a:pPr algn="r" indent="0" marL="0">
+              <a:buNone/>
+            </a:pPr>
+            <a:r>
+              <a:rPr lang="en-US" sz="1200" dirty="0">
+                <a:solidFill>
+                  <a:srgbClr val="000000"/>
+                </a:solidFill>
+                <a:latin typeface="Arial" pitchFamily="34" charset="0"/>
+                <a:ea typeface="Arial" pitchFamily="34" charset="-122"/>
+                <a:cs typeface="Arial" pitchFamily="34" charset="-120"/>
               </a:rPr>
               <a:t>בעקבות חלום שחלמו בסתיו</a:t>
             </a:r>
-            <a:endParaRPr lang="en-US" dirty="0"/>
-          </a:p>
-          <a:p>
-            <a:pPr indent="0" marL="0">
-              <a:buNone/>
-            </a:pPr>
-            <a:r>
-              <a:rPr lang="en-US" dirty="0">
-                <a:solidFill>
-                  <a:srgbClr val="363636"/>
-                </a:solidFill>
+            <a:endParaRPr lang="en-US" sz="1200" dirty="0"/>
+          </a:p>
+          <a:p>
+            <a:pPr algn="r" indent="0" marL="0">
+              <a:buNone/>
+            </a:pPr>
+            <a:r>
+              <a:rPr lang="en-US" sz="1200" dirty="0">
+                <a:solidFill>
+                  <a:srgbClr val="000000"/>
+                </a:solidFill>
+                <a:latin typeface="Arial" pitchFamily="34" charset="0"/>
+                <a:ea typeface="Arial" pitchFamily="34" charset="-122"/>
+                <a:cs typeface="Arial" pitchFamily="34" charset="-120"/>
               </a:rPr>
               <a:t>והם לא אמרו אם הם יחזרו</a:t>
             </a:r>
-            <a:endParaRPr lang="en-US" dirty="0"/>
-          </a:p>
-          <a:p>
-            <a:pPr indent="0" marL="0">
-              <a:buNone/>
-            </a:pPr>
-            <a:r>
-              <a:rPr lang="en-US" dirty="0">
-                <a:solidFill>
-                  <a:srgbClr val="363636"/>
-                </a:solidFill>
+            <a:endParaRPr lang="en-US" sz="1200" dirty="0"/>
+          </a:p>
+          <a:p>
+            <a:pPr algn="r" indent="0" marL="0">
+              <a:buNone/>
+            </a:pPr>
+            <a:r>
+              <a:rPr lang="en-US" sz="1200" dirty="0">
+                <a:solidFill>
+                  <a:srgbClr val="000000"/>
+                </a:solidFill>
+                <a:latin typeface="Arial" pitchFamily="34" charset="0"/>
+                <a:ea typeface="Arial" pitchFamily="34" charset="-122"/>
+                <a:cs typeface="Arial" pitchFamily="34" charset="-120"/>
               </a:rPr>
               <a:t>מהרי נפאל, מערבות פרו</a:t>
             </a:r>
-            <a:endParaRPr lang="en-US" dirty="0"/>
-          </a:p>
-          <a:p>
-            <a:pPr indent="0" marL="0">
-              <a:buNone/>
-            </a:pPr>
-            <a:r>
-              <a:rPr lang="en-US" dirty="0">
-                <a:solidFill>
-                  <a:srgbClr val="363636"/>
-                </a:solidFill>
+            <a:endParaRPr lang="en-US" sz="1200" dirty="0"/>
+          </a:p>
+          <a:p>
+            <a:pPr algn="r" indent="0" marL="0">
+              <a:buNone/>
+            </a:pPr>
+            <a:r>
+              <a:rPr lang="en-US" sz="1200" dirty="0">
+                <a:solidFill>
+                  <a:srgbClr val="000000"/>
+                </a:solidFill>
+                <a:latin typeface="Arial" pitchFamily="34" charset="0"/>
+                <a:ea typeface="Arial" pitchFamily="34" charset="-122"/>
+                <a:cs typeface="Arial" pitchFamily="34" charset="-120"/>
               </a:rPr>
               <a:t>נודדים שם סחור וסחור</a:t>
             </a:r>
-            <a:endParaRPr lang="en-US" dirty="0"/>
-          </a:p>
-          <a:p>
-            <a:pPr indent="0" marL="0">
-              <a:buNone/>
-            </a:pPr>
-            <a:r>
-              <a:rPr lang="en-US" dirty="0">
-                <a:solidFill>
-                  <a:srgbClr val="363636"/>
-                </a:solidFill>
+            <a:endParaRPr lang="en-US" sz="1200" dirty="0"/>
+          </a:p>
+          <a:p>
+            <a:pPr algn="r" indent="0" marL="0">
+              <a:buNone/>
+            </a:pPr>
+            <a:r>
+              <a:rPr lang="en-US" sz="1200" dirty="0">
+                <a:solidFill>
+                  <a:srgbClr val="000000"/>
+                </a:solidFill>
+                <a:latin typeface="Arial" pitchFamily="34" charset="0"/>
+                <a:ea typeface="Arial" pitchFamily="34" charset="-122"/>
+                <a:cs typeface="Arial" pitchFamily="34" charset="-120"/>
               </a:rPr>
               <a:t>הוא על זמן והיא על אור</a:t>
             </a:r>
-            <a:endParaRPr lang="en-US" dirty="0"/>
-          </a:p>
-          <a:p>
-            <a:pPr indent="0" marL="0">
-              <a:buNone/>
-            </a:pPr>
-            <a:r>
-              <a:rPr lang="en-US" dirty="0">
-                <a:solidFill>
-                  <a:srgbClr val="363636"/>
-                </a:solidFill>
+            <a:endParaRPr lang="en-US" sz="1200" dirty="0"/>
+          </a:p>
+          <a:p>
+            <a:pPr algn="r" indent="0" marL="0">
+              <a:buNone/>
+            </a:pPr>
+            <a:r>
+              <a:rPr lang="en-US" sz="1200" dirty="0">
+                <a:solidFill>
+                  <a:srgbClr val="000000"/>
+                </a:solidFill>
+                <a:latin typeface="Arial" pitchFamily="34" charset="0"/>
+                <a:ea typeface="Arial" pitchFamily="34" charset="-122"/>
+                <a:cs typeface="Arial" pitchFamily="34" charset="-120"/>
               </a:rPr>
               <a:t>עם גיטרה וכינור.</a:t>
             </a:r>
-            <a:endParaRPr lang="en-US" dirty="0"/>
-          </a:p>
-          <a:p>
-            <a:pPr indent="0" marL="0">
-              <a:buNone/>
-            </a:pPr>
-            <a:endParaRPr lang="en-US" dirty="0"/>
-          </a:p>
-          <a:p>
-            <a:pPr indent="0" marL="0">
-              <a:buNone/>
-            </a:pPr>
-            <a:r>
-              <a:rPr lang="en-US" dirty="0">
-                <a:solidFill>
-                  <a:srgbClr val="363636"/>
-                </a:solidFill>
+            <a:endParaRPr lang="en-US" sz="1200" dirty="0"/>
+          </a:p>
+          <a:p>
+            <a:pPr algn="r" indent="0" marL="0">
+              <a:buNone/>
+            </a:pPr>
+            <a:endParaRPr lang="en-US" sz="1200" dirty="0"/>
+          </a:p>
+          <a:p>
+            <a:pPr algn="r" indent="0" marL="0">
+              <a:buNone/>
+            </a:pPr>
+            <a:r>
+              <a:rPr lang="en-US" sz="1200" dirty="0">
+                <a:solidFill>
+                  <a:srgbClr val="000000"/>
+                </a:solidFill>
+                <a:latin typeface="Arial" pitchFamily="34" charset="0"/>
+                <a:ea typeface="Arial" pitchFamily="34" charset="-122"/>
+                <a:cs typeface="Arial" pitchFamily="34" charset="-120"/>
               </a:rPr>
               <a:t>בדירה קטנה, חשוכה מעט</a:t>
             </a:r>
-            <a:endParaRPr lang="en-US" dirty="0"/>
-          </a:p>
-          <a:p>
-            <a:pPr indent="0" marL="0">
-              <a:buNone/>
-            </a:pPr>
-            <a:r>
-              <a:rPr lang="en-US" dirty="0">
-                <a:solidFill>
-                  <a:srgbClr val="363636"/>
-                </a:solidFill>
+            <a:endParaRPr lang="en-US" sz="1200" dirty="0"/>
+          </a:p>
+          <a:p>
+            <a:pPr algn="r" indent="0" marL="0">
+              <a:buNone/>
+            </a:pPr>
+            <a:r>
+              <a:rPr lang="en-US" sz="1200" dirty="0">
+                <a:solidFill>
+                  <a:srgbClr val="000000"/>
+                </a:solidFill>
+                <a:latin typeface="Arial" pitchFamily="34" charset="0"/>
+                <a:ea typeface="Arial" pitchFamily="34" charset="-122"/>
+                <a:cs typeface="Arial" pitchFamily="34" charset="-120"/>
               </a:rPr>
               <a:t>לא רחוק מכאן בסימטה בצד</a:t>
             </a:r>
-            <a:endParaRPr lang="en-US" dirty="0"/>
-          </a:p>
-          <a:p>
-            <a:pPr indent="0" marL="0">
-              <a:buNone/>
-            </a:pPr>
-            <a:r>
-              <a:rPr lang="en-US" dirty="0">
-                <a:solidFill>
-                  <a:srgbClr val="363636"/>
-                </a:solidFill>
+            <a:endParaRPr lang="en-US" sz="1200" dirty="0"/>
+          </a:p>
+          <a:p>
+            <a:pPr algn="r" indent="0" marL="0">
+              <a:buNone/>
+            </a:pPr>
+            <a:r>
+              <a:rPr lang="en-US" sz="1200" dirty="0">
+                <a:solidFill>
+                  <a:srgbClr val="000000"/>
+                </a:solidFill>
+                <a:latin typeface="Arial" pitchFamily="34" charset="0"/>
+                <a:ea typeface="Arial" pitchFamily="34" charset="-122"/>
+                <a:cs typeface="Arial" pitchFamily="34" charset="-120"/>
               </a:rPr>
               <a:t>גר בחור אחד עם אישה אחת...</a:t>
             </a:r>
-            <a:endParaRPr lang="en-US" dirty="0"/>
+            <a:endParaRPr lang="en-US" sz="1200" dirty="0"/>
           </a:p>
         </p:txBody>
       </p:sp>
@@ -2214,8 +2224,8 @@
         </p:nvSpPr>
         <p:spPr>
           <a:xfrm>
-            <a:off x="914400" y="914400"/>
-            <a:ext cx="6858000" cy="0"/>
+            <a:off x="457200" y="457200"/>
+            <a:ext cx="8229600" cy="0"/>
           </a:xfrm>
           <a:prstGeom prst="rect">
             <a:avLst/>
@@ -2224,21 +2234,21 @@
           <a:ln/>
         </p:spPr>
         <p:txBody>
-          <a:bodyPr wrap="square" rtlCol="0" anchor="ctr"/>
+          <a:bodyPr wrap="square" lIns="6350" tIns="6350" rIns="6350" bIns="6350" rtlCol="0" anchor="ctr"/>
           <a:lstStyle/>
           <a:p>
-            <a:pPr indent="0" marL="0">
-              <a:buNone/>
-            </a:pPr>
-            <a:r>
-              <a:rPr lang="en-US" dirty="0">
+            <a:pPr algn="r" indent="0" marL="0">
+              <a:buNone/>
+            </a:pPr>
+            <a:r>
+              <a:rPr lang="en-US" sz="1600" dirty="0">
                 <a:solidFill>
                   <a:srgbClr val="363636"/>
                 </a:solidFill>
               </a:rPr>
               <a:t>עוד חוזר הניגון</a:t>
             </a:r>
-            <a:endParaRPr lang="en-US" dirty="0"/>
+            <a:endParaRPr lang="en-US" sz="1600" dirty="0"/>
           </a:p>
         </p:txBody>
       </p:sp>
@@ -2250,8 +2260,8 @@
         </p:nvSpPr>
         <p:spPr>
           <a:xfrm>
-            <a:off x="914400" y="2743200"/>
-            <a:ext cx="6858000" cy="0"/>
+            <a:off x="457200" y="914400"/>
+            <a:ext cx="8229600" cy="0"/>
           </a:xfrm>
           <a:prstGeom prst="rect">
             <a:avLst/>
@@ -2260,187 +2270,259 @@
           <a:ln/>
         </p:spPr>
         <p:txBody>
-          <a:bodyPr wrap="square" rtlCol="0" anchor="ctr"/>
+          <a:bodyPr wrap="square" lIns="6350" tIns="6350" rIns="6350" bIns="6350" rtlCol="0" anchor="ctr"/>
           <a:lstStyle/>
           <a:p>
-            <a:pPr indent="0" marL="0">
-              <a:buNone/>
-            </a:pPr>
-            <a:r>
-              <a:rPr lang="en-US" dirty="0">
+            <a:pPr algn="r" indent="0" marL="0">
+              <a:buNone/>
+            </a:pPr>
+            <a:r>
+              <a:rPr lang="en-US" sz="1300" dirty="0">
                 <a:solidFill>
                   <a:srgbClr val="363636"/>
                 </a:solidFill>
               </a:rPr>
+              <a:t>ברי סחרוף</a:t>
+            </a:r>
+            <a:endParaRPr lang="en-US" sz="1300" dirty="0"/>
+          </a:p>
+        </p:txBody>
+      </p:sp>
+      <p:sp>
+        <p:nvSpPr>
+          <p:cNvPr id="4" name="Text 2"/>
+          <p:cNvSpPr txBox="1"/>
+          <p:nvPr/>
+        </p:nvSpPr>
+        <p:spPr>
+          <a:xfrm>
+            <a:off x="457200" y="1371600"/>
+            <a:ext cx="8229600" cy="4114800"/>
+          </a:xfrm>
+          <a:prstGeom prst="rect">
+            <a:avLst/>
+          </a:prstGeom>
+          <a:noFill/>
+          <a:ln/>
+        </p:spPr>
+        <p:txBody>
+          <a:bodyPr wrap="square" lIns="6350" tIns="6350" rIns="6350" bIns="6350" rtlCol="0" anchor="t"/>
+          <a:lstStyle/>
+          <a:p>
+            <a:pPr algn="r" indent="0" marL="0">
+              <a:buNone/>
+            </a:pPr>
+            <a:r>
+              <a:rPr lang="en-US" sz="1200" dirty="0">
+                <a:solidFill>
+                  <a:srgbClr val="000000"/>
+                </a:solidFill>
+                <a:latin typeface="Arial" pitchFamily="34" charset="0"/>
+                <a:ea typeface="Arial" pitchFamily="34" charset="-122"/>
+                <a:cs typeface="Arial" pitchFamily="34" charset="-120"/>
+              </a:rPr>
               <a:t>עוד חוזר הניגון שזנחת לשווא</a:t>
             </a:r>
-            <a:endParaRPr lang="en-US" dirty="0"/>
-          </a:p>
-          <a:p>
-            <a:pPr indent="0" marL="0">
-              <a:buNone/>
-            </a:pPr>
-            <a:r>
-              <a:rPr lang="en-US" dirty="0">
-                <a:solidFill>
-                  <a:srgbClr val="363636"/>
-                </a:solidFill>
+            <a:endParaRPr lang="en-US" sz="1200" dirty="0"/>
+          </a:p>
+          <a:p>
+            <a:pPr algn="r" indent="0" marL="0">
+              <a:buNone/>
+            </a:pPr>
+            <a:r>
+              <a:rPr lang="en-US" sz="1200" dirty="0">
+                <a:solidFill>
+                  <a:srgbClr val="000000"/>
+                </a:solidFill>
+                <a:latin typeface="Arial" pitchFamily="34" charset="0"/>
+                <a:ea typeface="Arial" pitchFamily="34" charset="-122"/>
+                <a:cs typeface="Arial" pitchFamily="34" charset="-120"/>
               </a:rPr>
               <a:t>והדרך עודנה נפקחת לאורך</a:t>
             </a:r>
-            <a:endParaRPr lang="en-US" dirty="0"/>
-          </a:p>
-          <a:p>
-            <a:pPr indent="0" marL="0">
-              <a:buNone/>
-            </a:pPr>
-            <a:r>
-              <a:rPr lang="en-US" dirty="0">
-                <a:solidFill>
-                  <a:srgbClr val="363636"/>
-                </a:solidFill>
+            <a:endParaRPr lang="en-US" sz="1200" dirty="0"/>
+          </a:p>
+          <a:p>
+            <a:pPr algn="r" indent="0" marL="0">
+              <a:buNone/>
+            </a:pPr>
+            <a:r>
+              <a:rPr lang="en-US" sz="1200" dirty="0">
+                <a:solidFill>
+                  <a:srgbClr val="000000"/>
+                </a:solidFill>
+                <a:latin typeface="Arial" pitchFamily="34" charset="0"/>
+                <a:ea typeface="Arial" pitchFamily="34" charset="-122"/>
+                <a:cs typeface="Arial" pitchFamily="34" charset="-120"/>
               </a:rPr>
               <a:t>וענן בשמיו ואילן בגשמיו</a:t>
             </a:r>
-            <a:endParaRPr lang="en-US" dirty="0"/>
-          </a:p>
-          <a:p>
-            <a:pPr indent="0" marL="0">
-              <a:buNone/>
-            </a:pPr>
-            <a:r>
-              <a:rPr lang="en-US" dirty="0">
-                <a:solidFill>
-                  <a:srgbClr val="363636"/>
-                </a:solidFill>
+            <a:endParaRPr lang="en-US" sz="1200" dirty="0"/>
+          </a:p>
+          <a:p>
+            <a:pPr algn="r" indent="0" marL="0">
+              <a:buNone/>
+            </a:pPr>
+            <a:r>
+              <a:rPr lang="en-US" sz="1200" dirty="0">
+                <a:solidFill>
+                  <a:srgbClr val="000000"/>
+                </a:solidFill>
+                <a:latin typeface="Arial" pitchFamily="34" charset="0"/>
+                <a:ea typeface="Arial" pitchFamily="34" charset="-122"/>
+                <a:cs typeface="Arial" pitchFamily="34" charset="-120"/>
               </a:rPr>
               <a:t>מצפים עוד לך, עובר אורח</a:t>
             </a:r>
-            <a:endParaRPr lang="en-US" dirty="0"/>
-          </a:p>
-          <a:p>
-            <a:pPr indent="0" marL="0">
-              <a:buNone/>
-            </a:pPr>
-            <a:endParaRPr lang="en-US" dirty="0"/>
-          </a:p>
-          <a:p>
-            <a:pPr indent="0" marL="0">
-              <a:buNone/>
-            </a:pPr>
-            <a:r>
-              <a:rPr lang="en-US" dirty="0">
-                <a:solidFill>
-                  <a:srgbClr val="363636"/>
-                </a:solidFill>
+            <a:endParaRPr lang="en-US" sz="1200" dirty="0"/>
+          </a:p>
+          <a:p>
+            <a:pPr algn="r" indent="0" marL="0">
+              <a:buNone/>
+            </a:pPr>
+            <a:endParaRPr lang="en-US" sz="1200" dirty="0"/>
+          </a:p>
+          <a:p>
+            <a:pPr algn="r" indent="0" marL="0">
+              <a:buNone/>
+            </a:pPr>
+            <a:r>
+              <a:rPr lang="en-US" sz="1200" dirty="0">
+                <a:solidFill>
+                  <a:srgbClr val="000000"/>
+                </a:solidFill>
+                <a:latin typeface="Arial" pitchFamily="34" charset="0"/>
+                <a:ea typeface="Arial" pitchFamily="34" charset="-122"/>
+                <a:cs typeface="Arial" pitchFamily="34" charset="-120"/>
               </a:rPr>
               <a:t>והרוח תקום ובטיסת נדנדות</a:t>
             </a:r>
-            <a:endParaRPr lang="en-US" dirty="0"/>
-          </a:p>
-          <a:p>
-            <a:pPr indent="0" marL="0">
-              <a:buNone/>
-            </a:pPr>
-            <a:r>
-              <a:rPr lang="en-US" dirty="0">
-                <a:solidFill>
-                  <a:srgbClr val="363636"/>
-                </a:solidFill>
+            <a:endParaRPr lang="en-US" sz="1200" dirty="0"/>
+          </a:p>
+          <a:p>
+            <a:pPr algn="r" indent="0" marL="0">
+              <a:buNone/>
+            </a:pPr>
+            <a:r>
+              <a:rPr lang="en-US" sz="1200" dirty="0">
+                <a:solidFill>
+                  <a:srgbClr val="000000"/>
+                </a:solidFill>
+                <a:latin typeface="Arial" pitchFamily="34" charset="0"/>
+                <a:ea typeface="Arial" pitchFamily="34" charset="-122"/>
+                <a:cs typeface="Arial" pitchFamily="34" charset="-120"/>
               </a:rPr>
               <a:t>יעברו הברקים מעליך</a:t>
             </a:r>
-            <a:endParaRPr lang="en-US" dirty="0"/>
-          </a:p>
-          <a:p>
-            <a:pPr indent="0" marL="0">
-              <a:buNone/>
-            </a:pPr>
-            <a:r>
-              <a:rPr lang="en-US" dirty="0">
-                <a:solidFill>
-                  <a:srgbClr val="363636"/>
-                </a:solidFill>
+            <a:endParaRPr lang="en-US" sz="1200" dirty="0"/>
+          </a:p>
+          <a:p>
+            <a:pPr algn="r" indent="0" marL="0">
+              <a:buNone/>
+            </a:pPr>
+            <a:r>
+              <a:rPr lang="en-US" sz="1200" dirty="0">
+                <a:solidFill>
+                  <a:srgbClr val="000000"/>
+                </a:solidFill>
+                <a:latin typeface="Arial" pitchFamily="34" charset="0"/>
+                <a:ea typeface="Arial" pitchFamily="34" charset="-122"/>
+                <a:cs typeface="Arial" pitchFamily="34" charset="-120"/>
               </a:rPr>
               <a:t>וכבשה ואיילת תהיינה עדות</a:t>
             </a:r>
-            <a:endParaRPr lang="en-US" dirty="0"/>
-          </a:p>
-          <a:p>
-            <a:pPr indent="0" marL="0">
-              <a:buNone/>
-            </a:pPr>
-            <a:r>
-              <a:rPr lang="en-US" dirty="0">
-                <a:solidFill>
-                  <a:srgbClr val="363636"/>
-                </a:solidFill>
+            <a:endParaRPr lang="en-US" sz="1200" dirty="0"/>
+          </a:p>
+          <a:p>
+            <a:pPr algn="r" indent="0" marL="0">
+              <a:buNone/>
+            </a:pPr>
+            <a:r>
+              <a:rPr lang="en-US" sz="1200" dirty="0">
+                <a:solidFill>
+                  <a:srgbClr val="000000"/>
+                </a:solidFill>
+                <a:latin typeface="Arial" pitchFamily="34" charset="0"/>
+                <a:ea typeface="Arial" pitchFamily="34" charset="-122"/>
+                <a:cs typeface="Arial" pitchFamily="34" charset="-120"/>
               </a:rPr>
               <a:t>שליטפת אותן והוספת ללכת</a:t>
             </a:r>
-            <a:endParaRPr lang="en-US" dirty="0"/>
-          </a:p>
-          <a:p>
-            <a:pPr indent="0" marL="0">
-              <a:buNone/>
-            </a:pPr>
-            <a:endParaRPr lang="en-US" dirty="0"/>
-          </a:p>
-          <a:p>
-            <a:pPr indent="0" marL="0">
-              <a:buNone/>
-            </a:pPr>
-            <a:r>
-              <a:rPr lang="en-US" dirty="0">
-                <a:solidFill>
-                  <a:srgbClr val="363636"/>
-                </a:solidFill>
+            <a:endParaRPr lang="en-US" sz="1200" dirty="0"/>
+          </a:p>
+          <a:p>
+            <a:pPr algn="r" indent="0" marL="0">
+              <a:buNone/>
+            </a:pPr>
+            <a:endParaRPr lang="en-US" sz="1200" dirty="0"/>
+          </a:p>
+          <a:p>
+            <a:pPr algn="r" indent="0" marL="0">
+              <a:buNone/>
+            </a:pPr>
+            <a:r>
+              <a:rPr lang="en-US" sz="1200" dirty="0">
+                <a:solidFill>
+                  <a:srgbClr val="000000"/>
+                </a:solidFill>
+                <a:latin typeface="Arial" pitchFamily="34" charset="0"/>
+                <a:ea typeface="Arial" pitchFamily="34" charset="-122"/>
+                <a:cs typeface="Arial" pitchFamily="34" charset="-120"/>
               </a:rPr>
               <a:t>שידיך ריקות ועירך רחוקה</a:t>
             </a:r>
-            <a:endParaRPr lang="en-US" dirty="0"/>
-          </a:p>
-          <a:p>
-            <a:pPr indent="0" marL="0">
-              <a:buNone/>
-            </a:pPr>
-            <a:r>
-              <a:rPr lang="en-US" dirty="0">
-                <a:solidFill>
-                  <a:srgbClr val="363636"/>
-                </a:solidFill>
+            <a:endParaRPr lang="en-US" sz="1200" dirty="0"/>
+          </a:p>
+          <a:p>
+            <a:pPr algn="r" indent="0" marL="0">
+              <a:buNone/>
+            </a:pPr>
+            <a:r>
+              <a:rPr lang="en-US" sz="1200" dirty="0">
+                <a:solidFill>
+                  <a:srgbClr val="000000"/>
+                </a:solidFill>
+                <a:latin typeface="Arial" pitchFamily="34" charset="0"/>
+                <a:ea typeface="Arial" pitchFamily="34" charset="-122"/>
+                <a:cs typeface="Arial" pitchFamily="34" charset="-120"/>
               </a:rPr>
               <a:t>ולא פעם סגדת אפיים</a:t>
             </a:r>
-            <a:endParaRPr lang="en-US" dirty="0"/>
-          </a:p>
-          <a:p>
-            <a:pPr indent="0" marL="0">
-              <a:buNone/>
-            </a:pPr>
-            <a:r>
-              <a:rPr lang="en-US" dirty="0">
-                <a:solidFill>
-                  <a:srgbClr val="363636"/>
-                </a:solidFill>
+            <a:endParaRPr lang="en-US" sz="1200" dirty="0"/>
+          </a:p>
+          <a:p>
+            <a:pPr algn="r" indent="0" marL="0">
+              <a:buNone/>
+            </a:pPr>
+            <a:r>
+              <a:rPr lang="en-US" sz="1200" dirty="0">
+                <a:solidFill>
+                  <a:srgbClr val="000000"/>
+                </a:solidFill>
+                <a:latin typeface="Arial" pitchFamily="34" charset="0"/>
+                <a:ea typeface="Arial" pitchFamily="34" charset="-122"/>
+                <a:cs typeface="Arial" pitchFamily="34" charset="-120"/>
               </a:rPr>
               <a:t>לחורשה ירוקה ואישה בצחוקה</a:t>
             </a:r>
-            <a:endParaRPr lang="en-US" dirty="0"/>
-          </a:p>
-          <a:p>
-            <a:pPr indent="0" marL="0">
-              <a:buNone/>
-            </a:pPr>
-            <a:r>
-              <a:rPr lang="en-US" dirty="0">
-                <a:solidFill>
-                  <a:srgbClr val="363636"/>
-                </a:solidFill>
+            <a:endParaRPr lang="en-US" sz="1200" dirty="0"/>
+          </a:p>
+          <a:p>
+            <a:pPr algn="r" indent="0" marL="0">
+              <a:buNone/>
+            </a:pPr>
+            <a:r>
+              <a:rPr lang="en-US" sz="1200" dirty="0">
+                <a:solidFill>
+                  <a:srgbClr val="000000"/>
+                </a:solidFill>
+                <a:latin typeface="Arial" pitchFamily="34" charset="0"/>
+                <a:ea typeface="Arial" pitchFamily="34" charset="-122"/>
+                <a:cs typeface="Arial" pitchFamily="34" charset="-120"/>
               </a:rPr>
               <a:t>וצמרת גשומת עפעפיים.</a:t>
             </a:r>
-            <a:endParaRPr lang="en-US" dirty="0"/>
+            <a:endParaRPr lang="en-US" sz="1200" dirty="0"/>
           </a:p>
         </p:txBody>
       </p:sp>

--- a/test.pptx
+++ b/test.pptx
@@ -8,9 +8,15 @@
     <p:sldId id="256" r:id="rId2"/>
     <p:sldId id="257" r:id="rId3"/>
     <p:sldId id="258" r:id="rId4"/>
+    <p:sldId id="259" r:id="rId5"/>
+    <p:sldId id="260" r:id="rId6"/>
+    <p:sldId id="261" r:id="rId7"/>
+    <p:sldId id="262" r:id="rId8"/>
+    <p:sldId id="263" r:id="rId9"/>
+    <p:sldId id="264" r:id="rId10"/>
   </p:sldIdLst>
   <p:notesMasterIdLst>
-    <p:notesMasterId r:id="rId5"/>
+    <p:notesMasterId r:id="rId11"/>
   </p:notesMasterIdLst>
   <p:sldSz cx="9144000" cy="5143500"/>
   <p:notesSz cx="5143500" cy="9144000"/>
@@ -704,6 +710,534 @@
             <a:fld id="{F7021451-1387-4CA6-816F-3879F97B5CBC}" type="slidenum">
               <a:rPr lang="en-US"/>
               <a:t>3</a:t>
+            </a:fld>
+            <a:endParaRPr lang="en-US"/>
+          </a:p>
+        </p:txBody>
+      </p:sp>
+    </p:spTree>
+    <p:extLst>
+      <p:ext uri="{BB962C8B-B14F-4D97-AF65-F5344CB8AC3E}">
+        <p14:creationId xmlns:p14="http://schemas.microsoft.com/office/powerpoint/2010/main" val="1024086991"/>
+      </p:ext>
+    </p:extLst>
+  </p:cSld>
+  <p:clrMapOvr>
+    <a:masterClrMapping/>
+  </p:clrMapOvr>
+</p:notes>
+</file>
+
+<file path=ppt/notesSlides/notesSlide4.xml><?xml version="1.0" encoding="utf-8"?>
+<p:notes xmlns:a="http://schemas.openxmlformats.org/drawingml/2006/main" xmlns:r="http://schemas.openxmlformats.org/officeDocument/2006/relationships" xmlns:p="http://schemas.openxmlformats.org/presentationml/2006/main">
+  <p:cSld>
+    <p:spTree>
+      <p:nvGrpSpPr>
+        <p:cNvPr id="1" name=""/>
+        <p:cNvGrpSpPr/>
+        <p:nvPr/>
+      </p:nvGrpSpPr>
+      <p:grpSpPr>
+        <a:xfrm>
+          <a:off x="0" y="0"/>
+          <a:ext cx="0" cy="0"/>
+          <a:chOff x="0" y="0"/>
+          <a:chExt cx="0" cy="0"/>
+        </a:xfrm>
+      </p:grpSpPr>
+      <p:sp>
+        <p:nvSpPr>
+          <p:cNvPr id="2" name="Slide Image Placeholder 1"/>
+          <p:cNvSpPr>
+            <a:spLocks noGrp="1" noRot="1" noChangeAspect="1"/>
+          </p:cNvSpPr>
+          <p:nvPr>
+            <p:ph type="sldImg"/>
+          </p:nvPr>
+        </p:nvSpPr>
+        <p:spPr/>
+      </p:sp>
+      <p:sp>
+        <p:nvSpPr>
+          <p:cNvPr id="3" name="Notes Placeholder 2"/>
+          <p:cNvSpPr>
+            <a:spLocks noGrp="1"/>
+          </p:cNvSpPr>
+          <p:nvPr>
+            <p:ph type="body" idx="1"/>
+          </p:nvPr>
+        </p:nvSpPr>
+        <p:spPr/>
+        <p:txBody>
+          <a:bodyPr/>
+          <a:lstStyle/>
+          <a:p>
+            <a:r>
+              <a:rPr lang="en-US" dirty="0"/>
+              <a:t/>
+            </a:r>
+            <a:endParaRPr lang="en-US" dirty="0"/>
+          </a:p>
+        </p:txBody>
+      </p:sp>
+      <p:sp>
+        <p:nvSpPr>
+          <p:cNvPr id="4" name="Slide Number Placeholder 3"/>
+          <p:cNvSpPr>
+            <a:spLocks noGrp="1"/>
+          </p:cNvSpPr>
+          <p:nvPr>
+            <p:ph type="sldNum" sz="quarter" idx="10"/>
+          </p:nvPr>
+        </p:nvSpPr>
+        <p:spPr/>
+        <p:txBody>
+          <a:bodyPr/>
+          <a:lstStyle/>
+          <a:p>
+            <a:fld id="{F7021451-1387-4CA6-816F-3879F97B5CBC}" type="slidenum">
+              <a:rPr lang="en-US"/>
+              <a:t>4</a:t>
+            </a:fld>
+            <a:endParaRPr lang="en-US"/>
+          </a:p>
+        </p:txBody>
+      </p:sp>
+    </p:spTree>
+    <p:extLst>
+      <p:ext uri="{BB962C8B-B14F-4D97-AF65-F5344CB8AC3E}">
+        <p14:creationId xmlns:p14="http://schemas.microsoft.com/office/powerpoint/2010/main" val="1024086991"/>
+      </p:ext>
+    </p:extLst>
+  </p:cSld>
+  <p:clrMapOvr>
+    <a:masterClrMapping/>
+  </p:clrMapOvr>
+</p:notes>
+</file>
+
+<file path=ppt/notesSlides/notesSlide5.xml><?xml version="1.0" encoding="utf-8"?>
+<p:notes xmlns:a="http://schemas.openxmlformats.org/drawingml/2006/main" xmlns:r="http://schemas.openxmlformats.org/officeDocument/2006/relationships" xmlns:p="http://schemas.openxmlformats.org/presentationml/2006/main">
+  <p:cSld>
+    <p:spTree>
+      <p:nvGrpSpPr>
+        <p:cNvPr id="1" name=""/>
+        <p:cNvGrpSpPr/>
+        <p:nvPr/>
+      </p:nvGrpSpPr>
+      <p:grpSpPr>
+        <a:xfrm>
+          <a:off x="0" y="0"/>
+          <a:ext cx="0" cy="0"/>
+          <a:chOff x="0" y="0"/>
+          <a:chExt cx="0" cy="0"/>
+        </a:xfrm>
+      </p:grpSpPr>
+      <p:sp>
+        <p:nvSpPr>
+          <p:cNvPr id="2" name="Slide Image Placeholder 1"/>
+          <p:cNvSpPr>
+            <a:spLocks noGrp="1" noRot="1" noChangeAspect="1"/>
+          </p:cNvSpPr>
+          <p:nvPr>
+            <p:ph type="sldImg"/>
+          </p:nvPr>
+        </p:nvSpPr>
+        <p:spPr/>
+      </p:sp>
+      <p:sp>
+        <p:nvSpPr>
+          <p:cNvPr id="3" name="Notes Placeholder 2"/>
+          <p:cNvSpPr>
+            <a:spLocks noGrp="1"/>
+          </p:cNvSpPr>
+          <p:nvPr>
+            <p:ph type="body" idx="1"/>
+          </p:nvPr>
+        </p:nvSpPr>
+        <p:spPr/>
+        <p:txBody>
+          <a:bodyPr/>
+          <a:lstStyle/>
+          <a:p>
+            <a:r>
+              <a:rPr lang="en-US" dirty="0"/>
+              <a:t/>
+            </a:r>
+            <a:endParaRPr lang="en-US" dirty="0"/>
+          </a:p>
+        </p:txBody>
+      </p:sp>
+      <p:sp>
+        <p:nvSpPr>
+          <p:cNvPr id="4" name="Slide Number Placeholder 3"/>
+          <p:cNvSpPr>
+            <a:spLocks noGrp="1"/>
+          </p:cNvSpPr>
+          <p:nvPr>
+            <p:ph type="sldNum" sz="quarter" idx="10"/>
+          </p:nvPr>
+        </p:nvSpPr>
+        <p:spPr/>
+        <p:txBody>
+          <a:bodyPr/>
+          <a:lstStyle/>
+          <a:p>
+            <a:fld id="{F7021451-1387-4CA6-816F-3879F97B5CBC}" type="slidenum">
+              <a:rPr lang="en-US"/>
+              <a:t>5</a:t>
+            </a:fld>
+            <a:endParaRPr lang="en-US"/>
+          </a:p>
+        </p:txBody>
+      </p:sp>
+    </p:spTree>
+    <p:extLst>
+      <p:ext uri="{BB962C8B-B14F-4D97-AF65-F5344CB8AC3E}">
+        <p14:creationId xmlns:p14="http://schemas.microsoft.com/office/powerpoint/2010/main" val="1024086991"/>
+      </p:ext>
+    </p:extLst>
+  </p:cSld>
+  <p:clrMapOvr>
+    <a:masterClrMapping/>
+  </p:clrMapOvr>
+</p:notes>
+</file>
+
+<file path=ppt/notesSlides/notesSlide6.xml><?xml version="1.0" encoding="utf-8"?>
+<p:notes xmlns:a="http://schemas.openxmlformats.org/drawingml/2006/main" xmlns:r="http://schemas.openxmlformats.org/officeDocument/2006/relationships" xmlns:p="http://schemas.openxmlformats.org/presentationml/2006/main">
+  <p:cSld>
+    <p:spTree>
+      <p:nvGrpSpPr>
+        <p:cNvPr id="1" name=""/>
+        <p:cNvGrpSpPr/>
+        <p:nvPr/>
+      </p:nvGrpSpPr>
+      <p:grpSpPr>
+        <a:xfrm>
+          <a:off x="0" y="0"/>
+          <a:ext cx="0" cy="0"/>
+          <a:chOff x="0" y="0"/>
+          <a:chExt cx="0" cy="0"/>
+        </a:xfrm>
+      </p:grpSpPr>
+      <p:sp>
+        <p:nvSpPr>
+          <p:cNvPr id="2" name="Slide Image Placeholder 1"/>
+          <p:cNvSpPr>
+            <a:spLocks noGrp="1" noRot="1" noChangeAspect="1"/>
+          </p:cNvSpPr>
+          <p:nvPr>
+            <p:ph type="sldImg"/>
+          </p:nvPr>
+        </p:nvSpPr>
+        <p:spPr/>
+      </p:sp>
+      <p:sp>
+        <p:nvSpPr>
+          <p:cNvPr id="3" name="Notes Placeholder 2"/>
+          <p:cNvSpPr>
+            <a:spLocks noGrp="1"/>
+          </p:cNvSpPr>
+          <p:nvPr>
+            <p:ph type="body" idx="1"/>
+          </p:nvPr>
+        </p:nvSpPr>
+        <p:spPr/>
+        <p:txBody>
+          <a:bodyPr/>
+          <a:lstStyle/>
+          <a:p>
+            <a:r>
+              <a:rPr lang="en-US" dirty="0"/>
+              <a:t/>
+            </a:r>
+            <a:endParaRPr lang="en-US" dirty="0"/>
+          </a:p>
+        </p:txBody>
+      </p:sp>
+      <p:sp>
+        <p:nvSpPr>
+          <p:cNvPr id="4" name="Slide Number Placeholder 3"/>
+          <p:cNvSpPr>
+            <a:spLocks noGrp="1"/>
+          </p:cNvSpPr>
+          <p:nvPr>
+            <p:ph type="sldNum" sz="quarter" idx="10"/>
+          </p:nvPr>
+        </p:nvSpPr>
+        <p:spPr/>
+        <p:txBody>
+          <a:bodyPr/>
+          <a:lstStyle/>
+          <a:p>
+            <a:fld id="{F7021451-1387-4CA6-816F-3879F97B5CBC}" type="slidenum">
+              <a:rPr lang="en-US"/>
+              <a:t>6</a:t>
+            </a:fld>
+            <a:endParaRPr lang="en-US"/>
+          </a:p>
+        </p:txBody>
+      </p:sp>
+    </p:spTree>
+    <p:extLst>
+      <p:ext uri="{BB962C8B-B14F-4D97-AF65-F5344CB8AC3E}">
+        <p14:creationId xmlns:p14="http://schemas.microsoft.com/office/powerpoint/2010/main" val="1024086991"/>
+      </p:ext>
+    </p:extLst>
+  </p:cSld>
+  <p:clrMapOvr>
+    <a:masterClrMapping/>
+  </p:clrMapOvr>
+</p:notes>
+</file>
+
+<file path=ppt/notesSlides/notesSlide7.xml><?xml version="1.0" encoding="utf-8"?>
+<p:notes xmlns:a="http://schemas.openxmlformats.org/drawingml/2006/main" xmlns:r="http://schemas.openxmlformats.org/officeDocument/2006/relationships" xmlns:p="http://schemas.openxmlformats.org/presentationml/2006/main">
+  <p:cSld>
+    <p:spTree>
+      <p:nvGrpSpPr>
+        <p:cNvPr id="1" name=""/>
+        <p:cNvGrpSpPr/>
+        <p:nvPr/>
+      </p:nvGrpSpPr>
+      <p:grpSpPr>
+        <a:xfrm>
+          <a:off x="0" y="0"/>
+          <a:ext cx="0" cy="0"/>
+          <a:chOff x="0" y="0"/>
+          <a:chExt cx="0" cy="0"/>
+        </a:xfrm>
+      </p:grpSpPr>
+      <p:sp>
+        <p:nvSpPr>
+          <p:cNvPr id="2" name="Slide Image Placeholder 1"/>
+          <p:cNvSpPr>
+            <a:spLocks noGrp="1" noRot="1" noChangeAspect="1"/>
+          </p:cNvSpPr>
+          <p:nvPr>
+            <p:ph type="sldImg"/>
+          </p:nvPr>
+        </p:nvSpPr>
+        <p:spPr/>
+      </p:sp>
+      <p:sp>
+        <p:nvSpPr>
+          <p:cNvPr id="3" name="Notes Placeholder 2"/>
+          <p:cNvSpPr>
+            <a:spLocks noGrp="1"/>
+          </p:cNvSpPr>
+          <p:nvPr>
+            <p:ph type="body" idx="1"/>
+          </p:nvPr>
+        </p:nvSpPr>
+        <p:spPr/>
+        <p:txBody>
+          <a:bodyPr/>
+          <a:lstStyle/>
+          <a:p>
+            <a:r>
+              <a:rPr lang="en-US" dirty="0"/>
+              <a:t/>
+            </a:r>
+            <a:endParaRPr lang="en-US" dirty="0"/>
+          </a:p>
+        </p:txBody>
+      </p:sp>
+      <p:sp>
+        <p:nvSpPr>
+          <p:cNvPr id="4" name="Slide Number Placeholder 3"/>
+          <p:cNvSpPr>
+            <a:spLocks noGrp="1"/>
+          </p:cNvSpPr>
+          <p:nvPr>
+            <p:ph type="sldNum" sz="quarter" idx="10"/>
+          </p:nvPr>
+        </p:nvSpPr>
+        <p:spPr/>
+        <p:txBody>
+          <a:bodyPr/>
+          <a:lstStyle/>
+          <a:p>
+            <a:fld id="{F7021451-1387-4CA6-816F-3879F97B5CBC}" type="slidenum">
+              <a:rPr lang="en-US"/>
+              <a:t>7</a:t>
+            </a:fld>
+            <a:endParaRPr lang="en-US"/>
+          </a:p>
+        </p:txBody>
+      </p:sp>
+    </p:spTree>
+    <p:extLst>
+      <p:ext uri="{BB962C8B-B14F-4D97-AF65-F5344CB8AC3E}">
+        <p14:creationId xmlns:p14="http://schemas.microsoft.com/office/powerpoint/2010/main" val="1024086991"/>
+      </p:ext>
+    </p:extLst>
+  </p:cSld>
+  <p:clrMapOvr>
+    <a:masterClrMapping/>
+  </p:clrMapOvr>
+</p:notes>
+</file>
+
+<file path=ppt/notesSlides/notesSlide8.xml><?xml version="1.0" encoding="utf-8"?>
+<p:notes xmlns:a="http://schemas.openxmlformats.org/drawingml/2006/main" xmlns:r="http://schemas.openxmlformats.org/officeDocument/2006/relationships" xmlns:p="http://schemas.openxmlformats.org/presentationml/2006/main">
+  <p:cSld>
+    <p:spTree>
+      <p:nvGrpSpPr>
+        <p:cNvPr id="1" name=""/>
+        <p:cNvGrpSpPr/>
+        <p:nvPr/>
+      </p:nvGrpSpPr>
+      <p:grpSpPr>
+        <a:xfrm>
+          <a:off x="0" y="0"/>
+          <a:ext cx="0" cy="0"/>
+          <a:chOff x="0" y="0"/>
+          <a:chExt cx="0" cy="0"/>
+        </a:xfrm>
+      </p:grpSpPr>
+      <p:sp>
+        <p:nvSpPr>
+          <p:cNvPr id="2" name="Slide Image Placeholder 1"/>
+          <p:cNvSpPr>
+            <a:spLocks noGrp="1" noRot="1" noChangeAspect="1"/>
+          </p:cNvSpPr>
+          <p:nvPr>
+            <p:ph type="sldImg"/>
+          </p:nvPr>
+        </p:nvSpPr>
+        <p:spPr/>
+      </p:sp>
+      <p:sp>
+        <p:nvSpPr>
+          <p:cNvPr id="3" name="Notes Placeholder 2"/>
+          <p:cNvSpPr>
+            <a:spLocks noGrp="1"/>
+          </p:cNvSpPr>
+          <p:nvPr>
+            <p:ph type="body" idx="1"/>
+          </p:nvPr>
+        </p:nvSpPr>
+        <p:spPr/>
+        <p:txBody>
+          <a:bodyPr/>
+          <a:lstStyle/>
+          <a:p>
+            <a:r>
+              <a:rPr lang="en-US" dirty="0"/>
+              <a:t/>
+            </a:r>
+            <a:endParaRPr lang="en-US" dirty="0"/>
+          </a:p>
+        </p:txBody>
+      </p:sp>
+      <p:sp>
+        <p:nvSpPr>
+          <p:cNvPr id="4" name="Slide Number Placeholder 3"/>
+          <p:cNvSpPr>
+            <a:spLocks noGrp="1"/>
+          </p:cNvSpPr>
+          <p:nvPr>
+            <p:ph type="sldNum" sz="quarter" idx="10"/>
+          </p:nvPr>
+        </p:nvSpPr>
+        <p:spPr/>
+        <p:txBody>
+          <a:bodyPr/>
+          <a:lstStyle/>
+          <a:p>
+            <a:fld id="{F7021451-1387-4CA6-816F-3879F97B5CBC}" type="slidenum">
+              <a:rPr lang="en-US"/>
+              <a:t>8</a:t>
+            </a:fld>
+            <a:endParaRPr lang="en-US"/>
+          </a:p>
+        </p:txBody>
+      </p:sp>
+    </p:spTree>
+    <p:extLst>
+      <p:ext uri="{BB962C8B-B14F-4D97-AF65-F5344CB8AC3E}">
+        <p14:creationId xmlns:p14="http://schemas.microsoft.com/office/powerpoint/2010/main" val="1024086991"/>
+      </p:ext>
+    </p:extLst>
+  </p:cSld>
+  <p:clrMapOvr>
+    <a:masterClrMapping/>
+  </p:clrMapOvr>
+</p:notes>
+</file>
+
+<file path=ppt/notesSlides/notesSlide9.xml><?xml version="1.0" encoding="utf-8"?>
+<p:notes xmlns:a="http://schemas.openxmlformats.org/drawingml/2006/main" xmlns:r="http://schemas.openxmlformats.org/officeDocument/2006/relationships" xmlns:p="http://schemas.openxmlformats.org/presentationml/2006/main">
+  <p:cSld>
+    <p:spTree>
+      <p:nvGrpSpPr>
+        <p:cNvPr id="1" name=""/>
+        <p:cNvGrpSpPr/>
+        <p:nvPr/>
+      </p:nvGrpSpPr>
+      <p:grpSpPr>
+        <a:xfrm>
+          <a:off x="0" y="0"/>
+          <a:ext cx="0" cy="0"/>
+          <a:chOff x="0" y="0"/>
+          <a:chExt cx="0" cy="0"/>
+        </a:xfrm>
+      </p:grpSpPr>
+      <p:sp>
+        <p:nvSpPr>
+          <p:cNvPr id="2" name="Slide Image Placeholder 1"/>
+          <p:cNvSpPr>
+            <a:spLocks noGrp="1" noRot="1" noChangeAspect="1"/>
+          </p:cNvSpPr>
+          <p:nvPr>
+            <p:ph type="sldImg"/>
+          </p:nvPr>
+        </p:nvSpPr>
+        <p:spPr/>
+      </p:sp>
+      <p:sp>
+        <p:nvSpPr>
+          <p:cNvPr id="3" name="Notes Placeholder 2"/>
+          <p:cNvSpPr>
+            <a:spLocks noGrp="1"/>
+          </p:cNvSpPr>
+          <p:nvPr>
+            <p:ph type="body" idx="1"/>
+          </p:nvPr>
+        </p:nvSpPr>
+        <p:spPr/>
+        <p:txBody>
+          <a:bodyPr/>
+          <a:lstStyle/>
+          <a:p>
+            <a:r>
+              <a:rPr lang="en-US" dirty="0"/>
+              <a:t/>
+            </a:r>
+            <a:endParaRPr lang="en-US" dirty="0"/>
+          </a:p>
+        </p:txBody>
+      </p:sp>
+      <p:sp>
+        <p:nvSpPr>
+          <p:cNvPr id="4" name="Slide Number Placeholder 3"/>
+          <p:cNvSpPr>
+            <a:spLocks noGrp="1"/>
+          </p:cNvSpPr>
+          <p:nvPr>
+            <p:ph type="sldNum" sz="quarter" idx="10"/>
+          </p:nvPr>
+        </p:nvSpPr>
+        <p:spPr/>
+        <p:txBody>
+          <a:bodyPr/>
+          <a:lstStyle/>
+          <a:p>
+            <a:fld id="{F7021451-1387-4CA6-816F-3879F97B5CBC}" type="slidenum">
+              <a:rPr lang="en-US"/>
+              <a:t>9</a:t>
             </a:fld>
             <a:endParaRPr lang="en-US"/>
           </a:p>
@@ -1076,7 +1610,7 @@
                   <a:srgbClr val="363636"/>
                 </a:solidFill>
               </a:rPr>
-              <a:t>אהבת נעורי</a:t>
+              <a:t>רוצי שמוליק</a:t>
             </a:r>
             <a:endParaRPr lang="en-US" sz="1600" dirty="0"/>
           </a:p>
@@ -1112,7 +1646,7 @@
                   <a:srgbClr val="363636"/>
                 </a:solidFill>
               </a:rPr>
-              <a:t>שלום חנוך</a:t>
+              <a:t>אריאל זילבר</a:t>
             </a:r>
             <a:endParaRPr lang="en-US" sz="1300" dirty="0"/>
           </a:p>
@@ -1151,405 +1685,451 @@
                 <a:ea typeface="Arial" pitchFamily="34" charset="-122"/>
                 <a:cs typeface="Arial" pitchFamily="34" charset="-120"/>
               </a:rPr>
-              <a:t>הייתי ילד בלילות עצוב</a:t>
-            </a:r>
-            <a:endParaRPr lang="en-US" sz="1200" dirty="0"/>
-          </a:p>
-          <a:p>
-            <a:pPr algn="r" indent="0" marL="0">
-              <a:buNone/>
-            </a:pPr>
-            <a:r>
-              <a:rPr lang="en-US" sz="1200" dirty="0">
-                <a:solidFill>
-                  <a:srgbClr val="000000"/>
-                </a:solidFill>
-                <a:latin typeface="Arial" pitchFamily="34" charset="0"/>
-                <a:ea typeface="Arial" pitchFamily="34" charset="-122"/>
-                <a:cs typeface="Arial" pitchFamily="34" charset="-120"/>
-              </a:rPr>
-              <a:t>משוטט לבד</a:t>
-            </a:r>
-            <a:endParaRPr lang="en-US" sz="1200" dirty="0"/>
-          </a:p>
-          <a:p>
-            <a:pPr algn="r" indent="0" marL="0">
-              <a:buNone/>
-            </a:pPr>
-            <a:r>
-              <a:rPr lang="en-US" sz="1200" dirty="0">
-                <a:solidFill>
-                  <a:srgbClr val="000000"/>
-                </a:solidFill>
-                <a:latin typeface="Arial" pitchFamily="34" charset="0"/>
-                <a:ea typeface="Arial" pitchFamily="34" charset="-122"/>
-                <a:cs typeface="Arial" pitchFamily="34" charset="-120"/>
-              </a:rPr>
-              <a:t>לא נתתי לאיש לדעת</a:t>
-            </a:r>
-            <a:endParaRPr lang="en-US" sz="1200" dirty="0"/>
-          </a:p>
-          <a:p>
-            <a:pPr algn="r" indent="0" marL="0">
-              <a:buNone/>
-            </a:pPr>
-            <a:r>
-              <a:rPr lang="en-US" sz="1200" dirty="0">
-                <a:solidFill>
-                  <a:srgbClr val="000000"/>
-                </a:solidFill>
-                <a:latin typeface="Arial" pitchFamily="34" charset="0"/>
-                <a:ea typeface="Arial" pitchFamily="34" charset="-122"/>
-                <a:cs typeface="Arial" pitchFamily="34" charset="-120"/>
-              </a:rPr>
-              <a:t>את היית אהבת נעורי</a:t>
-            </a:r>
-            <a:endParaRPr lang="en-US" sz="1200" dirty="0"/>
-          </a:p>
-          <a:p>
-            <a:pPr algn="r" indent="0" marL="0">
-              <a:buNone/>
-            </a:pPr>
-            <a:endParaRPr lang="en-US" sz="1200" dirty="0"/>
-          </a:p>
-          <a:p>
-            <a:pPr algn="r" indent="0" marL="0">
-              <a:buNone/>
-            </a:pPr>
-            <a:r>
-              <a:rPr lang="en-US" sz="1200" dirty="0">
-                <a:solidFill>
-                  <a:srgbClr val="000000"/>
-                </a:solidFill>
-                <a:latin typeface="Arial" pitchFamily="34" charset="0"/>
-                <a:ea typeface="Arial" pitchFamily="34" charset="-122"/>
-                <a:cs typeface="Arial" pitchFamily="34" charset="-120"/>
-              </a:rPr>
-              <a:t>הייתי ילד בימים חולם</a:t>
-            </a:r>
-            <a:endParaRPr lang="en-US" sz="1200" dirty="0"/>
-          </a:p>
-          <a:p>
-            <a:pPr algn="r" indent="0" marL="0">
-              <a:buNone/>
-            </a:pPr>
-            <a:r>
-              <a:rPr lang="en-US" sz="1200" dirty="0">
-                <a:solidFill>
-                  <a:srgbClr val="000000"/>
-                </a:solidFill>
-                <a:latin typeface="Arial" pitchFamily="34" charset="0"/>
-                <a:ea typeface="Arial" pitchFamily="34" charset="-122"/>
-                <a:cs typeface="Arial" pitchFamily="34" charset="-120"/>
-              </a:rPr>
-              <a:t>מנגן ושר</a:t>
-            </a:r>
-            <a:endParaRPr lang="en-US" sz="1200" dirty="0"/>
-          </a:p>
-          <a:p>
-            <a:pPr algn="r" indent="0" marL="0">
-              <a:buNone/>
-            </a:pPr>
-            <a:r>
-              <a:rPr lang="en-US" sz="1200" dirty="0">
-                <a:solidFill>
-                  <a:srgbClr val="000000"/>
-                </a:solidFill>
-                <a:latin typeface="Arial" pitchFamily="34" charset="0"/>
-                <a:ea typeface="Arial" pitchFamily="34" charset="-122"/>
-                <a:cs typeface="Arial" pitchFamily="34" charset="-120"/>
-              </a:rPr>
-              <a:t>מדמה לי שאת שומעת</a:t>
-            </a:r>
-            <a:endParaRPr lang="en-US" sz="1200" dirty="0"/>
-          </a:p>
-          <a:p>
-            <a:pPr algn="r" indent="0" marL="0">
-              <a:buNone/>
-            </a:pPr>
-            <a:r>
-              <a:rPr lang="en-US" sz="1200" dirty="0">
-                <a:solidFill>
-                  <a:srgbClr val="000000"/>
-                </a:solidFill>
-                <a:latin typeface="Arial" pitchFamily="34" charset="0"/>
-                <a:ea typeface="Arial" pitchFamily="34" charset="-122"/>
-                <a:cs typeface="Arial" pitchFamily="34" charset="-120"/>
-              </a:rPr>
-              <a:t>את השיר הראשון בחיי</a:t>
-            </a:r>
-            <a:endParaRPr lang="en-US" sz="1200" dirty="0"/>
-          </a:p>
-          <a:p>
-            <a:pPr algn="r" indent="0" marL="0">
-              <a:buNone/>
-            </a:pPr>
-            <a:endParaRPr lang="en-US" sz="1200" dirty="0"/>
-          </a:p>
-          <a:p>
-            <a:pPr algn="r" indent="0" marL="0">
-              <a:buNone/>
-            </a:pPr>
-            <a:r>
-              <a:rPr lang="en-US" sz="1200" dirty="0">
-                <a:solidFill>
-                  <a:srgbClr val="000000"/>
-                </a:solidFill>
-                <a:latin typeface="Arial" pitchFamily="34" charset="0"/>
-                <a:ea typeface="Arial" pitchFamily="34" charset="-122"/>
-                <a:cs typeface="Arial" pitchFamily="34" charset="-120"/>
-              </a:rPr>
-              <a:t>מסתכל איך את רוקדת</a:t>
-            </a:r>
-            <a:endParaRPr lang="en-US" sz="1200" dirty="0"/>
-          </a:p>
-          <a:p>
-            <a:pPr algn="r" indent="0" marL="0">
-              <a:buNone/>
-            </a:pPr>
-            <a:r>
-              <a:rPr lang="en-US" sz="1200" dirty="0">
-                <a:solidFill>
-                  <a:srgbClr val="000000"/>
-                </a:solidFill>
-                <a:latin typeface="Arial" pitchFamily="34" charset="0"/>
-                <a:ea typeface="Arial" pitchFamily="34" charset="-122"/>
-                <a:cs typeface="Arial" pitchFamily="34" charset="-120"/>
-              </a:rPr>
-              <a:t>מסתובבת ונצמדת</a:t>
-            </a:r>
-            <a:endParaRPr lang="en-US" sz="1200" dirty="0"/>
-          </a:p>
-          <a:p>
-            <a:pPr algn="r" indent="0" marL="0">
-              <a:buNone/>
-            </a:pPr>
-            <a:r>
-              <a:rPr lang="en-US" sz="1200" dirty="0">
-                <a:solidFill>
-                  <a:srgbClr val="000000"/>
-                </a:solidFill>
-                <a:latin typeface="Arial" pitchFamily="34" charset="0"/>
-                <a:ea typeface="Arial" pitchFamily="34" charset="-122"/>
-                <a:cs typeface="Arial" pitchFamily="34" charset="-120"/>
-              </a:rPr>
-              <a:t>רק אני צופה מהצד</a:t>
-            </a:r>
-            <a:endParaRPr lang="en-US" sz="1200" dirty="0"/>
-          </a:p>
-          <a:p>
-            <a:pPr algn="r" indent="0" marL="0">
-              <a:buNone/>
-            </a:pPr>
-            <a:r>
-              <a:rPr lang="en-US" sz="1200" dirty="0">
-                <a:solidFill>
-                  <a:srgbClr val="000000"/>
-                </a:solidFill>
-                <a:latin typeface="Arial" pitchFamily="34" charset="0"/>
-                <a:ea typeface="Arial" pitchFamily="34" charset="-122"/>
-                <a:cs typeface="Arial" pitchFamily="34" charset="-120"/>
-              </a:rPr>
-              <a:t>אני נשאר ואת עוזבת</a:t>
-            </a:r>
-            <a:endParaRPr lang="en-US" sz="1200" dirty="0"/>
-          </a:p>
-          <a:p>
-            <a:pPr algn="r" indent="0" marL="0">
-              <a:buNone/>
-            </a:pPr>
-            <a:r>
-              <a:rPr lang="en-US" sz="1200" dirty="0">
-                <a:solidFill>
-                  <a:srgbClr val="000000"/>
-                </a:solidFill>
-                <a:latin typeface="Arial" pitchFamily="34" charset="0"/>
-                <a:ea typeface="Arial" pitchFamily="34" charset="-122"/>
-                <a:cs typeface="Arial" pitchFamily="34" charset="-120"/>
-              </a:rPr>
-              <a:t>רחוקה לא מתקרבת</a:t>
-            </a:r>
-            <a:endParaRPr lang="en-US" sz="1200" dirty="0"/>
-          </a:p>
-          <a:p>
-            <a:pPr algn="r" indent="0" marL="0">
-              <a:buNone/>
-            </a:pPr>
-            <a:r>
-              <a:rPr lang="en-US" sz="1200" dirty="0">
-                <a:solidFill>
-                  <a:srgbClr val="000000"/>
-                </a:solidFill>
-                <a:latin typeface="Arial" pitchFamily="34" charset="0"/>
-                <a:ea typeface="Arial" pitchFamily="34" charset="-122"/>
-                <a:cs typeface="Arial" pitchFamily="34" charset="-120"/>
-              </a:rPr>
-              <a:t>זיכרון שעולה בי שוב</a:t>
-            </a:r>
-            <a:endParaRPr lang="en-US" sz="1200" dirty="0"/>
-          </a:p>
-          <a:p>
-            <a:pPr algn="r" indent="0" marL="0">
-              <a:buNone/>
-            </a:pPr>
-            <a:r>
-              <a:rPr lang="en-US" sz="1200" dirty="0">
-                <a:solidFill>
-                  <a:srgbClr val="000000"/>
-                </a:solidFill>
-                <a:latin typeface="Arial" pitchFamily="34" charset="0"/>
-                <a:ea typeface="Arial" pitchFamily="34" charset="-122"/>
-                <a:cs typeface="Arial" pitchFamily="34" charset="-120"/>
-              </a:rPr>
-              <a:t>פרדס רטוב יללת התנים ואת</a:t>
-            </a:r>
-            <a:endParaRPr lang="en-US" sz="1200" dirty="0"/>
-          </a:p>
-          <a:p>
-            <a:pPr algn="r" indent="0" marL="0">
-              <a:buNone/>
-            </a:pPr>
-            <a:r>
-              <a:rPr lang="en-US" sz="1200" dirty="0">
-                <a:solidFill>
-                  <a:srgbClr val="000000"/>
-                </a:solidFill>
-                <a:latin typeface="Arial" pitchFamily="34" charset="0"/>
-                <a:ea typeface="Arial" pitchFamily="34" charset="-122"/>
-                <a:cs typeface="Arial" pitchFamily="34" charset="-120"/>
-              </a:rPr>
-              <a:t>שהיית אהבת נעורי</a:t>
-            </a:r>
-            <a:endParaRPr lang="en-US" sz="1200" dirty="0"/>
-          </a:p>
-          <a:p>
-            <a:pPr algn="r" indent="0" marL="0">
-              <a:buNone/>
-            </a:pPr>
-            <a:endParaRPr lang="en-US" sz="1200" dirty="0"/>
-          </a:p>
-          <a:p>
-            <a:pPr algn="r" indent="0" marL="0">
-              <a:buNone/>
-            </a:pPr>
-            <a:r>
-              <a:rPr lang="en-US" sz="1200" dirty="0">
-                <a:solidFill>
-                  <a:srgbClr val="000000"/>
-                </a:solidFill>
-                <a:latin typeface="Arial" pitchFamily="34" charset="0"/>
-                <a:ea typeface="Arial" pitchFamily="34" charset="-122"/>
-                <a:cs typeface="Arial" pitchFamily="34" charset="-120"/>
-              </a:rPr>
-              <a:t>ולא הייתי איתך כמעט</a:t>
-            </a:r>
-            <a:endParaRPr lang="en-US" sz="1200" dirty="0"/>
-          </a:p>
-          <a:p>
-            <a:pPr algn="r" indent="0" marL="0">
-              <a:buNone/>
-            </a:pPr>
-            <a:r>
-              <a:rPr lang="en-US" sz="1200" dirty="0">
-                <a:solidFill>
-                  <a:srgbClr val="000000"/>
-                </a:solidFill>
-                <a:latin typeface="Arial" pitchFamily="34" charset="0"/>
-                <a:ea typeface="Arial" pitchFamily="34" charset="-122"/>
-                <a:cs typeface="Arial" pitchFamily="34" charset="-120"/>
-              </a:rPr>
-              <a:t>כל כך מעט ואמרת לי שאת נוסעת</a:t>
-            </a:r>
-            <a:endParaRPr lang="en-US" sz="1200" dirty="0"/>
-          </a:p>
-          <a:p>
-            <a:pPr algn="r" indent="0" marL="0">
-              <a:buNone/>
-            </a:pPr>
-            <a:r>
-              <a:rPr lang="en-US" sz="1200" dirty="0">
-                <a:solidFill>
-                  <a:srgbClr val="000000"/>
-                </a:solidFill>
-                <a:latin typeface="Arial" pitchFamily="34" charset="0"/>
-                <a:ea typeface="Arial" pitchFamily="34" charset="-122"/>
-                <a:cs typeface="Arial" pitchFamily="34" charset="-120"/>
-              </a:rPr>
-              <a:t>ואולי לא אראה אותך שוב</a:t>
-            </a:r>
-            <a:endParaRPr lang="en-US" sz="1200" dirty="0"/>
-          </a:p>
-          <a:p>
-            <a:pPr algn="r" indent="0" marL="0">
-              <a:buNone/>
-            </a:pPr>
-            <a:endParaRPr lang="en-US" sz="1200" dirty="0"/>
-          </a:p>
-          <a:p>
-            <a:pPr algn="r" indent="0" marL="0">
-              <a:buNone/>
-            </a:pPr>
-            <a:r>
-              <a:rPr lang="en-US" sz="1200" dirty="0">
-                <a:solidFill>
-                  <a:srgbClr val="000000"/>
-                </a:solidFill>
-                <a:latin typeface="Arial" pitchFamily="34" charset="0"/>
-                <a:ea typeface="Arial" pitchFamily="34" charset="-122"/>
-                <a:cs typeface="Arial" pitchFamily="34" charset="-120"/>
-              </a:rPr>
-              <a:t>הייתי ילד בלילות עצוב</a:t>
-            </a:r>
-            <a:endParaRPr lang="en-US" sz="1200" dirty="0"/>
-          </a:p>
-          <a:p>
-            <a:pPr algn="r" indent="0" marL="0">
-              <a:buNone/>
-            </a:pPr>
-            <a:r>
-              <a:rPr lang="en-US" sz="1200" dirty="0">
-                <a:solidFill>
-                  <a:srgbClr val="000000"/>
-                </a:solidFill>
-                <a:latin typeface="Arial" pitchFamily="34" charset="0"/>
-                <a:ea typeface="Arial" pitchFamily="34" charset="-122"/>
-                <a:cs typeface="Arial" pitchFamily="34" charset="-120"/>
-              </a:rPr>
-              <a:t>משוטט לבד</a:t>
-            </a:r>
-            <a:endParaRPr lang="en-US" sz="1200" dirty="0"/>
-          </a:p>
-          <a:p>
-            <a:pPr algn="r" indent="0" marL="0">
-              <a:buNone/>
-            </a:pPr>
-            <a:r>
-              <a:rPr lang="en-US" sz="1200" dirty="0">
-                <a:solidFill>
-                  <a:srgbClr val="000000"/>
-                </a:solidFill>
-                <a:latin typeface="Arial" pitchFamily="34" charset="0"/>
-                <a:ea typeface="Arial" pitchFamily="34" charset="-122"/>
-                <a:cs typeface="Arial" pitchFamily="34" charset="-120"/>
-              </a:rPr>
-              <a:t>לא נתתי לאיש לדעת</a:t>
-            </a:r>
-            <a:endParaRPr lang="en-US" sz="1200" dirty="0"/>
-          </a:p>
-          <a:p>
-            <a:pPr algn="r" indent="0" marL="0">
-              <a:buNone/>
-            </a:pPr>
-            <a:r>
-              <a:rPr lang="en-US" sz="1200" dirty="0">
-                <a:solidFill>
-                  <a:srgbClr val="000000"/>
-                </a:solidFill>
-                <a:latin typeface="Arial" pitchFamily="34" charset="0"/>
-                <a:ea typeface="Arial" pitchFamily="34" charset="-122"/>
-                <a:cs typeface="Arial" pitchFamily="34" charset="-120"/>
-              </a:rPr>
-              <a:t>את היית אהבת נעורי</a:t>
+              <a:t>כשאת קמה בבוקר ומתלבשת</a:t>
+            </a:r>
+            <a:endParaRPr lang="en-US" sz="1200" dirty="0"/>
+          </a:p>
+          <a:p>
+            <a:pPr algn="r" indent="0" marL="0">
+              <a:buNone/>
+            </a:pPr>
+            <a:r>
+              <a:rPr lang="en-US" sz="1200" dirty="0">
+                <a:solidFill>
+                  <a:srgbClr val="000000"/>
+                </a:solidFill>
+                <a:latin typeface="Arial" pitchFamily="34" charset="0"/>
+                <a:ea typeface="Arial" pitchFamily="34" charset="-122"/>
+                <a:cs typeface="Arial" pitchFamily="34" charset="-120"/>
+              </a:rPr>
+              <a:t>והשמש לך שולחת דרישת שלום,</a:t>
+            </a:r>
+            <a:endParaRPr lang="en-US" sz="1200" dirty="0"/>
+          </a:p>
+          <a:p>
+            <a:pPr algn="r" indent="0" marL="0">
+              <a:buNone/>
+            </a:pPr>
+            <a:r>
+              <a:rPr lang="en-US" sz="1200" dirty="0">
+                <a:solidFill>
+                  <a:srgbClr val="000000"/>
+                </a:solidFill>
+                <a:latin typeface="Arial" pitchFamily="34" charset="0"/>
+                <a:ea typeface="Arial" pitchFamily="34" charset="-122"/>
+                <a:cs typeface="Arial" pitchFamily="34" charset="-120"/>
+              </a:rPr>
+              <a:t>את שותה כוס קפה ונזכרת</a:t>
+            </a:r>
+            <a:endParaRPr lang="en-US" sz="1200" dirty="0"/>
+          </a:p>
+          <a:p>
+            <a:pPr algn="r" indent="0" marL="0">
+              <a:buNone/>
+            </a:pPr>
+            <a:r>
+              <a:rPr lang="en-US" sz="1200" dirty="0">
+                <a:solidFill>
+                  <a:srgbClr val="000000"/>
+                </a:solidFill>
+                <a:latin typeface="Arial" pitchFamily="34" charset="0"/>
+                <a:ea typeface="Arial" pitchFamily="34" charset="-122"/>
+                <a:cs typeface="Arial" pitchFamily="34" charset="-120"/>
+              </a:rPr>
+              <a:t>איך בלילה הוא הופיע בחלום.</a:t>
+            </a:r>
+            <a:endParaRPr lang="en-US" sz="1200" dirty="0"/>
+          </a:p>
+          <a:p>
+            <a:pPr algn="r" indent="0" marL="0">
+              <a:buNone/>
+            </a:pPr>
+            <a:endParaRPr lang="en-US" sz="1200" dirty="0"/>
+          </a:p>
+          <a:p>
+            <a:pPr algn="r" indent="0" marL="0">
+              <a:buNone/>
+            </a:pPr>
+            <a:r>
+              <a:rPr lang="en-US" sz="1200" dirty="0">
+                <a:solidFill>
+                  <a:srgbClr val="000000"/>
+                </a:solidFill>
+                <a:latin typeface="Arial" pitchFamily="34" charset="0"/>
+                <a:ea typeface="Arial" pitchFamily="34" charset="-122"/>
+                <a:cs typeface="Arial" pitchFamily="34" charset="-120"/>
+              </a:rPr>
+              <a:t>במהרה במדרגות את יורדת</a:t>
+            </a:r>
+            <a:endParaRPr lang="en-US" sz="1200" dirty="0"/>
+          </a:p>
+          <a:p>
+            <a:pPr algn="r" indent="0" marL="0">
+              <a:buNone/>
+            </a:pPr>
+            <a:r>
+              <a:rPr lang="en-US" sz="1200" dirty="0">
+                <a:solidFill>
+                  <a:srgbClr val="000000"/>
+                </a:solidFill>
+                <a:latin typeface="Arial" pitchFamily="34" charset="0"/>
+                <a:ea typeface="Arial" pitchFamily="34" charset="-122"/>
+                <a:cs typeface="Arial" pitchFamily="34" charset="-120"/>
+              </a:rPr>
+              <a:t>מספיקה לתפוס ת'אוטו האחרון,</a:t>
+            </a:r>
+            <a:endParaRPr lang="en-US" sz="1200" dirty="0"/>
+          </a:p>
+          <a:p>
+            <a:pPr algn="r" indent="0" marL="0">
+              <a:buNone/>
+            </a:pPr>
+            <a:r>
+              <a:rPr lang="en-US" sz="1200" dirty="0">
+                <a:solidFill>
+                  <a:srgbClr val="000000"/>
+                </a:solidFill>
+                <a:latin typeface="Arial" pitchFamily="34" charset="0"/>
+                <a:ea typeface="Arial" pitchFamily="34" charset="-122"/>
+                <a:cs typeface="Arial" pitchFamily="34" charset="-120"/>
+              </a:rPr>
+              <a:t>מגיעה למשרד ונזכרת</a:t>
+            </a:r>
+            <a:endParaRPr lang="en-US" sz="1200" dirty="0"/>
+          </a:p>
+          <a:p>
+            <a:pPr algn="r" indent="0" marL="0">
+              <a:buNone/>
+            </a:pPr>
+            <a:r>
+              <a:rPr lang="en-US" sz="1200" dirty="0">
+                <a:solidFill>
+                  <a:srgbClr val="000000"/>
+                </a:solidFill>
+                <a:latin typeface="Arial" pitchFamily="34" charset="0"/>
+                <a:ea typeface="Arial" pitchFamily="34" charset="-122"/>
+                <a:cs typeface="Arial" pitchFamily="34" charset="-120"/>
+              </a:rPr>
+              <a:t>איך בלילה הוא הופיע בחלום.</a:t>
+            </a:r>
+            <a:endParaRPr lang="en-US" sz="1200" dirty="0"/>
+          </a:p>
+          <a:p>
+            <a:pPr algn="r" indent="0" marL="0">
+              <a:buNone/>
+            </a:pPr>
+            <a:endParaRPr lang="en-US" sz="1200" dirty="0"/>
+          </a:p>
+          <a:p>
+            <a:pPr algn="r" indent="0" marL="0">
+              <a:buNone/>
+            </a:pPr>
+            <a:r>
+              <a:rPr lang="en-US" sz="1200" dirty="0">
+                <a:solidFill>
+                  <a:srgbClr val="000000"/>
+                </a:solidFill>
+                <a:latin typeface="Arial" pitchFamily="34" charset="0"/>
+                <a:ea typeface="Arial" pitchFamily="34" charset="-122"/>
+                <a:cs typeface="Arial" pitchFamily="34" charset="-120"/>
+              </a:rPr>
+              <a:t>רוצי, שמוליק קורא לך</a:t>
+            </a:r>
+            <a:endParaRPr lang="en-US" sz="1200" dirty="0"/>
+          </a:p>
+          <a:p>
+            <a:pPr algn="r" indent="0" marL="0">
+              <a:buNone/>
+            </a:pPr>
+            <a:r>
+              <a:rPr lang="en-US" sz="1200" dirty="0">
+                <a:solidFill>
+                  <a:srgbClr val="000000"/>
+                </a:solidFill>
+                <a:latin typeface="Arial" pitchFamily="34" charset="0"/>
+                <a:ea typeface="Arial" pitchFamily="34" charset="-122"/>
+                <a:cs typeface="Arial" pitchFamily="34" charset="-120"/>
+              </a:rPr>
+              <a:t>ושולח אלף נשיקות.</a:t>
+            </a:r>
+            <a:endParaRPr lang="en-US" sz="1200" dirty="0"/>
+          </a:p>
+          <a:p>
+            <a:pPr algn="r" indent="0" marL="0">
+              <a:buNone/>
+            </a:pPr>
+            <a:r>
+              <a:rPr lang="en-US" sz="1200" dirty="0">
+                <a:solidFill>
+                  <a:srgbClr val="000000"/>
+                </a:solidFill>
+                <a:latin typeface="Arial" pitchFamily="34" charset="0"/>
+                <a:ea typeface="Arial" pitchFamily="34" charset="-122"/>
+                <a:cs typeface="Arial" pitchFamily="34" charset="-120"/>
+              </a:rPr>
+              <a:t>רוצי, שמוליק מחכה לך</a:t>
+            </a:r>
+            <a:endParaRPr lang="en-US" sz="1200" dirty="0"/>
+          </a:p>
+          <a:p>
+            <a:pPr algn="r" indent="0" marL="0">
+              <a:buNone/>
+            </a:pPr>
+            <a:r>
+              <a:rPr lang="en-US" sz="1200" dirty="0">
+                <a:solidFill>
+                  <a:srgbClr val="000000"/>
+                </a:solidFill>
+                <a:latin typeface="Arial" pitchFamily="34" charset="0"/>
+                <a:ea typeface="Arial" pitchFamily="34" charset="-122"/>
+                <a:cs typeface="Arial" pitchFamily="34" charset="-120"/>
+              </a:rPr>
+              <a:t>כמה זמן עוד תתני לו לחכות.</a:t>
+            </a:r>
+            <a:endParaRPr lang="en-US" sz="1200" dirty="0"/>
+          </a:p>
+          <a:p>
+            <a:pPr algn="r" indent="0" marL="0">
+              <a:buNone/>
+            </a:pPr>
+            <a:endParaRPr lang="en-US" sz="1200" dirty="0"/>
+          </a:p>
+          <a:p>
+            <a:pPr algn="r" indent="0" marL="0">
+              <a:buNone/>
+            </a:pPr>
+            <a:r>
+              <a:rPr lang="en-US" sz="1200" dirty="0">
+                <a:solidFill>
+                  <a:srgbClr val="000000"/>
+                </a:solidFill>
+                <a:latin typeface="Arial" pitchFamily="34" charset="0"/>
+                <a:ea typeface="Arial" pitchFamily="34" charset="-122"/>
+                <a:cs typeface="Arial" pitchFamily="34" charset="-120"/>
+              </a:rPr>
+              <a:t>כך עובר כל היום, את לא יודעת</a:t>
+            </a:r>
+            <a:endParaRPr lang="en-US" sz="1200" dirty="0"/>
+          </a:p>
+          <a:p>
+            <a:pPr algn="r" indent="0" marL="0">
+              <a:buNone/>
+            </a:pPr>
+            <a:r>
+              <a:rPr lang="en-US" sz="1200" dirty="0">
+                <a:solidFill>
+                  <a:srgbClr val="000000"/>
+                </a:solidFill>
+                <a:latin typeface="Arial" pitchFamily="34" charset="0"/>
+                <a:ea typeface="Arial" pitchFamily="34" charset="-122"/>
+                <a:cs typeface="Arial" pitchFamily="34" charset="-120"/>
+              </a:rPr>
+              <a:t>אם זו סתם מציאות, או דמיון.</a:t>
+            </a:r>
+            <a:endParaRPr lang="en-US" sz="1200" dirty="0"/>
+          </a:p>
+          <a:p>
+            <a:pPr algn="r" indent="0" marL="0">
+              <a:buNone/>
+            </a:pPr>
+            <a:r>
+              <a:rPr lang="en-US" sz="1200" dirty="0">
+                <a:solidFill>
+                  <a:srgbClr val="000000"/>
+                </a:solidFill>
+                <a:latin typeface="Arial" pitchFamily="34" charset="0"/>
+                <a:ea typeface="Arial" pitchFamily="34" charset="-122"/>
+                <a:cs typeface="Arial" pitchFamily="34" charset="-120"/>
+              </a:rPr>
+              <a:t>את שותה עוד כוס קפה ונזכרת</a:t>
+            </a:r>
+            <a:endParaRPr lang="en-US" sz="1200" dirty="0"/>
+          </a:p>
+          <a:p>
+            <a:pPr algn="r" indent="0" marL="0">
+              <a:buNone/>
+            </a:pPr>
+            <a:r>
+              <a:rPr lang="en-US" sz="1200" dirty="0">
+                <a:solidFill>
+                  <a:srgbClr val="000000"/>
+                </a:solidFill>
+                <a:latin typeface="Arial" pitchFamily="34" charset="0"/>
+                <a:ea typeface="Arial" pitchFamily="34" charset="-122"/>
+                <a:cs typeface="Arial" pitchFamily="34" charset="-120"/>
+              </a:rPr>
+              <a:t>איך בלילה הוא הופיע בחלום.</a:t>
+            </a:r>
+            <a:endParaRPr lang="en-US" sz="1200" dirty="0"/>
+          </a:p>
+          <a:p>
+            <a:pPr algn="r" indent="0" marL="0">
+              <a:buNone/>
+            </a:pPr>
+            <a:endParaRPr lang="en-US" sz="1200" dirty="0"/>
+          </a:p>
+          <a:p>
+            <a:pPr algn="r" indent="0" marL="0">
+              <a:buNone/>
+            </a:pPr>
+            <a:r>
+              <a:rPr lang="en-US" sz="1200" dirty="0">
+                <a:solidFill>
+                  <a:srgbClr val="000000"/>
+                </a:solidFill>
+                <a:latin typeface="Arial" pitchFamily="34" charset="0"/>
+                <a:ea typeface="Arial" pitchFamily="34" charset="-122"/>
+                <a:cs typeface="Arial" pitchFamily="34" charset="-120"/>
+              </a:rPr>
+              <a:t>דוין דוין דוין...</a:t>
+            </a:r>
+            <a:endParaRPr lang="en-US" sz="1200" dirty="0"/>
+          </a:p>
+          <a:p>
+            <a:pPr algn="r" indent="0" marL="0">
+              <a:buNone/>
+            </a:pPr>
+            <a:endParaRPr lang="en-US" sz="1200" dirty="0"/>
+          </a:p>
+          <a:p>
+            <a:pPr algn="r" indent="0" marL="0">
+              <a:buNone/>
+            </a:pPr>
+            <a:r>
+              <a:rPr lang="en-US" sz="1200" dirty="0">
+                <a:solidFill>
+                  <a:srgbClr val="000000"/>
+                </a:solidFill>
+                <a:latin typeface="Arial" pitchFamily="34" charset="0"/>
+                <a:ea typeface="Arial" pitchFamily="34" charset="-122"/>
+                <a:cs typeface="Arial" pitchFamily="34" charset="-120"/>
+              </a:rPr>
+              <a:t>ובערב כשאת חוזרת הביתה</a:t>
+            </a:r>
+            <a:endParaRPr lang="en-US" sz="1200" dirty="0"/>
+          </a:p>
+          <a:p>
+            <a:pPr algn="r" indent="0" marL="0">
+              <a:buNone/>
+            </a:pPr>
+            <a:r>
+              <a:rPr lang="en-US" sz="1200" dirty="0">
+                <a:solidFill>
+                  <a:srgbClr val="000000"/>
+                </a:solidFill>
+                <a:latin typeface="Arial" pitchFamily="34" charset="0"/>
+                <a:ea typeface="Arial" pitchFamily="34" charset="-122"/>
+                <a:cs typeface="Arial" pitchFamily="34" charset="-120"/>
+              </a:rPr>
+              <a:t>מעיפה מבט חטוף מן החלון</a:t>
+            </a:r>
+            <a:endParaRPr lang="en-US" sz="1200" dirty="0"/>
+          </a:p>
+          <a:p>
+            <a:pPr algn="r" indent="0" marL="0">
+              <a:buNone/>
+            </a:pPr>
+            <a:r>
+              <a:rPr lang="en-US" sz="1200" dirty="0">
+                <a:solidFill>
+                  <a:srgbClr val="000000"/>
+                </a:solidFill>
+                <a:latin typeface="Arial" pitchFamily="34" charset="0"/>
+                <a:ea typeface="Arial" pitchFamily="34" charset="-122"/>
+                <a:cs typeface="Arial" pitchFamily="34" charset="-120"/>
+              </a:rPr>
+              <a:t>הוא עומד שם בפינה ומחכה לך</a:t>
+            </a:r>
+            <a:endParaRPr lang="en-US" sz="1200" dirty="0"/>
+          </a:p>
+          <a:p>
+            <a:pPr algn="r" indent="0" marL="0">
+              <a:buNone/>
+            </a:pPr>
+            <a:r>
+              <a:rPr lang="en-US" sz="1200" dirty="0">
+                <a:solidFill>
+                  <a:srgbClr val="000000"/>
+                </a:solidFill>
+                <a:latin typeface="Arial" pitchFamily="34" charset="0"/>
+                <a:ea typeface="Arial" pitchFamily="34" charset="-122"/>
+                <a:cs typeface="Arial" pitchFamily="34" charset="-120"/>
+              </a:rPr>
+              <a:t>כן, הלילה לא צריך יותר לחלום.</a:t>
+            </a:r>
+            <a:endParaRPr lang="en-US" sz="1200" dirty="0"/>
+          </a:p>
+          <a:p>
+            <a:pPr algn="r" indent="0" marL="0">
+              <a:buNone/>
+            </a:pPr>
+            <a:endParaRPr lang="en-US" sz="1200" dirty="0"/>
+          </a:p>
+          <a:p>
+            <a:pPr algn="r" indent="0" marL="0">
+              <a:buNone/>
+            </a:pPr>
+            <a:r>
+              <a:rPr lang="en-US" sz="1200" dirty="0">
+                <a:solidFill>
+                  <a:srgbClr val="000000"/>
+                </a:solidFill>
+                <a:latin typeface="Arial" pitchFamily="34" charset="0"/>
+                <a:ea typeface="Arial" pitchFamily="34" charset="-122"/>
+                <a:cs typeface="Arial" pitchFamily="34" charset="-120"/>
+              </a:rPr>
+              <a:t>רוצי, שמוליק קורא לך</a:t>
+            </a:r>
+            <a:endParaRPr lang="en-US" sz="1200" dirty="0"/>
+          </a:p>
+          <a:p>
+            <a:pPr algn="r" indent="0" marL="0">
+              <a:buNone/>
+            </a:pPr>
+            <a:r>
+              <a:rPr lang="en-US" sz="1200" dirty="0">
+                <a:solidFill>
+                  <a:srgbClr val="000000"/>
+                </a:solidFill>
+                <a:latin typeface="Arial" pitchFamily="34" charset="0"/>
+                <a:ea typeface="Arial" pitchFamily="34" charset="-122"/>
+                <a:cs typeface="Arial" pitchFamily="34" charset="-120"/>
+              </a:rPr>
+              <a:t>ושולח אלף נשיקות.</a:t>
+            </a:r>
+            <a:endParaRPr lang="en-US" sz="1200" dirty="0"/>
+          </a:p>
+          <a:p>
+            <a:pPr algn="r" indent="0" marL="0">
+              <a:buNone/>
+            </a:pPr>
+            <a:r>
+              <a:rPr lang="en-US" sz="1200" dirty="0">
+                <a:solidFill>
+                  <a:srgbClr val="000000"/>
+                </a:solidFill>
+                <a:latin typeface="Arial" pitchFamily="34" charset="0"/>
+                <a:ea typeface="Arial" pitchFamily="34" charset="-122"/>
+                <a:cs typeface="Arial" pitchFamily="34" charset="-120"/>
+              </a:rPr>
+              <a:t>רוצי, שמוליק מחכה לך</a:t>
+            </a:r>
+            <a:endParaRPr lang="en-US" sz="1200" dirty="0"/>
+          </a:p>
+          <a:p>
+            <a:pPr algn="r" indent="0" marL="0">
+              <a:buNone/>
+            </a:pPr>
+            <a:r>
+              <a:rPr lang="en-US" sz="1200" dirty="0">
+                <a:solidFill>
+                  <a:srgbClr val="000000"/>
+                </a:solidFill>
+                <a:latin typeface="Arial" pitchFamily="34" charset="0"/>
+                <a:ea typeface="Arial" pitchFamily="34" charset="-122"/>
+                <a:cs typeface="Arial" pitchFamily="34" charset="-120"/>
+              </a:rPr>
+              <a:t>כמה זמן עוד תתני לו לחכות.</a:t>
             </a:r>
             <a:endParaRPr lang="en-US" sz="1200" dirty="0"/>
           </a:p>
@@ -1610,7 +2190,7 @@
                   <a:srgbClr val="363636"/>
                 </a:solidFill>
               </a:rPr>
-              <a:t>גיטרה וכינור</a:t>
+              <a:t>המגפיים של ברוך</a:t>
             </a:r>
             <a:endParaRPr lang="en-US" sz="1600" dirty="0"/>
           </a:p>
@@ -1646,7 +2226,7 @@
                   <a:srgbClr val="363636"/>
                 </a:solidFill>
               </a:rPr>
-              <a:t>שלום חנוך</a:t>
+              <a:t>כוורת</a:t>
             </a:r>
             <a:endParaRPr lang="en-US" sz="1300" dirty="0"/>
           </a:p>
@@ -1685,507 +2265,974 @@
                 <a:ea typeface="Arial" pitchFamily="34" charset="-122"/>
                 <a:cs typeface="Arial" pitchFamily="34" charset="-120"/>
               </a:rPr>
-              <a:t>בדירה קטנה, חשוכה מעט</a:t>
-            </a:r>
-            <a:endParaRPr lang="en-US" sz="1200" dirty="0"/>
-          </a:p>
-          <a:p>
-            <a:pPr algn="r" indent="0" marL="0">
-              <a:buNone/>
-            </a:pPr>
-            <a:r>
-              <a:rPr lang="en-US" sz="1200" dirty="0">
-                <a:solidFill>
-                  <a:srgbClr val="000000"/>
-                </a:solidFill>
-                <a:latin typeface="Arial" pitchFamily="34" charset="0"/>
-                <a:ea typeface="Arial" pitchFamily="34" charset="-122"/>
-                <a:cs typeface="Arial" pitchFamily="34" charset="-120"/>
-              </a:rPr>
-              <a:t>לא רחוק מכאן, בסימטה בצד</a:t>
-            </a:r>
-            <a:endParaRPr lang="en-US" sz="1200" dirty="0"/>
-          </a:p>
-          <a:p>
-            <a:pPr algn="r" indent="0" marL="0">
-              <a:buNone/>
-            </a:pPr>
-            <a:r>
-              <a:rPr lang="en-US" sz="1200" dirty="0">
-                <a:solidFill>
-                  <a:srgbClr val="000000"/>
-                </a:solidFill>
-                <a:latin typeface="Arial" pitchFamily="34" charset="0"/>
-                <a:ea typeface="Arial" pitchFamily="34" charset="-122"/>
-                <a:cs typeface="Arial" pitchFamily="34" charset="-120"/>
-              </a:rPr>
-              <a:t>גר בחור אחד עם אישה אחת</a:t>
-            </a:r>
-            <a:endParaRPr lang="en-US" sz="1200" dirty="0"/>
-          </a:p>
-          <a:p>
-            <a:pPr algn="r" indent="0" marL="0">
-              <a:buNone/>
-            </a:pPr>
-            <a:r>
-              <a:rPr lang="en-US" sz="1200" dirty="0">
-                <a:solidFill>
-                  <a:srgbClr val="000000"/>
-                </a:solidFill>
-                <a:latin typeface="Arial" pitchFamily="34" charset="0"/>
-                <a:ea typeface="Arial" pitchFamily="34" charset="-122"/>
-                <a:cs typeface="Arial" pitchFamily="34" charset="-120"/>
-              </a:rPr>
-              <a:t>חיים מכל הבא ליד</a:t>
-            </a:r>
-            <a:endParaRPr lang="en-US" sz="1200" dirty="0"/>
-          </a:p>
-          <a:p>
-            <a:pPr algn="r" indent="0" marL="0">
-              <a:buNone/>
-            </a:pPr>
-            <a:r>
-              <a:rPr lang="en-US" sz="1200" dirty="0">
-                <a:solidFill>
-                  <a:srgbClr val="000000"/>
-                </a:solidFill>
-                <a:latin typeface="Arial" pitchFamily="34" charset="0"/>
-                <a:ea typeface="Arial" pitchFamily="34" charset="-122"/>
-                <a:cs typeface="Arial" pitchFamily="34" charset="-120"/>
-              </a:rPr>
-              <a:t>נישאים הם סחור וסחור</a:t>
-            </a:r>
-            <a:endParaRPr lang="en-US" sz="1200" dirty="0"/>
-          </a:p>
-          <a:p>
-            <a:pPr algn="r" indent="0" marL="0">
-              <a:buNone/>
-            </a:pPr>
-            <a:r>
-              <a:rPr lang="en-US" sz="1200" dirty="0">
-                <a:solidFill>
-                  <a:srgbClr val="000000"/>
-                </a:solidFill>
-                <a:latin typeface="Arial" pitchFamily="34" charset="0"/>
-                <a:ea typeface="Arial" pitchFamily="34" charset="-122"/>
-                <a:cs typeface="Arial" pitchFamily="34" charset="-120"/>
-              </a:rPr>
-              <a:t>הוא גיטרה, היא כינור.</a:t>
-            </a:r>
-            <a:endParaRPr lang="en-US" sz="1200" dirty="0"/>
-          </a:p>
-          <a:p>
-            <a:pPr algn="r" indent="0" marL="0">
-              <a:buNone/>
-            </a:pPr>
-            <a:endParaRPr lang="en-US" sz="1200" dirty="0"/>
-          </a:p>
-          <a:p>
-            <a:pPr algn="r" indent="0" marL="0">
-              <a:buNone/>
-            </a:pPr>
-            <a:r>
-              <a:rPr lang="en-US" sz="1200" dirty="0">
-                <a:solidFill>
-                  <a:srgbClr val="000000"/>
-                </a:solidFill>
-                <a:latin typeface="Arial" pitchFamily="34" charset="0"/>
-                <a:ea typeface="Arial" pitchFamily="34" charset="-122"/>
-                <a:cs typeface="Arial" pitchFamily="34" charset="-120"/>
-              </a:rPr>
-              <a:t>מחליפים מיתר כשהחורף בא</a:t>
-            </a:r>
-            <a:endParaRPr lang="en-US" sz="1200" dirty="0"/>
-          </a:p>
-          <a:p>
-            <a:pPr algn="r" indent="0" marL="0">
-              <a:buNone/>
-            </a:pPr>
-            <a:r>
-              <a:rPr lang="en-US" sz="1200" dirty="0">
-                <a:solidFill>
-                  <a:srgbClr val="000000"/>
-                </a:solidFill>
-                <a:latin typeface="Arial" pitchFamily="34" charset="0"/>
-                <a:ea typeface="Arial" pitchFamily="34" charset="-122"/>
-                <a:cs typeface="Arial" pitchFamily="34" charset="-120"/>
-              </a:rPr>
-              <a:t>היא תולה מבט, הוא שוקע בה</a:t>
-            </a:r>
-            <a:endParaRPr lang="en-US" sz="1200" dirty="0"/>
-          </a:p>
-          <a:p>
-            <a:pPr algn="r" indent="0" marL="0">
-              <a:buNone/>
-            </a:pPr>
-            <a:r>
-              <a:rPr lang="en-US" sz="1200" dirty="0">
-                <a:solidFill>
-                  <a:srgbClr val="000000"/>
-                </a:solidFill>
-                <a:latin typeface="Arial" pitchFamily="34" charset="0"/>
-                <a:ea typeface="Arial" pitchFamily="34" charset="-122"/>
-                <a:cs typeface="Arial" pitchFamily="34" charset="-120"/>
-              </a:rPr>
-              <a:t>ואחר כך יד, נגיעה קלה</a:t>
-            </a:r>
-            <a:endParaRPr lang="en-US" sz="1200" dirty="0"/>
-          </a:p>
-          <a:p>
-            <a:pPr algn="r" indent="0" marL="0">
-              <a:buNone/>
-            </a:pPr>
-            <a:r>
-              <a:rPr lang="en-US" sz="1200" dirty="0">
-                <a:solidFill>
-                  <a:srgbClr val="000000"/>
-                </a:solidFill>
-                <a:latin typeface="Arial" pitchFamily="34" charset="0"/>
-                <a:ea typeface="Arial" pitchFamily="34" charset="-122"/>
-                <a:cs typeface="Arial" pitchFamily="34" charset="-120"/>
-              </a:rPr>
-              <a:t>נשיקה באויר הוא שולח לה</a:t>
-            </a:r>
-            <a:endParaRPr lang="en-US" sz="1200" dirty="0"/>
-          </a:p>
-          <a:p>
-            <a:pPr algn="r" indent="0" marL="0">
-              <a:buNone/>
-            </a:pPr>
-            <a:r>
-              <a:rPr lang="en-US" sz="1200" dirty="0">
-                <a:solidFill>
-                  <a:srgbClr val="000000"/>
-                </a:solidFill>
-                <a:latin typeface="Arial" pitchFamily="34" charset="0"/>
-                <a:ea typeface="Arial" pitchFamily="34" charset="-122"/>
-                <a:cs typeface="Arial" pitchFamily="34" charset="-120"/>
-              </a:rPr>
-              <a:t>מסתלסלת סחור וסחור</a:t>
-            </a:r>
-            <a:endParaRPr lang="en-US" sz="1200" dirty="0"/>
-          </a:p>
-          <a:p>
-            <a:pPr algn="r" indent="0" marL="0">
-              <a:buNone/>
-            </a:pPr>
-            <a:r>
-              <a:rPr lang="en-US" sz="1200" dirty="0">
-                <a:solidFill>
-                  <a:srgbClr val="000000"/>
-                </a:solidFill>
-                <a:latin typeface="Arial" pitchFamily="34" charset="0"/>
-                <a:ea typeface="Arial" pitchFamily="34" charset="-122"/>
-                <a:cs typeface="Arial" pitchFamily="34" charset="-120"/>
-              </a:rPr>
-              <a:t>כמו גיטרה וכינור</a:t>
-            </a:r>
-            <a:endParaRPr lang="en-US" sz="1200" dirty="0"/>
-          </a:p>
-          <a:p>
-            <a:pPr algn="r" indent="0" marL="0">
-              <a:buNone/>
-            </a:pPr>
-            <a:r>
-              <a:rPr lang="en-US" sz="1200" dirty="0">
-                <a:solidFill>
-                  <a:srgbClr val="000000"/>
-                </a:solidFill>
-                <a:latin typeface="Arial" pitchFamily="34" charset="0"/>
-                <a:ea typeface="Arial" pitchFamily="34" charset="-122"/>
-                <a:cs typeface="Arial" pitchFamily="34" charset="-120"/>
-              </a:rPr>
-              <a:t>הוא על זמן והיא על אור.</a:t>
-            </a:r>
-            <a:endParaRPr lang="en-US" sz="1200" dirty="0"/>
-          </a:p>
-          <a:p>
-            <a:pPr algn="r" indent="0" marL="0">
-              <a:buNone/>
-            </a:pPr>
-            <a:endParaRPr lang="en-US" sz="1200" dirty="0"/>
-          </a:p>
-          <a:p>
-            <a:pPr algn="r" indent="0" marL="0">
-              <a:buNone/>
-            </a:pPr>
-            <a:r>
-              <a:rPr lang="en-US" sz="1200" dirty="0">
-                <a:solidFill>
-                  <a:srgbClr val="000000"/>
-                </a:solidFill>
-                <a:latin typeface="Arial" pitchFamily="34" charset="0"/>
-                <a:ea typeface="Arial" pitchFamily="34" charset="-122"/>
-                <a:cs typeface="Arial" pitchFamily="34" charset="-120"/>
-              </a:rPr>
-              <a:t>בלילות שישי, במוצאי שבת</a:t>
-            </a:r>
-            <a:endParaRPr lang="en-US" sz="1200" dirty="0"/>
-          </a:p>
-          <a:p>
-            <a:pPr algn="r" indent="0" marL="0">
-              <a:buNone/>
-            </a:pPr>
-            <a:r>
-              <a:rPr lang="en-US" sz="1200" dirty="0">
-                <a:solidFill>
-                  <a:srgbClr val="000000"/>
-                </a:solidFill>
-                <a:latin typeface="Arial" pitchFamily="34" charset="0"/>
-                <a:ea typeface="Arial" pitchFamily="34" charset="-122"/>
-                <a:cs typeface="Arial" pitchFamily="34" charset="-120"/>
-              </a:rPr>
-              <a:t>אוהבים הרבה, מדברים מעט</a:t>
-            </a:r>
-            <a:endParaRPr lang="en-US" sz="1200" dirty="0"/>
-          </a:p>
-          <a:p>
-            <a:pPr algn="r" indent="0" marL="0">
-              <a:buNone/>
-            </a:pPr>
-            <a:r>
-              <a:rPr lang="en-US" sz="1200" dirty="0">
-                <a:solidFill>
-                  <a:srgbClr val="000000"/>
-                </a:solidFill>
-                <a:latin typeface="Arial" pitchFamily="34" charset="0"/>
-                <a:ea typeface="Arial" pitchFamily="34" charset="-122"/>
-                <a:cs typeface="Arial" pitchFamily="34" charset="-120"/>
-              </a:rPr>
-              <a:t>מנגנים דואט ובבת אחת,</a:t>
-            </a:r>
-            <a:endParaRPr lang="en-US" sz="1200" dirty="0"/>
-          </a:p>
-          <a:p>
-            <a:pPr algn="r" indent="0" marL="0">
-              <a:buNone/>
-            </a:pPr>
-            <a:r>
-              <a:rPr lang="en-US" sz="1200" dirty="0">
-                <a:solidFill>
-                  <a:srgbClr val="000000"/>
-                </a:solidFill>
-                <a:latin typeface="Arial" pitchFamily="34" charset="0"/>
-                <a:ea typeface="Arial" pitchFamily="34" charset="-122"/>
-                <a:cs typeface="Arial" pitchFamily="34" charset="-120"/>
-              </a:rPr>
-              <a:t>הצלילים עולים והלב נרעד</a:t>
-            </a:r>
-            <a:endParaRPr lang="en-US" sz="1200" dirty="0"/>
-          </a:p>
-          <a:p>
-            <a:pPr algn="r" indent="0" marL="0">
-              <a:buNone/>
-            </a:pPr>
-            <a:r>
-              <a:rPr lang="en-US" sz="1200" dirty="0">
-                <a:solidFill>
-                  <a:srgbClr val="000000"/>
-                </a:solidFill>
-                <a:latin typeface="Arial" pitchFamily="34" charset="0"/>
-                <a:ea typeface="Arial" pitchFamily="34" charset="-122"/>
-                <a:cs typeface="Arial" pitchFamily="34" charset="-120"/>
-              </a:rPr>
-              <a:t>נישאים הם סחור וסחור</a:t>
-            </a:r>
-            <a:endParaRPr lang="en-US" sz="1200" dirty="0"/>
-          </a:p>
-          <a:p>
-            <a:pPr algn="r" indent="0" marL="0">
-              <a:buNone/>
-            </a:pPr>
-            <a:r>
-              <a:rPr lang="en-US" sz="1200" dirty="0">
-                <a:solidFill>
-                  <a:srgbClr val="000000"/>
-                </a:solidFill>
-                <a:latin typeface="Arial" pitchFamily="34" charset="0"/>
-                <a:ea typeface="Arial" pitchFamily="34" charset="-122"/>
-                <a:cs typeface="Arial" pitchFamily="34" charset="-120"/>
-              </a:rPr>
-              <a:t>הוא גיטרה היא כינור.</a:t>
-            </a:r>
-            <a:endParaRPr lang="en-US" sz="1200" dirty="0"/>
-          </a:p>
-          <a:p>
-            <a:pPr algn="r" indent="0" marL="0">
-              <a:buNone/>
-            </a:pPr>
-            <a:endParaRPr lang="en-US" sz="1200" dirty="0"/>
-          </a:p>
-          <a:p>
-            <a:pPr algn="r" indent="0" marL="0">
-              <a:buNone/>
-            </a:pPr>
-            <a:r>
-              <a:rPr lang="en-US" sz="1200" dirty="0">
-                <a:solidFill>
-                  <a:srgbClr val="000000"/>
-                </a:solidFill>
-                <a:latin typeface="Arial" pitchFamily="34" charset="0"/>
-                <a:ea typeface="Arial" pitchFamily="34" charset="-122"/>
-                <a:cs typeface="Arial" pitchFamily="34" charset="-120"/>
-              </a:rPr>
-              <a:t>כשהקיץ בא הם פורשים כנף</a:t>
-            </a:r>
-            <a:endParaRPr lang="en-US" sz="1200" dirty="0"/>
-          </a:p>
-          <a:p>
-            <a:pPr algn="r" indent="0" marL="0">
-              <a:buNone/>
-            </a:pPr>
-            <a:r>
-              <a:rPr lang="en-US" sz="1200" dirty="0">
-                <a:solidFill>
-                  <a:srgbClr val="000000"/>
-                </a:solidFill>
-                <a:latin typeface="Arial" pitchFamily="34" charset="0"/>
-                <a:ea typeface="Arial" pitchFamily="34" charset="-122"/>
-                <a:cs typeface="Arial" pitchFamily="34" charset="-120"/>
-              </a:rPr>
-              <a:t>בעקבות חלום שחלמו בסתיו</a:t>
-            </a:r>
-            <a:endParaRPr lang="en-US" sz="1200" dirty="0"/>
-          </a:p>
-          <a:p>
-            <a:pPr algn="r" indent="0" marL="0">
-              <a:buNone/>
-            </a:pPr>
-            <a:r>
-              <a:rPr lang="en-US" sz="1200" dirty="0">
-                <a:solidFill>
-                  <a:srgbClr val="000000"/>
-                </a:solidFill>
-                <a:latin typeface="Arial" pitchFamily="34" charset="0"/>
-                <a:ea typeface="Arial" pitchFamily="34" charset="-122"/>
-                <a:cs typeface="Arial" pitchFamily="34" charset="-120"/>
-              </a:rPr>
-              <a:t>והם לא אמרו אם הם יחזרו</a:t>
-            </a:r>
-            <a:endParaRPr lang="en-US" sz="1200" dirty="0"/>
-          </a:p>
-          <a:p>
-            <a:pPr algn="r" indent="0" marL="0">
-              <a:buNone/>
-            </a:pPr>
-            <a:r>
-              <a:rPr lang="en-US" sz="1200" dirty="0">
-                <a:solidFill>
-                  <a:srgbClr val="000000"/>
-                </a:solidFill>
-                <a:latin typeface="Arial" pitchFamily="34" charset="0"/>
-                <a:ea typeface="Arial" pitchFamily="34" charset="-122"/>
-                <a:cs typeface="Arial" pitchFamily="34" charset="-120"/>
-              </a:rPr>
-              <a:t>מהרי נפאל, מערבות פרו</a:t>
-            </a:r>
-            <a:endParaRPr lang="en-US" sz="1200" dirty="0"/>
-          </a:p>
-          <a:p>
-            <a:pPr algn="r" indent="0" marL="0">
-              <a:buNone/>
-            </a:pPr>
-            <a:r>
-              <a:rPr lang="en-US" sz="1200" dirty="0">
-                <a:solidFill>
-                  <a:srgbClr val="000000"/>
-                </a:solidFill>
-                <a:latin typeface="Arial" pitchFamily="34" charset="0"/>
-                <a:ea typeface="Arial" pitchFamily="34" charset="-122"/>
-                <a:cs typeface="Arial" pitchFamily="34" charset="-120"/>
-              </a:rPr>
-              <a:t>נודדים שם סחור וסחור</a:t>
-            </a:r>
-            <a:endParaRPr lang="en-US" sz="1200" dirty="0"/>
-          </a:p>
-          <a:p>
-            <a:pPr algn="r" indent="0" marL="0">
-              <a:buNone/>
-            </a:pPr>
-            <a:r>
-              <a:rPr lang="en-US" sz="1200" dirty="0">
-                <a:solidFill>
-                  <a:srgbClr val="000000"/>
-                </a:solidFill>
-                <a:latin typeface="Arial" pitchFamily="34" charset="0"/>
-                <a:ea typeface="Arial" pitchFamily="34" charset="-122"/>
-                <a:cs typeface="Arial" pitchFamily="34" charset="-120"/>
-              </a:rPr>
-              <a:t>הוא על זמן והיא על אור</a:t>
-            </a:r>
-            <a:endParaRPr lang="en-US" sz="1200" dirty="0"/>
-          </a:p>
-          <a:p>
-            <a:pPr algn="r" indent="0" marL="0">
-              <a:buNone/>
-            </a:pPr>
-            <a:r>
-              <a:rPr lang="en-US" sz="1200" dirty="0">
-                <a:solidFill>
-                  <a:srgbClr val="000000"/>
-                </a:solidFill>
-                <a:latin typeface="Arial" pitchFamily="34" charset="0"/>
-                <a:ea typeface="Arial" pitchFamily="34" charset="-122"/>
-                <a:cs typeface="Arial" pitchFamily="34" charset="-120"/>
-              </a:rPr>
-              <a:t>עם גיטרה וכינור.</a:t>
-            </a:r>
-            <a:endParaRPr lang="en-US" sz="1200" dirty="0"/>
-          </a:p>
-          <a:p>
-            <a:pPr algn="r" indent="0" marL="0">
-              <a:buNone/>
-            </a:pPr>
-            <a:endParaRPr lang="en-US" sz="1200" dirty="0"/>
-          </a:p>
-          <a:p>
-            <a:pPr algn="r" indent="0" marL="0">
-              <a:buNone/>
-            </a:pPr>
-            <a:r>
-              <a:rPr lang="en-US" sz="1200" dirty="0">
-                <a:solidFill>
-                  <a:srgbClr val="000000"/>
-                </a:solidFill>
-                <a:latin typeface="Arial" pitchFamily="34" charset="0"/>
-                <a:ea typeface="Arial" pitchFamily="34" charset="-122"/>
-                <a:cs typeface="Arial" pitchFamily="34" charset="-120"/>
-              </a:rPr>
-              <a:t>בדירה קטנה, חשוכה מעט</a:t>
-            </a:r>
-            <a:endParaRPr lang="en-US" sz="1200" dirty="0"/>
-          </a:p>
-          <a:p>
-            <a:pPr algn="r" indent="0" marL="0">
-              <a:buNone/>
-            </a:pPr>
-            <a:r>
-              <a:rPr lang="en-US" sz="1200" dirty="0">
-                <a:solidFill>
-                  <a:srgbClr val="000000"/>
-                </a:solidFill>
-                <a:latin typeface="Arial" pitchFamily="34" charset="0"/>
-                <a:ea typeface="Arial" pitchFamily="34" charset="-122"/>
-                <a:cs typeface="Arial" pitchFamily="34" charset="-120"/>
-              </a:rPr>
-              <a:t>לא רחוק מכאן בסימטה בצד</a:t>
-            </a:r>
-            <a:endParaRPr lang="en-US" sz="1200" dirty="0"/>
-          </a:p>
-          <a:p>
-            <a:pPr algn="r" indent="0" marL="0">
-              <a:buNone/>
-            </a:pPr>
-            <a:r>
-              <a:rPr lang="en-US" sz="1200" dirty="0">
-                <a:solidFill>
-                  <a:srgbClr val="000000"/>
-                </a:solidFill>
-                <a:latin typeface="Arial" pitchFamily="34" charset="0"/>
-                <a:ea typeface="Arial" pitchFamily="34" charset="-122"/>
-                <a:cs typeface="Arial" pitchFamily="34" charset="-120"/>
-              </a:rPr>
-              <a:t>גר בחור אחד עם אישה אחת...</a:t>
+              <a:t>הוא קנה אותן בזול</a:t>
+            </a:r>
+            <a:endParaRPr lang="en-US" sz="1200" dirty="0"/>
+          </a:p>
+          <a:p>
+            <a:pPr algn="r" indent="0" marL="0">
+              <a:buNone/>
+            </a:pPr>
+            <a:r>
+              <a:rPr lang="en-US" sz="1200" dirty="0">
+                <a:solidFill>
+                  <a:srgbClr val="000000"/>
+                </a:solidFill>
+                <a:latin typeface="Arial" pitchFamily="34" charset="0"/>
+                <a:ea typeface="Arial" pitchFamily="34" charset="-122"/>
+                <a:cs typeface="Arial" pitchFamily="34" charset="-120"/>
+              </a:rPr>
+              <a:t>הן היו מלאות בחול</a:t>
+            </a:r>
+            <a:endParaRPr lang="en-US" sz="1200" dirty="0"/>
+          </a:p>
+          <a:p>
+            <a:pPr algn="r" indent="0" marL="0">
+              <a:buNone/>
+            </a:pPr>
+            <a:r>
+              <a:rPr lang="en-US" sz="1200" dirty="0">
+                <a:solidFill>
+                  <a:srgbClr val="000000"/>
+                </a:solidFill>
+                <a:latin typeface="Arial" pitchFamily="34" charset="0"/>
+                <a:ea typeface="Arial" pitchFamily="34" charset="-122"/>
+                <a:cs typeface="Arial" pitchFamily="34" charset="-120"/>
+              </a:rPr>
+              <a:t>הוא ניקה אותן בספירט כל שעתיים.</a:t>
+            </a:r>
+            <a:endParaRPr lang="en-US" sz="1200" dirty="0"/>
+          </a:p>
+          <a:p>
+            <a:pPr algn="r" indent="0" marL="0">
+              <a:buNone/>
+            </a:pPr>
+            <a:r>
+              <a:rPr lang="en-US" sz="1200" dirty="0">
+                <a:solidFill>
+                  <a:srgbClr val="000000"/>
+                </a:solidFill>
+                <a:latin typeface="Arial" pitchFamily="34" charset="0"/>
+                <a:ea typeface="Arial" pitchFamily="34" charset="-122"/>
+                <a:cs typeface="Arial" pitchFamily="34" charset="-120"/>
+              </a:rPr>
+              <a:t>האכיל אותן מרק</a:t>
+            </a:r>
+            <a:endParaRPr lang="en-US" sz="1200" dirty="0"/>
+          </a:p>
+          <a:p>
+            <a:pPr algn="r" indent="0" marL="0">
+              <a:buNone/>
+            </a:pPr>
+            <a:r>
+              <a:rPr lang="en-US" sz="1200" dirty="0">
+                <a:solidFill>
+                  <a:srgbClr val="000000"/>
+                </a:solidFill>
+                <a:latin typeface="Arial" pitchFamily="34" charset="0"/>
+                <a:ea typeface="Arial" pitchFamily="34" charset="-122"/>
+                <a:cs typeface="Arial" pitchFamily="34" charset="-120"/>
+              </a:rPr>
+              <a:t>כשהקיאו הוא שתק,</a:t>
+            </a:r>
+            <a:endParaRPr lang="en-US" sz="1200" dirty="0"/>
+          </a:p>
+          <a:p>
+            <a:pPr algn="r" indent="0" marL="0">
+              <a:buNone/>
+            </a:pPr>
+            <a:r>
+              <a:rPr lang="en-US" sz="1200" dirty="0">
+                <a:solidFill>
+                  <a:srgbClr val="000000"/>
+                </a:solidFill>
+                <a:latin typeface="Arial" pitchFamily="34" charset="0"/>
+                <a:ea typeface="Arial" pitchFamily="34" charset="-122"/>
+                <a:cs typeface="Arial" pitchFamily="34" charset="-120"/>
+              </a:rPr>
+              <a:t>הוא לקח אותן לסרט כל יומיים.</a:t>
+            </a:r>
+            <a:endParaRPr lang="en-US" sz="1200" dirty="0"/>
+          </a:p>
+          <a:p>
+            <a:pPr algn="r" indent="0" marL="0">
+              <a:buNone/>
+            </a:pPr>
+            <a:endParaRPr lang="en-US" sz="1200" dirty="0"/>
+          </a:p>
+          <a:p>
+            <a:pPr algn="r" indent="0" marL="0">
+              <a:buNone/>
+            </a:pPr>
+            <a:r>
+              <a:rPr lang="en-US" sz="1200" dirty="0">
+                <a:solidFill>
+                  <a:srgbClr val="000000"/>
+                </a:solidFill>
+                <a:latin typeface="Arial" pitchFamily="34" charset="0"/>
+                <a:ea typeface="Arial" pitchFamily="34" charset="-122"/>
+                <a:cs typeface="Arial" pitchFamily="34" charset="-120"/>
+              </a:rPr>
+              <a:t>אבל יום אחד הוא קם</a:t>
+            </a:r>
+            <a:endParaRPr lang="en-US" sz="1200" dirty="0"/>
+          </a:p>
+          <a:p>
+            <a:pPr algn="r" indent="0" marL="0">
+              <a:buNone/>
+            </a:pPr>
+            <a:r>
+              <a:rPr lang="en-US" sz="1200" dirty="0">
+                <a:solidFill>
+                  <a:srgbClr val="000000"/>
+                </a:solidFill>
+                <a:latin typeface="Arial" pitchFamily="34" charset="0"/>
+                <a:ea typeface="Arial" pitchFamily="34" charset="-122"/>
+                <a:cs typeface="Arial" pitchFamily="34" charset="-120"/>
+              </a:rPr>
+              <a:t>עדיין מנומנם,</a:t>
+            </a:r>
+            <a:endParaRPr lang="en-US" sz="1200" dirty="0"/>
+          </a:p>
+          <a:p>
+            <a:pPr algn="r" indent="0" marL="0">
+              <a:buNone/>
+            </a:pPr>
+            <a:r>
+              <a:rPr lang="en-US" sz="1200" dirty="0">
+                <a:solidFill>
+                  <a:srgbClr val="000000"/>
+                </a:solidFill>
+                <a:latin typeface="Arial" pitchFamily="34" charset="0"/>
+                <a:ea typeface="Arial" pitchFamily="34" charset="-122"/>
+                <a:cs typeface="Arial" pitchFamily="34" charset="-120"/>
+              </a:rPr>
+              <a:t>חיפש ת'מגפיים בארון.</a:t>
+            </a:r>
+            <a:endParaRPr lang="en-US" sz="1200" dirty="0"/>
+          </a:p>
+          <a:p>
+            <a:pPr algn="r" indent="0" marL="0">
+              <a:buNone/>
+            </a:pPr>
+            <a:r>
+              <a:rPr lang="en-US" sz="1200" dirty="0">
+                <a:solidFill>
+                  <a:srgbClr val="000000"/>
+                </a:solidFill>
+                <a:latin typeface="Arial" pitchFamily="34" charset="0"/>
+                <a:ea typeface="Arial" pitchFamily="34" charset="-122"/>
+                <a:cs typeface="Arial" pitchFamily="34" charset="-120"/>
+              </a:rPr>
+              <a:t>ובמקום שהן היו</a:t>
+            </a:r>
+            <a:endParaRPr lang="en-US" sz="1200" dirty="0"/>
+          </a:p>
+          <a:p>
+            <a:pPr algn="r" indent="0" marL="0">
+              <a:buNone/>
+            </a:pPr>
+            <a:r>
+              <a:rPr lang="en-US" sz="1200" dirty="0">
+                <a:solidFill>
+                  <a:srgbClr val="000000"/>
+                </a:solidFill>
+                <a:latin typeface="Arial" pitchFamily="34" charset="0"/>
+                <a:ea typeface="Arial" pitchFamily="34" charset="-122"/>
+                <a:cs typeface="Arial" pitchFamily="34" charset="-120"/>
+              </a:rPr>
+              <a:t>רק גרביים נשארו</a:t>
+            </a:r>
+            <a:endParaRPr lang="en-US" sz="1200" dirty="0"/>
+          </a:p>
+          <a:p>
+            <a:pPr algn="r" indent="0" marL="0">
+              <a:buNone/>
+            </a:pPr>
+            <a:r>
+              <a:rPr lang="en-US" sz="1200" dirty="0">
+                <a:solidFill>
+                  <a:srgbClr val="000000"/>
+                </a:solidFill>
+                <a:latin typeface="Arial" pitchFamily="34" charset="0"/>
+                <a:ea typeface="Arial" pitchFamily="34" charset="-122"/>
+                <a:cs typeface="Arial" pitchFamily="34" charset="-120"/>
+              </a:rPr>
+              <a:t>שסיפרו לו את הכל בהיגיון, ש-</a:t>
+            </a:r>
+            <a:endParaRPr lang="en-US" sz="1200" dirty="0"/>
+          </a:p>
+          <a:p>
+            <a:pPr algn="r" indent="0" marL="0">
+              <a:buNone/>
+            </a:pPr>
+            <a:endParaRPr lang="en-US" sz="1200" dirty="0"/>
+          </a:p>
+          <a:p>
+            <a:pPr algn="r" indent="0" marL="0">
+              <a:buNone/>
+            </a:pPr>
+            <a:r>
+              <a:rPr lang="en-US" sz="1200" dirty="0">
+                <a:solidFill>
+                  <a:srgbClr val="000000"/>
+                </a:solidFill>
+                <a:latin typeface="Arial" pitchFamily="34" charset="0"/>
+                <a:ea typeface="Arial" pitchFamily="34" charset="-122"/>
+                <a:cs typeface="Arial" pitchFamily="34" charset="-120"/>
+              </a:rPr>
+              <a:t>נעליים קונים מהר</a:t>
+            </a:r>
+            <a:endParaRPr lang="en-US" sz="1200" dirty="0"/>
+          </a:p>
+          <a:p>
+            <a:pPr algn="r" indent="0" marL="0">
+              <a:buNone/>
+            </a:pPr>
+            <a:r>
+              <a:rPr lang="en-US" sz="1200" dirty="0">
+                <a:solidFill>
+                  <a:srgbClr val="000000"/>
+                </a:solidFill>
+                <a:latin typeface="Arial" pitchFamily="34" charset="0"/>
+                <a:ea typeface="Arial" pitchFamily="34" charset="-122"/>
+                <a:cs typeface="Arial" pitchFamily="34" charset="-120"/>
+              </a:rPr>
+              <a:t>וגרביים לא חסר.</a:t>
+            </a:r>
+            <a:endParaRPr lang="en-US" sz="1200" dirty="0"/>
+          </a:p>
+          <a:p>
+            <a:pPr algn="r" indent="0" marL="0">
+              <a:buNone/>
+            </a:pPr>
+            <a:r>
+              <a:rPr lang="en-US" sz="1200" dirty="0">
+                <a:solidFill>
+                  <a:srgbClr val="000000"/>
+                </a:solidFill>
+                <a:latin typeface="Arial" pitchFamily="34" charset="0"/>
+                <a:ea typeface="Arial" pitchFamily="34" charset="-122"/>
+                <a:cs typeface="Arial" pitchFamily="34" charset="-120"/>
+              </a:rPr>
+              <a:t>אך מגפיים ומכנסיים</a:t>
+            </a:r>
+            <a:endParaRPr lang="en-US" sz="1200" dirty="0"/>
+          </a:p>
+          <a:p>
+            <a:pPr algn="r" indent="0" marL="0">
+              <a:buNone/>
+            </a:pPr>
+            <a:r>
+              <a:rPr lang="en-US" sz="1200" dirty="0">
+                <a:solidFill>
+                  <a:srgbClr val="000000"/>
+                </a:solidFill>
+                <a:latin typeface="Arial" pitchFamily="34" charset="0"/>
+                <a:ea typeface="Arial" pitchFamily="34" charset="-122"/>
+                <a:cs typeface="Arial" pitchFamily="34" charset="-120"/>
+              </a:rPr>
+              <a:t>שתמיד קונים קומפלט</a:t>
+            </a:r>
+            <a:endParaRPr lang="en-US" sz="1200" dirty="0"/>
+          </a:p>
+          <a:p>
+            <a:pPr algn="r" indent="0" marL="0">
+              <a:buNone/>
+            </a:pPr>
+            <a:r>
+              <a:rPr lang="en-US" sz="1200" dirty="0">
+                <a:solidFill>
+                  <a:srgbClr val="000000"/>
+                </a:solidFill>
+                <a:latin typeface="Arial" pitchFamily="34" charset="0"/>
+                <a:ea typeface="Arial" pitchFamily="34" charset="-122"/>
+                <a:cs typeface="Arial" pitchFamily="34" charset="-120"/>
+              </a:rPr>
+              <a:t>קשה מאוד להשיג אותם כעת.</a:t>
+            </a:r>
+            <a:endParaRPr lang="en-US" sz="1200" dirty="0"/>
+          </a:p>
+          <a:p>
+            <a:pPr algn="r" indent="0" marL="0">
+              <a:buNone/>
+            </a:pPr>
+            <a:r>
+              <a:rPr lang="en-US" sz="1200" dirty="0">
+                <a:solidFill>
+                  <a:srgbClr val="000000"/>
+                </a:solidFill>
+                <a:latin typeface="Arial" pitchFamily="34" charset="0"/>
+                <a:ea typeface="Arial" pitchFamily="34" charset="-122"/>
+                <a:cs typeface="Arial" pitchFamily="34" charset="-120"/>
+              </a:rPr>
+              <a:t>נגני, נגני גיטרה...</a:t>
+            </a:r>
+            <a:endParaRPr lang="en-US" sz="1200" dirty="0"/>
+          </a:p>
+          <a:p>
+            <a:pPr algn="r" indent="0" marL="0">
+              <a:buNone/>
+            </a:pPr>
+            <a:endParaRPr lang="en-US" sz="1200" dirty="0"/>
+          </a:p>
+          <a:p>
+            <a:pPr algn="r" indent="0" marL="0">
+              <a:buNone/>
+            </a:pPr>
+            <a:r>
+              <a:rPr lang="en-US" sz="1200" dirty="0">
+                <a:solidFill>
+                  <a:srgbClr val="000000"/>
+                </a:solidFill>
+                <a:latin typeface="Arial" pitchFamily="34" charset="0"/>
+                <a:ea typeface="Arial" pitchFamily="34" charset="-122"/>
+                <a:cs typeface="Arial" pitchFamily="34" charset="-120"/>
+              </a:rPr>
+              <a:t>לדרכו יצא יחף</a:t>
+            </a:r>
+            <a:endParaRPr lang="en-US" sz="1200" dirty="0"/>
+          </a:p>
+          <a:p>
+            <a:pPr algn="r" indent="0" marL="0">
+              <a:buNone/>
+            </a:pPr>
+            <a:r>
+              <a:rPr lang="en-US" sz="1200" dirty="0">
+                <a:solidFill>
+                  <a:srgbClr val="000000"/>
+                </a:solidFill>
+                <a:latin typeface="Arial" pitchFamily="34" charset="0"/>
+                <a:ea typeface="Arial" pitchFamily="34" charset="-122"/>
+                <a:cs typeface="Arial" pitchFamily="34" charset="-120"/>
+              </a:rPr>
+              <a:t>מצונן וגם עייף</a:t>
+            </a:r>
+            <a:endParaRPr lang="en-US" sz="1200" dirty="0"/>
+          </a:p>
+          <a:p>
+            <a:pPr algn="r" indent="0" marL="0">
+              <a:buNone/>
+            </a:pPr>
+            <a:r>
+              <a:rPr lang="en-US" sz="1200" dirty="0">
+                <a:solidFill>
+                  <a:srgbClr val="000000"/>
+                </a:solidFill>
+                <a:latin typeface="Arial" pitchFamily="34" charset="0"/>
+                <a:ea typeface="Arial" pitchFamily="34" charset="-122"/>
+                <a:cs typeface="Arial" pitchFamily="34" charset="-120"/>
+              </a:rPr>
+              <a:t>וכולו מודע לעומק הצרה.</a:t>
+            </a:r>
+            <a:endParaRPr lang="en-US" sz="1200" dirty="0"/>
+          </a:p>
+          <a:p>
+            <a:pPr algn="r" indent="0" marL="0">
+              <a:buNone/>
+            </a:pPr>
+            <a:r>
+              <a:rPr lang="en-US" sz="1200" dirty="0">
+                <a:solidFill>
+                  <a:srgbClr val="000000"/>
+                </a:solidFill>
+                <a:latin typeface="Arial" pitchFamily="34" charset="0"/>
+                <a:ea typeface="Arial" pitchFamily="34" charset="-122"/>
+                <a:cs typeface="Arial" pitchFamily="34" charset="-120"/>
+              </a:rPr>
+              <a:t>כששאל עובר ושב</a:t>
+            </a:r>
+            <a:endParaRPr lang="en-US" sz="1200" dirty="0"/>
+          </a:p>
+          <a:p>
+            <a:pPr algn="r" indent="0" marL="0">
+              <a:buNone/>
+            </a:pPr>
+            <a:r>
+              <a:rPr lang="en-US" sz="1200" dirty="0">
+                <a:solidFill>
+                  <a:srgbClr val="000000"/>
+                </a:solidFill>
+                <a:latin typeface="Arial" pitchFamily="34" charset="0"/>
+                <a:ea typeface="Arial" pitchFamily="34" charset="-122"/>
+                <a:cs typeface="Arial" pitchFamily="34" charset="-120"/>
+              </a:rPr>
+              <a:t>אם ראה את מגפיו,</a:t>
+            </a:r>
+            <a:endParaRPr lang="en-US" sz="1200" dirty="0"/>
+          </a:p>
+          <a:p>
+            <a:pPr algn="r" indent="0" marL="0">
+              <a:buNone/>
+            </a:pPr>
+            <a:r>
+              <a:rPr lang="en-US" sz="1200" dirty="0">
+                <a:solidFill>
+                  <a:srgbClr val="000000"/>
+                </a:solidFill>
+                <a:latin typeface="Arial" pitchFamily="34" charset="0"/>
+                <a:ea typeface="Arial" pitchFamily="34" charset="-122"/>
+                <a:cs typeface="Arial" pitchFamily="34" charset="-120"/>
+              </a:rPr>
+              <a:t>רק מתוך נימוס נשמיט את התשובה.</a:t>
+            </a:r>
+            <a:endParaRPr lang="en-US" sz="1200" dirty="0"/>
+          </a:p>
+          <a:p>
+            <a:pPr algn="r" indent="0" marL="0">
+              <a:buNone/>
+            </a:pPr>
+            <a:endParaRPr lang="en-US" sz="1200" dirty="0"/>
+          </a:p>
+          <a:p>
+            <a:pPr algn="r" indent="0" marL="0">
+              <a:buNone/>
+            </a:pPr>
+            <a:r>
+              <a:rPr lang="en-US" sz="1200" dirty="0">
+                <a:solidFill>
+                  <a:srgbClr val="000000"/>
+                </a:solidFill>
+                <a:latin typeface="Arial" pitchFamily="34" charset="0"/>
+                <a:ea typeface="Arial" pitchFamily="34" charset="-122"/>
+                <a:cs typeface="Arial" pitchFamily="34" charset="-120"/>
+              </a:rPr>
+              <a:t>ברוך תר בכפר ועיר</a:t>
+            </a:r>
+            <a:endParaRPr lang="en-US" sz="1200" dirty="0"/>
+          </a:p>
+          <a:p>
+            <a:pPr algn="r" indent="0" marL="0">
+              <a:buNone/>
+            </a:pPr>
+            <a:r>
+              <a:rPr lang="en-US" sz="1200" dirty="0">
+                <a:solidFill>
+                  <a:srgbClr val="000000"/>
+                </a:solidFill>
+                <a:latin typeface="Arial" pitchFamily="34" charset="0"/>
+                <a:ea typeface="Arial" pitchFamily="34" charset="-122"/>
+                <a:cs typeface="Arial" pitchFamily="34" charset="-120"/>
+              </a:rPr>
+              <a:t>במצב מאוד שביר,</a:t>
+            </a:r>
+            <a:endParaRPr lang="en-US" sz="1200" dirty="0"/>
+          </a:p>
+          <a:p>
+            <a:pPr algn="r" indent="0" marL="0">
+              <a:buNone/>
+            </a:pPr>
+            <a:r>
+              <a:rPr lang="en-US" sz="1200" dirty="0">
+                <a:solidFill>
+                  <a:srgbClr val="000000"/>
+                </a:solidFill>
+                <a:latin typeface="Arial" pitchFamily="34" charset="0"/>
+                <a:ea typeface="Arial" pitchFamily="34" charset="-122"/>
+                <a:cs typeface="Arial" pitchFamily="34" charset="-120"/>
+              </a:rPr>
+              <a:t>הדפרסיה במוחו השתוללה.</a:t>
+            </a:r>
+            <a:endParaRPr lang="en-US" sz="1200" dirty="0"/>
+          </a:p>
+          <a:p>
+            <a:pPr algn="r" indent="0" marL="0">
+              <a:buNone/>
+            </a:pPr>
+            <a:r>
+              <a:rPr lang="en-US" sz="1200" dirty="0">
+                <a:solidFill>
+                  <a:srgbClr val="000000"/>
+                </a:solidFill>
+                <a:latin typeface="Arial" pitchFamily="34" charset="0"/>
+                <a:ea typeface="Arial" pitchFamily="34" charset="-122"/>
+                <a:cs typeface="Arial" pitchFamily="34" charset="-120"/>
+              </a:rPr>
+              <a:t>כשפנה חסר אונים, למדור חיפוש קרובים,</a:t>
+            </a:r>
+            <a:endParaRPr lang="en-US" sz="1200" dirty="0"/>
+          </a:p>
+          <a:p>
+            <a:pPr algn="r" indent="0" marL="0">
+              <a:buNone/>
+            </a:pPr>
+            <a:r>
+              <a:rPr lang="en-US" sz="1200" dirty="0">
+                <a:solidFill>
+                  <a:srgbClr val="000000"/>
+                </a:solidFill>
+                <a:latin typeface="Arial" pitchFamily="34" charset="0"/>
+                <a:ea typeface="Arial" pitchFamily="34" charset="-122"/>
+                <a:cs typeface="Arial" pitchFamily="34" charset="-120"/>
+              </a:rPr>
+              <a:t>התרגז עליו פקיד הקבלה, כי-</a:t>
+            </a:r>
+            <a:endParaRPr lang="en-US" sz="1200" dirty="0"/>
+          </a:p>
+          <a:p>
+            <a:pPr algn="r" indent="0" marL="0">
+              <a:buNone/>
+            </a:pPr>
+            <a:endParaRPr lang="en-US" sz="1200" dirty="0"/>
+          </a:p>
+          <a:p>
+            <a:pPr algn="r" indent="0" marL="0">
+              <a:buNone/>
+            </a:pPr>
+            <a:r>
+              <a:rPr lang="en-US" sz="1200" dirty="0">
+                <a:solidFill>
+                  <a:srgbClr val="000000"/>
+                </a:solidFill>
+                <a:latin typeface="Arial" pitchFamily="34" charset="0"/>
+                <a:ea typeface="Arial" pitchFamily="34" charset="-122"/>
+                <a:cs typeface="Arial" pitchFamily="34" charset="-120"/>
+              </a:rPr>
+              <a:t>נעליים קונים מהר...</a:t>
+            </a:r>
+            <a:endParaRPr lang="en-US" sz="1200" dirty="0"/>
+          </a:p>
+          <a:p>
+            <a:pPr algn="r" indent="0" marL="0">
+              <a:buNone/>
+            </a:pPr>
+            <a:endParaRPr lang="en-US" sz="1200" dirty="0"/>
+          </a:p>
+          <a:p>
+            <a:pPr algn="r" indent="0" marL="0">
+              <a:buNone/>
+            </a:pPr>
+            <a:r>
+              <a:rPr lang="en-US" sz="1200" dirty="0">
+                <a:solidFill>
+                  <a:srgbClr val="000000"/>
+                </a:solidFill>
+                <a:latin typeface="Arial" pitchFamily="34" charset="0"/>
+                <a:ea typeface="Arial" pitchFamily="34" charset="-122"/>
+                <a:cs typeface="Arial" pitchFamily="34" charset="-120"/>
+              </a:rPr>
+              <a:t>והנה ליד חוה</a:t>
+            </a:r>
+            <a:endParaRPr lang="en-US" sz="1200" dirty="0"/>
+          </a:p>
+          <a:p>
+            <a:pPr algn="r" indent="0" marL="0">
+              <a:buNone/>
+            </a:pPr>
+            <a:r>
+              <a:rPr lang="en-US" sz="1200" dirty="0">
+                <a:solidFill>
+                  <a:srgbClr val="000000"/>
+                </a:solidFill>
+                <a:latin typeface="Arial" pitchFamily="34" charset="0"/>
+                <a:ea typeface="Arial" pitchFamily="34" charset="-122"/>
+                <a:cs typeface="Arial" pitchFamily="34" charset="-120"/>
+              </a:rPr>
+              <a:t>שם מילא ת'מימיה,</a:t>
+            </a:r>
+            <a:endParaRPr lang="en-US" sz="1200" dirty="0"/>
+          </a:p>
+          <a:p>
+            <a:pPr algn="r" indent="0" marL="0">
+              <a:buNone/>
+            </a:pPr>
+            <a:r>
+              <a:rPr lang="en-US" sz="1200" dirty="0">
+                <a:solidFill>
+                  <a:srgbClr val="000000"/>
+                </a:solidFill>
+                <a:latin typeface="Arial" pitchFamily="34" charset="0"/>
+                <a:ea typeface="Arial" pitchFamily="34" charset="-122"/>
+                <a:cs typeface="Arial" pitchFamily="34" charset="-120"/>
+              </a:rPr>
+              <a:t>הוא גילה עקבות שלא נעשו מזמן.</a:t>
+            </a:r>
+            <a:endParaRPr lang="en-US" sz="1200" dirty="0"/>
+          </a:p>
+          <a:p>
+            <a:pPr algn="r" indent="0" marL="0">
+              <a:buNone/>
+            </a:pPr>
+            <a:r>
+              <a:rPr lang="en-US" sz="1200" dirty="0">
+                <a:solidFill>
+                  <a:srgbClr val="000000"/>
+                </a:solidFill>
+                <a:latin typeface="Arial" pitchFamily="34" charset="0"/>
+                <a:ea typeface="Arial" pitchFamily="34" charset="-122"/>
+                <a:cs typeface="Arial" pitchFamily="34" charset="-120"/>
+              </a:rPr>
+              <a:t>ופתאום בין השיחים</a:t>
+            </a:r>
+            <a:endParaRPr lang="en-US" sz="1200" dirty="0"/>
+          </a:p>
+          <a:p>
+            <a:pPr algn="r" indent="0" marL="0">
+              <a:buNone/>
+            </a:pPr>
+            <a:r>
+              <a:rPr lang="en-US" sz="1200" dirty="0">
+                <a:solidFill>
+                  <a:srgbClr val="000000"/>
+                </a:solidFill>
+                <a:latin typeface="Arial" pitchFamily="34" charset="0"/>
+                <a:ea typeface="Arial" pitchFamily="34" charset="-122"/>
+                <a:cs typeface="Arial" pitchFamily="34" charset="-120"/>
+              </a:rPr>
+              <a:t>הוא שמע שם לחשושים,</a:t>
+            </a:r>
+            <a:endParaRPr lang="en-US" sz="1200" dirty="0"/>
+          </a:p>
+          <a:p>
+            <a:pPr algn="r" indent="0" marL="0">
+              <a:buNone/>
+            </a:pPr>
+            <a:r>
+              <a:rPr lang="en-US" sz="1200" dirty="0">
+                <a:solidFill>
+                  <a:srgbClr val="000000"/>
+                </a:solidFill>
+                <a:latin typeface="Arial" pitchFamily="34" charset="0"/>
+                <a:ea typeface="Arial" pitchFamily="34" charset="-122"/>
+                <a:cs typeface="Arial" pitchFamily="34" charset="-120"/>
+              </a:rPr>
+              <a:t>בזרועות בחור אחר ראה אותן.</a:t>
+            </a:r>
+            <a:endParaRPr lang="en-US" sz="1200" dirty="0"/>
+          </a:p>
+          <a:p>
+            <a:pPr algn="r" indent="0" marL="0">
+              <a:buNone/>
+            </a:pPr>
+            <a:endParaRPr lang="en-US" sz="1200" dirty="0"/>
+          </a:p>
+          <a:p>
+            <a:pPr algn="r" indent="0" marL="0">
+              <a:buNone/>
+            </a:pPr>
+            <a:r>
+              <a:rPr lang="en-US" sz="1200" dirty="0">
+                <a:solidFill>
+                  <a:srgbClr val="000000"/>
+                </a:solidFill>
+                <a:latin typeface="Arial" pitchFamily="34" charset="0"/>
+                <a:ea typeface="Arial" pitchFamily="34" charset="-122"/>
+                <a:cs typeface="Arial" pitchFamily="34" charset="-120"/>
+              </a:rPr>
+              <a:t>לא ידע הוא מה לעשות,</a:t>
+            </a:r>
+            <a:endParaRPr lang="en-US" sz="1200" dirty="0"/>
+          </a:p>
+          <a:p>
+            <a:pPr algn="r" indent="0" marL="0">
+              <a:buNone/>
+            </a:pPr>
+            <a:r>
+              <a:rPr lang="en-US" sz="1200" dirty="0">
+                <a:solidFill>
+                  <a:srgbClr val="000000"/>
+                </a:solidFill>
+                <a:latin typeface="Arial" pitchFamily="34" charset="0"/>
+                <a:ea typeface="Arial" pitchFamily="34" charset="-122"/>
+                <a:cs typeface="Arial" pitchFamily="34" charset="-120"/>
+              </a:rPr>
+              <a:t>אם לצחוק או רק לבכות</a:t>
+            </a:r>
+            <a:endParaRPr lang="en-US" sz="1200" dirty="0"/>
+          </a:p>
+          <a:p>
+            <a:pPr algn="r" indent="0" marL="0">
+              <a:buNone/>
+            </a:pPr>
+            <a:r>
+              <a:rPr lang="en-US" sz="1200" dirty="0">
+                <a:solidFill>
+                  <a:srgbClr val="000000"/>
+                </a:solidFill>
+                <a:latin typeface="Arial" pitchFamily="34" charset="0"/>
+                <a:ea typeface="Arial" pitchFamily="34" charset="-122"/>
+                <a:cs typeface="Arial" pitchFamily="34" charset="-120"/>
+              </a:rPr>
+              <a:t>מה שלא יהיה הוציא את המטפחת.</a:t>
+            </a:r>
+            <a:endParaRPr lang="en-US" sz="1200" dirty="0"/>
+          </a:p>
+          <a:p>
+            <a:pPr algn="r" indent="0" marL="0">
+              <a:buNone/>
+            </a:pPr>
+            <a:r>
+              <a:rPr lang="en-US" sz="1200" dirty="0">
+                <a:solidFill>
+                  <a:srgbClr val="000000"/>
+                </a:solidFill>
+                <a:latin typeface="Arial" pitchFamily="34" charset="0"/>
+                <a:ea typeface="Arial" pitchFamily="34" charset="-122"/>
+                <a:cs typeface="Arial" pitchFamily="34" charset="-120"/>
+              </a:rPr>
+              <a:t>את ההוא לצד לקח</a:t>
+            </a:r>
+            <a:endParaRPr lang="en-US" sz="1200" dirty="0"/>
+          </a:p>
+          <a:p>
+            <a:pPr algn="r" indent="0" marL="0">
+              <a:buNone/>
+            </a:pPr>
+            <a:r>
+              <a:rPr lang="en-US" sz="1200" dirty="0">
+                <a:solidFill>
+                  <a:srgbClr val="000000"/>
+                </a:solidFill>
+                <a:latin typeface="Arial" pitchFamily="34" charset="0"/>
+                <a:ea typeface="Arial" pitchFamily="34" charset="-122"/>
+                <a:cs typeface="Arial" pitchFamily="34" charset="-120"/>
+              </a:rPr>
+              <a:t>ושלף את האקדח</a:t>
+            </a:r>
+            <a:endParaRPr lang="en-US" sz="1200" dirty="0"/>
+          </a:p>
+          <a:p>
+            <a:pPr algn="r" indent="0" marL="0">
+              <a:buNone/>
+            </a:pPr>
+            <a:r>
+              <a:rPr lang="en-US" sz="1200" dirty="0">
+                <a:solidFill>
+                  <a:srgbClr val="000000"/>
+                </a:solidFill>
+                <a:latin typeface="Arial" pitchFamily="34" charset="0"/>
+                <a:ea typeface="Arial" pitchFamily="34" charset="-122"/>
+                <a:cs typeface="Arial" pitchFamily="34" charset="-120"/>
+              </a:rPr>
+              <a:t>שירה עליו כדור אחד בתחת. כי -</a:t>
+            </a:r>
+            <a:endParaRPr lang="en-US" sz="1200" dirty="0"/>
+          </a:p>
+          <a:p>
+            <a:pPr algn="r" indent="0" marL="0">
+              <a:buNone/>
+            </a:pPr>
+            <a:endParaRPr lang="en-US" sz="1200" dirty="0"/>
+          </a:p>
+          <a:p>
+            <a:pPr algn="r" indent="0" marL="0">
+              <a:buNone/>
+            </a:pPr>
+            <a:r>
+              <a:rPr lang="en-US" sz="1200" dirty="0">
+                <a:solidFill>
+                  <a:srgbClr val="000000"/>
+                </a:solidFill>
+                <a:latin typeface="Arial" pitchFamily="34" charset="0"/>
+                <a:ea typeface="Arial" pitchFamily="34" charset="-122"/>
+                <a:cs typeface="Arial" pitchFamily="34" charset="-120"/>
+              </a:rPr>
+              <a:t>נעליים קונים מהר...</a:t>
+            </a:r>
+            <a:endParaRPr lang="en-US" sz="1200" dirty="0"/>
+          </a:p>
+          <a:p>
+            <a:pPr algn="r" indent="0" marL="0">
+              <a:buNone/>
+            </a:pPr>
+            <a:endParaRPr lang="en-US" sz="1200" dirty="0"/>
+          </a:p>
+          <a:p>
+            <a:pPr algn="r" indent="0" marL="0">
+              <a:buNone/>
+            </a:pPr>
+            <a:r>
+              <a:rPr lang="en-US" sz="1200" dirty="0">
+                <a:solidFill>
+                  <a:srgbClr val="000000"/>
+                </a:solidFill>
+                <a:latin typeface="Arial" pitchFamily="34" charset="0"/>
+                <a:ea typeface="Arial" pitchFamily="34" charset="-122"/>
+                <a:cs typeface="Arial" pitchFamily="34" charset="-120"/>
+              </a:rPr>
+              <a:t>אז ההוא אמר "סליחה",</a:t>
+            </a:r>
+            <a:endParaRPr lang="en-US" sz="1200" dirty="0"/>
+          </a:p>
+          <a:p>
+            <a:pPr algn="r" indent="0" marL="0">
+              <a:buNone/>
+            </a:pPr>
+            <a:r>
+              <a:rPr lang="en-US" sz="1200" dirty="0">
+                <a:solidFill>
+                  <a:srgbClr val="000000"/>
+                </a:solidFill>
+                <a:latin typeface="Arial" pitchFamily="34" charset="0"/>
+                <a:ea typeface="Arial" pitchFamily="34" charset="-122"/>
+                <a:cs typeface="Arial" pitchFamily="34" charset="-120"/>
+              </a:rPr>
+              <a:t>קיפל את השמיכה</a:t>
+            </a:r>
+            <a:endParaRPr lang="en-US" sz="1200" dirty="0"/>
+          </a:p>
+          <a:p>
+            <a:pPr algn="r" indent="0" marL="0">
+              <a:buNone/>
+            </a:pPr>
+            <a:r>
+              <a:rPr lang="en-US" sz="1200" dirty="0">
+                <a:solidFill>
+                  <a:srgbClr val="000000"/>
+                </a:solidFill>
+                <a:latin typeface="Arial" pitchFamily="34" charset="0"/>
+                <a:ea typeface="Arial" pitchFamily="34" charset="-122"/>
+                <a:cs typeface="Arial" pitchFamily="34" charset="-120"/>
+              </a:rPr>
+              <a:t>והלך הביתה בלי לעשות</a:t>
+            </a:r>
+            <a:endParaRPr lang="en-US" sz="1200" dirty="0"/>
+          </a:p>
+          <a:p>
+            <a:pPr algn="r" indent="0" marL="0">
+              <a:buNone/>
+            </a:pPr>
+            <a:r>
+              <a:rPr lang="en-US" sz="1200" dirty="0">
+                <a:solidFill>
+                  <a:srgbClr val="000000"/>
+                </a:solidFill>
+                <a:latin typeface="Arial" pitchFamily="34" charset="0"/>
+                <a:ea typeface="Arial" pitchFamily="34" charset="-122"/>
+                <a:cs typeface="Arial" pitchFamily="34" charset="-120"/>
+              </a:rPr>
+              <a:t>חכמות.</a:t>
+            </a:r>
+            <a:endParaRPr lang="en-US" sz="1200" dirty="0"/>
+          </a:p>
+          <a:p>
+            <a:pPr algn="r" indent="0" marL="0">
+              <a:buNone/>
+            </a:pPr>
+            <a:r>
+              <a:rPr lang="en-US" sz="1200" dirty="0">
+                <a:solidFill>
+                  <a:srgbClr val="000000"/>
+                </a:solidFill>
+                <a:latin typeface="Arial" pitchFamily="34" charset="0"/>
+                <a:ea typeface="Arial" pitchFamily="34" charset="-122"/>
+                <a:cs typeface="Arial" pitchFamily="34" charset="-120"/>
+              </a:rPr>
+              <a:t>ומאז ועד היום</a:t>
+            </a:r>
+            <a:endParaRPr lang="en-US" sz="1200" dirty="0"/>
+          </a:p>
+          <a:p>
+            <a:pPr algn="r" indent="0" marL="0">
+              <a:buNone/>
+            </a:pPr>
+            <a:r>
+              <a:rPr lang="en-US" sz="1200" dirty="0">
+                <a:solidFill>
+                  <a:srgbClr val="000000"/>
+                </a:solidFill>
+                <a:latin typeface="Arial" pitchFamily="34" charset="0"/>
+                <a:ea typeface="Arial" pitchFamily="34" charset="-122"/>
+                <a:cs typeface="Arial" pitchFamily="34" charset="-120"/>
+              </a:rPr>
+              <a:t>גם בגשם גם בחום,</a:t>
+            </a:r>
+            <a:endParaRPr lang="en-US" sz="1200" dirty="0"/>
+          </a:p>
+          <a:p>
+            <a:pPr algn="r" indent="0" marL="0">
+              <a:buNone/>
+            </a:pPr>
+            <a:r>
+              <a:rPr lang="en-US" sz="1200" dirty="0">
+                <a:solidFill>
+                  <a:srgbClr val="000000"/>
+                </a:solidFill>
+                <a:latin typeface="Arial" pitchFamily="34" charset="0"/>
+                <a:ea typeface="Arial" pitchFamily="34" charset="-122"/>
+                <a:cs typeface="Arial" pitchFamily="34" charset="-120"/>
+              </a:rPr>
+              <a:t>הן תפורות אצלו ישר</a:t>
+            </a:r>
+            <a:endParaRPr lang="en-US" sz="1200" dirty="0"/>
+          </a:p>
+          <a:p>
+            <a:pPr algn="r" indent="0" marL="0">
+              <a:buNone/>
+            </a:pPr>
+            <a:r>
+              <a:rPr lang="en-US" sz="1200" dirty="0">
+                <a:solidFill>
+                  <a:srgbClr val="000000"/>
+                </a:solidFill>
+                <a:latin typeface="Arial" pitchFamily="34" charset="0"/>
+                <a:ea typeface="Arial" pitchFamily="34" charset="-122"/>
+                <a:cs typeface="Arial" pitchFamily="34" charset="-120"/>
+              </a:rPr>
+              <a:t>לעצמות. כי-</a:t>
+            </a:r>
+            <a:endParaRPr lang="en-US" sz="1200" dirty="0"/>
+          </a:p>
+          <a:p>
+            <a:pPr algn="r" indent="0" marL="0">
+              <a:buNone/>
+            </a:pPr>
+            <a:endParaRPr lang="en-US" sz="1200" dirty="0"/>
+          </a:p>
+          <a:p>
+            <a:pPr algn="r" indent="0" marL="0">
+              <a:buNone/>
+            </a:pPr>
+            <a:r>
+              <a:rPr lang="en-US" sz="1200" dirty="0">
+                <a:solidFill>
+                  <a:srgbClr val="000000"/>
+                </a:solidFill>
+                <a:latin typeface="Arial" pitchFamily="34" charset="0"/>
+                <a:ea typeface="Arial" pitchFamily="34" charset="-122"/>
+                <a:cs typeface="Arial" pitchFamily="34" charset="-120"/>
+              </a:rPr>
+              <a:t>נעליים קונים מהר...</a:t>
+            </a:r>
+            <a:endParaRPr lang="en-US" sz="1200" dirty="0"/>
+          </a:p>
+          <a:p>
+            <a:pPr algn="r" indent="0" marL="0">
+              <a:buNone/>
+            </a:pPr>
+            <a:endParaRPr lang="en-US" sz="1200" dirty="0"/>
+          </a:p>
+          <a:p>
+            <a:pPr algn="r" indent="0" marL="0">
+              <a:buNone/>
+            </a:pPr>
+            <a:r>
+              <a:rPr lang="en-US" sz="1200" dirty="0">
+                <a:solidFill>
+                  <a:srgbClr val="000000"/>
+                </a:solidFill>
+                <a:latin typeface="Arial" pitchFamily="34" charset="0"/>
+                <a:ea typeface="Arial" pitchFamily="34" charset="-122"/>
+                <a:cs typeface="Arial" pitchFamily="34" charset="-120"/>
+              </a:rPr>
+              <a:t>ואם אתה לא מאמין</a:t>
+            </a:r>
+            <a:endParaRPr lang="en-US" sz="1200" dirty="0"/>
+          </a:p>
+          <a:p>
+            <a:pPr algn="r" indent="0" marL="0">
+              <a:buNone/>
+            </a:pPr>
+            <a:r>
+              <a:rPr lang="en-US" sz="1200" dirty="0">
+                <a:solidFill>
+                  <a:srgbClr val="000000"/>
+                </a:solidFill>
+                <a:latin typeface="Arial" pitchFamily="34" charset="0"/>
+                <a:ea typeface="Arial" pitchFamily="34" charset="-122"/>
+                <a:cs typeface="Arial" pitchFamily="34" charset="-120"/>
+              </a:rPr>
+              <a:t>תשאל את ברוך.</a:t>
             </a:r>
             <a:endParaRPr lang="en-US" sz="1200" dirty="0"/>
           </a:p>
@@ -2202,6 +3249,3152 @@
 <file path=ppt/slides/slide3.xml><?xml version="1.0" encoding="utf-8"?>
 <p:sld xmlns:a="http://schemas.openxmlformats.org/drawingml/2006/main" xmlns:r="http://schemas.openxmlformats.org/officeDocument/2006/relationships" xmlns:p="http://schemas.openxmlformats.org/presentationml/2006/main">
   <p:cSld name="Slide 3">
+    <p:spTree>
+      <p:nvGrpSpPr>
+        <p:cNvPr id="1" name=""/>
+        <p:cNvGrpSpPr/>
+        <p:nvPr/>
+      </p:nvGrpSpPr>
+      <p:grpSpPr>
+        <a:xfrm>
+          <a:off x="0" y="0"/>
+          <a:ext cx="0" cy="0"/>
+          <a:chOff x="0" y="0"/>
+          <a:chExt cx="0" cy="0"/>
+        </a:xfrm>
+      </p:grpSpPr>
+      <p:sp>
+        <p:nvSpPr>
+          <p:cNvPr id="2" name="Text 0"/>
+          <p:cNvSpPr/>
+          <p:nvPr/>
+        </p:nvSpPr>
+        <p:spPr>
+          <a:xfrm>
+            <a:off x="457200" y="457200"/>
+            <a:ext cx="8229600" cy="0"/>
+          </a:xfrm>
+          <a:prstGeom prst="rect">
+            <a:avLst/>
+          </a:prstGeom>
+          <a:noFill/>
+          <a:ln/>
+        </p:spPr>
+        <p:txBody>
+          <a:bodyPr wrap="square" lIns="6350" tIns="6350" rIns="6350" bIns="6350" rtlCol="0" anchor="ctr"/>
+          <a:lstStyle/>
+          <a:p>
+            <a:pPr algn="r" indent="0" marL="0">
+              <a:buNone/>
+            </a:pPr>
+            <a:r>
+              <a:rPr lang="en-US" sz="1600" dirty="0">
+                <a:solidFill>
+                  <a:srgbClr val="363636"/>
+                </a:solidFill>
+              </a:rPr>
+              <a:t>ארץ טרופית יפה</a:t>
+            </a:r>
+            <a:endParaRPr lang="en-US" sz="1600" dirty="0"/>
+          </a:p>
+        </p:txBody>
+      </p:sp>
+      <p:sp>
+        <p:nvSpPr>
+          <p:cNvPr id="3" name="Text 1"/>
+          <p:cNvSpPr/>
+          <p:nvPr/>
+        </p:nvSpPr>
+        <p:spPr>
+          <a:xfrm>
+            <a:off x="457200" y="914400"/>
+            <a:ext cx="8229600" cy="0"/>
+          </a:xfrm>
+          <a:prstGeom prst="rect">
+            <a:avLst/>
+          </a:prstGeom>
+          <a:noFill/>
+          <a:ln/>
+        </p:spPr>
+        <p:txBody>
+          <a:bodyPr wrap="square" lIns="6350" tIns="6350" rIns="6350" bIns="6350" rtlCol="0" anchor="ctr"/>
+          <a:lstStyle/>
+          <a:p>
+            <a:pPr algn="r" indent="0" marL="0">
+              <a:buNone/>
+            </a:pPr>
+            <a:r>
+              <a:rPr lang="en-US" sz="1300" dirty="0">
+                <a:solidFill>
+                  <a:srgbClr val="363636"/>
+                </a:solidFill>
+              </a:rPr>
+              <a:t>יהודית רביץ</a:t>
+            </a:r>
+            <a:endParaRPr lang="en-US" sz="1300" dirty="0"/>
+          </a:p>
+        </p:txBody>
+      </p:sp>
+      <p:sp>
+        <p:nvSpPr>
+          <p:cNvPr id="4" name="Text 2"/>
+          <p:cNvSpPr txBox="1"/>
+          <p:nvPr/>
+        </p:nvSpPr>
+        <p:spPr>
+          <a:xfrm>
+            <a:off x="457200" y="1371600"/>
+            <a:ext cx="8229600" cy="4114800"/>
+          </a:xfrm>
+          <a:prstGeom prst="rect">
+            <a:avLst/>
+          </a:prstGeom>
+          <a:noFill/>
+          <a:ln/>
+        </p:spPr>
+        <p:txBody>
+          <a:bodyPr wrap="square" lIns="6350" tIns="6350" rIns="6350" bIns="6350" rtlCol="0" anchor="t"/>
+          <a:lstStyle/>
+          <a:p>
+            <a:pPr algn="r" indent="0" marL="0">
+              <a:buNone/>
+            </a:pPr>
+            <a:r>
+              <a:rPr lang="en-US" sz="1200" dirty="0">
+                <a:solidFill>
+                  <a:srgbClr val="000000"/>
+                </a:solidFill>
+                <a:latin typeface="Arial" pitchFamily="34" charset="0"/>
+                <a:ea typeface="Arial" pitchFamily="34" charset="-122"/>
+                <a:cs typeface="Arial" pitchFamily="34" charset="-120"/>
+              </a:rPr>
+              <a:t>יש לי ארץ טרופית יפה,</a:t>
+            </a:r>
+            <a:endParaRPr lang="en-US" sz="1200" dirty="0"/>
+          </a:p>
+          <a:p>
+            <a:pPr algn="r" indent="0" marL="0">
+              <a:buNone/>
+            </a:pPr>
+            <a:r>
+              <a:rPr lang="en-US" sz="1200" dirty="0">
+                <a:solidFill>
+                  <a:srgbClr val="000000"/>
+                </a:solidFill>
+                <a:latin typeface="Arial" pitchFamily="34" charset="0"/>
+                <a:ea typeface="Arial" pitchFamily="34" charset="-122"/>
+                <a:cs typeface="Arial" pitchFamily="34" charset="-120"/>
+              </a:rPr>
+              <a:t>שהשמש ליטפה,</a:t>
+            </a:r>
+            <a:endParaRPr lang="en-US" sz="1200" dirty="0"/>
+          </a:p>
+          <a:p>
+            <a:pPr algn="r" indent="0" marL="0">
+              <a:buNone/>
+            </a:pPr>
+            <a:r>
+              <a:rPr lang="en-US" sz="1200" dirty="0">
+                <a:solidFill>
+                  <a:srgbClr val="000000"/>
+                </a:solidFill>
+                <a:latin typeface="Arial" pitchFamily="34" charset="0"/>
+                <a:ea typeface="Arial" pitchFamily="34" charset="-122"/>
+                <a:cs typeface="Arial" pitchFamily="34" charset="-120"/>
+              </a:rPr>
+              <a:t>יש לי ים לעולם, כל רגע.</a:t>
+            </a:r>
+            <a:endParaRPr lang="en-US" sz="1200" dirty="0"/>
+          </a:p>
+          <a:p>
+            <a:pPr algn="r" indent="0" marL="0">
+              <a:buNone/>
+            </a:pPr>
+            <a:r>
+              <a:rPr lang="en-US" sz="1200" dirty="0">
+                <a:solidFill>
+                  <a:srgbClr val="000000"/>
+                </a:solidFill>
+                <a:latin typeface="Arial" pitchFamily="34" charset="0"/>
+                <a:ea typeface="Arial" pitchFamily="34" charset="-122"/>
+                <a:cs typeface="Arial" pitchFamily="34" charset="-120"/>
+              </a:rPr>
+              <a:t>בכל שנה יש קרנבל,</a:t>
+            </a:r>
+            <a:endParaRPr lang="en-US" sz="1200" dirty="0"/>
+          </a:p>
+          <a:p>
+            <a:pPr algn="r" indent="0" marL="0">
+              <a:buNone/>
+            </a:pPr>
+            <a:r>
+              <a:rPr lang="en-US" sz="1200" dirty="0">
+                <a:solidFill>
+                  <a:srgbClr val="000000"/>
+                </a:solidFill>
+                <a:latin typeface="Arial" pitchFamily="34" charset="0"/>
+                <a:ea typeface="Arial" pitchFamily="34" charset="-122"/>
+                <a:cs typeface="Arial" pitchFamily="34" charset="-120"/>
+              </a:rPr>
+              <a:t>יש גיטרה די טובה</a:t>
+            </a:r>
+            <a:endParaRPr lang="en-US" sz="1200" dirty="0"/>
+          </a:p>
+          <a:p>
+            <a:pPr algn="r" indent="0" marL="0">
+              <a:buNone/>
+            </a:pPr>
+            <a:r>
+              <a:rPr lang="en-US" sz="1200" dirty="0">
+                <a:solidFill>
+                  <a:srgbClr val="000000"/>
+                </a:solidFill>
+                <a:latin typeface="Arial" pitchFamily="34" charset="0"/>
+                <a:ea typeface="Arial" pitchFamily="34" charset="-122"/>
+                <a:cs typeface="Arial" pitchFamily="34" charset="-120"/>
+              </a:rPr>
+              <a:t>ואהבה ששמה,</a:t>
+            </a:r>
+            <a:endParaRPr lang="en-US" sz="1200" dirty="0"/>
+          </a:p>
+          <a:p>
+            <a:pPr algn="r" indent="0" marL="0">
+              <a:buNone/>
+            </a:pPr>
+            <a:r>
+              <a:rPr lang="en-US" sz="1200" dirty="0">
+                <a:solidFill>
+                  <a:srgbClr val="000000"/>
+                </a:solidFill>
+                <a:latin typeface="Arial" pitchFamily="34" charset="0"/>
+                <a:ea typeface="Arial" pitchFamily="34" charset="-122"/>
+                <a:cs typeface="Arial" pitchFamily="34" charset="-120"/>
+              </a:rPr>
+              <a:t>אם לא שמעת, תרזה.</a:t>
+            </a:r>
+            <a:endParaRPr lang="en-US" sz="1200" dirty="0"/>
+          </a:p>
+          <a:p>
+            <a:pPr algn="r" indent="0" marL="0">
+              <a:buNone/>
+            </a:pPr>
+            <a:endParaRPr lang="en-US" sz="1200" dirty="0"/>
+          </a:p>
+          <a:p>
+            <a:pPr algn="r" indent="0" marL="0">
+              <a:buNone/>
+            </a:pPr>
+            <a:r>
+              <a:rPr lang="en-US" sz="1200" dirty="0">
+                <a:solidFill>
+                  <a:srgbClr val="000000"/>
+                </a:solidFill>
+                <a:latin typeface="Arial" pitchFamily="34" charset="0"/>
+                <a:ea typeface="Arial" pitchFamily="34" charset="-122"/>
+                <a:cs typeface="Arial" pitchFamily="34" charset="-120"/>
+              </a:rPr>
+              <a:t>אולי בעצם</a:t>
+            </a:r>
+            <a:endParaRPr lang="en-US" sz="1200" dirty="0"/>
+          </a:p>
+          <a:p>
+            <a:pPr algn="r" indent="0" marL="0">
+              <a:buNone/>
+            </a:pPr>
+            <a:r>
+              <a:rPr lang="en-US" sz="1200" dirty="0">
+                <a:solidFill>
+                  <a:srgbClr val="000000"/>
+                </a:solidFill>
+                <a:latin typeface="Arial" pitchFamily="34" charset="0"/>
+                <a:ea typeface="Arial" pitchFamily="34" charset="-122"/>
+                <a:cs typeface="Arial" pitchFamily="34" charset="-120"/>
+              </a:rPr>
+              <a:t>אני בכלל רק הלך מסכן,</a:t>
+            </a:r>
+            <a:endParaRPr lang="en-US" sz="1200" dirty="0"/>
+          </a:p>
+          <a:p>
+            <a:pPr algn="r" indent="0" marL="0">
+              <a:buNone/>
+            </a:pPr>
+            <a:r>
+              <a:rPr lang="en-US" sz="1200" dirty="0">
+                <a:solidFill>
+                  <a:srgbClr val="000000"/>
+                </a:solidFill>
+                <a:latin typeface="Arial" pitchFamily="34" charset="0"/>
+                <a:ea typeface="Arial" pitchFamily="34" charset="-122"/>
+                <a:cs typeface="Arial" pitchFamily="34" charset="-120"/>
+              </a:rPr>
+              <a:t>אבל אצלי בבית</a:t>
+            </a:r>
+            <a:endParaRPr lang="en-US" sz="1200" dirty="0"/>
+          </a:p>
+          <a:p>
+            <a:pPr algn="r" indent="0" marL="0">
+              <a:buNone/>
+            </a:pPr>
+            <a:r>
+              <a:rPr lang="en-US" sz="1200" dirty="0">
+                <a:solidFill>
+                  <a:srgbClr val="000000"/>
+                </a:solidFill>
+                <a:latin typeface="Arial" pitchFamily="34" charset="0"/>
+                <a:ea typeface="Arial" pitchFamily="34" charset="-122"/>
+                <a:cs typeface="Arial" pitchFamily="34" charset="-120"/>
+              </a:rPr>
+              <a:t>אני ה"בוס", אני החוק,</a:t>
+            </a:r>
+            <a:endParaRPr lang="en-US" sz="1200" dirty="0"/>
+          </a:p>
+          <a:p>
+            <a:pPr algn="r" indent="0" marL="0">
+              <a:buNone/>
+            </a:pPr>
+            <a:r>
+              <a:rPr lang="en-US" sz="1200" dirty="0">
+                <a:solidFill>
+                  <a:srgbClr val="000000"/>
+                </a:solidFill>
+                <a:latin typeface="Arial" pitchFamily="34" charset="0"/>
+                <a:ea typeface="Arial" pitchFamily="34" charset="-122"/>
+                <a:cs typeface="Arial" pitchFamily="34" charset="-120"/>
+              </a:rPr>
+              <a:t>אני המלך - כן, כן,</a:t>
+            </a:r>
+            <a:endParaRPr lang="en-US" sz="1200" dirty="0"/>
+          </a:p>
+          <a:p>
+            <a:pPr algn="r" indent="0" marL="0">
+              <a:buNone/>
+            </a:pPr>
+            <a:r>
+              <a:rPr lang="en-US" sz="1200" dirty="0">
+                <a:solidFill>
+                  <a:srgbClr val="000000"/>
+                </a:solidFill>
+                <a:latin typeface="Arial" pitchFamily="34" charset="0"/>
+                <a:ea typeface="Arial" pitchFamily="34" charset="-122"/>
+                <a:cs typeface="Arial" pitchFamily="34" charset="-120"/>
+              </a:rPr>
+              <a:t>והחולצה שלי היא דגל</a:t>
+            </a:r>
+            <a:endParaRPr lang="en-US" sz="1200" dirty="0"/>
+          </a:p>
+          <a:p>
+            <a:pPr algn="r" indent="0" marL="0">
+              <a:buNone/>
+            </a:pPr>
+            <a:r>
+              <a:rPr lang="en-US" sz="1200" dirty="0">
+                <a:solidFill>
+                  <a:srgbClr val="000000"/>
+                </a:solidFill>
+                <a:latin typeface="Arial" pitchFamily="34" charset="0"/>
+                <a:ea typeface="Arial" pitchFamily="34" charset="-122"/>
+                <a:cs typeface="Arial" pitchFamily="34" charset="-120"/>
+              </a:rPr>
+              <a:t>אהבה וקרנבל וכדורגל.</a:t>
+            </a:r>
+            <a:endParaRPr lang="en-US" sz="1200" dirty="0"/>
+          </a:p>
+        </p:txBody>
+      </p:sp>
+    </p:spTree>
+  </p:cSld>
+  <p:clrMapOvr>
+    <a:masterClrMapping/>
+  </p:clrMapOvr>
+</p:sld>
+</file>
+
+<file path=ppt/slides/slide4.xml><?xml version="1.0" encoding="utf-8"?>
+<p:sld xmlns:a="http://schemas.openxmlformats.org/drawingml/2006/main" xmlns:r="http://schemas.openxmlformats.org/officeDocument/2006/relationships" xmlns:p="http://schemas.openxmlformats.org/presentationml/2006/main">
+  <p:cSld name="Slide 4">
+    <p:spTree>
+      <p:nvGrpSpPr>
+        <p:cNvPr id="1" name=""/>
+        <p:cNvGrpSpPr/>
+        <p:nvPr/>
+      </p:nvGrpSpPr>
+      <p:grpSpPr>
+        <a:xfrm>
+          <a:off x="0" y="0"/>
+          <a:ext cx="0" cy="0"/>
+          <a:chOff x="0" y="0"/>
+          <a:chExt cx="0" cy="0"/>
+        </a:xfrm>
+      </p:grpSpPr>
+      <p:sp>
+        <p:nvSpPr>
+          <p:cNvPr id="2" name="Text 0"/>
+          <p:cNvSpPr/>
+          <p:nvPr/>
+        </p:nvSpPr>
+        <p:spPr>
+          <a:xfrm>
+            <a:off x="457200" y="457200"/>
+            <a:ext cx="8229600" cy="0"/>
+          </a:xfrm>
+          <a:prstGeom prst="rect">
+            <a:avLst/>
+          </a:prstGeom>
+          <a:noFill/>
+          <a:ln/>
+        </p:spPr>
+        <p:txBody>
+          <a:bodyPr wrap="square" lIns="6350" tIns="6350" rIns="6350" bIns="6350" rtlCol="0" anchor="ctr"/>
+          <a:lstStyle/>
+          <a:p>
+            <a:pPr algn="r" indent="0" marL="0">
+              <a:buNone/>
+            </a:pPr>
+            <a:r>
+              <a:rPr lang="en-US" sz="1600" dirty="0">
+                <a:solidFill>
+                  <a:srgbClr val="363636"/>
+                </a:solidFill>
+              </a:rPr>
+              <a:t>אני ואתה</a:t>
+            </a:r>
+            <a:endParaRPr lang="en-US" sz="1600" dirty="0"/>
+          </a:p>
+        </p:txBody>
+      </p:sp>
+      <p:sp>
+        <p:nvSpPr>
+          <p:cNvPr id="3" name="Text 1"/>
+          <p:cNvSpPr/>
+          <p:nvPr/>
+        </p:nvSpPr>
+        <p:spPr>
+          <a:xfrm>
+            <a:off x="457200" y="914400"/>
+            <a:ext cx="8229600" cy="0"/>
+          </a:xfrm>
+          <a:prstGeom prst="rect">
+            <a:avLst/>
+          </a:prstGeom>
+          <a:noFill/>
+          <a:ln/>
+        </p:spPr>
+        <p:txBody>
+          <a:bodyPr wrap="square" lIns="6350" tIns="6350" rIns="6350" bIns="6350" rtlCol="0" anchor="ctr"/>
+          <a:lstStyle/>
+          <a:p>
+            <a:pPr algn="r" indent="0" marL="0">
+              <a:buNone/>
+            </a:pPr>
+            <a:r>
+              <a:rPr lang="en-US" sz="1300" dirty="0">
+                <a:solidFill>
+                  <a:srgbClr val="363636"/>
+                </a:solidFill>
+              </a:rPr>
+              <a:t>אריק איינשטיין</a:t>
+            </a:r>
+            <a:endParaRPr lang="en-US" sz="1300" dirty="0"/>
+          </a:p>
+        </p:txBody>
+      </p:sp>
+      <p:sp>
+        <p:nvSpPr>
+          <p:cNvPr id="4" name="Text 2"/>
+          <p:cNvSpPr txBox="1"/>
+          <p:nvPr/>
+        </p:nvSpPr>
+        <p:spPr>
+          <a:xfrm>
+            <a:off x="457200" y="1371600"/>
+            <a:ext cx="8229600" cy="4114800"/>
+          </a:xfrm>
+          <a:prstGeom prst="rect">
+            <a:avLst/>
+          </a:prstGeom>
+          <a:noFill/>
+          <a:ln/>
+        </p:spPr>
+        <p:txBody>
+          <a:bodyPr wrap="square" lIns="6350" tIns="6350" rIns="6350" bIns="6350" rtlCol="0" anchor="t"/>
+          <a:lstStyle/>
+          <a:p>
+            <a:pPr algn="r" indent="0" marL="0">
+              <a:buNone/>
+            </a:pPr>
+            <a:r>
+              <a:rPr lang="en-US" sz="1200" dirty="0">
+                <a:solidFill>
+                  <a:srgbClr val="000000"/>
+                </a:solidFill>
+                <a:latin typeface="Arial" pitchFamily="34" charset="0"/>
+                <a:ea typeface="Arial" pitchFamily="34" charset="-122"/>
+                <a:cs typeface="Arial" pitchFamily="34" charset="-120"/>
+              </a:rPr>
+              <a:t>אני ואתה נשנה את העולם,</a:t>
+            </a:r>
+            <a:endParaRPr lang="en-US" sz="1200" dirty="0"/>
+          </a:p>
+          <a:p>
+            <a:pPr algn="r" indent="0" marL="0">
+              <a:buNone/>
+            </a:pPr>
+            <a:r>
+              <a:rPr lang="en-US" sz="1200" dirty="0">
+                <a:solidFill>
+                  <a:srgbClr val="000000"/>
+                </a:solidFill>
+                <a:latin typeface="Arial" pitchFamily="34" charset="0"/>
+                <a:ea typeface="Arial" pitchFamily="34" charset="-122"/>
+                <a:cs typeface="Arial" pitchFamily="34" charset="-120"/>
+              </a:rPr>
+              <a:t>אני ואתה אז יבואו כבר כולם,</a:t>
+            </a:r>
+            <a:endParaRPr lang="en-US" sz="1200" dirty="0"/>
+          </a:p>
+          <a:p>
+            <a:pPr algn="r" indent="0" marL="0">
+              <a:buNone/>
+            </a:pPr>
+            <a:r>
+              <a:rPr lang="en-US" sz="1200" dirty="0">
+                <a:solidFill>
+                  <a:srgbClr val="000000"/>
+                </a:solidFill>
+                <a:latin typeface="Arial" pitchFamily="34" charset="0"/>
+                <a:ea typeface="Arial" pitchFamily="34" charset="-122"/>
+                <a:cs typeface="Arial" pitchFamily="34" charset="-120"/>
+              </a:rPr>
+              <a:t>אמרו את זה קודם לפני,</a:t>
+            </a:r>
+            <a:endParaRPr lang="en-US" sz="1200" dirty="0"/>
+          </a:p>
+          <a:p>
+            <a:pPr algn="r" indent="0" marL="0">
+              <a:buNone/>
+            </a:pPr>
+            <a:r>
+              <a:rPr lang="en-US" sz="1200" dirty="0">
+                <a:solidFill>
+                  <a:srgbClr val="000000"/>
+                </a:solidFill>
+                <a:latin typeface="Arial" pitchFamily="34" charset="0"/>
+                <a:ea typeface="Arial" pitchFamily="34" charset="-122"/>
+                <a:cs typeface="Arial" pitchFamily="34" charset="-120"/>
+              </a:rPr>
+              <a:t>לא משנה - אני ואתה נשנה את העולם.</a:t>
+            </a:r>
+            <a:endParaRPr lang="en-US" sz="1200" dirty="0"/>
+          </a:p>
+          <a:p>
+            <a:pPr algn="r" indent="0" marL="0">
+              <a:buNone/>
+            </a:pPr>
+            <a:endParaRPr lang="en-US" sz="1200" dirty="0"/>
+          </a:p>
+          <a:p>
+            <a:pPr algn="r" indent="0" marL="0">
+              <a:buNone/>
+            </a:pPr>
+            <a:r>
+              <a:rPr lang="en-US" sz="1200" dirty="0">
+                <a:solidFill>
+                  <a:srgbClr val="000000"/>
+                </a:solidFill>
+                <a:latin typeface="Arial" pitchFamily="34" charset="0"/>
+                <a:ea typeface="Arial" pitchFamily="34" charset="-122"/>
+                <a:cs typeface="Arial" pitchFamily="34" charset="-120"/>
+              </a:rPr>
+              <a:t>אני ואתה ננסה מהתחלה,</a:t>
+            </a:r>
+            <a:endParaRPr lang="en-US" sz="1200" dirty="0"/>
+          </a:p>
+          <a:p>
+            <a:pPr algn="r" indent="0" marL="0">
+              <a:buNone/>
+            </a:pPr>
+            <a:r>
+              <a:rPr lang="en-US" sz="1200" dirty="0">
+                <a:solidFill>
+                  <a:srgbClr val="000000"/>
+                </a:solidFill>
+                <a:latin typeface="Arial" pitchFamily="34" charset="0"/>
+                <a:ea typeface="Arial" pitchFamily="34" charset="-122"/>
+                <a:cs typeface="Arial" pitchFamily="34" charset="-120"/>
+              </a:rPr>
+              <a:t>יהיה לנו רע, אין דבר זה לא נורא,</a:t>
+            </a:r>
+            <a:endParaRPr lang="en-US" sz="1200" dirty="0"/>
+          </a:p>
+          <a:p>
+            <a:pPr algn="r" indent="0" marL="0">
+              <a:buNone/>
+            </a:pPr>
+            <a:r>
+              <a:rPr lang="en-US" sz="1200" dirty="0">
+                <a:solidFill>
+                  <a:srgbClr val="000000"/>
+                </a:solidFill>
+                <a:latin typeface="Arial" pitchFamily="34" charset="0"/>
+                <a:ea typeface="Arial" pitchFamily="34" charset="-122"/>
+                <a:cs typeface="Arial" pitchFamily="34" charset="-120"/>
+              </a:rPr>
+              <a:t>אמרו את זה קודם לפני,</a:t>
+            </a:r>
+            <a:endParaRPr lang="en-US" sz="1200" dirty="0"/>
+          </a:p>
+          <a:p>
+            <a:pPr algn="r" indent="0" marL="0">
+              <a:buNone/>
+            </a:pPr>
+            <a:r>
+              <a:rPr lang="en-US" sz="1200" dirty="0">
+                <a:solidFill>
+                  <a:srgbClr val="000000"/>
+                </a:solidFill>
+                <a:latin typeface="Arial" pitchFamily="34" charset="0"/>
+                <a:ea typeface="Arial" pitchFamily="34" charset="-122"/>
+                <a:cs typeface="Arial" pitchFamily="34" charset="-120"/>
+              </a:rPr>
+              <a:t>זה לא משנה - אני ואתה נשנה את העולם.</a:t>
+            </a:r>
+            <a:endParaRPr lang="en-US" sz="1200" dirty="0"/>
+          </a:p>
+          <a:p>
+            <a:pPr algn="r" indent="0" marL="0">
+              <a:buNone/>
+            </a:pPr>
+            <a:endParaRPr lang="en-US" sz="1200" dirty="0"/>
+          </a:p>
+          <a:p>
+            <a:pPr algn="r" indent="0" marL="0">
+              <a:buNone/>
+            </a:pPr>
+            <a:r>
+              <a:rPr lang="en-US" sz="1200" dirty="0">
+                <a:solidFill>
+                  <a:srgbClr val="000000"/>
+                </a:solidFill>
+                <a:latin typeface="Arial" pitchFamily="34" charset="0"/>
+                <a:ea typeface="Arial" pitchFamily="34" charset="-122"/>
+                <a:cs typeface="Arial" pitchFamily="34" charset="-120"/>
+              </a:rPr>
+              <a:t>אני ואתה נשנה את העולם,</a:t>
+            </a:r>
+            <a:endParaRPr lang="en-US" sz="1200" dirty="0"/>
+          </a:p>
+          <a:p>
+            <a:pPr algn="r" indent="0" marL="0">
+              <a:buNone/>
+            </a:pPr>
+            <a:r>
+              <a:rPr lang="en-US" sz="1200" dirty="0">
+                <a:solidFill>
+                  <a:srgbClr val="000000"/>
+                </a:solidFill>
+                <a:latin typeface="Arial" pitchFamily="34" charset="0"/>
+                <a:ea typeface="Arial" pitchFamily="34" charset="-122"/>
+                <a:cs typeface="Arial" pitchFamily="34" charset="-120"/>
+              </a:rPr>
+              <a:t>אני ואתה אז יבואו כבר כולם,</a:t>
+            </a:r>
+            <a:endParaRPr lang="en-US" sz="1200" dirty="0"/>
+          </a:p>
+          <a:p>
+            <a:pPr algn="r" indent="0" marL="0">
+              <a:buNone/>
+            </a:pPr>
+            <a:r>
+              <a:rPr lang="en-US" sz="1200" dirty="0">
+                <a:solidFill>
+                  <a:srgbClr val="000000"/>
+                </a:solidFill>
+                <a:latin typeface="Arial" pitchFamily="34" charset="0"/>
+                <a:ea typeface="Arial" pitchFamily="34" charset="-122"/>
+                <a:cs typeface="Arial" pitchFamily="34" charset="-120"/>
+              </a:rPr>
+              <a:t>אמרו את זה קודם לפני,</a:t>
+            </a:r>
+            <a:endParaRPr lang="en-US" sz="1200" dirty="0"/>
+          </a:p>
+          <a:p>
+            <a:pPr algn="r" indent="0" marL="0">
+              <a:buNone/>
+            </a:pPr>
+            <a:r>
+              <a:rPr lang="en-US" sz="1200" dirty="0">
+                <a:solidFill>
+                  <a:srgbClr val="000000"/>
+                </a:solidFill>
+                <a:latin typeface="Arial" pitchFamily="34" charset="0"/>
+                <a:ea typeface="Arial" pitchFamily="34" charset="-122"/>
+                <a:cs typeface="Arial" pitchFamily="34" charset="-120"/>
+              </a:rPr>
+              <a:t>לא משנה - אני ואתה נשנה את העולם.</a:t>
+            </a:r>
+            <a:endParaRPr lang="en-US" sz="1200" dirty="0"/>
+          </a:p>
+        </p:txBody>
+      </p:sp>
+    </p:spTree>
+  </p:cSld>
+  <p:clrMapOvr>
+    <a:masterClrMapping/>
+  </p:clrMapOvr>
+</p:sld>
+</file>
+
+<file path=ppt/slides/slide5.xml><?xml version="1.0" encoding="utf-8"?>
+<p:sld xmlns:a="http://schemas.openxmlformats.org/drawingml/2006/main" xmlns:r="http://schemas.openxmlformats.org/officeDocument/2006/relationships" xmlns:p="http://schemas.openxmlformats.org/presentationml/2006/main">
+  <p:cSld name="Slide 5">
+    <p:spTree>
+      <p:nvGrpSpPr>
+        <p:cNvPr id="1" name=""/>
+        <p:cNvGrpSpPr/>
+        <p:nvPr/>
+      </p:nvGrpSpPr>
+      <p:grpSpPr>
+        <a:xfrm>
+          <a:off x="0" y="0"/>
+          <a:ext cx="0" cy="0"/>
+          <a:chOff x="0" y="0"/>
+          <a:chExt cx="0" cy="0"/>
+        </a:xfrm>
+      </p:grpSpPr>
+      <p:sp>
+        <p:nvSpPr>
+          <p:cNvPr id="2" name="Text 0"/>
+          <p:cNvSpPr/>
+          <p:nvPr/>
+        </p:nvSpPr>
+        <p:spPr>
+          <a:xfrm>
+            <a:off x="457200" y="457200"/>
+            <a:ext cx="8229600" cy="0"/>
+          </a:xfrm>
+          <a:prstGeom prst="rect">
+            <a:avLst/>
+          </a:prstGeom>
+          <a:noFill/>
+          <a:ln/>
+        </p:spPr>
+        <p:txBody>
+          <a:bodyPr wrap="square" lIns="6350" tIns="6350" rIns="6350" bIns="6350" rtlCol="0" anchor="ctr"/>
+          <a:lstStyle/>
+          <a:p>
+            <a:pPr algn="r" indent="0" marL="0">
+              <a:buNone/>
+            </a:pPr>
+            <a:r>
+              <a:rPr lang="en-US" sz="1600" dirty="0">
+                <a:solidFill>
+                  <a:srgbClr val="363636"/>
+                </a:solidFill>
+              </a:rPr>
+              <a:t>בחברה להגנת הטבע</a:t>
+            </a:r>
+            <a:endParaRPr lang="en-US" sz="1600" dirty="0"/>
+          </a:p>
+        </p:txBody>
+      </p:sp>
+      <p:sp>
+        <p:nvSpPr>
+          <p:cNvPr id="3" name="Text 1"/>
+          <p:cNvSpPr/>
+          <p:nvPr/>
+        </p:nvSpPr>
+        <p:spPr>
+          <a:xfrm>
+            <a:off x="457200" y="914400"/>
+            <a:ext cx="8229600" cy="0"/>
+          </a:xfrm>
+          <a:prstGeom prst="rect">
+            <a:avLst/>
+          </a:prstGeom>
+          <a:noFill/>
+          <a:ln/>
+        </p:spPr>
+        <p:txBody>
+          <a:bodyPr wrap="square" lIns="6350" tIns="6350" rIns="6350" bIns="6350" rtlCol="0" anchor="ctr"/>
+          <a:lstStyle/>
+          <a:p>
+            <a:pPr algn="r" indent="0" marL="0">
+              <a:buNone/>
+            </a:pPr>
+            <a:r>
+              <a:rPr lang="en-US" sz="1300" dirty="0">
+                <a:solidFill>
+                  <a:srgbClr val="363636"/>
+                </a:solidFill>
+              </a:rPr>
+              <a:t>אריאל זילבר</a:t>
+            </a:r>
+            <a:endParaRPr lang="en-US" sz="1300" dirty="0"/>
+          </a:p>
+        </p:txBody>
+      </p:sp>
+      <p:sp>
+        <p:nvSpPr>
+          <p:cNvPr id="4" name="Text 2"/>
+          <p:cNvSpPr txBox="1"/>
+          <p:nvPr/>
+        </p:nvSpPr>
+        <p:spPr>
+          <a:xfrm>
+            <a:off x="457200" y="1371600"/>
+            <a:ext cx="8229600" cy="4114800"/>
+          </a:xfrm>
+          <a:prstGeom prst="rect">
+            <a:avLst/>
+          </a:prstGeom>
+          <a:noFill/>
+          <a:ln/>
+        </p:spPr>
+        <p:txBody>
+          <a:bodyPr wrap="square" lIns="6350" tIns="6350" rIns="6350" bIns="6350" rtlCol="0" anchor="t"/>
+          <a:lstStyle/>
+          <a:p>
+            <a:pPr algn="r" indent="0" marL="0">
+              <a:buNone/>
+            </a:pPr>
+            <a:r>
+              <a:rPr lang="en-US" sz="1200" dirty="0">
+                <a:solidFill>
+                  <a:srgbClr val="000000"/>
+                </a:solidFill>
+                <a:latin typeface="Arial" pitchFamily="34" charset="0"/>
+                <a:ea typeface="Arial" pitchFamily="34" charset="-122"/>
+                <a:cs typeface="Arial" pitchFamily="34" charset="-120"/>
+              </a:rPr>
+              <a:t>לדני יש סימפטיה לנשים מבוגרות</a:t>
+            </a:r>
+            <a:endParaRPr lang="en-US" sz="1200" dirty="0"/>
+          </a:p>
+          <a:p>
+            <a:pPr algn="r" indent="0" marL="0">
+              <a:buNone/>
+            </a:pPr>
+            <a:r>
+              <a:rPr lang="en-US" sz="1200" dirty="0">
+                <a:solidFill>
+                  <a:srgbClr val="000000"/>
+                </a:solidFill>
+                <a:latin typeface="Arial" pitchFamily="34" charset="0"/>
+                <a:ea typeface="Arial" pitchFamily="34" charset="-122"/>
+                <a:cs typeface="Arial" pitchFamily="34" charset="-120"/>
+              </a:rPr>
+              <a:t>משיכה מינית, משיכה פנימית</a:t>
+            </a:r>
+            <a:endParaRPr lang="en-US" sz="1200" dirty="0"/>
+          </a:p>
+          <a:p>
+            <a:pPr algn="r" indent="0" marL="0">
+              <a:buNone/>
+            </a:pPr>
+            <a:r>
+              <a:rPr lang="en-US" sz="1200" dirty="0">
+                <a:solidFill>
+                  <a:srgbClr val="000000"/>
+                </a:solidFill>
+                <a:latin typeface="Arial" pitchFamily="34" charset="0"/>
+                <a:ea typeface="Arial" pitchFamily="34" charset="-122"/>
+                <a:cs typeface="Arial" pitchFamily="34" charset="-120"/>
+              </a:rPr>
+              <a:t>יושב לו באמבטיה מצייר על הקירות</a:t>
+            </a:r>
+            <a:endParaRPr lang="en-US" sz="1200" dirty="0"/>
+          </a:p>
+          <a:p>
+            <a:pPr algn="r" indent="0" marL="0">
+              <a:buNone/>
+            </a:pPr>
+            <a:r>
+              <a:rPr lang="en-US" sz="1200" dirty="0">
+                <a:solidFill>
+                  <a:srgbClr val="000000"/>
+                </a:solidFill>
+                <a:latin typeface="Arial" pitchFamily="34" charset="0"/>
+                <a:ea typeface="Arial" pitchFamily="34" charset="-122"/>
+                <a:cs typeface="Arial" pitchFamily="34" charset="-120"/>
+              </a:rPr>
+              <a:t>דחף לא ידוע ממש מנהג קבוע</a:t>
+            </a:r>
+            <a:endParaRPr lang="en-US" sz="1200" dirty="0"/>
+          </a:p>
+          <a:p>
+            <a:pPr algn="r" indent="0" marL="0">
+              <a:buNone/>
+            </a:pPr>
+            <a:endParaRPr lang="en-US" sz="1200" dirty="0"/>
+          </a:p>
+          <a:p>
+            <a:pPr algn="r" indent="0" marL="0">
+              <a:buNone/>
+            </a:pPr>
+            <a:r>
+              <a:rPr lang="en-US" sz="1200" dirty="0">
+                <a:solidFill>
+                  <a:srgbClr val="000000"/>
+                </a:solidFill>
+                <a:latin typeface="Arial" pitchFamily="34" charset="0"/>
+                <a:ea typeface="Arial" pitchFamily="34" charset="-122"/>
+                <a:cs typeface="Arial" pitchFamily="34" charset="-120"/>
+              </a:rPr>
+              <a:t>רינה הזמינה אותי לחדרה</a:t>
+            </a:r>
+            <a:endParaRPr lang="en-US" sz="1200" dirty="0"/>
+          </a:p>
+          <a:p>
+            <a:pPr algn="r" indent="0" marL="0">
+              <a:buNone/>
+            </a:pPr>
+            <a:r>
+              <a:rPr lang="en-US" sz="1200" dirty="0">
+                <a:solidFill>
+                  <a:srgbClr val="000000"/>
+                </a:solidFill>
+                <a:latin typeface="Arial" pitchFamily="34" charset="0"/>
+                <a:ea typeface="Arial" pitchFamily="34" charset="-122"/>
+                <a:cs typeface="Arial" pitchFamily="34" charset="-120"/>
+              </a:rPr>
+              <a:t>חשבתי לעצמי - זה בטח רציני</a:t>
+            </a:r>
+            <a:endParaRPr lang="en-US" sz="1200" dirty="0"/>
+          </a:p>
+          <a:p>
+            <a:pPr algn="r" indent="0" marL="0">
+              <a:buNone/>
+            </a:pPr>
+            <a:r>
+              <a:rPr lang="en-US" sz="1200" dirty="0">
+                <a:solidFill>
+                  <a:srgbClr val="000000"/>
+                </a:solidFill>
+                <a:latin typeface="Arial" pitchFamily="34" charset="0"/>
+                <a:ea typeface="Arial" pitchFamily="34" charset="-122"/>
+                <a:cs typeface="Arial" pitchFamily="34" charset="-120"/>
+              </a:rPr>
+              <a:t>אביה איש ידוע ומקובל בחברה</a:t>
+            </a:r>
+            <a:endParaRPr lang="en-US" sz="1200" dirty="0"/>
+          </a:p>
+          <a:p>
+            <a:pPr algn="r" indent="0" marL="0">
+              <a:buNone/>
+            </a:pPr>
+            <a:r>
+              <a:rPr lang="en-US" sz="1200" dirty="0">
+                <a:solidFill>
+                  <a:srgbClr val="000000"/>
+                </a:solidFill>
+                <a:latin typeface="Arial" pitchFamily="34" charset="0"/>
+                <a:ea typeface="Arial" pitchFamily="34" charset="-122"/>
+                <a:cs typeface="Arial" pitchFamily="34" charset="-120"/>
+              </a:rPr>
+              <a:t>אולי יש פה סיכוי לקבל איזה מינוי</a:t>
+            </a:r>
+            <a:endParaRPr lang="en-US" sz="1200" dirty="0"/>
+          </a:p>
+          <a:p>
+            <a:pPr algn="r" indent="0" marL="0">
+              <a:buNone/>
+            </a:pPr>
+            <a:endParaRPr lang="en-US" sz="1200" dirty="0"/>
+          </a:p>
+          <a:p>
+            <a:pPr algn="r" indent="0" marL="0">
+              <a:buNone/>
+            </a:pPr>
+            <a:r>
+              <a:rPr lang="en-US" sz="1200" dirty="0">
+                <a:solidFill>
+                  <a:srgbClr val="000000"/>
+                </a:solidFill>
+                <a:latin typeface="Arial" pitchFamily="34" charset="0"/>
+                <a:ea typeface="Arial" pitchFamily="34" charset="-122"/>
+                <a:cs typeface="Arial" pitchFamily="34" charset="-120"/>
+              </a:rPr>
+              <a:t>אבל חבל איזה מן מזל</a:t>
+            </a:r>
+            <a:endParaRPr lang="en-US" sz="1200" dirty="0"/>
+          </a:p>
+          <a:p>
+            <a:pPr algn="r" indent="0" marL="0">
+              <a:buNone/>
+            </a:pPr>
+            <a:r>
+              <a:rPr lang="en-US" sz="1200" dirty="0">
+                <a:solidFill>
+                  <a:srgbClr val="000000"/>
+                </a:solidFill>
+                <a:latin typeface="Arial" pitchFamily="34" charset="0"/>
+                <a:ea typeface="Arial" pitchFamily="34" charset="-122"/>
+                <a:cs typeface="Arial" pitchFamily="34" charset="-120"/>
+              </a:rPr>
+              <a:t>יושב על הספסל ליד הסופרסל</a:t>
+            </a:r>
+            <a:endParaRPr lang="en-US" sz="1200" dirty="0"/>
+          </a:p>
+          <a:p>
+            <a:pPr algn="r" indent="0" marL="0">
+              <a:buNone/>
+            </a:pPr>
+            <a:endParaRPr lang="en-US" sz="1200" dirty="0"/>
+          </a:p>
+          <a:p>
+            <a:pPr algn="r" indent="0" marL="0">
+              <a:buNone/>
+            </a:pPr>
+            <a:r>
+              <a:rPr lang="en-US" sz="1200" dirty="0">
+                <a:solidFill>
+                  <a:srgbClr val="000000"/>
+                </a:solidFill>
+                <a:latin typeface="Arial" pitchFamily="34" charset="0"/>
+                <a:ea typeface="Arial" pitchFamily="34" charset="-122"/>
+                <a:cs typeface="Arial" pitchFamily="34" charset="-120"/>
+              </a:rPr>
+              <a:t>רוצה להיות חבר של קבע</a:t>
+            </a:r>
+            <a:endParaRPr lang="en-US" sz="1200" dirty="0"/>
+          </a:p>
+          <a:p>
+            <a:pPr algn="r" indent="0" marL="0">
+              <a:buNone/>
+            </a:pPr>
+            <a:r>
+              <a:rPr lang="en-US" sz="1200" dirty="0">
+                <a:solidFill>
+                  <a:srgbClr val="000000"/>
+                </a:solidFill>
+                <a:latin typeface="Arial" pitchFamily="34" charset="0"/>
+                <a:ea typeface="Arial" pitchFamily="34" charset="-122"/>
+                <a:cs typeface="Arial" pitchFamily="34" charset="-120"/>
+              </a:rPr>
+              <a:t>בחברה להגנת הטבע</a:t>
+            </a:r>
+            <a:endParaRPr lang="en-US" sz="1200" dirty="0"/>
+          </a:p>
+          <a:p>
+            <a:pPr algn="r" indent="0" marL="0">
+              <a:buNone/>
+            </a:pPr>
+            <a:r>
+              <a:rPr lang="en-US" sz="1200" dirty="0">
+                <a:solidFill>
+                  <a:srgbClr val="000000"/>
+                </a:solidFill>
+                <a:latin typeface="Arial" pitchFamily="34" charset="0"/>
+                <a:ea typeface="Arial" pitchFamily="34" charset="-122"/>
+                <a:cs typeface="Arial" pitchFamily="34" charset="-120"/>
+              </a:rPr>
+              <a:t>לשמור על החיות</a:t>
+            </a:r>
+            <a:endParaRPr lang="en-US" sz="1200" dirty="0"/>
+          </a:p>
+          <a:p>
+            <a:pPr algn="r" indent="0" marL="0">
+              <a:buNone/>
+            </a:pPr>
+            <a:r>
+              <a:rPr lang="en-US" sz="1200" dirty="0">
+                <a:solidFill>
+                  <a:srgbClr val="000000"/>
+                </a:solidFill>
+                <a:latin typeface="Arial" pitchFamily="34" charset="0"/>
+                <a:ea typeface="Arial" pitchFamily="34" charset="-122"/>
+                <a:cs typeface="Arial" pitchFamily="34" charset="-120"/>
+              </a:rPr>
+              <a:t>שלאט נעלמות מן העולם</a:t>
+            </a:r>
+            <a:endParaRPr lang="en-US" sz="1200" dirty="0"/>
+          </a:p>
+          <a:p>
+            <a:pPr algn="r" indent="0" marL="0">
+              <a:buNone/>
+            </a:pPr>
+            <a:r>
+              <a:rPr lang="en-US" sz="1200" dirty="0">
+                <a:solidFill>
+                  <a:srgbClr val="000000"/>
+                </a:solidFill>
+                <a:latin typeface="Arial" pitchFamily="34" charset="0"/>
+                <a:ea typeface="Arial" pitchFamily="34" charset="-122"/>
+                <a:cs typeface="Arial" pitchFamily="34" charset="-120"/>
+              </a:rPr>
+              <a:t>רוצה להיות חבר של קבע</a:t>
+            </a:r>
+            <a:endParaRPr lang="en-US" sz="1200" dirty="0"/>
+          </a:p>
+          <a:p>
+            <a:pPr algn="r" indent="0" marL="0">
+              <a:buNone/>
+            </a:pPr>
+            <a:r>
+              <a:rPr lang="en-US" sz="1200" dirty="0">
+                <a:solidFill>
+                  <a:srgbClr val="000000"/>
+                </a:solidFill>
+                <a:latin typeface="Arial" pitchFamily="34" charset="0"/>
+                <a:ea typeface="Arial" pitchFamily="34" charset="-122"/>
+                <a:cs typeface="Arial" pitchFamily="34" charset="-120"/>
+              </a:rPr>
+              <a:t>בחברה להגנת הטבע</a:t>
+            </a:r>
+            <a:endParaRPr lang="en-US" sz="1200" dirty="0"/>
+          </a:p>
+          <a:p>
+            <a:pPr algn="r" indent="0" marL="0">
+              <a:buNone/>
+            </a:pPr>
+            <a:r>
+              <a:rPr lang="en-US" sz="1200" dirty="0">
+                <a:solidFill>
+                  <a:srgbClr val="000000"/>
+                </a:solidFill>
+                <a:latin typeface="Arial" pitchFamily="34" charset="0"/>
+                <a:ea typeface="Arial" pitchFamily="34" charset="-122"/>
+                <a:cs typeface="Arial" pitchFamily="34" charset="-120"/>
+              </a:rPr>
+              <a:t>להשקות את הפרחים</a:t>
+            </a:r>
+            <a:endParaRPr lang="en-US" sz="1200" dirty="0"/>
+          </a:p>
+          <a:p>
+            <a:pPr algn="r" indent="0" marL="0">
+              <a:buNone/>
+            </a:pPr>
+            <a:r>
+              <a:rPr lang="en-US" sz="1200" dirty="0">
+                <a:solidFill>
+                  <a:srgbClr val="000000"/>
+                </a:solidFill>
+                <a:latin typeface="Arial" pitchFamily="34" charset="0"/>
+                <a:ea typeface="Arial" pitchFamily="34" charset="-122"/>
+                <a:cs typeface="Arial" pitchFamily="34" charset="-120"/>
+              </a:rPr>
+              <a:t>לשתול כמה עצים כמו כולם.</a:t>
+            </a:r>
+            <a:endParaRPr lang="en-US" sz="1200" dirty="0"/>
+          </a:p>
+        </p:txBody>
+      </p:sp>
+    </p:spTree>
+  </p:cSld>
+  <p:clrMapOvr>
+    <a:masterClrMapping/>
+  </p:clrMapOvr>
+</p:sld>
+</file>
+
+<file path=ppt/slides/slide6.xml><?xml version="1.0" encoding="utf-8"?>
+<p:sld xmlns:a="http://schemas.openxmlformats.org/drawingml/2006/main" xmlns:r="http://schemas.openxmlformats.org/officeDocument/2006/relationships" xmlns:p="http://schemas.openxmlformats.org/presentationml/2006/main">
+  <p:cSld name="Slide 6">
+    <p:spTree>
+      <p:nvGrpSpPr>
+        <p:cNvPr id="1" name=""/>
+        <p:cNvGrpSpPr/>
+        <p:nvPr/>
+      </p:nvGrpSpPr>
+      <p:grpSpPr>
+        <a:xfrm>
+          <a:off x="0" y="0"/>
+          <a:ext cx="0" cy="0"/>
+          <a:chOff x="0" y="0"/>
+          <a:chExt cx="0" cy="0"/>
+        </a:xfrm>
+      </p:grpSpPr>
+      <p:sp>
+        <p:nvSpPr>
+          <p:cNvPr id="2" name="Text 0"/>
+          <p:cNvSpPr/>
+          <p:nvPr/>
+        </p:nvSpPr>
+        <p:spPr>
+          <a:xfrm>
+            <a:off x="457200" y="457200"/>
+            <a:ext cx="8229600" cy="0"/>
+          </a:xfrm>
+          <a:prstGeom prst="rect">
+            <a:avLst/>
+          </a:prstGeom>
+          <a:noFill/>
+          <a:ln/>
+        </p:spPr>
+        <p:txBody>
+          <a:bodyPr wrap="square" lIns="6350" tIns="6350" rIns="6350" bIns="6350" rtlCol="0" anchor="ctr"/>
+          <a:lstStyle/>
+          <a:p>
+            <a:pPr algn="r" indent="0" marL="0">
+              <a:buNone/>
+            </a:pPr>
+            <a:r>
+              <a:rPr lang="en-US" sz="1600" dirty="0">
+                <a:solidFill>
+                  <a:srgbClr val="363636"/>
+                </a:solidFill>
+              </a:rPr>
+              <a:t>בטי בם</a:t>
+            </a:r>
+            <a:endParaRPr lang="en-US" sz="1600" dirty="0"/>
+          </a:p>
+        </p:txBody>
+      </p:sp>
+      <p:sp>
+        <p:nvSpPr>
+          <p:cNvPr id="3" name="Text 1"/>
+          <p:cNvSpPr/>
+          <p:nvPr/>
+        </p:nvSpPr>
+        <p:spPr>
+          <a:xfrm>
+            <a:off x="457200" y="914400"/>
+            <a:ext cx="8229600" cy="0"/>
+          </a:xfrm>
+          <a:prstGeom prst="rect">
+            <a:avLst/>
+          </a:prstGeom>
+          <a:noFill/>
+          <a:ln/>
+        </p:spPr>
+        <p:txBody>
+          <a:bodyPr wrap="square" lIns="6350" tIns="6350" rIns="6350" bIns="6350" rtlCol="0" anchor="ctr"/>
+          <a:lstStyle/>
+          <a:p>
+            <a:pPr algn="r" indent="0" marL="0">
+              <a:buNone/>
+            </a:pPr>
+            <a:r>
+              <a:rPr lang="en-US" sz="1300" dirty="0">
+                <a:solidFill>
+                  <a:srgbClr val="363636"/>
+                </a:solidFill>
+              </a:rPr>
+              <a:t>אריאל זילבר</a:t>
+            </a:r>
+            <a:endParaRPr lang="en-US" sz="1300" dirty="0"/>
+          </a:p>
+        </p:txBody>
+      </p:sp>
+      <p:sp>
+        <p:nvSpPr>
+          <p:cNvPr id="4" name="Text 2"/>
+          <p:cNvSpPr txBox="1"/>
+          <p:nvPr/>
+        </p:nvSpPr>
+        <p:spPr>
+          <a:xfrm>
+            <a:off x="457200" y="1371600"/>
+            <a:ext cx="8229600" cy="4114800"/>
+          </a:xfrm>
+          <a:prstGeom prst="rect">
+            <a:avLst/>
+          </a:prstGeom>
+          <a:noFill/>
+          <a:ln/>
+        </p:spPr>
+        <p:txBody>
+          <a:bodyPr wrap="square" lIns="6350" tIns="6350" rIns="6350" bIns="6350" rtlCol="0" anchor="t"/>
+          <a:lstStyle/>
+          <a:p>
+            <a:pPr algn="r" indent="0" marL="0">
+              <a:buNone/>
+            </a:pPr>
+            <a:r>
+              <a:rPr lang="en-US" sz="1200" dirty="0">
+                <a:solidFill>
+                  <a:srgbClr val="000000"/>
+                </a:solidFill>
+                <a:latin typeface="Arial" pitchFamily="34" charset="0"/>
+                <a:ea typeface="Arial" pitchFamily="34" charset="-122"/>
+                <a:cs typeface="Arial" pitchFamily="34" charset="-120"/>
+              </a:rPr>
+              <a:t>כמו שערה על ראש קרח</a:t>
+            </a:r>
+            <a:endParaRPr lang="en-US" sz="1200" dirty="0"/>
+          </a:p>
+          <a:p>
+            <a:pPr algn="r" indent="0" marL="0">
+              <a:buNone/>
+            </a:pPr>
+            <a:r>
+              <a:rPr lang="en-US" sz="1200" dirty="0">
+                <a:solidFill>
+                  <a:srgbClr val="000000"/>
+                </a:solidFill>
+                <a:latin typeface="Arial" pitchFamily="34" charset="0"/>
+                <a:ea typeface="Arial" pitchFamily="34" charset="-122"/>
+                <a:cs typeface="Arial" pitchFamily="34" charset="-120"/>
+              </a:rPr>
+              <a:t>כמו כלב בלילות ירח</a:t>
+            </a:r>
+            <a:endParaRPr lang="en-US" sz="1200" dirty="0"/>
+          </a:p>
+          <a:p>
+            <a:pPr algn="r" indent="0" marL="0">
+              <a:buNone/>
+            </a:pPr>
+            <a:r>
+              <a:rPr lang="en-US" sz="1200" dirty="0">
+                <a:solidFill>
+                  <a:srgbClr val="000000"/>
+                </a:solidFill>
+                <a:latin typeface="Arial" pitchFamily="34" charset="0"/>
+                <a:ea typeface="Arial" pitchFamily="34" charset="-122"/>
+                <a:cs typeface="Arial" pitchFamily="34" charset="-120"/>
+              </a:rPr>
+              <a:t>כמו מסיבה שאיש לא בא</a:t>
+            </a:r>
+            <a:endParaRPr lang="en-US" sz="1200" dirty="0"/>
+          </a:p>
+          <a:p>
+            <a:pPr algn="r" indent="0" marL="0">
+              <a:buNone/>
+            </a:pPr>
+            <a:r>
+              <a:rPr lang="en-US" sz="1200" dirty="0">
+                <a:solidFill>
+                  <a:srgbClr val="000000"/>
+                </a:solidFill>
+                <a:latin typeface="Arial" pitchFamily="34" charset="0"/>
+                <a:ea typeface="Arial" pitchFamily="34" charset="-122"/>
+                <a:cs typeface="Arial" pitchFamily="34" charset="-120"/>
+              </a:rPr>
+              <a:t>יושבת, בוכה</a:t>
+            </a:r>
+            <a:endParaRPr lang="en-US" sz="1200" dirty="0"/>
+          </a:p>
+          <a:p>
+            <a:pPr algn="r" indent="0" marL="0">
+              <a:buNone/>
+            </a:pPr>
+            <a:r>
+              <a:rPr lang="en-US" sz="1200" dirty="0">
+                <a:solidFill>
+                  <a:srgbClr val="000000"/>
+                </a:solidFill>
+                <a:latin typeface="Arial" pitchFamily="34" charset="0"/>
+                <a:ea typeface="Arial" pitchFamily="34" charset="-122"/>
+                <a:cs typeface="Arial" pitchFamily="34" charset="-120"/>
+              </a:rPr>
+              <a:t>הלכתי לבקש סליחה.</a:t>
+            </a:r>
+            <a:endParaRPr lang="en-US" sz="1200" dirty="0"/>
+          </a:p>
+          <a:p>
+            <a:pPr algn="r" indent="0" marL="0">
+              <a:buNone/>
+            </a:pPr>
+            <a:endParaRPr lang="en-US" sz="1200" dirty="0"/>
+          </a:p>
+          <a:p>
+            <a:pPr algn="r" indent="0" marL="0">
+              <a:buNone/>
+            </a:pPr>
+            <a:r>
+              <a:rPr lang="en-US" sz="1200" dirty="0">
+                <a:solidFill>
+                  <a:srgbClr val="000000"/>
+                </a:solidFill>
+                <a:latin typeface="Arial" pitchFamily="34" charset="0"/>
+                <a:ea typeface="Arial" pitchFamily="34" charset="-122"/>
+                <a:cs typeface="Arial" pitchFamily="34" charset="-120"/>
+              </a:rPr>
+              <a:t>בטי בטי בם</a:t>
+            </a:r>
+            <a:endParaRPr lang="en-US" sz="1200" dirty="0"/>
+          </a:p>
+          <a:p>
+            <a:pPr algn="r" indent="0" marL="0">
+              <a:buNone/>
+            </a:pPr>
+            <a:r>
+              <a:rPr lang="en-US" sz="1200" dirty="0">
+                <a:solidFill>
+                  <a:srgbClr val="000000"/>
+                </a:solidFill>
+                <a:latin typeface="Arial" pitchFamily="34" charset="0"/>
+                <a:ea typeface="Arial" pitchFamily="34" charset="-122"/>
+                <a:cs typeface="Arial" pitchFamily="34" charset="-120"/>
+              </a:rPr>
+              <a:t>אוהבת את כולם</a:t>
+            </a:r>
+            <a:endParaRPr lang="en-US" sz="1200" dirty="0"/>
+          </a:p>
+          <a:p>
+            <a:pPr algn="r" indent="0" marL="0">
+              <a:buNone/>
+            </a:pPr>
+            <a:r>
+              <a:rPr lang="en-US" sz="1200" dirty="0">
+                <a:solidFill>
+                  <a:srgbClr val="000000"/>
+                </a:solidFill>
+                <a:latin typeface="Arial" pitchFamily="34" charset="0"/>
+                <a:ea typeface="Arial" pitchFamily="34" charset="-122"/>
+                <a:cs typeface="Arial" pitchFamily="34" charset="-120"/>
+              </a:rPr>
+              <a:t>אוהבת לבדה</a:t>
+            </a:r>
+            <a:endParaRPr lang="en-US" sz="1200" dirty="0"/>
+          </a:p>
+          <a:p>
+            <a:pPr algn="r" indent="0" marL="0">
+              <a:buNone/>
+            </a:pPr>
+            <a:r>
+              <a:rPr lang="en-US" sz="1200" dirty="0">
+                <a:solidFill>
+                  <a:srgbClr val="000000"/>
+                </a:solidFill>
+                <a:latin typeface="Arial" pitchFamily="34" charset="0"/>
+                <a:ea typeface="Arial" pitchFamily="34" charset="-122"/>
+                <a:cs typeface="Arial" pitchFamily="34" charset="-120"/>
+              </a:rPr>
+              <a:t>אוהבת אבודה</a:t>
+            </a:r>
+            <a:endParaRPr lang="en-US" sz="1200" dirty="0"/>
+          </a:p>
+          <a:p>
+            <a:pPr algn="r" indent="0" marL="0">
+              <a:buNone/>
+            </a:pPr>
+            <a:r>
+              <a:rPr lang="en-US" sz="1200" dirty="0">
+                <a:solidFill>
+                  <a:srgbClr val="000000"/>
+                </a:solidFill>
+                <a:latin typeface="Arial" pitchFamily="34" charset="0"/>
+                <a:ea typeface="Arial" pitchFamily="34" charset="-122"/>
+                <a:cs typeface="Arial" pitchFamily="34" charset="-120"/>
+              </a:rPr>
+              <a:t>בטי בטי בם</a:t>
+            </a:r>
+            <a:endParaRPr lang="en-US" sz="1200" dirty="0"/>
+          </a:p>
+          <a:p>
+            <a:pPr algn="r" indent="0" marL="0">
+              <a:buNone/>
+            </a:pPr>
+            <a:r>
+              <a:rPr lang="en-US" sz="1200" dirty="0">
+                <a:solidFill>
+                  <a:srgbClr val="000000"/>
+                </a:solidFill>
+                <a:latin typeface="Arial" pitchFamily="34" charset="0"/>
+                <a:ea typeface="Arial" pitchFamily="34" charset="-122"/>
+                <a:cs typeface="Arial" pitchFamily="34" charset="-120"/>
+              </a:rPr>
+              <a:t>נלך, נלך לים</a:t>
+            </a:r>
+            <a:endParaRPr lang="en-US" sz="1200" dirty="0"/>
+          </a:p>
+          <a:p>
+            <a:pPr algn="r" indent="0" marL="0">
+              <a:buNone/>
+            </a:pPr>
+            <a:r>
+              <a:rPr lang="en-US" sz="1200" dirty="0">
+                <a:solidFill>
+                  <a:srgbClr val="000000"/>
+                </a:solidFill>
+                <a:latin typeface="Arial" pitchFamily="34" charset="0"/>
+                <a:ea typeface="Arial" pitchFamily="34" charset="-122"/>
+                <a:cs typeface="Arial" pitchFamily="34" charset="-120"/>
+              </a:rPr>
+              <a:t>נשכב ביחד על החול החם.</a:t>
+            </a:r>
+            <a:endParaRPr lang="en-US" sz="1200" dirty="0"/>
+          </a:p>
+          <a:p>
+            <a:pPr algn="r" indent="0" marL="0">
+              <a:buNone/>
+            </a:pPr>
+            <a:endParaRPr lang="en-US" sz="1200" dirty="0"/>
+          </a:p>
+          <a:p>
+            <a:pPr algn="r" indent="0" marL="0">
+              <a:buNone/>
+            </a:pPr>
+            <a:r>
+              <a:rPr lang="en-US" sz="1200" dirty="0">
+                <a:solidFill>
+                  <a:srgbClr val="000000"/>
+                </a:solidFill>
+                <a:latin typeface="Arial" pitchFamily="34" charset="0"/>
+                <a:ea typeface="Arial" pitchFamily="34" charset="-122"/>
+                <a:cs typeface="Arial" pitchFamily="34" charset="-120"/>
+              </a:rPr>
+              <a:t>כמו אחד שלא בטוח</a:t>
+            </a:r>
+            <a:endParaRPr lang="en-US" sz="1200" dirty="0"/>
+          </a:p>
+          <a:p>
+            <a:pPr algn="r" indent="0" marL="0">
+              <a:buNone/>
+            </a:pPr>
+            <a:r>
+              <a:rPr lang="en-US" sz="1200" dirty="0">
+                <a:solidFill>
+                  <a:srgbClr val="000000"/>
+                </a:solidFill>
+                <a:latin typeface="Arial" pitchFamily="34" charset="0"/>
+                <a:ea typeface="Arial" pitchFamily="34" charset="-122"/>
+                <a:cs typeface="Arial" pitchFamily="34" charset="-120"/>
+              </a:rPr>
+              <a:t>היא כמו נוצה, נוצה ברוח</a:t>
+            </a:r>
+            <a:endParaRPr lang="en-US" sz="1200" dirty="0"/>
+          </a:p>
+          <a:p>
+            <a:pPr algn="r" indent="0" marL="0">
+              <a:buNone/>
+            </a:pPr>
+            <a:r>
+              <a:rPr lang="en-US" sz="1200" dirty="0">
+                <a:solidFill>
+                  <a:srgbClr val="000000"/>
+                </a:solidFill>
+                <a:latin typeface="Arial" pitchFamily="34" charset="0"/>
+                <a:ea typeface="Arial" pitchFamily="34" charset="-122"/>
+                <a:cs typeface="Arial" pitchFamily="34" charset="-120"/>
+              </a:rPr>
+              <a:t>הכל קונה, מאמינה</a:t>
+            </a:r>
+            <a:endParaRPr lang="en-US" sz="1200" dirty="0"/>
+          </a:p>
+          <a:p>
+            <a:pPr algn="r" indent="0" marL="0">
+              <a:buNone/>
+            </a:pPr>
+            <a:r>
+              <a:rPr lang="en-US" sz="1200" dirty="0">
+                <a:solidFill>
+                  <a:srgbClr val="000000"/>
+                </a:solidFill>
+                <a:latin typeface="Arial" pitchFamily="34" charset="0"/>
+                <a:ea typeface="Arial" pitchFamily="34" charset="-122"/>
+                <a:cs typeface="Arial" pitchFamily="34" charset="-120"/>
+              </a:rPr>
+              <a:t>וכל איש חשוב</a:t>
+            </a:r>
+            <a:endParaRPr lang="en-US" sz="1200" dirty="0"/>
+          </a:p>
+          <a:p>
+            <a:pPr algn="r" indent="0" marL="0">
+              <a:buNone/>
+            </a:pPr>
+            <a:r>
+              <a:rPr lang="en-US" sz="1200" dirty="0">
+                <a:solidFill>
+                  <a:srgbClr val="000000"/>
+                </a:solidFill>
+                <a:latin typeface="Arial" pitchFamily="34" charset="0"/>
+                <a:ea typeface="Arial" pitchFamily="34" charset="-122"/>
+                <a:cs typeface="Arial" pitchFamily="34" charset="-120"/>
+              </a:rPr>
+              <a:t>הלך, הלך מבלי לשוב.</a:t>
+            </a:r>
+            <a:endParaRPr lang="en-US" sz="1200" dirty="0"/>
+          </a:p>
+          <a:p>
+            <a:pPr algn="r" indent="0" marL="0">
+              <a:buNone/>
+            </a:pPr>
+            <a:endParaRPr lang="en-US" sz="1200" dirty="0"/>
+          </a:p>
+          <a:p>
+            <a:pPr algn="r" indent="0" marL="0">
+              <a:buNone/>
+            </a:pPr>
+            <a:r>
+              <a:rPr lang="en-US" sz="1200" dirty="0">
+                <a:solidFill>
+                  <a:srgbClr val="000000"/>
+                </a:solidFill>
+                <a:latin typeface="Arial" pitchFamily="34" charset="0"/>
+                <a:ea typeface="Arial" pitchFamily="34" charset="-122"/>
+                <a:cs typeface="Arial" pitchFamily="34" charset="-120"/>
+              </a:rPr>
+              <a:t>בטי בטי בם</a:t>
+            </a:r>
+            <a:endParaRPr lang="en-US" sz="1200" dirty="0"/>
+          </a:p>
+          <a:p>
+            <a:pPr algn="r" indent="0" marL="0">
+              <a:buNone/>
+            </a:pPr>
+            <a:r>
+              <a:rPr lang="en-US" sz="1200" dirty="0">
+                <a:solidFill>
+                  <a:srgbClr val="000000"/>
+                </a:solidFill>
+                <a:latin typeface="Arial" pitchFamily="34" charset="0"/>
+                <a:ea typeface="Arial" pitchFamily="34" charset="-122"/>
+                <a:cs typeface="Arial" pitchFamily="34" charset="-120"/>
+              </a:rPr>
+              <a:t>אוהבת את כולם</a:t>
+            </a:r>
+            <a:endParaRPr lang="en-US" sz="1200" dirty="0"/>
+          </a:p>
+          <a:p>
+            <a:pPr algn="r" indent="0" marL="0">
+              <a:buNone/>
+            </a:pPr>
+            <a:r>
+              <a:rPr lang="en-US" sz="1200" dirty="0">
+                <a:solidFill>
+                  <a:srgbClr val="000000"/>
+                </a:solidFill>
+                <a:latin typeface="Arial" pitchFamily="34" charset="0"/>
+                <a:ea typeface="Arial" pitchFamily="34" charset="-122"/>
+                <a:cs typeface="Arial" pitchFamily="34" charset="-120"/>
+              </a:rPr>
+              <a:t>אוהבת לבדה</a:t>
+            </a:r>
+            <a:endParaRPr lang="en-US" sz="1200" dirty="0"/>
+          </a:p>
+          <a:p>
+            <a:pPr algn="r" indent="0" marL="0">
+              <a:buNone/>
+            </a:pPr>
+            <a:r>
+              <a:rPr lang="en-US" sz="1200" dirty="0">
+                <a:solidFill>
+                  <a:srgbClr val="000000"/>
+                </a:solidFill>
+                <a:latin typeface="Arial" pitchFamily="34" charset="0"/>
+                <a:ea typeface="Arial" pitchFamily="34" charset="-122"/>
+                <a:cs typeface="Arial" pitchFamily="34" charset="-120"/>
+              </a:rPr>
+              <a:t>אוהבת אבודה</a:t>
+            </a:r>
+            <a:endParaRPr lang="en-US" sz="1200" dirty="0"/>
+          </a:p>
+          <a:p>
+            <a:pPr algn="r" indent="0" marL="0">
+              <a:buNone/>
+            </a:pPr>
+            <a:r>
+              <a:rPr lang="en-US" sz="1200" dirty="0">
+                <a:solidFill>
+                  <a:srgbClr val="000000"/>
+                </a:solidFill>
+                <a:latin typeface="Arial" pitchFamily="34" charset="0"/>
+                <a:ea typeface="Arial" pitchFamily="34" charset="-122"/>
+                <a:cs typeface="Arial" pitchFamily="34" charset="-120"/>
+              </a:rPr>
+              <a:t>בטי בטי בם</a:t>
+            </a:r>
+            <a:endParaRPr lang="en-US" sz="1200" dirty="0"/>
+          </a:p>
+          <a:p>
+            <a:pPr algn="r" indent="0" marL="0">
+              <a:buNone/>
+            </a:pPr>
+            <a:r>
+              <a:rPr lang="en-US" sz="1200" dirty="0">
+                <a:solidFill>
+                  <a:srgbClr val="000000"/>
+                </a:solidFill>
+                <a:latin typeface="Arial" pitchFamily="34" charset="0"/>
+                <a:ea typeface="Arial" pitchFamily="34" charset="-122"/>
+                <a:cs typeface="Arial" pitchFamily="34" charset="-120"/>
+              </a:rPr>
+              <a:t>נלך, נלך לים</a:t>
+            </a:r>
+            <a:endParaRPr lang="en-US" sz="1200" dirty="0"/>
+          </a:p>
+          <a:p>
+            <a:pPr algn="r" indent="0" marL="0">
+              <a:buNone/>
+            </a:pPr>
+            <a:r>
+              <a:rPr lang="en-US" sz="1200" dirty="0">
+                <a:solidFill>
+                  <a:srgbClr val="000000"/>
+                </a:solidFill>
+                <a:latin typeface="Arial" pitchFamily="34" charset="0"/>
+                <a:ea typeface="Arial" pitchFamily="34" charset="-122"/>
+                <a:cs typeface="Arial" pitchFamily="34" charset="-120"/>
+              </a:rPr>
+              <a:t>נשכב ביחד על החול החם.</a:t>
+            </a:r>
+            <a:endParaRPr lang="en-US" sz="1200" dirty="0"/>
+          </a:p>
+          <a:p>
+            <a:pPr algn="r" indent="0" marL="0">
+              <a:buNone/>
+            </a:pPr>
+            <a:endParaRPr lang="en-US" sz="1200" dirty="0"/>
+          </a:p>
+          <a:p>
+            <a:pPr algn="r" indent="0" marL="0">
+              <a:buNone/>
+            </a:pPr>
+            <a:r>
+              <a:rPr lang="en-US" sz="1200" dirty="0">
+                <a:solidFill>
+                  <a:srgbClr val="000000"/>
+                </a:solidFill>
+                <a:latin typeface="Arial" pitchFamily="34" charset="0"/>
+                <a:ea typeface="Arial" pitchFamily="34" charset="-122"/>
+                <a:cs typeface="Arial" pitchFamily="34" charset="-120"/>
+              </a:rPr>
+              <a:t>אין שלום ואין כבר כוח</a:t>
+            </a:r>
+            <a:endParaRPr lang="en-US" sz="1200" dirty="0"/>
+          </a:p>
+          <a:p>
+            <a:pPr algn="r" indent="0" marL="0">
+              <a:buNone/>
+            </a:pPr>
+            <a:r>
+              <a:rPr lang="en-US" sz="1200" dirty="0">
+                <a:solidFill>
+                  <a:srgbClr val="000000"/>
+                </a:solidFill>
+                <a:latin typeface="Arial" pitchFamily="34" charset="0"/>
+                <a:ea typeface="Arial" pitchFamily="34" charset="-122"/>
+                <a:cs typeface="Arial" pitchFamily="34" charset="-120"/>
+              </a:rPr>
+              <a:t>ואין, כבר אין, לאן לברוח</a:t>
+            </a:r>
+            <a:endParaRPr lang="en-US" sz="1200" dirty="0"/>
+          </a:p>
+          <a:p>
+            <a:pPr algn="r" indent="0" marL="0">
+              <a:buNone/>
+            </a:pPr>
+            <a:r>
+              <a:rPr lang="en-US" sz="1200" dirty="0">
+                <a:solidFill>
+                  <a:srgbClr val="000000"/>
+                </a:solidFill>
+                <a:latin typeface="Arial" pitchFamily="34" charset="0"/>
+                <a:ea typeface="Arial" pitchFamily="34" charset="-122"/>
+                <a:cs typeface="Arial" pitchFamily="34" charset="-120"/>
+              </a:rPr>
+              <a:t>כמו בגלויות הכל שטויות</a:t>
+            </a:r>
+            <a:endParaRPr lang="en-US" sz="1200" dirty="0"/>
+          </a:p>
+          <a:p>
+            <a:pPr algn="r" indent="0" marL="0">
+              <a:buNone/>
+            </a:pPr>
+            <a:r>
+              <a:rPr lang="en-US" sz="1200" dirty="0">
+                <a:solidFill>
+                  <a:srgbClr val="000000"/>
+                </a:solidFill>
+                <a:latin typeface="Arial" pitchFamily="34" charset="0"/>
+                <a:ea typeface="Arial" pitchFamily="34" charset="-122"/>
+                <a:cs typeface="Arial" pitchFamily="34" charset="-120"/>
+              </a:rPr>
+              <a:t>ואין מה לומר</a:t>
+            </a:r>
+            <a:endParaRPr lang="en-US" sz="1200" dirty="0"/>
+          </a:p>
+          <a:p>
+            <a:pPr algn="r" indent="0" marL="0">
+              <a:buNone/>
+            </a:pPr>
+            <a:r>
+              <a:rPr lang="en-US" sz="1200" dirty="0">
+                <a:solidFill>
+                  <a:srgbClr val="000000"/>
+                </a:solidFill>
+                <a:latin typeface="Arial" pitchFamily="34" charset="0"/>
+                <a:ea typeface="Arial" pitchFamily="34" charset="-122"/>
+                <a:cs typeface="Arial" pitchFamily="34" charset="-120"/>
+              </a:rPr>
+              <a:t>אם לא היום אולי מחר.</a:t>
+            </a:r>
+            <a:endParaRPr lang="en-US" sz="1200" dirty="0"/>
+          </a:p>
+          <a:p>
+            <a:pPr algn="r" indent="0" marL="0">
+              <a:buNone/>
+            </a:pPr>
+            <a:endParaRPr lang="en-US" sz="1200" dirty="0"/>
+          </a:p>
+          <a:p>
+            <a:pPr algn="r" indent="0" marL="0">
+              <a:buNone/>
+            </a:pPr>
+            <a:r>
+              <a:rPr lang="en-US" sz="1200" dirty="0">
+                <a:solidFill>
+                  <a:srgbClr val="000000"/>
+                </a:solidFill>
+                <a:latin typeface="Arial" pitchFamily="34" charset="0"/>
+                <a:ea typeface="Arial" pitchFamily="34" charset="-122"/>
+                <a:cs typeface="Arial" pitchFamily="34" charset="-120"/>
+              </a:rPr>
+              <a:t>בטי בטי בם</a:t>
+            </a:r>
+            <a:endParaRPr lang="en-US" sz="1200" dirty="0"/>
+          </a:p>
+          <a:p>
+            <a:pPr algn="r" indent="0" marL="0">
+              <a:buNone/>
+            </a:pPr>
+            <a:r>
+              <a:rPr lang="en-US" sz="1200" dirty="0">
+                <a:solidFill>
+                  <a:srgbClr val="000000"/>
+                </a:solidFill>
+                <a:latin typeface="Arial" pitchFamily="34" charset="0"/>
+                <a:ea typeface="Arial" pitchFamily="34" charset="-122"/>
+                <a:cs typeface="Arial" pitchFamily="34" charset="-120"/>
+              </a:rPr>
+              <a:t>אוהבת את כולם</a:t>
+            </a:r>
+            <a:endParaRPr lang="en-US" sz="1200" dirty="0"/>
+          </a:p>
+          <a:p>
+            <a:pPr algn="r" indent="0" marL="0">
+              <a:buNone/>
+            </a:pPr>
+            <a:r>
+              <a:rPr lang="en-US" sz="1200" dirty="0">
+                <a:solidFill>
+                  <a:srgbClr val="000000"/>
+                </a:solidFill>
+                <a:latin typeface="Arial" pitchFamily="34" charset="0"/>
+                <a:ea typeface="Arial" pitchFamily="34" charset="-122"/>
+                <a:cs typeface="Arial" pitchFamily="34" charset="-120"/>
+              </a:rPr>
+              <a:t>אוהבת לבדה</a:t>
+            </a:r>
+            <a:endParaRPr lang="en-US" sz="1200" dirty="0"/>
+          </a:p>
+          <a:p>
+            <a:pPr algn="r" indent="0" marL="0">
+              <a:buNone/>
+            </a:pPr>
+            <a:r>
+              <a:rPr lang="en-US" sz="1200" dirty="0">
+                <a:solidFill>
+                  <a:srgbClr val="000000"/>
+                </a:solidFill>
+                <a:latin typeface="Arial" pitchFamily="34" charset="0"/>
+                <a:ea typeface="Arial" pitchFamily="34" charset="-122"/>
+                <a:cs typeface="Arial" pitchFamily="34" charset="-120"/>
+              </a:rPr>
+              <a:t>אוהבת אבודה</a:t>
+            </a:r>
+            <a:endParaRPr lang="en-US" sz="1200" dirty="0"/>
+          </a:p>
+          <a:p>
+            <a:pPr algn="r" indent="0" marL="0">
+              <a:buNone/>
+            </a:pPr>
+            <a:endParaRPr lang="en-US" sz="1200" dirty="0"/>
+          </a:p>
+          <a:p>
+            <a:pPr algn="r" indent="0" marL="0">
+              <a:buNone/>
+            </a:pPr>
+            <a:r>
+              <a:rPr lang="en-US" sz="1200" dirty="0">
+                <a:solidFill>
+                  <a:srgbClr val="000000"/>
+                </a:solidFill>
+                <a:latin typeface="Arial" pitchFamily="34" charset="0"/>
+                <a:ea typeface="Arial" pitchFamily="34" charset="-122"/>
+                <a:cs typeface="Arial" pitchFamily="34" charset="-120"/>
+              </a:rPr>
+              <a:t>בטי בטי בם</a:t>
+            </a:r>
+            <a:endParaRPr lang="en-US" sz="1200" dirty="0"/>
+          </a:p>
+          <a:p>
+            <a:pPr algn="r" indent="0" marL="0">
+              <a:buNone/>
+            </a:pPr>
+            <a:r>
+              <a:rPr lang="en-US" sz="1200" dirty="0">
+                <a:solidFill>
+                  <a:srgbClr val="000000"/>
+                </a:solidFill>
+                <a:latin typeface="Arial" pitchFamily="34" charset="0"/>
+                <a:ea typeface="Arial" pitchFamily="34" charset="-122"/>
+                <a:cs typeface="Arial" pitchFamily="34" charset="-120"/>
+              </a:rPr>
+              <a:t>אוהבת את כולם</a:t>
+            </a:r>
+            <a:endParaRPr lang="en-US" sz="1200" dirty="0"/>
+          </a:p>
+          <a:p>
+            <a:pPr algn="r" indent="0" marL="0">
+              <a:buNone/>
+            </a:pPr>
+            <a:r>
+              <a:rPr lang="en-US" sz="1200" dirty="0">
+                <a:solidFill>
+                  <a:srgbClr val="000000"/>
+                </a:solidFill>
+                <a:latin typeface="Arial" pitchFamily="34" charset="0"/>
+                <a:ea typeface="Arial" pitchFamily="34" charset="-122"/>
+                <a:cs typeface="Arial" pitchFamily="34" charset="-120"/>
+              </a:rPr>
+              <a:t>אוהבת לבדה</a:t>
+            </a:r>
+            <a:endParaRPr lang="en-US" sz="1200" dirty="0"/>
+          </a:p>
+          <a:p>
+            <a:pPr algn="r" indent="0" marL="0">
+              <a:buNone/>
+            </a:pPr>
+            <a:r>
+              <a:rPr lang="en-US" sz="1200" dirty="0">
+                <a:solidFill>
+                  <a:srgbClr val="000000"/>
+                </a:solidFill>
+                <a:latin typeface="Arial" pitchFamily="34" charset="0"/>
+                <a:ea typeface="Arial" pitchFamily="34" charset="-122"/>
+                <a:cs typeface="Arial" pitchFamily="34" charset="-120"/>
+              </a:rPr>
+              <a:t>אוהבת אבודה</a:t>
+            </a:r>
+            <a:endParaRPr lang="en-US" sz="1200" dirty="0"/>
+          </a:p>
+          <a:p>
+            <a:pPr algn="r" indent="0" marL="0">
+              <a:buNone/>
+            </a:pPr>
+            <a:r>
+              <a:rPr lang="en-US" sz="1200" dirty="0">
+                <a:solidFill>
+                  <a:srgbClr val="000000"/>
+                </a:solidFill>
+                <a:latin typeface="Arial" pitchFamily="34" charset="0"/>
+                <a:ea typeface="Arial" pitchFamily="34" charset="-122"/>
+                <a:cs typeface="Arial" pitchFamily="34" charset="-120"/>
+              </a:rPr>
+              <a:t>בטי בטי בם</a:t>
+            </a:r>
+            <a:endParaRPr lang="en-US" sz="1200" dirty="0"/>
+          </a:p>
+          <a:p>
+            <a:pPr algn="r" indent="0" marL="0">
+              <a:buNone/>
+            </a:pPr>
+            <a:r>
+              <a:rPr lang="en-US" sz="1200" dirty="0">
+                <a:solidFill>
+                  <a:srgbClr val="000000"/>
+                </a:solidFill>
+                <a:latin typeface="Arial" pitchFamily="34" charset="0"/>
+                <a:ea typeface="Arial" pitchFamily="34" charset="-122"/>
+                <a:cs typeface="Arial" pitchFamily="34" charset="-120"/>
+              </a:rPr>
+              <a:t>נלך, נלך לים</a:t>
+            </a:r>
+            <a:endParaRPr lang="en-US" sz="1200" dirty="0"/>
+          </a:p>
+          <a:p>
+            <a:pPr algn="r" indent="0" marL="0">
+              <a:buNone/>
+            </a:pPr>
+            <a:r>
+              <a:rPr lang="en-US" sz="1200" dirty="0">
+                <a:solidFill>
+                  <a:srgbClr val="000000"/>
+                </a:solidFill>
+                <a:latin typeface="Arial" pitchFamily="34" charset="0"/>
+                <a:ea typeface="Arial" pitchFamily="34" charset="-122"/>
+                <a:cs typeface="Arial" pitchFamily="34" charset="-120"/>
+              </a:rPr>
+              <a:t>נשכב ביחד על החול החם.</a:t>
+            </a:r>
+            <a:endParaRPr lang="en-US" sz="1200" dirty="0"/>
+          </a:p>
+        </p:txBody>
+      </p:sp>
+    </p:spTree>
+  </p:cSld>
+  <p:clrMapOvr>
+    <a:masterClrMapping/>
+  </p:clrMapOvr>
+</p:sld>
+</file>
+
+<file path=ppt/slides/slide7.xml><?xml version="1.0" encoding="utf-8"?>
+<p:sld xmlns:a="http://schemas.openxmlformats.org/drawingml/2006/main" xmlns:r="http://schemas.openxmlformats.org/officeDocument/2006/relationships" xmlns:p="http://schemas.openxmlformats.org/presentationml/2006/main">
+  <p:cSld name="Slide 7">
+    <p:spTree>
+      <p:nvGrpSpPr>
+        <p:cNvPr id="1" name=""/>
+        <p:cNvGrpSpPr/>
+        <p:nvPr/>
+      </p:nvGrpSpPr>
+      <p:grpSpPr>
+        <a:xfrm>
+          <a:off x="0" y="0"/>
+          <a:ext cx="0" cy="0"/>
+          <a:chOff x="0" y="0"/>
+          <a:chExt cx="0" cy="0"/>
+        </a:xfrm>
+      </p:grpSpPr>
+      <p:sp>
+        <p:nvSpPr>
+          <p:cNvPr id="2" name="Text 0"/>
+          <p:cNvSpPr/>
+          <p:nvPr/>
+        </p:nvSpPr>
+        <p:spPr>
+          <a:xfrm>
+            <a:off x="457200" y="457200"/>
+            <a:ext cx="8229600" cy="0"/>
+          </a:xfrm>
+          <a:prstGeom prst="rect">
+            <a:avLst/>
+          </a:prstGeom>
+          <a:noFill/>
+          <a:ln/>
+        </p:spPr>
+        <p:txBody>
+          <a:bodyPr wrap="square" lIns="6350" tIns="6350" rIns="6350" bIns="6350" rtlCol="0" anchor="ctr"/>
+          <a:lstStyle/>
+          <a:p>
+            <a:pPr algn="r" indent="0" marL="0">
+              <a:buNone/>
+            </a:pPr>
+            <a:r>
+              <a:rPr lang="en-US" sz="1600" dirty="0">
+                <a:solidFill>
+                  <a:srgbClr val="363636"/>
+                </a:solidFill>
+              </a:rPr>
+              <a:t>אהבת נעורי</a:t>
+            </a:r>
+            <a:endParaRPr lang="en-US" sz="1600" dirty="0"/>
+          </a:p>
+        </p:txBody>
+      </p:sp>
+      <p:sp>
+        <p:nvSpPr>
+          <p:cNvPr id="3" name="Text 1"/>
+          <p:cNvSpPr/>
+          <p:nvPr/>
+        </p:nvSpPr>
+        <p:spPr>
+          <a:xfrm>
+            <a:off x="457200" y="914400"/>
+            <a:ext cx="8229600" cy="0"/>
+          </a:xfrm>
+          <a:prstGeom prst="rect">
+            <a:avLst/>
+          </a:prstGeom>
+          <a:noFill/>
+          <a:ln/>
+        </p:spPr>
+        <p:txBody>
+          <a:bodyPr wrap="square" lIns="6350" tIns="6350" rIns="6350" bIns="6350" rtlCol="0" anchor="ctr"/>
+          <a:lstStyle/>
+          <a:p>
+            <a:pPr algn="r" indent="0" marL="0">
+              <a:buNone/>
+            </a:pPr>
+            <a:r>
+              <a:rPr lang="en-US" sz="1300" dirty="0">
+                <a:solidFill>
+                  <a:srgbClr val="363636"/>
+                </a:solidFill>
+              </a:rPr>
+              <a:t>שלום חנוך</a:t>
+            </a:r>
+            <a:endParaRPr lang="en-US" sz="1300" dirty="0"/>
+          </a:p>
+        </p:txBody>
+      </p:sp>
+      <p:sp>
+        <p:nvSpPr>
+          <p:cNvPr id="4" name="Text 2"/>
+          <p:cNvSpPr txBox="1"/>
+          <p:nvPr/>
+        </p:nvSpPr>
+        <p:spPr>
+          <a:xfrm>
+            <a:off x="457200" y="1371600"/>
+            <a:ext cx="8229600" cy="4114800"/>
+          </a:xfrm>
+          <a:prstGeom prst="rect">
+            <a:avLst/>
+          </a:prstGeom>
+          <a:noFill/>
+          <a:ln/>
+        </p:spPr>
+        <p:txBody>
+          <a:bodyPr wrap="square" lIns="6350" tIns="6350" rIns="6350" bIns="6350" rtlCol="0" anchor="t"/>
+          <a:lstStyle/>
+          <a:p>
+            <a:pPr algn="r" indent="0" marL="0">
+              <a:buNone/>
+            </a:pPr>
+            <a:r>
+              <a:rPr lang="en-US" sz="1200" dirty="0">
+                <a:solidFill>
+                  <a:srgbClr val="000000"/>
+                </a:solidFill>
+                <a:latin typeface="Arial" pitchFamily="34" charset="0"/>
+                <a:ea typeface="Arial" pitchFamily="34" charset="-122"/>
+                <a:cs typeface="Arial" pitchFamily="34" charset="-120"/>
+              </a:rPr>
+              <a:t>הייתי ילד בלילות עצוב</a:t>
+            </a:r>
+            <a:endParaRPr lang="en-US" sz="1200" dirty="0"/>
+          </a:p>
+          <a:p>
+            <a:pPr algn="r" indent="0" marL="0">
+              <a:buNone/>
+            </a:pPr>
+            <a:r>
+              <a:rPr lang="en-US" sz="1200" dirty="0">
+                <a:solidFill>
+                  <a:srgbClr val="000000"/>
+                </a:solidFill>
+                <a:latin typeface="Arial" pitchFamily="34" charset="0"/>
+                <a:ea typeface="Arial" pitchFamily="34" charset="-122"/>
+                <a:cs typeface="Arial" pitchFamily="34" charset="-120"/>
+              </a:rPr>
+              <a:t>משוטט לבד</a:t>
+            </a:r>
+            <a:endParaRPr lang="en-US" sz="1200" dirty="0"/>
+          </a:p>
+          <a:p>
+            <a:pPr algn="r" indent="0" marL="0">
+              <a:buNone/>
+            </a:pPr>
+            <a:r>
+              <a:rPr lang="en-US" sz="1200" dirty="0">
+                <a:solidFill>
+                  <a:srgbClr val="000000"/>
+                </a:solidFill>
+                <a:latin typeface="Arial" pitchFamily="34" charset="0"/>
+                <a:ea typeface="Arial" pitchFamily="34" charset="-122"/>
+                <a:cs typeface="Arial" pitchFamily="34" charset="-120"/>
+              </a:rPr>
+              <a:t>לא נתתי לאיש לדעת</a:t>
+            </a:r>
+            <a:endParaRPr lang="en-US" sz="1200" dirty="0"/>
+          </a:p>
+          <a:p>
+            <a:pPr algn="r" indent="0" marL="0">
+              <a:buNone/>
+            </a:pPr>
+            <a:r>
+              <a:rPr lang="en-US" sz="1200" dirty="0">
+                <a:solidFill>
+                  <a:srgbClr val="000000"/>
+                </a:solidFill>
+                <a:latin typeface="Arial" pitchFamily="34" charset="0"/>
+                <a:ea typeface="Arial" pitchFamily="34" charset="-122"/>
+                <a:cs typeface="Arial" pitchFamily="34" charset="-120"/>
+              </a:rPr>
+              <a:t>את היית אהבת נעורי</a:t>
+            </a:r>
+            <a:endParaRPr lang="en-US" sz="1200" dirty="0"/>
+          </a:p>
+          <a:p>
+            <a:pPr algn="r" indent="0" marL="0">
+              <a:buNone/>
+            </a:pPr>
+            <a:endParaRPr lang="en-US" sz="1200" dirty="0"/>
+          </a:p>
+          <a:p>
+            <a:pPr algn="r" indent="0" marL="0">
+              <a:buNone/>
+            </a:pPr>
+            <a:r>
+              <a:rPr lang="en-US" sz="1200" dirty="0">
+                <a:solidFill>
+                  <a:srgbClr val="000000"/>
+                </a:solidFill>
+                <a:latin typeface="Arial" pitchFamily="34" charset="0"/>
+                <a:ea typeface="Arial" pitchFamily="34" charset="-122"/>
+                <a:cs typeface="Arial" pitchFamily="34" charset="-120"/>
+              </a:rPr>
+              <a:t>הייתי ילד בימים חולם</a:t>
+            </a:r>
+            <a:endParaRPr lang="en-US" sz="1200" dirty="0"/>
+          </a:p>
+          <a:p>
+            <a:pPr algn="r" indent="0" marL="0">
+              <a:buNone/>
+            </a:pPr>
+            <a:r>
+              <a:rPr lang="en-US" sz="1200" dirty="0">
+                <a:solidFill>
+                  <a:srgbClr val="000000"/>
+                </a:solidFill>
+                <a:latin typeface="Arial" pitchFamily="34" charset="0"/>
+                <a:ea typeface="Arial" pitchFamily="34" charset="-122"/>
+                <a:cs typeface="Arial" pitchFamily="34" charset="-120"/>
+              </a:rPr>
+              <a:t>מנגן ושר</a:t>
+            </a:r>
+            <a:endParaRPr lang="en-US" sz="1200" dirty="0"/>
+          </a:p>
+          <a:p>
+            <a:pPr algn="r" indent="0" marL="0">
+              <a:buNone/>
+            </a:pPr>
+            <a:r>
+              <a:rPr lang="en-US" sz="1200" dirty="0">
+                <a:solidFill>
+                  <a:srgbClr val="000000"/>
+                </a:solidFill>
+                <a:latin typeface="Arial" pitchFamily="34" charset="0"/>
+                <a:ea typeface="Arial" pitchFamily="34" charset="-122"/>
+                <a:cs typeface="Arial" pitchFamily="34" charset="-120"/>
+              </a:rPr>
+              <a:t>מדמה לי שאת שומעת</a:t>
+            </a:r>
+            <a:endParaRPr lang="en-US" sz="1200" dirty="0"/>
+          </a:p>
+          <a:p>
+            <a:pPr algn="r" indent="0" marL="0">
+              <a:buNone/>
+            </a:pPr>
+            <a:r>
+              <a:rPr lang="en-US" sz="1200" dirty="0">
+                <a:solidFill>
+                  <a:srgbClr val="000000"/>
+                </a:solidFill>
+                <a:latin typeface="Arial" pitchFamily="34" charset="0"/>
+                <a:ea typeface="Arial" pitchFamily="34" charset="-122"/>
+                <a:cs typeface="Arial" pitchFamily="34" charset="-120"/>
+              </a:rPr>
+              <a:t>את השיר הראשון בחיי</a:t>
+            </a:r>
+            <a:endParaRPr lang="en-US" sz="1200" dirty="0"/>
+          </a:p>
+          <a:p>
+            <a:pPr algn="r" indent="0" marL="0">
+              <a:buNone/>
+            </a:pPr>
+            <a:endParaRPr lang="en-US" sz="1200" dirty="0"/>
+          </a:p>
+          <a:p>
+            <a:pPr algn="r" indent="0" marL="0">
+              <a:buNone/>
+            </a:pPr>
+            <a:r>
+              <a:rPr lang="en-US" sz="1200" dirty="0">
+                <a:solidFill>
+                  <a:srgbClr val="000000"/>
+                </a:solidFill>
+                <a:latin typeface="Arial" pitchFamily="34" charset="0"/>
+                <a:ea typeface="Arial" pitchFamily="34" charset="-122"/>
+                <a:cs typeface="Arial" pitchFamily="34" charset="-120"/>
+              </a:rPr>
+              <a:t>מסתכל איך את רוקדת</a:t>
+            </a:r>
+            <a:endParaRPr lang="en-US" sz="1200" dirty="0"/>
+          </a:p>
+          <a:p>
+            <a:pPr algn="r" indent="0" marL="0">
+              <a:buNone/>
+            </a:pPr>
+            <a:r>
+              <a:rPr lang="en-US" sz="1200" dirty="0">
+                <a:solidFill>
+                  <a:srgbClr val="000000"/>
+                </a:solidFill>
+                <a:latin typeface="Arial" pitchFamily="34" charset="0"/>
+                <a:ea typeface="Arial" pitchFamily="34" charset="-122"/>
+                <a:cs typeface="Arial" pitchFamily="34" charset="-120"/>
+              </a:rPr>
+              <a:t>מסתובבת ונצמדת</a:t>
+            </a:r>
+            <a:endParaRPr lang="en-US" sz="1200" dirty="0"/>
+          </a:p>
+          <a:p>
+            <a:pPr algn="r" indent="0" marL="0">
+              <a:buNone/>
+            </a:pPr>
+            <a:r>
+              <a:rPr lang="en-US" sz="1200" dirty="0">
+                <a:solidFill>
+                  <a:srgbClr val="000000"/>
+                </a:solidFill>
+                <a:latin typeface="Arial" pitchFamily="34" charset="0"/>
+                <a:ea typeface="Arial" pitchFamily="34" charset="-122"/>
+                <a:cs typeface="Arial" pitchFamily="34" charset="-120"/>
+              </a:rPr>
+              <a:t>רק אני צופה מהצד</a:t>
+            </a:r>
+            <a:endParaRPr lang="en-US" sz="1200" dirty="0"/>
+          </a:p>
+          <a:p>
+            <a:pPr algn="r" indent="0" marL="0">
+              <a:buNone/>
+            </a:pPr>
+            <a:r>
+              <a:rPr lang="en-US" sz="1200" dirty="0">
+                <a:solidFill>
+                  <a:srgbClr val="000000"/>
+                </a:solidFill>
+                <a:latin typeface="Arial" pitchFamily="34" charset="0"/>
+                <a:ea typeface="Arial" pitchFamily="34" charset="-122"/>
+                <a:cs typeface="Arial" pitchFamily="34" charset="-120"/>
+              </a:rPr>
+              <a:t>אני נשאר ואת עוזבת</a:t>
+            </a:r>
+            <a:endParaRPr lang="en-US" sz="1200" dirty="0"/>
+          </a:p>
+          <a:p>
+            <a:pPr algn="r" indent="0" marL="0">
+              <a:buNone/>
+            </a:pPr>
+            <a:r>
+              <a:rPr lang="en-US" sz="1200" dirty="0">
+                <a:solidFill>
+                  <a:srgbClr val="000000"/>
+                </a:solidFill>
+                <a:latin typeface="Arial" pitchFamily="34" charset="0"/>
+                <a:ea typeface="Arial" pitchFamily="34" charset="-122"/>
+                <a:cs typeface="Arial" pitchFamily="34" charset="-120"/>
+              </a:rPr>
+              <a:t>רחוקה לא מתקרבת</a:t>
+            </a:r>
+            <a:endParaRPr lang="en-US" sz="1200" dirty="0"/>
+          </a:p>
+          <a:p>
+            <a:pPr algn="r" indent="0" marL="0">
+              <a:buNone/>
+            </a:pPr>
+            <a:r>
+              <a:rPr lang="en-US" sz="1200" dirty="0">
+                <a:solidFill>
+                  <a:srgbClr val="000000"/>
+                </a:solidFill>
+                <a:latin typeface="Arial" pitchFamily="34" charset="0"/>
+                <a:ea typeface="Arial" pitchFamily="34" charset="-122"/>
+                <a:cs typeface="Arial" pitchFamily="34" charset="-120"/>
+              </a:rPr>
+              <a:t>זיכרון שעולה בי שוב</a:t>
+            </a:r>
+            <a:endParaRPr lang="en-US" sz="1200" dirty="0"/>
+          </a:p>
+          <a:p>
+            <a:pPr algn="r" indent="0" marL="0">
+              <a:buNone/>
+            </a:pPr>
+            <a:r>
+              <a:rPr lang="en-US" sz="1200" dirty="0">
+                <a:solidFill>
+                  <a:srgbClr val="000000"/>
+                </a:solidFill>
+                <a:latin typeface="Arial" pitchFamily="34" charset="0"/>
+                <a:ea typeface="Arial" pitchFamily="34" charset="-122"/>
+                <a:cs typeface="Arial" pitchFamily="34" charset="-120"/>
+              </a:rPr>
+              <a:t>פרדס רטוב יללת התנים ואת</a:t>
+            </a:r>
+            <a:endParaRPr lang="en-US" sz="1200" dirty="0"/>
+          </a:p>
+          <a:p>
+            <a:pPr algn="r" indent="0" marL="0">
+              <a:buNone/>
+            </a:pPr>
+            <a:r>
+              <a:rPr lang="en-US" sz="1200" dirty="0">
+                <a:solidFill>
+                  <a:srgbClr val="000000"/>
+                </a:solidFill>
+                <a:latin typeface="Arial" pitchFamily="34" charset="0"/>
+                <a:ea typeface="Arial" pitchFamily="34" charset="-122"/>
+                <a:cs typeface="Arial" pitchFamily="34" charset="-120"/>
+              </a:rPr>
+              <a:t>שהיית אהבת נעורי</a:t>
+            </a:r>
+            <a:endParaRPr lang="en-US" sz="1200" dirty="0"/>
+          </a:p>
+          <a:p>
+            <a:pPr algn="r" indent="0" marL="0">
+              <a:buNone/>
+            </a:pPr>
+            <a:endParaRPr lang="en-US" sz="1200" dirty="0"/>
+          </a:p>
+          <a:p>
+            <a:pPr algn="r" indent="0" marL="0">
+              <a:buNone/>
+            </a:pPr>
+            <a:r>
+              <a:rPr lang="en-US" sz="1200" dirty="0">
+                <a:solidFill>
+                  <a:srgbClr val="000000"/>
+                </a:solidFill>
+                <a:latin typeface="Arial" pitchFamily="34" charset="0"/>
+                <a:ea typeface="Arial" pitchFamily="34" charset="-122"/>
+                <a:cs typeface="Arial" pitchFamily="34" charset="-120"/>
+              </a:rPr>
+              <a:t>ולא הייתי איתך כמעט</a:t>
+            </a:r>
+            <a:endParaRPr lang="en-US" sz="1200" dirty="0"/>
+          </a:p>
+          <a:p>
+            <a:pPr algn="r" indent="0" marL="0">
+              <a:buNone/>
+            </a:pPr>
+            <a:r>
+              <a:rPr lang="en-US" sz="1200" dirty="0">
+                <a:solidFill>
+                  <a:srgbClr val="000000"/>
+                </a:solidFill>
+                <a:latin typeface="Arial" pitchFamily="34" charset="0"/>
+                <a:ea typeface="Arial" pitchFamily="34" charset="-122"/>
+                <a:cs typeface="Arial" pitchFamily="34" charset="-120"/>
+              </a:rPr>
+              <a:t>כל כך מעט ואמרת לי שאת נוסעת</a:t>
+            </a:r>
+            <a:endParaRPr lang="en-US" sz="1200" dirty="0"/>
+          </a:p>
+          <a:p>
+            <a:pPr algn="r" indent="0" marL="0">
+              <a:buNone/>
+            </a:pPr>
+            <a:r>
+              <a:rPr lang="en-US" sz="1200" dirty="0">
+                <a:solidFill>
+                  <a:srgbClr val="000000"/>
+                </a:solidFill>
+                <a:latin typeface="Arial" pitchFamily="34" charset="0"/>
+                <a:ea typeface="Arial" pitchFamily="34" charset="-122"/>
+                <a:cs typeface="Arial" pitchFamily="34" charset="-120"/>
+              </a:rPr>
+              <a:t>ואולי לא אראה אותך שוב</a:t>
+            </a:r>
+            <a:endParaRPr lang="en-US" sz="1200" dirty="0"/>
+          </a:p>
+          <a:p>
+            <a:pPr algn="r" indent="0" marL="0">
+              <a:buNone/>
+            </a:pPr>
+            <a:endParaRPr lang="en-US" sz="1200" dirty="0"/>
+          </a:p>
+          <a:p>
+            <a:pPr algn="r" indent="0" marL="0">
+              <a:buNone/>
+            </a:pPr>
+            <a:r>
+              <a:rPr lang="en-US" sz="1200" dirty="0">
+                <a:solidFill>
+                  <a:srgbClr val="000000"/>
+                </a:solidFill>
+                <a:latin typeface="Arial" pitchFamily="34" charset="0"/>
+                <a:ea typeface="Arial" pitchFamily="34" charset="-122"/>
+                <a:cs typeface="Arial" pitchFamily="34" charset="-120"/>
+              </a:rPr>
+              <a:t>הייתי ילד בלילות עצוב</a:t>
+            </a:r>
+            <a:endParaRPr lang="en-US" sz="1200" dirty="0"/>
+          </a:p>
+          <a:p>
+            <a:pPr algn="r" indent="0" marL="0">
+              <a:buNone/>
+            </a:pPr>
+            <a:r>
+              <a:rPr lang="en-US" sz="1200" dirty="0">
+                <a:solidFill>
+                  <a:srgbClr val="000000"/>
+                </a:solidFill>
+                <a:latin typeface="Arial" pitchFamily="34" charset="0"/>
+                <a:ea typeface="Arial" pitchFamily="34" charset="-122"/>
+                <a:cs typeface="Arial" pitchFamily="34" charset="-120"/>
+              </a:rPr>
+              <a:t>משוטט לבד</a:t>
+            </a:r>
+            <a:endParaRPr lang="en-US" sz="1200" dirty="0"/>
+          </a:p>
+          <a:p>
+            <a:pPr algn="r" indent="0" marL="0">
+              <a:buNone/>
+            </a:pPr>
+            <a:r>
+              <a:rPr lang="en-US" sz="1200" dirty="0">
+                <a:solidFill>
+                  <a:srgbClr val="000000"/>
+                </a:solidFill>
+                <a:latin typeface="Arial" pitchFamily="34" charset="0"/>
+                <a:ea typeface="Arial" pitchFamily="34" charset="-122"/>
+                <a:cs typeface="Arial" pitchFamily="34" charset="-120"/>
+              </a:rPr>
+              <a:t>לא נתתי לאיש לדעת</a:t>
+            </a:r>
+            <a:endParaRPr lang="en-US" sz="1200" dirty="0"/>
+          </a:p>
+          <a:p>
+            <a:pPr algn="r" indent="0" marL="0">
+              <a:buNone/>
+            </a:pPr>
+            <a:r>
+              <a:rPr lang="en-US" sz="1200" dirty="0">
+                <a:solidFill>
+                  <a:srgbClr val="000000"/>
+                </a:solidFill>
+                <a:latin typeface="Arial" pitchFamily="34" charset="0"/>
+                <a:ea typeface="Arial" pitchFamily="34" charset="-122"/>
+                <a:cs typeface="Arial" pitchFamily="34" charset="-120"/>
+              </a:rPr>
+              <a:t>את היית אהבת נעורי</a:t>
+            </a:r>
+            <a:endParaRPr lang="en-US" sz="1200" dirty="0"/>
+          </a:p>
+        </p:txBody>
+      </p:sp>
+    </p:spTree>
+  </p:cSld>
+  <p:clrMapOvr>
+    <a:masterClrMapping/>
+  </p:clrMapOvr>
+</p:sld>
+</file>
+
+<file path=ppt/slides/slide8.xml><?xml version="1.0" encoding="utf-8"?>
+<p:sld xmlns:a="http://schemas.openxmlformats.org/drawingml/2006/main" xmlns:r="http://schemas.openxmlformats.org/officeDocument/2006/relationships" xmlns:p="http://schemas.openxmlformats.org/presentationml/2006/main">
+  <p:cSld name="Slide 8">
+    <p:spTree>
+      <p:nvGrpSpPr>
+        <p:cNvPr id="1" name=""/>
+        <p:cNvGrpSpPr/>
+        <p:nvPr/>
+      </p:nvGrpSpPr>
+      <p:grpSpPr>
+        <a:xfrm>
+          <a:off x="0" y="0"/>
+          <a:ext cx="0" cy="0"/>
+          <a:chOff x="0" y="0"/>
+          <a:chExt cx="0" cy="0"/>
+        </a:xfrm>
+      </p:grpSpPr>
+      <p:sp>
+        <p:nvSpPr>
+          <p:cNvPr id="2" name="Text 0"/>
+          <p:cNvSpPr/>
+          <p:nvPr/>
+        </p:nvSpPr>
+        <p:spPr>
+          <a:xfrm>
+            <a:off x="457200" y="457200"/>
+            <a:ext cx="8229600" cy="0"/>
+          </a:xfrm>
+          <a:prstGeom prst="rect">
+            <a:avLst/>
+          </a:prstGeom>
+          <a:noFill/>
+          <a:ln/>
+        </p:spPr>
+        <p:txBody>
+          <a:bodyPr wrap="square" lIns="6350" tIns="6350" rIns="6350" bIns="6350" rtlCol="0" anchor="ctr"/>
+          <a:lstStyle/>
+          <a:p>
+            <a:pPr algn="r" indent="0" marL="0">
+              <a:buNone/>
+            </a:pPr>
+            <a:r>
+              <a:rPr lang="en-US" sz="1600" dirty="0">
+                <a:solidFill>
+                  <a:srgbClr val="363636"/>
+                </a:solidFill>
+              </a:rPr>
+              <a:t>גיטרה וכינור</a:t>
+            </a:r>
+            <a:endParaRPr lang="en-US" sz="1600" dirty="0"/>
+          </a:p>
+        </p:txBody>
+      </p:sp>
+      <p:sp>
+        <p:nvSpPr>
+          <p:cNvPr id="3" name="Text 1"/>
+          <p:cNvSpPr/>
+          <p:nvPr/>
+        </p:nvSpPr>
+        <p:spPr>
+          <a:xfrm>
+            <a:off x="457200" y="914400"/>
+            <a:ext cx="8229600" cy="0"/>
+          </a:xfrm>
+          <a:prstGeom prst="rect">
+            <a:avLst/>
+          </a:prstGeom>
+          <a:noFill/>
+          <a:ln/>
+        </p:spPr>
+        <p:txBody>
+          <a:bodyPr wrap="square" lIns="6350" tIns="6350" rIns="6350" bIns="6350" rtlCol="0" anchor="ctr"/>
+          <a:lstStyle/>
+          <a:p>
+            <a:pPr algn="r" indent="0" marL="0">
+              <a:buNone/>
+            </a:pPr>
+            <a:r>
+              <a:rPr lang="en-US" sz="1300" dirty="0">
+                <a:solidFill>
+                  <a:srgbClr val="363636"/>
+                </a:solidFill>
+              </a:rPr>
+              <a:t>שלום חנוך</a:t>
+            </a:r>
+            <a:endParaRPr lang="en-US" sz="1300" dirty="0"/>
+          </a:p>
+        </p:txBody>
+      </p:sp>
+      <p:sp>
+        <p:nvSpPr>
+          <p:cNvPr id="4" name="Text 2"/>
+          <p:cNvSpPr txBox="1"/>
+          <p:nvPr/>
+        </p:nvSpPr>
+        <p:spPr>
+          <a:xfrm>
+            <a:off x="457200" y="1371600"/>
+            <a:ext cx="8229600" cy="4114800"/>
+          </a:xfrm>
+          <a:prstGeom prst="rect">
+            <a:avLst/>
+          </a:prstGeom>
+          <a:noFill/>
+          <a:ln/>
+        </p:spPr>
+        <p:txBody>
+          <a:bodyPr wrap="square" lIns="6350" tIns="6350" rIns="6350" bIns="6350" rtlCol="0" anchor="t"/>
+          <a:lstStyle/>
+          <a:p>
+            <a:pPr algn="r" indent="0" marL="0">
+              <a:buNone/>
+            </a:pPr>
+            <a:r>
+              <a:rPr lang="en-US" sz="1200" dirty="0">
+                <a:solidFill>
+                  <a:srgbClr val="000000"/>
+                </a:solidFill>
+                <a:latin typeface="Arial" pitchFamily="34" charset="0"/>
+                <a:ea typeface="Arial" pitchFamily="34" charset="-122"/>
+                <a:cs typeface="Arial" pitchFamily="34" charset="-120"/>
+              </a:rPr>
+              <a:t>בדירה קטנה, חשוכה מעט</a:t>
+            </a:r>
+            <a:endParaRPr lang="en-US" sz="1200" dirty="0"/>
+          </a:p>
+          <a:p>
+            <a:pPr algn="r" indent="0" marL="0">
+              <a:buNone/>
+            </a:pPr>
+            <a:r>
+              <a:rPr lang="en-US" sz="1200" dirty="0">
+                <a:solidFill>
+                  <a:srgbClr val="000000"/>
+                </a:solidFill>
+                <a:latin typeface="Arial" pitchFamily="34" charset="0"/>
+                <a:ea typeface="Arial" pitchFamily="34" charset="-122"/>
+                <a:cs typeface="Arial" pitchFamily="34" charset="-120"/>
+              </a:rPr>
+              <a:t>לא רחוק מכאן, בסימטה בצד</a:t>
+            </a:r>
+            <a:endParaRPr lang="en-US" sz="1200" dirty="0"/>
+          </a:p>
+          <a:p>
+            <a:pPr algn="r" indent="0" marL="0">
+              <a:buNone/>
+            </a:pPr>
+            <a:r>
+              <a:rPr lang="en-US" sz="1200" dirty="0">
+                <a:solidFill>
+                  <a:srgbClr val="000000"/>
+                </a:solidFill>
+                <a:latin typeface="Arial" pitchFamily="34" charset="0"/>
+                <a:ea typeface="Arial" pitchFamily="34" charset="-122"/>
+                <a:cs typeface="Arial" pitchFamily="34" charset="-120"/>
+              </a:rPr>
+              <a:t>גר בחור אחד עם אישה אחת</a:t>
+            </a:r>
+            <a:endParaRPr lang="en-US" sz="1200" dirty="0"/>
+          </a:p>
+          <a:p>
+            <a:pPr algn="r" indent="0" marL="0">
+              <a:buNone/>
+            </a:pPr>
+            <a:r>
+              <a:rPr lang="en-US" sz="1200" dirty="0">
+                <a:solidFill>
+                  <a:srgbClr val="000000"/>
+                </a:solidFill>
+                <a:latin typeface="Arial" pitchFamily="34" charset="0"/>
+                <a:ea typeface="Arial" pitchFamily="34" charset="-122"/>
+                <a:cs typeface="Arial" pitchFamily="34" charset="-120"/>
+              </a:rPr>
+              <a:t>חיים מכל הבא ליד</a:t>
+            </a:r>
+            <a:endParaRPr lang="en-US" sz="1200" dirty="0"/>
+          </a:p>
+          <a:p>
+            <a:pPr algn="r" indent="0" marL="0">
+              <a:buNone/>
+            </a:pPr>
+            <a:r>
+              <a:rPr lang="en-US" sz="1200" dirty="0">
+                <a:solidFill>
+                  <a:srgbClr val="000000"/>
+                </a:solidFill>
+                <a:latin typeface="Arial" pitchFamily="34" charset="0"/>
+                <a:ea typeface="Arial" pitchFamily="34" charset="-122"/>
+                <a:cs typeface="Arial" pitchFamily="34" charset="-120"/>
+              </a:rPr>
+              <a:t>נישאים הם סחור וסחור</a:t>
+            </a:r>
+            <a:endParaRPr lang="en-US" sz="1200" dirty="0"/>
+          </a:p>
+          <a:p>
+            <a:pPr algn="r" indent="0" marL="0">
+              <a:buNone/>
+            </a:pPr>
+            <a:r>
+              <a:rPr lang="en-US" sz="1200" dirty="0">
+                <a:solidFill>
+                  <a:srgbClr val="000000"/>
+                </a:solidFill>
+                <a:latin typeface="Arial" pitchFamily="34" charset="0"/>
+                <a:ea typeface="Arial" pitchFamily="34" charset="-122"/>
+                <a:cs typeface="Arial" pitchFamily="34" charset="-120"/>
+              </a:rPr>
+              <a:t>הוא גיטרה, היא כינור.</a:t>
+            </a:r>
+            <a:endParaRPr lang="en-US" sz="1200" dirty="0"/>
+          </a:p>
+          <a:p>
+            <a:pPr algn="r" indent="0" marL="0">
+              <a:buNone/>
+            </a:pPr>
+            <a:endParaRPr lang="en-US" sz="1200" dirty="0"/>
+          </a:p>
+          <a:p>
+            <a:pPr algn="r" indent="0" marL="0">
+              <a:buNone/>
+            </a:pPr>
+            <a:r>
+              <a:rPr lang="en-US" sz="1200" dirty="0">
+                <a:solidFill>
+                  <a:srgbClr val="000000"/>
+                </a:solidFill>
+                <a:latin typeface="Arial" pitchFamily="34" charset="0"/>
+                <a:ea typeface="Arial" pitchFamily="34" charset="-122"/>
+                <a:cs typeface="Arial" pitchFamily="34" charset="-120"/>
+              </a:rPr>
+              <a:t>מחליפים מיתר כשהחורף בא</a:t>
+            </a:r>
+            <a:endParaRPr lang="en-US" sz="1200" dirty="0"/>
+          </a:p>
+          <a:p>
+            <a:pPr algn="r" indent="0" marL="0">
+              <a:buNone/>
+            </a:pPr>
+            <a:r>
+              <a:rPr lang="en-US" sz="1200" dirty="0">
+                <a:solidFill>
+                  <a:srgbClr val="000000"/>
+                </a:solidFill>
+                <a:latin typeface="Arial" pitchFamily="34" charset="0"/>
+                <a:ea typeface="Arial" pitchFamily="34" charset="-122"/>
+                <a:cs typeface="Arial" pitchFamily="34" charset="-120"/>
+              </a:rPr>
+              <a:t>היא תולה מבט, הוא שוקע בה</a:t>
+            </a:r>
+            <a:endParaRPr lang="en-US" sz="1200" dirty="0"/>
+          </a:p>
+          <a:p>
+            <a:pPr algn="r" indent="0" marL="0">
+              <a:buNone/>
+            </a:pPr>
+            <a:r>
+              <a:rPr lang="en-US" sz="1200" dirty="0">
+                <a:solidFill>
+                  <a:srgbClr val="000000"/>
+                </a:solidFill>
+                <a:latin typeface="Arial" pitchFamily="34" charset="0"/>
+                <a:ea typeface="Arial" pitchFamily="34" charset="-122"/>
+                <a:cs typeface="Arial" pitchFamily="34" charset="-120"/>
+              </a:rPr>
+              <a:t>ואחר כך יד, נגיעה קלה</a:t>
+            </a:r>
+            <a:endParaRPr lang="en-US" sz="1200" dirty="0"/>
+          </a:p>
+          <a:p>
+            <a:pPr algn="r" indent="0" marL="0">
+              <a:buNone/>
+            </a:pPr>
+            <a:r>
+              <a:rPr lang="en-US" sz="1200" dirty="0">
+                <a:solidFill>
+                  <a:srgbClr val="000000"/>
+                </a:solidFill>
+                <a:latin typeface="Arial" pitchFamily="34" charset="0"/>
+                <a:ea typeface="Arial" pitchFamily="34" charset="-122"/>
+                <a:cs typeface="Arial" pitchFamily="34" charset="-120"/>
+              </a:rPr>
+              <a:t>נשיקה באויר הוא שולח לה</a:t>
+            </a:r>
+            <a:endParaRPr lang="en-US" sz="1200" dirty="0"/>
+          </a:p>
+          <a:p>
+            <a:pPr algn="r" indent="0" marL="0">
+              <a:buNone/>
+            </a:pPr>
+            <a:r>
+              <a:rPr lang="en-US" sz="1200" dirty="0">
+                <a:solidFill>
+                  <a:srgbClr val="000000"/>
+                </a:solidFill>
+                <a:latin typeface="Arial" pitchFamily="34" charset="0"/>
+                <a:ea typeface="Arial" pitchFamily="34" charset="-122"/>
+                <a:cs typeface="Arial" pitchFamily="34" charset="-120"/>
+              </a:rPr>
+              <a:t>מסתלסלת סחור וסחור</a:t>
+            </a:r>
+            <a:endParaRPr lang="en-US" sz="1200" dirty="0"/>
+          </a:p>
+          <a:p>
+            <a:pPr algn="r" indent="0" marL="0">
+              <a:buNone/>
+            </a:pPr>
+            <a:r>
+              <a:rPr lang="en-US" sz="1200" dirty="0">
+                <a:solidFill>
+                  <a:srgbClr val="000000"/>
+                </a:solidFill>
+                <a:latin typeface="Arial" pitchFamily="34" charset="0"/>
+                <a:ea typeface="Arial" pitchFamily="34" charset="-122"/>
+                <a:cs typeface="Arial" pitchFamily="34" charset="-120"/>
+              </a:rPr>
+              <a:t>כמו גיטרה וכינור</a:t>
+            </a:r>
+            <a:endParaRPr lang="en-US" sz="1200" dirty="0"/>
+          </a:p>
+          <a:p>
+            <a:pPr algn="r" indent="0" marL="0">
+              <a:buNone/>
+            </a:pPr>
+            <a:r>
+              <a:rPr lang="en-US" sz="1200" dirty="0">
+                <a:solidFill>
+                  <a:srgbClr val="000000"/>
+                </a:solidFill>
+                <a:latin typeface="Arial" pitchFamily="34" charset="0"/>
+                <a:ea typeface="Arial" pitchFamily="34" charset="-122"/>
+                <a:cs typeface="Arial" pitchFamily="34" charset="-120"/>
+              </a:rPr>
+              <a:t>הוא על זמן והיא על אור.</a:t>
+            </a:r>
+            <a:endParaRPr lang="en-US" sz="1200" dirty="0"/>
+          </a:p>
+          <a:p>
+            <a:pPr algn="r" indent="0" marL="0">
+              <a:buNone/>
+            </a:pPr>
+            <a:endParaRPr lang="en-US" sz="1200" dirty="0"/>
+          </a:p>
+          <a:p>
+            <a:pPr algn="r" indent="0" marL="0">
+              <a:buNone/>
+            </a:pPr>
+            <a:r>
+              <a:rPr lang="en-US" sz="1200" dirty="0">
+                <a:solidFill>
+                  <a:srgbClr val="000000"/>
+                </a:solidFill>
+                <a:latin typeface="Arial" pitchFamily="34" charset="0"/>
+                <a:ea typeface="Arial" pitchFamily="34" charset="-122"/>
+                <a:cs typeface="Arial" pitchFamily="34" charset="-120"/>
+              </a:rPr>
+              <a:t>בלילות שישי, במוצאי שבת</a:t>
+            </a:r>
+            <a:endParaRPr lang="en-US" sz="1200" dirty="0"/>
+          </a:p>
+          <a:p>
+            <a:pPr algn="r" indent="0" marL="0">
+              <a:buNone/>
+            </a:pPr>
+            <a:r>
+              <a:rPr lang="en-US" sz="1200" dirty="0">
+                <a:solidFill>
+                  <a:srgbClr val="000000"/>
+                </a:solidFill>
+                <a:latin typeface="Arial" pitchFamily="34" charset="0"/>
+                <a:ea typeface="Arial" pitchFamily="34" charset="-122"/>
+                <a:cs typeface="Arial" pitchFamily="34" charset="-120"/>
+              </a:rPr>
+              <a:t>אוהבים הרבה, מדברים מעט</a:t>
+            </a:r>
+            <a:endParaRPr lang="en-US" sz="1200" dirty="0"/>
+          </a:p>
+          <a:p>
+            <a:pPr algn="r" indent="0" marL="0">
+              <a:buNone/>
+            </a:pPr>
+            <a:r>
+              <a:rPr lang="en-US" sz="1200" dirty="0">
+                <a:solidFill>
+                  <a:srgbClr val="000000"/>
+                </a:solidFill>
+                <a:latin typeface="Arial" pitchFamily="34" charset="0"/>
+                <a:ea typeface="Arial" pitchFamily="34" charset="-122"/>
+                <a:cs typeface="Arial" pitchFamily="34" charset="-120"/>
+              </a:rPr>
+              <a:t>מנגנים דואט ובבת אחת,</a:t>
+            </a:r>
+            <a:endParaRPr lang="en-US" sz="1200" dirty="0"/>
+          </a:p>
+          <a:p>
+            <a:pPr algn="r" indent="0" marL="0">
+              <a:buNone/>
+            </a:pPr>
+            <a:r>
+              <a:rPr lang="en-US" sz="1200" dirty="0">
+                <a:solidFill>
+                  <a:srgbClr val="000000"/>
+                </a:solidFill>
+                <a:latin typeface="Arial" pitchFamily="34" charset="0"/>
+                <a:ea typeface="Arial" pitchFamily="34" charset="-122"/>
+                <a:cs typeface="Arial" pitchFamily="34" charset="-120"/>
+              </a:rPr>
+              <a:t>הצלילים עולים והלב נרעד</a:t>
+            </a:r>
+            <a:endParaRPr lang="en-US" sz="1200" dirty="0"/>
+          </a:p>
+          <a:p>
+            <a:pPr algn="r" indent="0" marL="0">
+              <a:buNone/>
+            </a:pPr>
+            <a:r>
+              <a:rPr lang="en-US" sz="1200" dirty="0">
+                <a:solidFill>
+                  <a:srgbClr val="000000"/>
+                </a:solidFill>
+                <a:latin typeface="Arial" pitchFamily="34" charset="0"/>
+                <a:ea typeface="Arial" pitchFamily="34" charset="-122"/>
+                <a:cs typeface="Arial" pitchFamily="34" charset="-120"/>
+              </a:rPr>
+              <a:t>נישאים הם סחור וסחור</a:t>
+            </a:r>
+            <a:endParaRPr lang="en-US" sz="1200" dirty="0"/>
+          </a:p>
+          <a:p>
+            <a:pPr algn="r" indent="0" marL="0">
+              <a:buNone/>
+            </a:pPr>
+            <a:r>
+              <a:rPr lang="en-US" sz="1200" dirty="0">
+                <a:solidFill>
+                  <a:srgbClr val="000000"/>
+                </a:solidFill>
+                <a:latin typeface="Arial" pitchFamily="34" charset="0"/>
+                <a:ea typeface="Arial" pitchFamily="34" charset="-122"/>
+                <a:cs typeface="Arial" pitchFamily="34" charset="-120"/>
+              </a:rPr>
+              <a:t>הוא גיטרה היא כינור.</a:t>
+            </a:r>
+            <a:endParaRPr lang="en-US" sz="1200" dirty="0"/>
+          </a:p>
+          <a:p>
+            <a:pPr algn="r" indent="0" marL="0">
+              <a:buNone/>
+            </a:pPr>
+            <a:endParaRPr lang="en-US" sz="1200" dirty="0"/>
+          </a:p>
+          <a:p>
+            <a:pPr algn="r" indent="0" marL="0">
+              <a:buNone/>
+            </a:pPr>
+            <a:r>
+              <a:rPr lang="en-US" sz="1200" dirty="0">
+                <a:solidFill>
+                  <a:srgbClr val="000000"/>
+                </a:solidFill>
+                <a:latin typeface="Arial" pitchFamily="34" charset="0"/>
+                <a:ea typeface="Arial" pitchFamily="34" charset="-122"/>
+                <a:cs typeface="Arial" pitchFamily="34" charset="-120"/>
+              </a:rPr>
+              <a:t>כשהקיץ בא הם פורשים כנף</a:t>
+            </a:r>
+            <a:endParaRPr lang="en-US" sz="1200" dirty="0"/>
+          </a:p>
+          <a:p>
+            <a:pPr algn="r" indent="0" marL="0">
+              <a:buNone/>
+            </a:pPr>
+            <a:r>
+              <a:rPr lang="en-US" sz="1200" dirty="0">
+                <a:solidFill>
+                  <a:srgbClr val="000000"/>
+                </a:solidFill>
+                <a:latin typeface="Arial" pitchFamily="34" charset="0"/>
+                <a:ea typeface="Arial" pitchFamily="34" charset="-122"/>
+                <a:cs typeface="Arial" pitchFamily="34" charset="-120"/>
+              </a:rPr>
+              <a:t>בעקבות חלום שחלמו בסתיו</a:t>
+            </a:r>
+            <a:endParaRPr lang="en-US" sz="1200" dirty="0"/>
+          </a:p>
+          <a:p>
+            <a:pPr algn="r" indent="0" marL="0">
+              <a:buNone/>
+            </a:pPr>
+            <a:r>
+              <a:rPr lang="en-US" sz="1200" dirty="0">
+                <a:solidFill>
+                  <a:srgbClr val="000000"/>
+                </a:solidFill>
+                <a:latin typeface="Arial" pitchFamily="34" charset="0"/>
+                <a:ea typeface="Arial" pitchFamily="34" charset="-122"/>
+                <a:cs typeface="Arial" pitchFamily="34" charset="-120"/>
+              </a:rPr>
+              <a:t>והם לא אמרו אם הם יחזרו</a:t>
+            </a:r>
+            <a:endParaRPr lang="en-US" sz="1200" dirty="0"/>
+          </a:p>
+          <a:p>
+            <a:pPr algn="r" indent="0" marL="0">
+              <a:buNone/>
+            </a:pPr>
+            <a:r>
+              <a:rPr lang="en-US" sz="1200" dirty="0">
+                <a:solidFill>
+                  <a:srgbClr val="000000"/>
+                </a:solidFill>
+                <a:latin typeface="Arial" pitchFamily="34" charset="0"/>
+                <a:ea typeface="Arial" pitchFamily="34" charset="-122"/>
+                <a:cs typeface="Arial" pitchFamily="34" charset="-120"/>
+              </a:rPr>
+              <a:t>מהרי נפאל, מערבות פרו</a:t>
+            </a:r>
+            <a:endParaRPr lang="en-US" sz="1200" dirty="0"/>
+          </a:p>
+          <a:p>
+            <a:pPr algn="r" indent="0" marL="0">
+              <a:buNone/>
+            </a:pPr>
+            <a:r>
+              <a:rPr lang="en-US" sz="1200" dirty="0">
+                <a:solidFill>
+                  <a:srgbClr val="000000"/>
+                </a:solidFill>
+                <a:latin typeface="Arial" pitchFamily="34" charset="0"/>
+                <a:ea typeface="Arial" pitchFamily="34" charset="-122"/>
+                <a:cs typeface="Arial" pitchFamily="34" charset="-120"/>
+              </a:rPr>
+              <a:t>נודדים שם סחור וסחור</a:t>
+            </a:r>
+            <a:endParaRPr lang="en-US" sz="1200" dirty="0"/>
+          </a:p>
+          <a:p>
+            <a:pPr algn="r" indent="0" marL="0">
+              <a:buNone/>
+            </a:pPr>
+            <a:r>
+              <a:rPr lang="en-US" sz="1200" dirty="0">
+                <a:solidFill>
+                  <a:srgbClr val="000000"/>
+                </a:solidFill>
+                <a:latin typeface="Arial" pitchFamily="34" charset="0"/>
+                <a:ea typeface="Arial" pitchFamily="34" charset="-122"/>
+                <a:cs typeface="Arial" pitchFamily="34" charset="-120"/>
+              </a:rPr>
+              <a:t>הוא על זמן והיא על אור</a:t>
+            </a:r>
+            <a:endParaRPr lang="en-US" sz="1200" dirty="0"/>
+          </a:p>
+          <a:p>
+            <a:pPr algn="r" indent="0" marL="0">
+              <a:buNone/>
+            </a:pPr>
+            <a:r>
+              <a:rPr lang="en-US" sz="1200" dirty="0">
+                <a:solidFill>
+                  <a:srgbClr val="000000"/>
+                </a:solidFill>
+                <a:latin typeface="Arial" pitchFamily="34" charset="0"/>
+                <a:ea typeface="Arial" pitchFamily="34" charset="-122"/>
+                <a:cs typeface="Arial" pitchFamily="34" charset="-120"/>
+              </a:rPr>
+              <a:t>עם גיטרה וכינור.</a:t>
+            </a:r>
+            <a:endParaRPr lang="en-US" sz="1200" dirty="0"/>
+          </a:p>
+          <a:p>
+            <a:pPr algn="r" indent="0" marL="0">
+              <a:buNone/>
+            </a:pPr>
+            <a:endParaRPr lang="en-US" sz="1200" dirty="0"/>
+          </a:p>
+          <a:p>
+            <a:pPr algn="r" indent="0" marL="0">
+              <a:buNone/>
+            </a:pPr>
+            <a:r>
+              <a:rPr lang="en-US" sz="1200" dirty="0">
+                <a:solidFill>
+                  <a:srgbClr val="000000"/>
+                </a:solidFill>
+                <a:latin typeface="Arial" pitchFamily="34" charset="0"/>
+                <a:ea typeface="Arial" pitchFamily="34" charset="-122"/>
+                <a:cs typeface="Arial" pitchFamily="34" charset="-120"/>
+              </a:rPr>
+              <a:t>בדירה קטנה, חשוכה מעט</a:t>
+            </a:r>
+            <a:endParaRPr lang="en-US" sz="1200" dirty="0"/>
+          </a:p>
+          <a:p>
+            <a:pPr algn="r" indent="0" marL="0">
+              <a:buNone/>
+            </a:pPr>
+            <a:r>
+              <a:rPr lang="en-US" sz="1200" dirty="0">
+                <a:solidFill>
+                  <a:srgbClr val="000000"/>
+                </a:solidFill>
+                <a:latin typeface="Arial" pitchFamily="34" charset="0"/>
+                <a:ea typeface="Arial" pitchFamily="34" charset="-122"/>
+                <a:cs typeface="Arial" pitchFamily="34" charset="-120"/>
+              </a:rPr>
+              <a:t>לא רחוק מכאן בסימטה בצד</a:t>
+            </a:r>
+            <a:endParaRPr lang="en-US" sz="1200" dirty="0"/>
+          </a:p>
+          <a:p>
+            <a:pPr algn="r" indent="0" marL="0">
+              <a:buNone/>
+            </a:pPr>
+            <a:r>
+              <a:rPr lang="en-US" sz="1200" dirty="0">
+                <a:solidFill>
+                  <a:srgbClr val="000000"/>
+                </a:solidFill>
+                <a:latin typeface="Arial" pitchFamily="34" charset="0"/>
+                <a:ea typeface="Arial" pitchFamily="34" charset="-122"/>
+                <a:cs typeface="Arial" pitchFamily="34" charset="-120"/>
+              </a:rPr>
+              <a:t>גר בחור אחד עם אישה אחת...</a:t>
+            </a:r>
+            <a:endParaRPr lang="en-US" sz="1200" dirty="0"/>
+          </a:p>
+        </p:txBody>
+      </p:sp>
+    </p:spTree>
+  </p:cSld>
+  <p:clrMapOvr>
+    <a:masterClrMapping/>
+  </p:clrMapOvr>
+</p:sld>
+</file>
+
+<file path=ppt/slides/slide9.xml><?xml version="1.0" encoding="utf-8"?>
+<p:sld xmlns:a="http://schemas.openxmlformats.org/drawingml/2006/main" xmlns:r="http://schemas.openxmlformats.org/officeDocument/2006/relationships" xmlns:p="http://schemas.openxmlformats.org/presentationml/2006/main">
+  <p:cSld name="Slide 9">
     <p:spTree>
       <p:nvGrpSpPr>
         <p:cNvPr id="1" name=""/>
